--- a/Documentation/Presentations/Supervisor Meetings/update_130123.pptx
+++ b/Documentation/Presentations/Supervisor Meetings/update_130123.pptx
@@ -7,6 +7,15 @@
   <p:sldIdLst>
     <p:sldId id="256" r:id="rId2"/>
     <p:sldId id="257" r:id="rId3"/>
+    <p:sldId id="258" r:id="rId4"/>
+    <p:sldId id="259" r:id="rId5"/>
+    <p:sldId id="260" r:id="rId6"/>
+    <p:sldId id="262" r:id="rId7"/>
+    <p:sldId id="261" r:id="rId8"/>
+    <p:sldId id="263" r:id="rId9"/>
+    <p:sldId id="264" r:id="rId10"/>
+    <p:sldId id="265" r:id="rId11"/>
+    <p:sldId id="266" r:id="rId12"/>
   </p:sldIdLst>
   <p:sldSz cx="12192000" cy="6858000"/>
   <p:notesSz cx="6858000" cy="9144000"/>
@@ -105,7 +114,600 @@
       </a:defRPr>
     </a:lvl9pPr>
   </p:defaultTextStyle>
+  <p:extLst>
+    <p:ext uri="{EFAFB233-063F-42B5-8137-9DF3F51BA10A}">
+      <p15:sldGuideLst xmlns:p15="http://schemas.microsoft.com/office/powerpoint/2012/main"/>
+    </p:ext>
+  </p:extLst>
 </p:presentation>
+</file>
+
+<file path=ppt/revisionInfo.xml><?xml version="1.0" encoding="utf-8"?>
+<p1510:revInfo xmlns:a="http://schemas.openxmlformats.org/drawingml/2006/main" xmlns:r="http://schemas.openxmlformats.org/officeDocument/2006/relationships" xmlns:p1510="http://schemas.microsoft.com/office/powerpoint/2015/10/main">
+  <p1510:revLst>
+    <p1510:client id="{24D8BC22-D5B6-4F13-A865-783A1F77C2F1}" v="10" dt="2023-01-13T00:22:55.336"/>
+  </p1510:revLst>
+</p1510:revInfo>
+</file>
+
+<file path=ppt/changesInfos/changesInfo1.xml><?xml version="1.0" encoding="utf-8"?>
+<pc:chgInfo xmlns:a="http://schemas.openxmlformats.org/drawingml/2006/main" xmlns:r="http://schemas.openxmlformats.org/officeDocument/2006/relationships" xmlns:ac="http://schemas.microsoft.com/office/drawing/2013/main/command" xmlns:pc="http://schemas.microsoft.com/office/powerpoint/2013/main/command">
+  <pc:docChgLst>
+    <pc:chgData name="Sean O Fithcheallaigh" userId="de0e594a2defb935" providerId="LiveId" clId="{24D8BC22-D5B6-4F13-A865-783A1F77C2F1}"/>
+    <pc:docChg chg="undo custSel addSld delSld modSld sldOrd">
+      <pc:chgData name="Sean O Fithcheallaigh" userId="de0e594a2defb935" providerId="LiveId" clId="{24D8BC22-D5B6-4F13-A865-783A1F77C2F1}" dt="2023-01-13T00:23:09.395" v="1921" actId="1076"/>
+      <pc:docMkLst>
+        <pc:docMk/>
+      </pc:docMkLst>
+      <pc:sldChg chg="addSp delSp modSp new mod setBg modClrScheme chgLayout">
+        <pc:chgData name="Sean O Fithcheallaigh" userId="de0e594a2defb935" providerId="LiveId" clId="{24D8BC22-D5B6-4F13-A865-783A1F77C2F1}" dt="2023-01-13T00:02:48.856" v="1912" actId="20577"/>
+        <pc:sldMkLst>
+          <pc:docMk/>
+          <pc:sldMk cId="1461862155" sldId="258"/>
+        </pc:sldMkLst>
+        <pc:spChg chg="del mod ord">
+          <ac:chgData name="Sean O Fithcheallaigh" userId="de0e594a2defb935" providerId="LiveId" clId="{24D8BC22-D5B6-4F13-A865-783A1F77C2F1}" dt="2023-01-12T20:52:26.080" v="1" actId="700"/>
+          <ac:spMkLst>
+            <pc:docMk/>
+            <pc:sldMk cId="1461862155" sldId="258"/>
+            <ac:spMk id="2" creationId="{66611B34-A3F9-A0DE-25C2-754CF1E921A2}"/>
+          </ac:spMkLst>
+        </pc:spChg>
+        <pc:spChg chg="del mod ord">
+          <ac:chgData name="Sean O Fithcheallaigh" userId="de0e594a2defb935" providerId="LiveId" clId="{24D8BC22-D5B6-4F13-A865-783A1F77C2F1}" dt="2023-01-12T20:52:26.080" v="1" actId="700"/>
+          <ac:spMkLst>
+            <pc:docMk/>
+            <pc:sldMk cId="1461862155" sldId="258"/>
+            <ac:spMk id="3" creationId="{418A48AB-D79F-E0DE-5C07-349E5A2307A0}"/>
+          </ac:spMkLst>
+        </pc:spChg>
+        <pc:spChg chg="del">
+          <ac:chgData name="Sean O Fithcheallaigh" userId="de0e594a2defb935" providerId="LiveId" clId="{24D8BC22-D5B6-4F13-A865-783A1F77C2F1}" dt="2023-01-12T20:52:26.080" v="1" actId="700"/>
+          <ac:spMkLst>
+            <pc:docMk/>
+            <pc:sldMk cId="1461862155" sldId="258"/>
+            <ac:spMk id="4" creationId="{30606D00-6ADF-2668-6174-EA1B3D3B2DE3}"/>
+          </ac:spMkLst>
+        </pc:spChg>
+        <pc:spChg chg="add mod ord">
+          <ac:chgData name="Sean O Fithcheallaigh" userId="de0e594a2defb935" providerId="LiveId" clId="{24D8BC22-D5B6-4F13-A865-783A1F77C2F1}" dt="2023-01-12T21:04:09.272" v="749" actId="26606"/>
+          <ac:spMkLst>
+            <pc:docMk/>
+            <pc:sldMk cId="1461862155" sldId="258"/>
+            <ac:spMk id="5" creationId="{ABD5685E-FCF3-4212-0470-7D68B5219F40}"/>
+          </ac:spMkLst>
+        </pc:spChg>
+        <pc:spChg chg="add mod ord">
+          <ac:chgData name="Sean O Fithcheallaigh" userId="de0e594a2defb935" providerId="LiveId" clId="{24D8BC22-D5B6-4F13-A865-783A1F77C2F1}" dt="2023-01-13T00:02:48.856" v="1912" actId="20577"/>
+          <ac:spMkLst>
+            <pc:docMk/>
+            <pc:sldMk cId="1461862155" sldId="258"/>
+            <ac:spMk id="6" creationId="{A18D25AE-363A-1033-3D79-96FE5FA4D366}"/>
+          </ac:spMkLst>
+        </pc:spChg>
+        <pc:spChg chg="add del">
+          <ac:chgData name="Sean O Fithcheallaigh" userId="de0e594a2defb935" providerId="LiveId" clId="{24D8BC22-D5B6-4F13-A865-783A1F77C2F1}" dt="2023-01-12T21:02:59.084" v="739" actId="26606"/>
+          <ac:spMkLst>
+            <pc:docMk/>
+            <pc:sldMk cId="1461862155" sldId="258"/>
+            <ac:spMk id="12" creationId="{E51BA4DF-2BD4-4EC2-B1DB-B27C8AC71864}"/>
+          </ac:spMkLst>
+        </pc:spChg>
+        <pc:spChg chg="add del">
+          <ac:chgData name="Sean O Fithcheallaigh" userId="de0e594a2defb935" providerId="LiveId" clId="{24D8BC22-D5B6-4F13-A865-783A1F77C2F1}" dt="2023-01-12T21:04:09.281" v="750" actId="26606"/>
+          <ac:spMkLst>
+            <pc:docMk/>
+            <pc:sldMk cId="1461862155" sldId="258"/>
+            <ac:spMk id="19" creationId="{B6FACB3C-9069-4791-BC5C-0DB7CD19B853}"/>
+          </ac:spMkLst>
+        </pc:spChg>
+        <pc:spChg chg="add del">
+          <ac:chgData name="Sean O Fithcheallaigh" userId="de0e594a2defb935" providerId="LiveId" clId="{24D8BC22-D5B6-4F13-A865-783A1F77C2F1}" dt="2023-01-12T21:04:09.281" v="750" actId="26606"/>
+          <ac:spMkLst>
+            <pc:docMk/>
+            <pc:sldMk cId="1461862155" sldId="258"/>
+            <ac:spMk id="21" creationId="{71F2038E-D777-4B76-81DD-DD13EE91B9DD}"/>
+          </ac:spMkLst>
+        </pc:spChg>
+        <pc:spChg chg="add del">
+          <ac:chgData name="Sean O Fithcheallaigh" userId="de0e594a2defb935" providerId="LiveId" clId="{24D8BC22-D5B6-4F13-A865-783A1F77C2F1}" dt="2023-01-12T21:03:40.795" v="745" actId="26606"/>
+          <ac:spMkLst>
+            <pc:docMk/>
+            <pc:sldMk cId="1461862155" sldId="258"/>
+            <ac:spMk id="32" creationId="{04812C46-200A-4DEB-A05E-3ED6C68C2387}"/>
+          </ac:spMkLst>
+        </pc:spChg>
+        <pc:spChg chg="add del">
+          <ac:chgData name="Sean O Fithcheallaigh" userId="de0e594a2defb935" providerId="LiveId" clId="{24D8BC22-D5B6-4F13-A865-783A1F77C2F1}" dt="2023-01-12T21:03:40.795" v="745" actId="26606"/>
+          <ac:spMkLst>
+            <pc:docMk/>
+            <pc:sldMk cId="1461862155" sldId="258"/>
+            <ac:spMk id="34" creationId="{D1EA859B-E555-4109-94F3-6700E046E008}"/>
+          </ac:spMkLst>
+        </pc:spChg>
+        <pc:spChg chg="add del">
+          <ac:chgData name="Sean O Fithcheallaigh" userId="de0e594a2defb935" providerId="LiveId" clId="{24D8BC22-D5B6-4F13-A865-783A1F77C2F1}" dt="2023-01-12T21:03:42.860" v="747" actId="26606"/>
+          <ac:spMkLst>
+            <pc:docMk/>
+            <pc:sldMk cId="1461862155" sldId="258"/>
+            <ac:spMk id="41" creationId="{B6FACB3C-9069-4791-BC5C-0DB7CD19B853}"/>
+          </ac:spMkLst>
+        </pc:spChg>
+        <pc:spChg chg="add del">
+          <ac:chgData name="Sean O Fithcheallaigh" userId="de0e594a2defb935" providerId="LiveId" clId="{24D8BC22-D5B6-4F13-A865-783A1F77C2F1}" dt="2023-01-12T21:03:42.860" v="747" actId="26606"/>
+          <ac:spMkLst>
+            <pc:docMk/>
+            <pc:sldMk cId="1461862155" sldId="258"/>
+            <ac:spMk id="42" creationId="{71F2038E-D777-4B76-81DD-DD13EE91B9DD}"/>
+          </ac:spMkLst>
+        </pc:spChg>
+        <pc:spChg chg="add del">
+          <ac:chgData name="Sean O Fithcheallaigh" userId="de0e594a2defb935" providerId="LiveId" clId="{24D8BC22-D5B6-4F13-A865-783A1F77C2F1}" dt="2023-01-12T21:04:09.272" v="749" actId="26606"/>
+          <ac:spMkLst>
+            <pc:docMk/>
+            <pc:sldMk cId="1461862155" sldId="258"/>
+            <ac:spMk id="44" creationId="{D1D34770-47A8-402C-AF23-2B653F2D88C1}"/>
+          </ac:spMkLst>
+        </pc:spChg>
+        <pc:spChg chg="add">
+          <ac:chgData name="Sean O Fithcheallaigh" userId="de0e594a2defb935" providerId="LiveId" clId="{24D8BC22-D5B6-4F13-A865-783A1F77C2F1}" dt="2023-01-12T21:04:09.281" v="750" actId="26606"/>
+          <ac:spMkLst>
+            <pc:docMk/>
+            <pc:sldMk cId="1461862155" sldId="258"/>
+            <ac:spMk id="46" creationId="{B6FACB3C-9069-4791-BC5C-0DB7CD19B853}"/>
+          </ac:spMkLst>
+        </pc:spChg>
+        <pc:spChg chg="add">
+          <ac:chgData name="Sean O Fithcheallaigh" userId="de0e594a2defb935" providerId="LiveId" clId="{24D8BC22-D5B6-4F13-A865-783A1F77C2F1}" dt="2023-01-12T21:04:09.281" v="750" actId="26606"/>
+          <ac:spMkLst>
+            <pc:docMk/>
+            <pc:sldMk cId="1461862155" sldId="258"/>
+            <ac:spMk id="47" creationId="{71F2038E-D777-4B76-81DD-DD13EE91B9DD}"/>
+          </ac:spMkLst>
+        </pc:spChg>
+        <pc:grpChg chg="add del">
+          <ac:chgData name="Sean O Fithcheallaigh" userId="de0e594a2defb935" providerId="LiveId" clId="{24D8BC22-D5B6-4F13-A865-783A1F77C2F1}" dt="2023-01-12T21:04:09.281" v="750" actId="26606"/>
+          <ac:grpSpMkLst>
+            <pc:docMk/>
+            <pc:sldMk cId="1461862155" sldId="258"/>
+            <ac:grpSpMk id="23" creationId="{DD354807-230F-4402-B1B9-F733A8F1F190}"/>
+          </ac:grpSpMkLst>
+        </pc:grpChg>
+        <pc:grpChg chg="add del">
+          <ac:chgData name="Sean O Fithcheallaigh" userId="de0e594a2defb935" providerId="LiveId" clId="{24D8BC22-D5B6-4F13-A865-783A1F77C2F1}" dt="2023-01-12T21:03:42.860" v="747" actId="26606"/>
+          <ac:grpSpMkLst>
+            <pc:docMk/>
+            <pc:sldMk cId="1461862155" sldId="258"/>
+            <ac:grpSpMk id="36" creationId="{DD354807-230F-4402-B1B9-F733A8F1F190}"/>
+          </ac:grpSpMkLst>
+        </pc:grpChg>
+        <pc:grpChg chg="add">
+          <ac:chgData name="Sean O Fithcheallaigh" userId="de0e594a2defb935" providerId="LiveId" clId="{24D8BC22-D5B6-4F13-A865-783A1F77C2F1}" dt="2023-01-12T21:04:09.281" v="750" actId="26606"/>
+          <ac:grpSpMkLst>
+            <pc:docMk/>
+            <pc:sldMk cId="1461862155" sldId="258"/>
+            <ac:grpSpMk id="48" creationId="{DD354807-230F-4402-B1B9-F733A8F1F190}"/>
+          </ac:grpSpMkLst>
+        </pc:grpChg>
+        <pc:picChg chg="add del">
+          <ac:chgData name="Sean O Fithcheallaigh" userId="de0e594a2defb935" providerId="LiveId" clId="{24D8BC22-D5B6-4F13-A865-783A1F77C2F1}" dt="2023-01-12T21:02:28.885" v="737" actId="26606"/>
+          <ac:picMkLst>
+            <pc:docMk/>
+            <pc:sldMk cId="1461862155" sldId="258"/>
+            <ac:picMk id="8" creationId="{BD9D0328-5BE7-B1BD-4BE4-81D0F614EF71}"/>
+          </ac:picMkLst>
+        </pc:picChg>
+        <pc:picChg chg="add del">
+          <ac:chgData name="Sean O Fithcheallaigh" userId="de0e594a2defb935" providerId="LiveId" clId="{24D8BC22-D5B6-4F13-A865-783A1F77C2F1}" dt="2023-01-12T21:02:59.084" v="739" actId="26606"/>
+          <ac:picMkLst>
+            <pc:docMk/>
+            <pc:sldMk cId="1461862155" sldId="258"/>
+            <ac:picMk id="10" creationId="{5D841B0B-2B71-D70A-D7D2-7663EF29273D}"/>
+          </ac:picMkLst>
+        </pc:picChg>
+        <pc:picChg chg="add del mod ord">
+          <ac:chgData name="Sean O Fithcheallaigh" userId="de0e594a2defb935" providerId="LiveId" clId="{24D8BC22-D5B6-4F13-A865-783A1F77C2F1}" dt="2023-01-12T21:04:34.414" v="752" actId="478"/>
+          <ac:picMkLst>
+            <pc:docMk/>
+            <pc:sldMk cId="1461862155" sldId="258"/>
+            <ac:picMk id="14" creationId="{BD9D0328-5BE7-B1BD-4BE4-81D0F614EF71}"/>
+          </ac:picMkLst>
+        </pc:picChg>
+      </pc:sldChg>
+      <pc:sldChg chg="addSp delSp modSp new mod setBg">
+        <pc:chgData name="Sean O Fithcheallaigh" userId="de0e594a2defb935" providerId="LiveId" clId="{24D8BC22-D5B6-4F13-A865-783A1F77C2F1}" dt="2023-01-12T23:03:07.239" v="1515" actId="20577"/>
+        <pc:sldMkLst>
+          <pc:docMk/>
+          <pc:sldMk cId="473856088" sldId="259"/>
+        </pc:sldMkLst>
+        <pc:spChg chg="mod">
+          <ac:chgData name="Sean O Fithcheallaigh" userId="de0e594a2defb935" providerId="LiveId" clId="{24D8BC22-D5B6-4F13-A865-783A1F77C2F1}" dt="2023-01-12T23:02:03.124" v="1490" actId="26606"/>
+          <ac:spMkLst>
+            <pc:docMk/>
+            <pc:sldMk cId="473856088" sldId="259"/>
+            <ac:spMk id="2" creationId="{8FC14BC8-4F1F-7AA8-FBC5-206CC6B4EA7D}"/>
+          </ac:spMkLst>
+        </pc:spChg>
+        <pc:spChg chg="mod ord">
+          <ac:chgData name="Sean O Fithcheallaigh" userId="de0e594a2defb935" providerId="LiveId" clId="{24D8BC22-D5B6-4F13-A865-783A1F77C2F1}" dt="2023-01-12T23:03:07.239" v="1515" actId="20577"/>
+          <ac:spMkLst>
+            <pc:docMk/>
+            <pc:sldMk cId="473856088" sldId="259"/>
+            <ac:spMk id="3" creationId="{079FA990-F3D7-85EA-EED1-3CDC242AF310}"/>
+          </ac:spMkLst>
+        </pc:spChg>
+        <pc:spChg chg="add del">
+          <ac:chgData name="Sean O Fithcheallaigh" userId="de0e594a2defb935" providerId="LiveId" clId="{24D8BC22-D5B6-4F13-A865-783A1F77C2F1}" dt="2023-01-12T21:55:33.774" v="1326" actId="26606"/>
+          <ac:spMkLst>
+            <pc:docMk/>
+            <pc:sldMk cId="473856088" sldId="259"/>
+            <ac:spMk id="12" creationId="{9D3A9E89-033E-4C4A-8C41-416DABFFD307}"/>
+          </ac:spMkLst>
+        </pc:spChg>
+        <pc:spChg chg="add del">
+          <ac:chgData name="Sean O Fithcheallaigh" userId="de0e594a2defb935" providerId="LiveId" clId="{24D8BC22-D5B6-4F13-A865-783A1F77C2F1}" dt="2023-01-12T21:55:33.774" v="1326" actId="26606"/>
+          <ac:spMkLst>
+            <pc:docMk/>
+            <pc:sldMk cId="473856088" sldId="259"/>
+            <ac:spMk id="14" creationId="{86293361-111E-427D-8E5B-256944AC8395}"/>
+          </ac:spMkLst>
+        </pc:spChg>
+        <pc:spChg chg="add del">
+          <ac:chgData name="Sean O Fithcheallaigh" userId="de0e594a2defb935" providerId="LiveId" clId="{24D8BC22-D5B6-4F13-A865-783A1F77C2F1}" dt="2023-01-12T21:55:33.774" v="1326" actId="26606"/>
+          <ac:spMkLst>
+            <pc:docMk/>
+            <pc:sldMk cId="473856088" sldId="259"/>
+            <ac:spMk id="38" creationId="{78907291-9D6D-4740-81DB-441477BCA279}"/>
+          </ac:spMkLst>
+        </pc:spChg>
+        <pc:spChg chg="add del">
+          <ac:chgData name="Sean O Fithcheallaigh" userId="de0e594a2defb935" providerId="LiveId" clId="{24D8BC22-D5B6-4F13-A865-783A1F77C2F1}" dt="2023-01-12T23:02:03.124" v="1490" actId="26606"/>
+          <ac:spMkLst>
+            <pc:docMk/>
+            <pc:sldMk cId="473856088" sldId="259"/>
+            <ac:spMk id="40" creationId="{21AC6A30-4F22-4C0F-B278-19C5B8A80C55}"/>
+          </ac:spMkLst>
+        </pc:spChg>
+        <pc:spChg chg="add del">
+          <ac:chgData name="Sean O Fithcheallaigh" userId="de0e594a2defb935" providerId="LiveId" clId="{24D8BC22-D5B6-4F13-A865-783A1F77C2F1}" dt="2023-01-12T23:02:03.124" v="1490" actId="26606"/>
+          <ac:spMkLst>
+            <pc:docMk/>
+            <pc:sldMk cId="473856088" sldId="259"/>
+            <ac:spMk id="41" creationId="{BB4335AD-65B1-44E4-90AF-264024FE4BD2}"/>
+          </ac:spMkLst>
+        </pc:spChg>
+        <pc:spChg chg="add">
+          <ac:chgData name="Sean O Fithcheallaigh" userId="de0e594a2defb935" providerId="LiveId" clId="{24D8BC22-D5B6-4F13-A865-783A1F77C2F1}" dt="2023-01-12T23:02:03.124" v="1490" actId="26606"/>
+          <ac:spMkLst>
+            <pc:docMk/>
+            <pc:sldMk cId="473856088" sldId="259"/>
+            <ac:spMk id="46" creationId="{0E3596DD-156A-473E-9BB3-C6A29F7574E9}"/>
+          </ac:spMkLst>
+        </pc:spChg>
+        <pc:spChg chg="add">
+          <ac:chgData name="Sean O Fithcheallaigh" userId="de0e594a2defb935" providerId="LiveId" clId="{24D8BC22-D5B6-4F13-A865-783A1F77C2F1}" dt="2023-01-12T23:02:03.124" v="1490" actId="26606"/>
+          <ac:spMkLst>
+            <pc:docMk/>
+            <pc:sldMk cId="473856088" sldId="259"/>
+            <ac:spMk id="48" creationId="{2C46C4D6-C474-4E92-B52E-944C1118F7B6}"/>
+          </ac:spMkLst>
+        </pc:spChg>
+        <pc:grpChg chg="add del">
+          <ac:chgData name="Sean O Fithcheallaigh" userId="de0e594a2defb935" providerId="LiveId" clId="{24D8BC22-D5B6-4F13-A865-783A1F77C2F1}" dt="2023-01-12T21:55:33.774" v="1326" actId="26606"/>
+          <ac:grpSpMkLst>
+            <pc:docMk/>
+            <pc:sldMk cId="473856088" sldId="259"/>
+            <ac:grpSpMk id="16" creationId="{A41D73DD-160B-4885-A9CF-94EADD70D421}"/>
+          </ac:grpSpMkLst>
+        </pc:grpChg>
+        <pc:picChg chg="add mod ord">
+          <ac:chgData name="Sean O Fithcheallaigh" userId="de0e594a2defb935" providerId="LiveId" clId="{24D8BC22-D5B6-4F13-A865-783A1F77C2F1}" dt="2023-01-12T23:02:03.124" v="1490" actId="26606"/>
+          <ac:picMkLst>
+            <pc:docMk/>
+            <pc:sldMk cId="473856088" sldId="259"/>
+            <ac:picMk id="5" creationId="{2ADE34E4-E9C1-E582-7141-769B5E09BDAF}"/>
+          </ac:picMkLst>
+        </pc:picChg>
+        <pc:picChg chg="add del mod">
+          <ac:chgData name="Sean O Fithcheallaigh" userId="de0e594a2defb935" providerId="LiveId" clId="{24D8BC22-D5B6-4F13-A865-783A1F77C2F1}" dt="2023-01-12T23:01:48.668" v="1489" actId="478"/>
+          <ac:picMkLst>
+            <pc:docMk/>
+            <pc:sldMk cId="473856088" sldId="259"/>
+            <ac:picMk id="7" creationId="{5EE13461-A0AD-F7C5-7197-D1D2EFA192FC}"/>
+          </ac:picMkLst>
+        </pc:picChg>
+      </pc:sldChg>
+      <pc:sldChg chg="addSp delSp modSp new mod ord">
+        <pc:chgData name="Sean O Fithcheallaigh" userId="de0e594a2defb935" providerId="LiveId" clId="{24D8BC22-D5B6-4F13-A865-783A1F77C2F1}" dt="2023-01-13T00:01:05.127" v="1768" actId="20577"/>
+        <pc:sldMkLst>
+          <pc:docMk/>
+          <pc:sldMk cId="3065303301" sldId="260"/>
+        </pc:sldMkLst>
+        <pc:spChg chg="mod">
+          <ac:chgData name="Sean O Fithcheallaigh" userId="de0e594a2defb935" providerId="LiveId" clId="{24D8BC22-D5B6-4F13-A865-783A1F77C2F1}" dt="2023-01-13T00:01:05.127" v="1768" actId="20577"/>
+          <ac:spMkLst>
+            <pc:docMk/>
+            <pc:sldMk cId="3065303301" sldId="260"/>
+            <ac:spMk id="2" creationId="{96A282CB-AA3E-53D1-6F6E-D75F26AF7C39}"/>
+          </ac:spMkLst>
+        </pc:spChg>
+        <pc:spChg chg="del">
+          <ac:chgData name="Sean O Fithcheallaigh" userId="de0e594a2defb935" providerId="LiveId" clId="{24D8BC22-D5B6-4F13-A865-783A1F77C2F1}" dt="2023-01-12T22:10:37.920" v="1379"/>
+          <ac:spMkLst>
+            <pc:docMk/>
+            <pc:sldMk cId="3065303301" sldId="260"/>
+            <ac:spMk id="3" creationId="{45C453D6-C4D6-821E-69E4-23FEE57AF131}"/>
+          </ac:spMkLst>
+        </pc:spChg>
+        <pc:spChg chg="add mod">
+          <ac:chgData name="Sean O Fithcheallaigh" userId="de0e594a2defb935" providerId="LiveId" clId="{24D8BC22-D5B6-4F13-A865-783A1F77C2F1}" dt="2023-01-12T22:22:43.302" v="1418" actId="1076"/>
+          <ac:spMkLst>
+            <pc:docMk/>
+            <pc:sldMk cId="3065303301" sldId="260"/>
+            <ac:spMk id="6" creationId="{A25B2BBF-B6C9-AC61-2B00-47EE6ABBA1EE}"/>
+          </ac:spMkLst>
+        </pc:spChg>
+        <pc:picChg chg="add mod">
+          <ac:chgData name="Sean O Fithcheallaigh" userId="de0e594a2defb935" providerId="LiveId" clId="{24D8BC22-D5B6-4F13-A865-783A1F77C2F1}" dt="2023-01-12T22:22:12.078" v="1411" actId="1076"/>
+          <ac:picMkLst>
+            <pc:docMk/>
+            <pc:sldMk cId="3065303301" sldId="260"/>
+            <ac:picMk id="5" creationId="{5E1ADCE3-1053-414F-AEDB-7CD776B6F5E0}"/>
+          </ac:picMkLst>
+        </pc:picChg>
+      </pc:sldChg>
+      <pc:sldChg chg="addSp delSp modSp new mod">
+        <pc:chgData name="Sean O Fithcheallaigh" userId="de0e594a2defb935" providerId="LiveId" clId="{24D8BC22-D5B6-4F13-A865-783A1F77C2F1}" dt="2023-01-13T00:01:21.794" v="1786" actId="20577"/>
+        <pc:sldMkLst>
+          <pc:docMk/>
+          <pc:sldMk cId="4151331688" sldId="261"/>
+        </pc:sldMkLst>
+        <pc:spChg chg="mod">
+          <ac:chgData name="Sean O Fithcheallaigh" userId="de0e594a2defb935" providerId="LiveId" clId="{24D8BC22-D5B6-4F13-A865-783A1F77C2F1}" dt="2023-01-13T00:01:21.794" v="1786" actId="20577"/>
+          <ac:spMkLst>
+            <pc:docMk/>
+            <pc:sldMk cId="4151331688" sldId="261"/>
+            <ac:spMk id="2" creationId="{A91CC00A-EB51-41A1-0806-2A003ECD0A05}"/>
+          </ac:spMkLst>
+        </pc:spChg>
+        <pc:spChg chg="del">
+          <ac:chgData name="Sean O Fithcheallaigh" userId="de0e594a2defb935" providerId="LiveId" clId="{24D8BC22-D5B6-4F13-A865-783A1F77C2F1}" dt="2023-01-12T22:18:21.971" v="1401"/>
+          <ac:spMkLst>
+            <pc:docMk/>
+            <pc:sldMk cId="4151331688" sldId="261"/>
+            <ac:spMk id="3" creationId="{653EDC7C-5F3B-8367-1856-C55E02A3CB56}"/>
+          </ac:spMkLst>
+        </pc:spChg>
+        <pc:spChg chg="add mod">
+          <ac:chgData name="Sean O Fithcheallaigh" userId="de0e594a2defb935" providerId="LiveId" clId="{24D8BC22-D5B6-4F13-A865-783A1F77C2F1}" dt="2023-01-12T22:22:48.437" v="1419"/>
+          <ac:spMkLst>
+            <pc:docMk/>
+            <pc:sldMk cId="4151331688" sldId="261"/>
+            <ac:spMk id="6" creationId="{A689C3F4-C918-EB26-FF3B-EFDFEA6D94CE}"/>
+          </ac:spMkLst>
+        </pc:spChg>
+        <pc:picChg chg="add mod">
+          <ac:chgData name="Sean O Fithcheallaigh" userId="de0e594a2defb935" providerId="LiveId" clId="{24D8BC22-D5B6-4F13-A865-783A1F77C2F1}" dt="2023-01-12T22:22:51.486" v="1420" actId="1076"/>
+          <ac:picMkLst>
+            <pc:docMk/>
+            <pc:sldMk cId="4151331688" sldId="261"/>
+            <ac:picMk id="5" creationId="{213DBE5F-6F5C-CB7F-AFC0-E8095C4365D8}"/>
+          </ac:picMkLst>
+        </pc:picChg>
+      </pc:sldChg>
+      <pc:sldChg chg="addSp delSp modSp add mod ord">
+        <pc:chgData name="Sean O Fithcheallaigh" userId="de0e594a2defb935" providerId="LiveId" clId="{24D8BC22-D5B6-4F13-A865-783A1F77C2F1}" dt="2023-01-13T00:01:13.468" v="1777" actId="20577"/>
+        <pc:sldMkLst>
+          <pc:docMk/>
+          <pc:sldMk cId="3661194161" sldId="262"/>
+        </pc:sldMkLst>
+        <pc:spChg chg="mod">
+          <ac:chgData name="Sean O Fithcheallaigh" userId="de0e594a2defb935" providerId="LiveId" clId="{24D8BC22-D5B6-4F13-A865-783A1F77C2F1}" dt="2023-01-13T00:01:13.468" v="1777" actId="20577"/>
+          <ac:spMkLst>
+            <pc:docMk/>
+            <pc:sldMk cId="3661194161" sldId="262"/>
+            <ac:spMk id="2" creationId="{A91CC00A-EB51-41A1-0806-2A003ECD0A05}"/>
+          </ac:spMkLst>
+        </pc:spChg>
+        <pc:spChg chg="add del mod">
+          <ac:chgData name="Sean O Fithcheallaigh" userId="de0e594a2defb935" providerId="LiveId" clId="{24D8BC22-D5B6-4F13-A865-783A1F77C2F1}" dt="2023-01-12T22:41:33.036" v="1450"/>
+          <ac:spMkLst>
+            <pc:docMk/>
+            <pc:sldMk cId="3661194161" sldId="262"/>
+            <ac:spMk id="4" creationId="{918E05A5-5385-8D89-5486-83CC3CEE455E}"/>
+          </ac:spMkLst>
+        </pc:spChg>
+        <pc:picChg chg="del">
+          <ac:chgData name="Sean O Fithcheallaigh" userId="de0e594a2defb935" providerId="LiveId" clId="{24D8BC22-D5B6-4F13-A865-783A1F77C2F1}" dt="2023-01-12T22:40:26.151" v="1422" actId="478"/>
+          <ac:picMkLst>
+            <pc:docMk/>
+            <pc:sldMk cId="3661194161" sldId="262"/>
+            <ac:picMk id="5" creationId="{213DBE5F-6F5C-CB7F-AFC0-E8095C4365D8}"/>
+          </ac:picMkLst>
+        </pc:picChg>
+        <pc:picChg chg="add mod ord">
+          <ac:chgData name="Sean O Fithcheallaigh" userId="de0e594a2defb935" providerId="LiveId" clId="{24D8BC22-D5B6-4F13-A865-783A1F77C2F1}" dt="2023-01-12T22:42:30.277" v="1460" actId="1076"/>
+          <ac:picMkLst>
+            <pc:docMk/>
+            <pc:sldMk cId="3661194161" sldId="262"/>
+            <ac:picMk id="8" creationId="{9BC8ED27-A506-14A2-33E5-4FE996D76AF1}"/>
+          </ac:picMkLst>
+        </pc:picChg>
+      </pc:sldChg>
+      <pc:sldChg chg="addSp delSp modSp add mod">
+        <pc:chgData name="Sean O Fithcheallaigh" userId="de0e594a2defb935" providerId="LiveId" clId="{24D8BC22-D5B6-4F13-A865-783A1F77C2F1}" dt="2023-01-13T00:01:32.754" v="1795" actId="20577"/>
+        <pc:sldMkLst>
+          <pc:docMk/>
+          <pc:sldMk cId="2301548339" sldId="263"/>
+        </pc:sldMkLst>
+        <pc:spChg chg="mod">
+          <ac:chgData name="Sean O Fithcheallaigh" userId="de0e594a2defb935" providerId="LiveId" clId="{24D8BC22-D5B6-4F13-A865-783A1F77C2F1}" dt="2023-01-13T00:01:32.754" v="1795" actId="20577"/>
+          <ac:spMkLst>
+            <pc:docMk/>
+            <pc:sldMk cId="2301548339" sldId="263"/>
+            <ac:spMk id="2" creationId="{A91CC00A-EB51-41A1-0806-2A003ECD0A05}"/>
+          </ac:spMkLst>
+        </pc:spChg>
+        <pc:spChg chg="add del mod">
+          <ac:chgData name="Sean O Fithcheallaigh" userId="de0e594a2defb935" providerId="LiveId" clId="{24D8BC22-D5B6-4F13-A865-783A1F77C2F1}" dt="2023-01-12T22:45:40.593" v="1480"/>
+          <ac:spMkLst>
+            <pc:docMk/>
+            <pc:sldMk cId="2301548339" sldId="263"/>
+            <ac:spMk id="4" creationId="{9422B3D9-670D-C871-9A7A-8FFAEB67AD2A}"/>
+          </ac:spMkLst>
+        </pc:spChg>
+        <pc:picChg chg="del">
+          <ac:chgData name="Sean O Fithcheallaigh" userId="de0e594a2defb935" providerId="LiveId" clId="{24D8BC22-D5B6-4F13-A865-783A1F77C2F1}" dt="2023-01-12T22:45:13.350" v="1464" actId="478"/>
+          <ac:picMkLst>
+            <pc:docMk/>
+            <pc:sldMk cId="2301548339" sldId="263"/>
+            <ac:picMk id="5" creationId="{213DBE5F-6F5C-CB7F-AFC0-E8095C4365D8}"/>
+          </ac:picMkLst>
+        </pc:picChg>
+        <pc:picChg chg="add mod ord">
+          <ac:chgData name="Sean O Fithcheallaigh" userId="de0e594a2defb935" providerId="LiveId" clId="{24D8BC22-D5B6-4F13-A865-783A1F77C2F1}" dt="2023-01-12T22:46:09.574" v="1488" actId="1076"/>
+          <ac:picMkLst>
+            <pc:docMk/>
+            <pc:sldMk cId="2301548339" sldId="263"/>
+            <ac:picMk id="8" creationId="{BE71C694-1C48-8FCF-47E8-D49DB94D46B3}"/>
+          </ac:picMkLst>
+        </pc:picChg>
+      </pc:sldChg>
+      <pc:sldChg chg="addSp delSp modSp add mod">
+        <pc:chgData name="Sean O Fithcheallaigh" userId="de0e594a2defb935" providerId="LiveId" clId="{24D8BC22-D5B6-4F13-A865-783A1F77C2F1}" dt="2023-01-13T00:01:53.615" v="1810" actId="20577"/>
+        <pc:sldMkLst>
+          <pc:docMk/>
+          <pc:sldMk cId="210711101" sldId="264"/>
+        </pc:sldMkLst>
+        <pc:spChg chg="mod">
+          <ac:chgData name="Sean O Fithcheallaigh" userId="de0e594a2defb935" providerId="LiveId" clId="{24D8BC22-D5B6-4F13-A865-783A1F77C2F1}" dt="2023-01-13T00:01:53.615" v="1810" actId="20577"/>
+          <ac:spMkLst>
+            <pc:docMk/>
+            <pc:sldMk cId="210711101" sldId="264"/>
+            <ac:spMk id="2" creationId="{A91CC00A-EB51-41A1-0806-2A003ECD0A05}"/>
+          </ac:spMkLst>
+        </pc:spChg>
+        <pc:spChg chg="add del mod">
+          <ac:chgData name="Sean O Fithcheallaigh" userId="de0e594a2defb935" providerId="LiveId" clId="{24D8BC22-D5B6-4F13-A865-783A1F77C2F1}" dt="2023-01-12T23:28:21.491" v="1520"/>
+          <ac:spMkLst>
+            <pc:docMk/>
+            <pc:sldMk cId="210711101" sldId="264"/>
+            <ac:spMk id="4" creationId="{06CAC365-331F-211A-DB5F-7E6C69454DB1}"/>
+          </ac:spMkLst>
+        </pc:spChg>
+        <pc:spChg chg="add del mod">
+          <ac:chgData name="Sean O Fithcheallaigh" userId="de0e594a2defb935" providerId="LiveId" clId="{24D8BC22-D5B6-4F13-A865-783A1F77C2F1}" dt="2023-01-12T23:41:21.118" v="1592"/>
+          <ac:spMkLst>
+            <pc:docMk/>
+            <pc:sldMk cId="210711101" sldId="264"/>
+            <ac:spMk id="10" creationId="{1C98F234-37AF-4A47-4A52-164A605A45D5}"/>
+          </ac:spMkLst>
+        </pc:spChg>
+        <pc:picChg chg="add del mod ord">
+          <ac:chgData name="Sean O Fithcheallaigh" userId="de0e594a2defb935" providerId="LiveId" clId="{24D8BC22-D5B6-4F13-A865-783A1F77C2F1}" dt="2023-01-12T23:41:05.171" v="1591" actId="478"/>
+          <ac:picMkLst>
+            <pc:docMk/>
+            <pc:sldMk cId="210711101" sldId="264"/>
+            <ac:picMk id="7" creationId="{B1196408-A528-3B87-D491-BE55AEAF9863}"/>
+          </ac:picMkLst>
+        </pc:picChg>
+        <pc:picChg chg="del">
+          <ac:chgData name="Sean O Fithcheallaigh" userId="de0e594a2defb935" providerId="LiveId" clId="{24D8BC22-D5B6-4F13-A865-783A1F77C2F1}" dt="2023-01-12T23:28:06.577" v="1519" actId="478"/>
+          <ac:picMkLst>
+            <pc:docMk/>
+            <pc:sldMk cId="210711101" sldId="264"/>
+            <ac:picMk id="8" creationId="{BE71C694-1C48-8FCF-47E8-D49DB94D46B3}"/>
+          </ac:picMkLst>
+        </pc:picChg>
+        <pc:picChg chg="add mod ord">
+          <ac:chgData name="Sean O Fithcheallaigh" userId="de0e594a2defb935" providerId="LiveId" clId="{24D8BC22-D5B6-4F13-A865-783A1F77C2F1}" dt="2023-01-12T23:41:35.845" v="1598" actId="1076"/>
+          <ac:picMkLst>
+            <pc:docMk/>
+            <pc:sldMk cId="210711101" sldId="264"/>
+            <ac:picMk id="12" creationId="{9E3608DC-091C-0A32-35C1-E0BF6A187E14}"/>
+          </ac:picMkLst>
+        </pc:picChg>
+      </pc:sldChg>
+      <pc:sldChg chg="addSp delSp modSp add mod">
+        <pc:chgData name="Sean O Fithcheallaigh" userId="de0e594a2defb935" providerId="LiveId" clId="{24D8BC22-D5B6-4F13-A865-783A1F77C2F1}" dt="2023-01-13T00:02:04.751" v="1819" actId="20577"/>
+        <pc:sldMkLst>
+          <pc:docMk/>
+          <pc:sldMk cId="1802498071" sldId="265"/>
+        </pc:sldMkLst>
+        <pc:spChg chg="mod">
+          <ac:chgData name="Sean O Fithcheallaigh" userId="de0e594a2defb935" providerId="LiveId" clId="{24D8BC22-D5B6-4F13-A865-783A1F77C2F1}" dt="2023-01-13T00:02:04.751" v="1819" actId="20577"/>
+          <ac:spMkLst>
+            <pc:docMk/>
+            <pc:sldMk cId="1802498071" sldId="265"/>
+            <ac:spMk id="2" creationId="{A91CC00A-EB51-41A1-0806-2A003ECD0A05}"/>
+          </ac:spMkLst>
+        </pc:spChg>
+        <pc:spChg chg="add del mod">
+          <ac:chgData name="Sean O Fithcheallaigh" userId="de0e594a2defb935" providerId="LiveId" clId="{24D8BC22-D5B6-4F13-A865-783A1F77C2F1}" dt="2023-01-12T23:48:57.546" v="1638"/>
+          <ac:spMkLst>
+            <pc:docMk/>
+            <pc:sldMk cId="1802498071" sldId="265"/>
+            <ac:spMk id="4" creationId="{51ED767B-2574-0C6B-B5CD-4F71273EDF33}"/>
+          </ac:spMkLst>
+        </pc:spChg>
+        <pc:picChg chg="add mod ord">
+          <ac:chgData name="Sean O Fithcheallaigh" userId="de0e594a2defb935" providerId="LiveId" clId="{24D8BC22-D5B6-4F13-A865-783A1F77C2F1}" dt="2023-01-12T23:49:24.350" v="1644" actId="1076"/>
+          <ac:picMkLst>
+            <pc:docMk/>
+            <pc:sldMk cId="1802498071" sldId="265"/>
+            <ac:picMk id="7" creationId="{FF4A019E-CC6F-ED84-0ABE-53BA62481E5A}"/>
+          </ac:picMkLst>
+        </pc:picChg>
+        <pc:picChg chg="del">
+          <ac:chgData name="Sean O Fithcheallaigh" userId="de0e594a2defb935" providerId="LiveId" clId="{24D8BC22-D5B6-4F13-A865-783A1F77C2F1}" dt="2023-01-12T23:48:29.975" v="1603" actId="478"/>
+          <ac:picMkLst>
+            <pc:docMk/>
+            <pc:sldMk cId="1802498071" sldId="265"/>
+            <ac:picMk id="12" creationId="{9E3608DC-091C-0A32-35C1-E0BF6A187E14}"/>
+          </ac:picMkLst>
+        </pc:picChg>
+      </pc:sldChg>
+      <pc:sldChg chg="add del">
+        <pc:chgData name="Sean O Fithcheallaigh" userId="de0e594a2defb935" providerId="LiveId" clId="{24D8BC22-D5B6-4F13-A865-783A1F77C2F1}" dt="2023-01-12T23:47:14.751" v="1601" actId="47"/>
+        <pc:sldMkLst>
+          <pc:docMk/>
+          <pc:sldMk cId="2937100215" sldId="265"/>
+        </pc:sldMkLst>
+      </pc:sldChg>
+      <pc:sldChg chg="addSp delSp modSp add mod">
+        <pc:chgData name="Sean O Fithcheallaigh" userId="de0e594a2defb935" providerId="LiveId" clId="{24D8BC22-D5B6-4F13-A865-783A1F77C2F1}" dt="2023-01-13T00:23:09.395" v="1921" actId="1076"/>
+        <pc:sldMkLst>
+          <pc:docMk/>
+          <pc:sldMk cId="3352580566" sldId="266"/>
+        </pc:sldMkLst>
+        <pc:spChg chg="add del mod">
+          <ac:chgData name="Sean O Fithcheallaigh" userId="de0e594a2defb935" providerId="LiveId" clId="{24D8BC22-D5B6-4F13-A865-783A1F77C2F1}" dt="2023-01-13T00:22:55.335" v="1915"/>
+          <ac:spMkLst>
+            <pc:docMk/>
+            <pc:sldMk cId="3352580566" sldId="266"/>
+            <ac:spMk id="4" creationId="{BA50D407-DFFB-0DE8-A215-34492DA2FA74}"/>
+          </ac:spMkLst>
+        </pc:spChg>
+        <pc:picChg chg="del">
+          <ac:chgData name="Sean O Fithcheallaigh" userId="de0e594a2defb935" providerId="LiveId" clId="{24D8BC22-D5B6-4F13-A865-783A1F77C2F1}" dt="2023-01-13T00:22:05.272" v="1914" actId="478"/>
+          <ac:picMkLst>
+            <pc:docMk/>
+            <pc:sldMk cId="3352580566" sldId="266"/>
+            <ac:picMk id="7" creationId="{FF4A019E-CC6F-ED84-0ABE-53BA62481E5A}"/>
+          </ac:picMkLst>
+        </pc:picChg>
+        <pc:picChg chg="add mod ord">
+          <ac:chgData name="Sean O Fithcheallaigh" userId="de0e594a2defb935" providerId="LiveId" clId="{24D8BC22-D5B6-4F13-A865-783A1F77C2F1}" dt="2023-01-13T00:23:09.395" v="1921" actId="1076"/>
+          <ac:picMkLst>
+            <pc:docMk/>
+            <pc:sldMk cId="3352580566" sldId="266"/>
+            <ac:picMk id="8" creationId="{AB5036B3-E07F-F810-FDD7-BE3EB7E64BC7}"/>
+          </ac:picMkLst>
+        </pc:picChg>
+      </pc:sldChg>
+    </pc:docChg>
+  </pc:docChgLst>
+</pc:chgInfo>
 </file>
 
 <file path=ppt/slideLayouts/slideLayout1.xml><?xml version="1.0" encoding="utf-8"?>
@@ -257,7 +859,7 @@
           <a:p>
             <a:fld id="{29C34BBC-E187-4F71-AC09-E74AF8941967}" type="datetimeFigureOut">
               <a:rPr lang="en-GB" smtClean="0"/>
-              <a:t>11/01/2023</a:t>
+              <a:t>12/01/2023</a:t>
             </a:fld>
             <a:endParaRPr lang="en-GB"/>
           </a:p>
@@ -457,7 +1059,7 @@
           <a:p>
             <a:fld id="{29C34BBC-E187-4F71-AC09-E74AF8941967}" type="datetimeFigureOut">
               <a:rPr lang="en-GB" smtClean="0"/>
-              <a:t>11/01/2023</a:t>
+              <a:t>12/01/2023</a:t>
             </a:fld>
             <a:endParaRPr lang="en-GB"/>
           </a:p>
@@ -667,7 +1269,7 @@
           <a:p>
             <a:fld id="{29C34BBC-E187-4F71-AC09-E74AF8941967}" type="datetimeFigureOut">
               <a:rPr lang="en-GB" smtClean="0"/>
-              <a:t>11/01/2023</a:t>
+              <a:t>12/01/2023</a:t>
             </a:fld>
             <a:endParaRPr lang="en-GB"/>
           </a:p>
@@ -867,7 +1469,7 @@
           <a:p>
             <a:fld id="{29C34BBC-E187-4F71-AC09-E74AF8941967}" type="datetimeFigureOut">
               <a:rPr lang="en-GB" smtClean="0"/>
-              <a:t>11/01/2023</a:t>
+              <a:t>12/01/2023</a:t>
             </a:fld>
             <a:endParaRPr lang="en-GB"/>
           </a:p>
@@ -1143,7 +1745,7 @@
           <a:p>
             <a:fld id="{29C34BBC-E187-4F71-AC09-E74AF8941967}" type="datetimeFigureOut">
               <a:rPr lang="en-GB" smtClean="0"/>
-              <a:t>11/01/2023</a:t>
+              <a:t>12/01/2023</a:t>
             </a:fld>
             <a:endParaRPr lang="en-GB"/>
           </a:p>
@@ -1411,7 +2013,7 @@
           <a:p>
             <a:fld id="{29C34BBC-E187-4F71-AC09-E74AF8941967}" type="datetimeFigureOut">
               <a:rPr lang="en-GB" smtClean="0"/>
-              <a:t>11/01/2023</a:t>
+              <a:t>12/01/2023</a:t>
             </a:fld>
             <a:endParaRPr lang="en-GB"/>
           </a:p>
@@ -1826,7 +2428,7 @@
           <a:p>
             <a:fld id="{29C34BBC-E187-4F71-AC09-E74AF8941967}" type="datetimeFigureOut">
               <a:rPr lang="en-GB" smtClean="0"/>
-              <a:t>11/01/2023</a:t>
+              <a:t>12/01/2023</a:t>
             </a:fld>
             <a:endParaRPr lang="en-GB"/>
           </a:p>
@@ -1968,7 +2570,7 @@
           <a:p>
             <a:fld id="{29C34BBC-E187-4F71-AC09-E74AF8941967}" type="datetimeFigureOut">
               <a:rPr lang="en-GB" smtClean="0"/>
-              <a:t>11/01/2023</a:t>
+              <a:t>12/01/2023</a:t>
             </a:fld>
             <a:endParaRPr lang="en-GB"/>
           </a:p>
@@ -2081,7 +2683,7 @@
           <a:p>
             <a:fld id="{29C34BBC-E187-4F71-AC09-E74AF8941967}" type="datetimeFigureOut">
               <a:rPr lang="en-GB" smtClean="0"/>
-              <a:t>11/01/2023</a:t>
+              <a:t>12/01/2023</a:t>
             </a:fld>
             <a:endParaRPr lang="en-GB"/>
           </a:p>
@@ -2394,7 +2996,7 @@
           <a:p>
             <a:fld id="{29C34BBC-E187-4F71-AC09-E74AF8941967}" type="datetimeFigureOut">
               <a:rPr lang="en-GB" smtClean="0"/>
-              <a:t>11/01/2023</a:t>
+              <a:t>12/01/2023</a:t>
             </a:fld>
             <a:endParaRPr lang="en-GB"/>
           </a:p>
@@ -2683,7 +3285,7 @@
           <a:p>
             <a:fld id="{29C34BBC-E187-4F71-AC09-E74AF8941967}" type="datetimeFigureOut">
               <a:rPr lang="en-GB" smtClean="0"/>
-              <a:t>11/01/2023</a:t>
+              <a:t>12/01/2023</a:t>
             </a:fld>
             <a:endParaRPr lang="en-GB"/>
           </a:p>
@@ -2926,7 +3528,7 @@
           <a:p>
             <a:fld id="{29C34BBC-E187-4F71-AC09-E74AF8941967}" type="datetimeFigureOut">
               <a:rPr lang="en-GB" smtClean="0"/>
-              <a:t>11/01/2023</a:t>
+              <a:t>12/01/2023</a:t>
             </a:fld>
             <a:endParaRPr lang="en-GB"/>
           </a:p>
@@ -4302,6 +4904,270 @@
 </p:sld>
 </file>
 
+<file path=ppt/slides/slide10.xml><?xml version="1.0" encoding="utf-8"?>
+<p:sld xmlns:a="http://schemas.openxmlformats.org/drawingml/2006/main" xmlns:r="http://schemas.openxmlformats.org/officeDocument/2006/relationships" xmlns:p="http://schemas.openxmlformats.org/presentationml/2006/main">
+  <p:cSld>
+    <p:spTree>
+      <p:nvGrpSpPr>
+        <p:cNvPr id="1" name=""/>
+        <p:cNvGrpSpPr/>
+        <p:nvPr/>
+      </p:nvGrpSpPr>
+      <p:grpSpPr>
+        <a:xfrm>
+          <a:off x="0" y="0"/>
+          <a:ext cx="0" cy="0"/>
+          <a:chOff x="0" y="0"/>
+          <a:chExt cx="0" cy="0"/>
+        </a:xfrm>
+      </p:grpSpPr>
+      <p:pic>
+        <p:nvPicPr>
+          <p:cNvPr id="7" name="Content Placeholder 6" descr="Graphical user interface, diagram&#10;&#10;Description automatically generated">
+            <a:extLst>
+              <a:ext uri="{FF2B5EF4-FFF2-40B4-BE49-F238E27FC236}">
+                <a16:creationId xmlns:a16="http://schemas.microsoft.com/office/drawing/2014/main" id="{FF4A019E-CC6F-ED84-0ABE-53BA62481E5A}"/>
+              </a:ext>
+            </a:extLst>
+          </p:cNvPr>
+          <p:cNvPicPr>
+            <a:picLocks noGrp="1" noChangeAspect="1"/>
+          </p:cNvPicPr>
+          <p:nvPr>
+            <p:ph idx="1"/>
+          </p:nvPr>
+        </p:nvPicPr>
+        <p:blipFill>
+          <a:blip r:embed="rId2">
+            <a:extLst>
+              <a:ext uri="{28A0092B-C50C-407E-A947-70E740481C1C}">
+                <a14:useLocalDpi xmlns:a14="http://schemas.microsoft.com/office/drawing/2010/main" val="0"/>
+              </a:ext>
+            </a:extLst>
+          </a:blip>
+          <a:stretch>
+            <a:fillRect/>
+          </a:stretch>
+        </p:blipFill>
+        <p:spPr>
+          <a:xfrm>
+            <a:off x="699959" y="1522558"/>
+            <a:ext cx="10343180" cy="5144655"/>
+          </a:xfrm>
+        </p:spPr>
+      </p:pic>
+      <p:sp>
+        <p:nvSpPr>
+          <p:cNvPr id="2" name="Title 1">
+            <a:extLst>
+              <a:ext uri="{FF2B5EF4-FFF2-40B4-BE49-F238E27FC236}">
+                <a16:creationId xmlns:a16="http://schemas.microsoft.com/office/drawing/2014/main" id="{A91CC00A-EB51-41A1-0806-2A003ECD0A05}"/>
+              </a:ext>
+            </a:extLst>
+          </p:cNvPr>
+          <p:cNvSpPr>
+            <a:spLocks noGrp="1"/>
+          </p:cNvSpPr>
+          <p:nvPr>
+            <p:ph type="title"/>
+          </p:nvPr>
+        </p:nvSpPr>
+        <p:spPr/>
+        <p:txBody>
+          <a:bodyPr/>
+          <a:lstStyle/>
+          <a:p>
+            <a:r>
+              <a:rPr lang="en-GB" dirty="0"/>
+              <a:t>Display Stand (Area B)</a:t>
+            </a:r>
+          </a:p>
+        </p:txBody>
+      </p:sp>
+      <p:sp>
+        <p:nvSpPr>
+          <p:cNvPr id="6" name="TextBox 5">
+            <a:extLst>
+              <a:ext uri="{FF2B5EF4-FFF2-40B4-BE49-F238E27FC236}">
+                <a16:creationId xmlns:a16="http://schemas.microsoft.com/office/drawing/2014/main" id="{A689C3F4-C918-EB26-FF3B-EFDFEA6D94CE}"/>
+              </a:ext>
+            </a:extLst>
+          </p:cNvPr>
+          <p:cNvSpPr txBox="1"/>
+          <p:nvPr/>
+        </p:nvSpPr>
+        <p:spPr>
+          <a:xfrm>
+            <a:off x="5871549" y="1273176"/>
+            <a:ext cx="448901" cy="584775"/>
+          </a:xfrm>
+          <a:prstGeom prst="rect">
+            <a:avLst/>
+          </a:prstGeom>
+          <a:noFill/>
+        </p:spPr>
+        <p:txBody>
+          <a:bodyPr wrap="square" rtlCol="0">
+            <a:spAutoFit/>
+          </a:bodyPr>
+          <a:lstStyle/>
+          <a:p>
+            <a:r>
+              <a:rPr lang="en-GB" sz="3200" dirty="0">
+                <a:solidFill>
+                  <a:srgbClr val="FF0000"/>
+                </a:solidFill>
+              </a:rPr>
+              <a:t>X</a:t>
+            </a:r>
+          </a:p>
+        </p:txBody>
+      </p:sp>
+    </p:spTree>
+    <p:extLst>
+      <p:ext uri="{BB962C8B-B14F-4D97-AF65-F5344CB8AC3E}">
+        <p14:creationId xmlns:p14="http://schemas.microsoft.com/office/powerpoint/2010/main" val="1802498071"/>
+      </p:ext>
+    </p:extLst>
+  </p:cSld>
+  <p:clrMapOvr>
+    <a:masterClrMapping/>
+  </p:clrMapOvr>
+</p:sld>
+</file>
+
+<file path=ppt/slides/slide11.xml><?xml version="1.0" encoding="utf-8"?>
+<p:sld xmlns:a="http://schemas.openxmlformats.org/drawingml/2006/main" xmlns:r="http://schemas.openxmlformats.org/officeDocument/2006/relationships" xmlns:p="http://schemas.openxmlformats.org/presentationml/2006/main">
+  <p:cSld>
+    <p:spTree>
+      <p:nvGrpSpPr>
+        <p:cNvPr id="1" name=""/>
+        <p:cNvGrpSpPr/>
+        <p:nvPr/>
+      </p:nvGrpSpPr>
+      <p:grpSpPr>
+        <a:xfrm>
+          <a:off x="0" y="0"/>
+          <a:ext cx="0" cy="0"/>
+          <a:chOff x="0" y="0"/>
+          <a:chExt cx="0" cy="0"/>
+        </a:xfrm>
+      </p:grpSpPr>
+      <p:pic>
+        <p:nvPicPr>
+          <p:cNvPr id="8" name="Content Placeholder 7" descr="Graphical user interface, diagram&#10;&#10;Description automatically generated">
+            <a:extLst>
+              <a:ext uri="{FF2B5EF4-FFF2-40B4-BE49-F238E27FC236}">
+                <a16:creationId xmlns:a16="http://schemas.microsoft.com/office/drawing/2014/main" id="{AB5036B3-E07F-F810-FDD7-BE3EB7E64BC7}"/>
+              </a:ext>
+            </a:extLst>
+          </p:cNvPr>
+          <p:cNvPicPr>
+            <a:picLocks noGrp="1" noChangeAspect="1"/>
+          </p:cNvPicPr>
+          <p:nvPr>
+            <p:ph idx="1"/>
+          </p:nvPr>
+        </p:nvPicPr>
+        <p:blipFill>
+          <a:blip r:embed="rId2">
+            <a:extLst>
+              <a:ext uri="{28A0092B-C50C-407E-A947-70E740481C1C}">
+                <a14:useLocalDpi xmlns:a14="http://schemas.microsoft.com/office/drawing/2010/main" val="0"/>
+              </a:ext>
+            </a:extLst>
+          </a:blip>
+          <a:stretch>
+            <a:fillRect/>
+          </a:stretch>
+        </p:blipFill>
+        <p:spPr>
+          <a:xfrm>
+            <a:off x="887271" y="1496291"/>
+            <a:ext cx="10417456" cy="5181600"/>
+          </a:xfrm>
+        </p:spPr>
+      </p:pic>
+      <p:sp>
+        <p:nvSpPr>
+          <p:cNvPr id="2" name="Title 1">
+            <a:extLst>
+              <a:ext uri="{FF2B5EF4-FFF2-40B4-BE49-F238E27FC236}">
+                <a16:creationId xmlns:a16="http://schemas.microsoft.com/office/drawing/2014/main" id="{A91CC00A-EB51-41A1-0806-2A003ECD0A05}"/>
+              </a:ext>
+            </a:extLst>
+          </p:cNvPr>
+          <p:cNvSpPr>
+            <a:spLocks noGrp="1"/>
+          </p:cNvSpPr>
+          <p:nvPr>
+            <p:ph type="title"/>
+          </p:nvPr>
+        </p:nvSpPr>
+        <p:spPr/>
+        <p:txBody>
+          <a:bodyPr/>
+          <a:lstStyle/>
+          <a:p>
+            <a:r>
+              <a:rPr lang="en-GB" dirty="0"/>
+              <a:t>Display Stand (Area B)</a:t>
+            </a:r>
+          </a:p>
+        </p:txBody>
+      </p:sp>
+      <p:sp>
+        <p:nvSpPr>
+          <p:cNvPr id="6" name="TextBox 5">
+            <a:extLst>
+              <a:ext uri="{FF2B5EF4-FFF2-40B4-BE49-F238E27FC236}">
+                <a16:creationId xmlns:a16="http://schemas.microsoft.com/office/drawing/2014/main" id="{A689C3F4-C918-EB26-FF3B-EFDFEA6D94CE}"/>
+              </a:ext>
+            </a:extLst>
+          </p:cNvPr>
+          <p:cNvSpPr txBox="1"/>
+          <p:nvPr/>
+        </p:nvSpPr>
+        <p:spPr>
+          <a:xfrm>
+            <a:off x="5871549" y="1273176"/>
+            <a:ext cx="448901" cy="584775"/>
+          </a:xfrm>
+          <a:prstGeom prst="rect">
+            <a:avLst/>
+          </a:prstGeom>
+          <a:noFill/>
+        </p:spPr>
+        <p:txBody>
+          <a:bodyPr wrap="square" rtlCol="0">
+            <a:spAutoFit/>
+          </a:bodyPr>
+          <a:lstStyle/>
+          <a:p>
+            <a:r>
+              <a:rPr lang="en-GB" sz="3200" dirty="0">
+                <a:solidFill>
+                  <a:srgbClr val="FF0000"/>
+                </a:solidFill>
+              </a:rPr>
+              <a:t>X</a:t>
+            </a:r>
+          </a:p>
+        </p:txBody>
+      </p:sp>
+    </p:spTree>
+    <p:extLst>
+      <p:ext uri="{BB962C8B-B14F-4D97-AF65-F5344CB8AC3E}">
+        <p14:creationId xmlns:p14="http://schemas.microsoft.com/office/powerpoint/2010/main" val="3352580566"/>
+      </p:ext>
+    </p:extLst>
+  </p:cSld>
+  <p:clrMapOvr>
+    <a:masterClrMapping/>
+  </p:clrMapOvr>
+</p:sld>
+</file>
+
 <file path=ppt/slides/slide2.xml><?xml version="1.0" encoding="utf-8"?>
 <p:sld xmlns:a="http://schemas.openxmlformats.org/drawingml/2006/main" xmlns:r="http://schemas.openxmlformats.org/officeDocument/2006/relationships" xmlns:p="http://schemas.openxmlformats.org/presentationml/2006/main">
   <p:cSld>
@@ -4329,10 +5195,1270 @@
       </p:grpSpPr>
       <p:sp useBgFill="1">
         <p:nvSpPr>
-          <p:cNvPr id="27" name="Rectangle 26">
+          <p:cNvPr id="47" name="Rectangle 43">
             <a:extLst>
               <a:ext uri="{FF2B5EF4-FFF2-40B4-BE49-F238E27FC236}">
-                <a16:creationId xmlns:a16="http://schemas.microsoft.com/office/drawing/2014/main" id="{08BC803E-13F3-4DAB-B17C-BEB0076164B7}"/>
+                <a16:creationId xmlns:a16="http://schemas.microsoft.com/office/drawing/2014/main" id="{5EF17487-C386-4F99-B5EB-4FD3DF4236B2}"/>
+              </a:ext>
+              <a:ext uri="{C183D7F6-B498-43B3-948B-1728B52AA6E4}">
+                <adec:decorative xmlns:adec="http://schemas.microsoft.com/office/drawing/2017/decorative" val="1"/>
+              </a:ext>
+            </a:extLst>
+          </p:cNvPr>
+          <p:cNvSpPr>
+            <a:spLocks noGrp="1" noRot="1" noChangeAspect="1" noMove="1" noResize="1" noEditPoints="1" noAdjustHandles="1" noChangeArrowheads="1" noChangeShapeType="1" noTextEdit="1"/>
+          </p:cNvSpPr>
+          <p:nvPr>
+            <p:extLst>
+              <p:ext uri="{386F3935-93C4-4BCD-93E2-E3B085C9AB24}">
+                <p16:designElem xmlns:p16="http://schemas.microsoft.com/office/powerpoint/2015/main" val="1"/>
+              </p:ext>
+            </p:extLst>
+          </p:nvPr>
+        </p:nvSpPr>
+        <p:spPr>
+          <a:xfrm>
+            <a:off x="0" y="0"/>
+            <a:ext cx="12188952" cy="6858000"/>
+          </a:xfrm>
+          <a:prstGeom prst="rect">
+            <a:avLst/>
+          </a:prstGeom>
+          <a:ln>
+            <a:noFill/>
+          </a:ln>
+        </p:spPr>
+        <p:style>
+          <a:lnRef idx="2">
+            <a:schemeClr val="accent1">
+              <a:shade val="50000"/>
+            </a:schemeClr>
+          </a:lnRef>
+          <a:fillRef idx="1">
+            <a:schemeClr val="accent1"/>
+          </a:fillRef>
+          <a:effectRef idx="0">
+            <a:schemeClr val="accent1"/>
+          </a:effectRef>
+          <a:fontRef idx="minor">
+            <a:schemeClr val="lt1"/>
+          </a:fontRef>
+        </p:style>
+        <p:txBody>
+          <a:bodyPr rtlCol="0" anchor="ctr"/>
+          <a:lstStyle/>
+          <a:p>
+            <a:pPr algn="ctr"/>
+            <a:endParaRPr lang="en-US"/>
+          </a:p>
+        </p:txBody>
+      </p:sp>
+      <p:sp>
+        <p:nvSpPr>
+          <p:cNvPr id="46" name="Freeform: Shape 45">
+            <a:extLst>
+              <a:ext uri="{FF2B5EF4-FFF2-40B4-BE49-F238E27FC236}">
+                <a16:creationId xmlns:a16="http://schemas.microsoft.com/office/drawing/2014/main" id="{A0DE92DF-4769-4DE9-93FD-EE31271850CA}"/>
+              </a:ext>
+              <a:ext uri="{C183D7F6-B498-43B3-948B-1728B52AA6E4}">
+                <adec:decorative xmlns:adec="http://schemas.microsoft.com/office/drawing/2017/decorative" val="1"/>
+              </a:ext>
+            </a:extLst>
+          </p:cNvPr>
+          <p:cNvSpPr>
+            <a:spLocks noGrp="1" noRot="1" noChangeAspect="1" noMove="1" noResize="1" noEditPoints="1" noAdjustHandles="1" noChangeArrowheads="1" noChangeShapeType="1" noTextEdit="1"/>
+          </p:cNvSpPr>
+          <p:nvPr>
+            <p:extLst>
+              <p:ext uri="{386F3935-93C4-4BCD-93E2-E3B085C9AB24}">
+                <p16:designElem xmlns:p16="http://schemas.microsoft.com/office/powerpoint/2015/main" val="1"/>
+              </p:ext>
+            </p:extLst>
+          </p:nvPr>
+        </p:nvSpPr>
+        <p:spPr>
+          <a:xfrm flipH="1" flipV="1">
+            <a:off x="0" y="0"/>
+            <a:ext cx="7472381" cy="6858000"/>
+          </a:xfrm>
+          <a:custGeom>
+            <a:avLst/>
+            <a:gdLst>
+              <a:gd name="connsiteX0" fmla="*/ 1232666 w 7472381"/>
+              <a:gd name="connsiteY0" fmla="*/ 0 h 6886575"/>
+              <a:gd name="connsiteX1" fmla="*/ 7472381 w 7472381"/>
+              <a:gd name="connsiteY1" fmla="*/ 0 h 6886575"/>
+              <a:gd name="connsiteX2" fmla="*/ 7472381 w 7472381"/>
+              <a:gd name="connsiteY2" fmla="*/ 814388 h 6886575"/>
+              <a:gd name="connsiteX3" fmla="*/ 7472381 w 7472381"/>
+              <a:gd name="connsiteY3" fmla="*/ 6411516 h 6886575"/>
+              <a:gd name="connsiteX4" fmla="*/ 7472381 w 7472381"/>
+              <a:gd name="connsiteY4" fmla="*/ 6886575 h 6886575"/>
+              <a:gd name="connsiteX5" fmla="*/ 6992676 w 7472381"/>
+              <a:gd name="connsiteY5" fmla="*/ 6886575 h 6886575"/>
+              <a:gd name="connsiteX6" fmla="*/ 1946893 w 7472381"/>
+              <a:gd name="connsiteY6" fmla="*/ 6886575 h 6886575"/>
+              <a:gd name="connsiteX7" fmla="*/ 1506276 w 7472381"/>
+              <a:gd name="connsiteY7" fmla="*/ 6686550 h 6886575"/>
+              <a:gd name="connsiteX8" fmla="*/ 1314394 w 7472381"/>
+              <a:gd name="connsiteY8" fmla="*/ 6457949 h 6886575"/>
+              <a:gd name="connsiteX9" fmla="*/ 1246880 w 7472381"/>
+              <a:gd name="connsiteY9" fmla="*/ 6393656 h 6886575"/>
+              <a:gd name="connsiteX10" fmla="*/ 1079872 w 7472381"/>
+              <a:gd name="connsiteY10" fmla="*/ 6307931 h 6886575"/>
+              <a:gd name="connsiteX11" fmla="*/ 788495 w 7472381"/>
+              <a:gd name="connsiteY11" fmla="*/ 6125765 h 6886575"/>
+              <a:gd name="connsiteX12" fmla="*/ 895097 w 7472381"/>
+              <a:gd name="connsiteY12" fmla="*/ 6082903 h 6886575"/>
+              <a:gd name="connsiteX13" fmla="*/ 1204239 w 7472381"/>
+              <a:gd name="connsiteY13" fmla="*/ 6193631 h 6886575"/>
+              <a:gd name="connsiteX14" fmla="*/ 1428102 w 7472381"/>
+              <a:gd name="connsiteY14" fmla="*/ 6222206 h 6886575"/>
+              <a:gd name="connsiteX15" fmla="*/ 1111852 w 7472381"/>
+              <a:gd name="connsiteY15" fmla="*/ 6029325 h 6886575"/>
+              <a:gd name="connsiteX16" fmla="*/ 806262 w 7472381"/>
+              <a:gd name="connsiteY16" fmla="*/ 5779294 h 6886575"/>
+              <a:gd name="connsiteX17" fmla="*/ 1040785 w 7472381"/>
+              <a:gd name="connsiteY17" fmla="*/ 5825728 h 6886575"/>
+              <a:gd name="connsiteX18" fmla="*/ 1051445 w 7472381"/>
+              <a:gd name="connsiteY18" fmla="*/ 5793581 h 6886575"/>
+              <a:gd name="connsiteX19" fmla="*/ 845349 w 7472381"/>
+              <a:gd name="connsiteY19" fmla="*/ 5497115 h 6886575"/>
+              <a:gd name="connsiteX20" fmla="*/ 745855 w 7472381"/>
+              <a:gd name="connsiteY20" fmla="*/ 5375672 h 6886575"/>
+              <a:gd name="connsiteX21" fmla="*/ 291024 w 7472381"/>
+              <a:gd name="connsiteY21" fmla="*/ 5014913 h 6886575"/>
+              <a:gd name="connsiteX22" fmla="*/ 724535 w 7472381"/>
+              <a:gd name="connsiteY22" fmla="*/ 5175647 h 6886575"/>
+              <a:gd name="connsiteX23" fmla="*/ 276811 w 7472381"/>
+              <a:gd name="connsiteY23" fmla="*/ 4825603 h 6886575"/>
+              <a:gd name="connsiteX24" fmla="*/ 60055 w 7472381"/>
+              <a:gd name="connsiteY24" fmla="*/ 4697016 h 6886575"/>
+              <a:gd name="connsiteX25" fmla="*/ 6755 w 7472381"/>
+              <a:gd name="connsiteY25" fmla="*/ 4622006 h 6886575"/>
+              <a:gd name="connsiteX26" fmla="*/ 102696 w 7472381"/>
+              <a:gd name="connsiteY26" fmla="*/ 4604146 h 6886575"/>
+              <a:gd name="connsiteX27" fmla="*/ 397625 w 7472381"/>
+              <a:gd name="connsiteY27" fmla="*/ 4632722 h 6886575"/>
+              <a:gd name="connsiteX28" fmla="*/ 31628 w 7472381"/>
+              <a:gd name="connsiteY28" fmla="*/ 4396978 h 6886575"/>
+              <a:gd name="connsiteX29" fmla="*/ 305237 w 7472381"/>
+              <a:gd name="connsiteY29" fmla="*/ 4432697 h 6886575"/>
+              <a:gd name="connsiteX30" fmla="*/ 383412 w 7472381"/>
+              <a:gd name="connsiteY30" fmla="*/ 4339828 h 6886575"/>
+              <a:gd name="connsiteX31" fmla="*/ 511333 w 7472381"/>
+              <a:gd name="connsiteY31" fmla="*/ 4189810 h 6886575"/>
+              <a:gd name="connsiteX32" fmla="*/ 600167 w 7472381"/>
+              <a:gd name="connsiteY32" fmla="*/ 4107656 h 6886575"/>
+              <a:gd name="connsiteX33" fmla="*/ 635701 w 7472381"/>
+              <a:gd name="connsiteY33" fmla="*/ 3843337 h 6886575"/>
+              <a:gd name="connsiteX34" fmla="*/ 561080 w 7472381"/>
+              <a:gd name="connsiteY34" fmla="*/ 3554015 h 6886575"/>
+              <a:gd name="connsiteX35" fmla="*/ 354985 w 7472381"/>
+              <a:gd name="connsiteY35" fmla="*/ 3407569 h 6886575"/>
+              <a:gd name="connsiteX36" fmla="*/ 415392 w 7472381"/>
+              <a:gd name="connsiteY36" fmla="*/ 3243263 h 6886575"/>
+              <a:gd name="connsiteX37" fmla="*/ 852456 w 7472381"/>
+              <a:gd name="connsiteY37" fmla="*/ 3343275 h 6886575"/>
+              <a:gd name="connsiteX38" fmla="*/ 202190 w 7472381"/>
+              <a:gd name="connsiteY38" fmla="*/ 2953940 h 6886575"/>
+              <a:gd name="connsiteX39" fmla="*/ 312344 w 7472381"/>
+              <a:gd name="connsiteY39" fmla="*/ 2936081 h 6886575"/>
+              <a:gd name="connsiteX40" fmla="*/ 706768 w 7472381"/>
+              <a:gd name="connsiteY40" fmla="*/ 2714625 h 6886575"/>
+              <a:gd name="connsiteX41" fmla="*/ 728088 w 7472381"/>
+              <a:gd name="connsiteY41" fmla="*/ 2703909 h 6886575"/>
+              <a:gd name="connsiteX42" fmla="*/ 795602 w 7472381"/>
+              <a:gd name="connsiteY42" fmla="*/ 2564606 h 6886575"/>
+              <a:gd name="connsiteX43" fmla="*/ 1008804 w 7472381"/>
+              <a:gd name="connsiteY43" fmla="*/ 2543175 h 6886575"/>
+              <a:gd name="connsiteX44" fmla="*/ 1186473 w 7472381"/>
+              <a:gd name="connsiteY44" fmla="*/ 2575322 h 6886575"/>
+              <a:gd name="connsiteX45" fmla="*/ 1378355 w 7472381"/>
+              <a:gd name="connsiteY45" fmla="*/ 2536031 h 6886575"/>
+              <a:gd name="connsiteX46" fmla="*/ 1548916 w 7472381"/>
+              <a:gd name="connsiteY46" fmla="*/ 2553891 h 6886575"/>
+              <a:gd name="connsiteX47" fmla="*/ 1694604 w 7472381"/>
+              <a:gd name="connsiteY47" fmla="*/ 2528888 h 6886575"/>
+              <a:gd name="connsiteX48" fmla="*/ 1552469 w 7472381"/>
+              <a:gd name="connsiteY48" fmla="*/ 2411015 h 6886575"/>
+              <a:gd name="connsiteX49" fmla="*/ 1353481 w 7472381"/>
+              <a:gd name="connsiteY49" fmla="*/ 2411015 h 6886575"/>
+              <a:gd name="connsiteX50" fmla="*/ 1211346 w 7472381"/>
+              <a:gd name="connsiteY50" fmla="*/ 2336007 h 6886575"/>
+              <a:gd name="connsiteX51" fmla="*/ 1076318 w 7472381"/>
+              <a:gd name="connsiteY51" fmla="*/ 2200275 h 6886575"/>
+              <a:gd name="connsiteX52" fmla="*/ 600167 w 7472381"/>
+              <a:gd name="connsiteY52" fmla="*/ 1982390 h 6886575"/>
+              <a:gd name="connsiteX53" fmla="*/ 514886 w 7472381"/>
+              <a:gd name="connsiteY53" fmla="*/ 1900238 h 6886575"/>
+              <a:gd name="connsiteX54" fmla="*/ 1872273 w 7472381"/>
+              <a:gd name="connsiteY54" fmla="*/ 2218135 h 6886575"/>
+              <a:gd name="connsiteX55" fmla="*/ 1452975 w 7472381"/>
+              <a:gd name="connsiteY55" fmla="*/ 2085975 h 6886575"/>
+              <a:gd name="connsiteX56" fmla="*/ 1737245 w 7472381"/>
+              <a:gd name="connsiteY56" fmla="*/ 2110978 h 6886575"/>
+              <a:gd name="connsiteX57" fmla="*/ 1893593 w 7472381"/>
+              <a:gd name="connsiteY57" fmla="*/ 2021681 h 6886575"/>
+              <a:gd name="connsiteX58" fmla="*/ 1893593 w 7472381"/>
+              <a:gd name="connsiteY58" fmla="*/ 1993106 h 6886575"/>
+              <a:gd name="connsiteX59" fmla="*/ 1776332 w 7472381"/>
+              <a:gd name="connsiteY59" fmla="*/ 1910953 h 6886575"/>
+              <a:gd name="connsiteX60" fmla="*/ 1708818 w 7472381"/>
+              <a:gd name="connsiteY60" fmla="*/ 1857375 h 6886575"/>
+              <a:gd name="connsiteX61" fmla="*/ 1524043 w 7472381"/>
+              <a:gd name="connsiteY61" fmla="*/ 1664493 h 6886575"/>
+              <a:gd name="connsiteX62" fmla="*/ 1655517 w 7472381"/>
+              <a:gd name="connsiteY62" fmla="*/ 1643062 h 6886575"/>
+              <a:gd name="connsiteX63" fmla="*/ 1705264 w 7472381"/>
+              <a:gd name="connsiteY63" fmla="*/ 1603772 h 6886575"/>
+              <a:gd name="connsiteX64" fmla="*/ 1669731 w 7472381"/>
+              <a:gd name="connsiteY64" fmla="*/ 1546622 h 6886575"/>
+              <a:gd name="connsiteX65" fmla="*/ 1261093 w 7472381"/>
+              <a:gd name="connsiteY65" fmla="*/ 1371600 h 6886575"/>
+              <a:gd name="connsiteX66" fmla="*/ 1229113 w 7472381"/>
+              <a:gd name="connsiteY66" fmla="*/ 1235869 h 6886575"/>
+              <a:gd name="connsiteX67" fmla="*/ 1307287 w 7472381"/>
+              <a:gd name="connsiteY67" fmla="*/ 1214437 h 6886575"/>
+              <a:gd name="connsiteX68" fmla="*/ 1396121 w 7472381"/>
+              <a:gd name="connsiteY68" fmla="*/ 1225153 h 6886575"/>
+              <a:gd name="connsiteX69" fmla="*/ 1325054 w 7472381"/>
+              <a:gd name="connsiteY69" fmla="*/ 1117997 h 6886575"/>
+              <a:gd name="connsiteX70" fmla="*/ 1037231 w 7472381"/>
+              <a:gd name="connsiteY70" fmla="*/ 1010841 h 6886575"/>
+              <a:gd name="connsiteX71" fmla="*/ 983931 w 7472381"/>
+              <a:gd name="connsiteY71" fmla="*/ 953690 h 6886575"/>
+              <a:gd name="connsiteX72" fmla="*/ 1054998 w 7472381"/>
+              <a:gd name="connsiteY72" fmla="*/ 925115 h 6886575"/>
+              <a:gd name="connsiteX73" fmla="*/ 1108299 w 7472381"/>
+              <a:gd name="connsiteY73" fmla="*/ 914400 h 6886575"/>
+              <a:gd name="connsiteX74" fmla="*/ 6755 w 7472381"/>
+              <a:gd name="connsiteY74" fmla="*/ 467915 h 6886575"/>
+              <a:gd name="connsiteX75" fmla="*/ 255490 w 7472381"/>
+              <a:gd name="connsiteY75" fmla="*/ 464344 h 6886575"/>
+              <a:gd name="connsiteX76" fmla="*/ 500673 w 7472381"/>
+              <a:gd name="connsiteY76" fmla="*/ 535781 h 6886575"/>
+              <a:gd name="connsiteX77" fmla="*/ 760069 w 7472381"/>
+              <a:gd name="connsiteY77" fmla="*/ 525066 h 6886575"/>
+              <a:gd name="connsiteX78" fmla="*/ 1005251 w 7472381"/>
+              <a:gd name="connsiteY78" fmla="*/ 560785 h 6886575"/>
+              <a:gd name="connsiteX79" fmla="*/ 1218453 w 7472381"/>
+              <a:gd name="connsiteY79" fmla="*/ 560785 h 6886575"/>
+              <a:gd name="connsiteX80" fmla="*/ 1019464 w 7472381"/>
+              <a:gd name="connsiteY80" fmla="*/ 507206 h 6886575"/>
+              <a:gd name="connsiteX81" fmla="*/ 944844 w 7472381"/>
+              <a:gd name="connsiteY81" fmla="*/ 417909 h 6886575"/>
+              <a:gd name="connsiteX82" fmla="*/ 969717 w 7472381"/>
+              <a:gd name="connsiteY82" fmla="*/ 335757 h 6886575"/>
+              <a:gd name="connsiteX83" fmla="*/ 1051445 w 7472381"/>
+              <a:gd name="connsiteY83" fmla="*/ 360759 h 6886575"/>
+              <a:gd name="connsiteX84" fmla="*/ 1147386 w 7472381"/>
+              <a:gd name="connsiteY84" fmla="*/ 453629 h 6886575"/>
+              <a:gd name="connsiteX85" fmla="*/ 1168706 w 7472381"/>
+              <a:gd name="connsiteY85" fmla="*/ 396478 h 6886575"/>
+              <a:gd name="connsiteX86" fmla="*/ 1225560 w 7472381"/>
+              <a:gd name="connsiteY86" fmla="*/ 353615 h 6886575"/>
+              <a:gd name="connsiteX87" fmla="*/ 1552469 w 7472381"/>
+              <a:gd name="connsiteY87" fmla="*/ 375047 h 6886575"/>
+              <a:gd name="connsiteX88" fmla="*/ 1335714 w 7472381"/>
+              <a:gd name="connsiteY88" fmla="*/ 192881 h 6886575"/>
+              <a:gd name="connsiteX89" fmla="*/ 1197133 w 7472381"/>
+              <a:gd name="connsiteY89" fmla="*/ 164306 h 6886575"/>
+              <a:gd name="connsiteX90" fmla="*/ 1165153 w 7472381"/>
+              <a:gd name="connsiteY90" fmla="*/ 89297 h 6886575"/>
+              <a:gd name="connsiteX91" fmla="*/ 1229113 w 7472381"/>
+              <a:gd name="connsiteY91" fmla="*/ 71437 h 6886575"/>
+              <a:gd name="connsiteX92" fmla="*/ 1548916 w 7472381"/>
+              <a:gd name="connsiteY92" fmla="*/ 135731 h 6886575"/>
+              <a:gd name="connsiteX93" fmla="*/ 1602217 w 7472381"/>
+              <a:gd name="connsiteY93" fmla="*/ 110728 h 6886575"/>
+              <a:gd name="connsiteX94" fmla="*/ 1232666 w 7472381"/>
+              <a:gd name="connsiteY94" fmla="*/ 0 h 6886575"/>
+            </a:gdLst>
+            <a:ahLst/>
+            <a:cxnLst>
+              <a:cxn ang="0">
+                <a:pos x="connsiteX0" y="connsiteY0"/>
+              </a:cxn>
+              <a:cxn ang="0">
+                <a:pos x="connsiteX1" y="connsiteY1"/>
+              </a:cxn>
+              <a:cxn ang="0">
+                <a:pos x="connsiteX2" y="connsiteY2"/>
+              </a:cxn>
+              <a:cxn ang="0">
+                <a:pos x="connsiteX3" y="connsiteY3"/>
+              </a:cxn>
+              <a:cxn ang="0">
+                <a:pos x="connsiteX4" y="connsiteY4"/>
+              </a:cxn>
+              <a:cxn ang="0">
+                <a:pos x="connsiteX5" y="connsiteY5"/>
+              </a:cxn>
+              <a:cxn ang="0">
+                <a:pos x="connsiteX6" y="connsiteY6"/>
+              </a:cxn>
+              <a:cxn ang="0">
+                <a:pos x="connsiteX7" y="connsiteY7"/>
+              </a:cxn>
+              <a:cxn ang="0">
+                <a:pos x="connsiteX8" y="connsiteY8"/>
+              </a:cxn>
+              <a:cxn ang="0">
+                <a:pos x="connsiteX9" y="connsiteY9"/>
+              </a:cxn>
+              <a:cxn ang="0">
+                <a:pos x="connsiteX10" y="connsiteY10"/>
+              </a:cxn>
+              <a:cxn ang="0">
+                <a:pos x="connsiteX11" y="connsiteY11"/>
+              </a:cxn>
+              <a:cxn ang="0">
+                <a:pos x="connsiteX12" y="connsiteY12"/>
+              </a:cxn>
+              <a:cxn ang="0">
+                <a:pos x="connsiteX13" y="connsiteY13"/>
+              </a:cxn>
+              <a:cxn ang="0">
+                <a:pos x="connsiteX14" y="connsiteY14"/>
+              </a:cxn>
+              <a:cxn ang="0">
+                <a:pos x="connsiteX15" y="connsiteY15"/>
+              </a:cxn>
+              <a:cxn ang="0">
+                <a:pos x="connsiteX16" y="connsiteY16"/>
+              </a:cxn>
+              <a:cxn ang="0">
+                <a:pos x="connsiteX17" y="connsiteY17"/>
+              </a:cxn>
+              <a:cxn ang="0">
+                <a:pos x="connsiteX18" y="connsiteY18"/>
+              </a:cxn>
+              <a:cxn ang="0">
+                <a:pos x="connsiteX19" y="connsiteY19"/>
+              </a:cxn>
+              <a:cxn ang="0">
+                <a:pos x="connsiteX20" y="connsiteY20"/>
+              </a:cxn>
+              <a:cxn ang="0">
+                <a:pos x="connsiteX21" y="connsiteY21"/>
+              </a:cxn>
+              <a:cxn ang="0">
+                <a:pos x="connsiteX22" y="connsiteY22"/>
+              </a:cxn>
+              <a:cxn ang="0">
+                <a:pos x="connsiteX23" y="connsiteY23"/>
+              </a:cxn>
+              <a:cxn ang="0">
+                <a:pos x="connsiteX24" y="connsiteY24"/>
+              </a:cxn>
+              <a:cxn ang="0">
+                <a:pos x="connsiteX25" y="connsiteY25"/>
+              </a:cxn>
+              <a:cxn ang="0">
+                <a:pos x="connsiteX26" y="connsiteY26"/>
+              </a:cxn>
+              <a:cxn ang="0">
+                <a:pos x="connsiteX27" y="connsiteY27"/>
+              </a:cxn>
+              <a:cxn ang="0">
+                <a:pos x="connsiteX28" y="connsiteY28"/>
+              </a:cxn>
+              <a:cxn ang="0">
+                <a:pos x="connsiteX29" y="connsiteY29"/>
+              </a:cxn>
+              <a:cxn ang="0">
+                <a:pos x="connsiteX30" y="connsiteY30"/>
+              </a:cxn>
+              <a:cxn ang="0">
+                <a:pos x="connsiteX31" y="connsiteY31"/>
+              </a:cxn>
+              <a:cxn ang="0">
+                <a:pos x="connsiteX32" y="connsiteY32"/>
+              </a:cxn>
+              <a:cxn ang="0">
+                <a:pos x="connsiteX33" y="connsiteY33"/>
+              </a:cxn>
+              <a:cxn ang="0">
+                <a:pos x="connsiteX34" y="connsiteY34"/>
+              </a:cxn>
+              <a:cxn ang="0">
+                <a:pos x="connsiteX35" y="connsiteY35"/>
+              </a:cxn>
+              <a:cxn ang="0">
+                <a:pos x="connsiteX36" y="connsiteY36"/>
+              </a:cxn>
+              <a:cxn ang="0">
+                <a:pos x="connsiteX37" y="connsiteY37"/>
+              </a:cxn>
+              <a:cxn ang="0">
+                <a:pos x="connsiteX38" y="connsiteY38"/>
+              </a:cxn>
+              <a:cxn ang="0">
+                <a:pos x="connsiteX39" y="connsiteY39"/>
+              </a:cxn>
+              <a:cxn ang="0">
+                <a:pos x="connsiteX40" y="connsiteY40"/>
+              </a:cxn>
+              <a:cxn ang="0">
+                <a:pos x="connsiteX41" y="connsiteY41"/>
+              </a:cxn>
+              <a:cxn ang="0">
+                <a:pos x="connsiteX42" y="connsiteY42"/>
+              </a:cxn>
+              <a:cxn ang="0">
+                <a:pos x="connsiteX43" y="connsiteY43"/>
+              </a:cxn>
+              <a:cxn ang="0">
+                <a:pos x="connsiteX44" y="connsiteY44"/>
+              </a:cxn>
+              <a:cxn ang="0">
+                <a:pos x="connsiteX45" y="connsiteY45"/>
+              </a:cxn>
+              <a:cxn ang="0">
+                <a:pos x="connsiteX46" y="connsiteY46"/>
+              </a:cxn>
+              <a:cxn ang="0">
+                <a:pos x="connsiteX47" y="connsiteY47"/>
+              </a:cxn>
+              <a:cxn ang="0">
+                <a:pos x="connsiteX48" y="connsiteY48"/>
+              </a:cxn>
+              <a:cxn ang="0">
+                <a:pos x="connsiteX49" y="connsiteY49"/>
+              </a:cxn>
+              <a:cxn ang="0">
+                <a:pos x="connsiteX50" y="connsiteY50"/>
+              </a:cxn>
+              <a:cxn ang="0">
+                <a:pos x="connsiteX51" y="connsiteY51"/>
+              </a:cxn>
+              <a:cxn ang="0">
+                <a:pos x="connsiteX52" y="connsiteY52"/>
+              </a:cxn>
+              <a:cxn ang="0">
+                <a:pos x="connsiteX53" y="connsiteY53"/>
+              </a:cxn>
+              <a:cxn ang="0">
+                <a:pos x="connsiteX54" y="connsiteY54"/>
+              </a:cxn>
+              <a:cxn ang="0">
+                <a:pos x="connsiteX55" y="connsiteY55"/>
+              </a:cxn>
+              <a:cxn ang="0">
+                <a:pos x="connsiteX56" y="connsiteY56"/>
+              </a:cxn>
+              <a:cxn ang="0">
+                <a:pos x="connsiteX57" y="connsiteY57"/>
+              </a:cxn>
+              <a:cxn ang="0">
+                <a:pos x="connsiteX58" y="connsiteY58"/>
+              </a:cxn>
+              <a:cxn ang="0">
+                <a:pos x="connsiteX59" y="connsiteY59"/>
+              </a:cxn>
+              <a:cxn ang="0">
+                <a:pos x="connsiteX60" y="connsiteY60"/>
+              </a:cxn>
+              <a:cxn ang="0">
+                <a:pos x="connsiteX61" y="connsiteY61"/>
+              </a:cxn>
+              <a:cxn ang="0">
+                <a:pos x="connsiteX62" y="connsiteY62"/>
+              </a:cxn>
+              <a:cxn ang="0">
+                <a:pos x="connsiteX63" y="connsiteY63"/>
+              </a:cxn>
+              <a:cxn ang="0">
+                <a:pos x="connsiteX64" y="connsiteY64"/>
+              </a:cxn>
+              <a:cxn ang="0">
+                <a:pos x="connsiteX65" y="connsiteY65"/>
+              </a:cxn>
+              <a:cxn ang="0">
+                <a:pos x="connsiteX66" y="connsiteY66"/>
+              </a:cxn>
+              <a:cxn ang="0">
+                <a:pos x="connsiteX67" y="connsiteY67"/>
+              </a:cxn>
+              <a:cxn ang="0">
+                <a:pos x="connsiteX68" y="connsiteY68"/>
+              </a:cxn>
+              <a:cxn ang="0">
+                <a:pos x="connsiteX69" y="connsiteY69"/>
+              </a:cxn>
+              <a:cxn ang="0">
+                <a:pos x="connsiteX70" y="connsiteY70"/>
+              </a:cxn>
+              <a:cxn ang="0">
+                <a:pos x="connsiteX71" y="connsiteY71"/>
+              </a:cxn>
+              <a:cxn ang="0">
+                <a:pos x="connsiteX72" y="connsiteY72"/>
+              </a:cxn>
+              <a:cxn ang="0">
+                <a:pos x="connsiteX73" y="connsiteY73"/>
+              </a:cxn>
+              <a:cxn ang="0">
+                <a:pos x="connsiteX74" y="connsiteY74"/>
+              </a:cxn>
+              <a:cxn ang="0">
+                <a:pos x="connsiteX75" y="connsiteY75"/>
+              </a:cxn>
+              <a:cxn ang="0">
+                <a:pos x="connsiteX76" y="connsiteY76"/>
+              </a:cxn>
+              <a:cxn ang="0">
+                <a:pos x="connsiteX77" y="connsiteY77"/>
+              </a:cxn>
+              <a:cxn ang="0">
+                <a:pos x="connsiteX78" y="connsiteY78"/>
+              </a:cxn>
+              <a:cxn ang="0">
+                <a:pos x="connsiteX79" y="connsiteY79"/>
+              </a:cxn>
+              <a:cxn ang="0">
+                <a:pos x="connsiteX80" y="connsiteY80"/>
+              </a:cxn>
+              <a:cxn ang="0">
+                <a:pos x="connsiteX81" y="connsiteY81"/>
+              </a:cxn>
+              <a:cxn ang="0">
+                <a:pos x="connsiteX82" y="connsiteY82"/>
+              </a:cxn>
+              <a:cxn ang="0">
+                <a:pos x="connsiteX83" y="connsiteY83"/>
+              </a:cxn>
+              <a:cxn ang="0">
+                <a:pos x="connsiteX84" y="connsiteY84"/>
+              </a:cxn>
+              <a:cxn ang="0">
+                <a:pos x="connsiteX85" y="connsiteY85"/>
+              </a:cxn>
+              <a:cxn ang="0">
+                <a:pos x="connsiteX86" y="connsiteY86"/>
+              </a:cxn>
+              <a:cxn ang="0">
+                <a:pos x="connsiteX87" y="connsiteY87"/>
+              </a:cxn>
+              <a:cxn ang="0">
+                <a:pos x="connsiteX88" y="connsiteY88"/>
+              </a:cxn>
+              <a:cxn ang="0">
+                <a:pos x="connsiteX89" y="connsiteY89"/>
+              </a:cxn>
+              <a:cxn ang="0">
+                <a:pos x="connsiteX90" y="connsiteY90"/>
+              </a:cxn>
+              <a:cxn ang="0">
+                <a:pos x="connsiteX91" y="connsiteY91"/>
+              </a:cxn>
+              <a:cxn ang="0">
+                <a:pos x="connsiteX92" y="connsiteY92"/>
+              </a:cxn>
+              <a:cxn ang="0">
+                <a:pos x="connsiteX93" y="connsiteY93"/>
+              </a:cxn>
+              <a:cxn ang="0">
+                <a:pos x="connsiteX94" y="connsiteY94"/>
+              </a:cxn>
+            </a:cxnLst>
+            <a:rect l="l" t="t" r="r" b="b"/>
+            <a:pathLst>
+              <a:path w="7472381" h="6886575">
+                <a:moveTo>
+                  <a:pt x="1232666" y="0"/>
+                </a:moveTo>
+                <a:lnTo>
+                  <a:pt x="7472381" y="0"/>
+                </a:lnTo>
+                <a:lnTo>
+                  <a:pt x="7472381" y="814388"/>
+                </a:lnTo>
+                <a:lnTo>
+                  <a:pt x="7472381" y="6411516"/>
+                </a:lnTo>
+                <a:lnTo>
+                  <a:pt x="7472381" y="6886575"/>
+                </a:lnTo>
+                <a:lnTo>
+                  <a:pt x="6992676" y="6886575"/>
+                </a:lnTo>
+                <a:lnTo>
+                  <a:pt x="1946893" y="6886575"/>
+                </a:lnTo>
+                <a:cubicBezTo>
+                  <a:pt x="1801205" y="6815137"/>
+                  <a:pt x="1662624" y="6729412"/>
+                  <a:pt x="1506276" y="6686550"/>
+                </a:cubicBezTo>
+                <a:cubicBezTo>
+                  <a:pt x="1399675" y="6657975"/>
+                  <a:pt x="1296627" y="6607969"/>
+                  <a:pt x="1314394" y="6457949"/>
+                </a:cubicBezTo>
+                <a:cubicBezTo>
+                  <a:pt x="1317947" y="6415087"/>
+                  <a:pt x="1289520" y="6382941"/>
+                  <a:pt x="1246880" y="6393656"/>
+                </a:cubicBezTo>
+                <a:cubicBezTo>
+                  <a:pt x="1165153" y="6415087"/>
+                  <a:pt x="1126065" y="6354365"/>
+                  <a:pt x="1079872" y="6307931"/>
+                </a:cubicBezTo>
+                <a:cubicBezTo>
+                  <a:pt x="998144" y="6225779"/>
+                  <a:pt x="919970" y="6140052"/>
+                  <a:pt x="788495" y="6125765"/>
+                </a:cubicBezTo>
+                <a:cubicBezTo>
+                  <a:pt x="813369" y="6061471"/>
+                  <a:pt x="856009" y="6068615"/>
+                  <a:pt x="895097" y="6082903"/>
+                </a:cubicBezTo>
+                <a:cubicBezTo>
+                  <a:pt x="998144" y="6118622"/>
+                  <a:pt x="1101192" y="6157912"/>
+                  <a:pt x="1204239" y="6193631"/>
+                </a:cubicBezTo>
+                <a:cubicBezTo>
+                  <a:pt x="1271754" y="6215062"/>
+                  <a:pt x="1339267" y="6247209"/>
+                  <a:pt x="1428102" y="6222206"/>
+                </a:cubicBezTo>
+                <a:cubicBezTo>
+                  <a:pt x="1349928" y="6093619"/>
+                  <a:pt x="1218453" y="6068615"/>
+                  <a:pt x="1111852" y="6029325"/>
+                </a:cubicBezTo>
+                <a:cubicBezTo>
+                  <a:pt x="980377" y="5979319"/>
+                  <a:pt x="902203" y="5886450"/>
+                  <a:pt x="806262" y="5779294"/>
+                </a:cubicBezTo>
+                <a:cubicBezTo>
+                  <a:pt x="902203" y="5750719"/>
+                  <a:pt x="962610" y="5829300"/>
+                  <a:pt x="1040785" y="5825728"/>
+                </a:cubicBezTo>
+                <a:cubicBezTo>
+                  <a:pt x="1044338" y="5815012"/>
+                  <a:pt x="1051445" y="5793581"/>
+                  <a:pt x="1051445" y="5793581"/>
+                </a:cubicBezTo>
+                <a:cubicBezTo>
+                  <a:pt x="923523" y="5736431"/>
+                  <a:pt x="866670" y="5629275"/>
+                  <a:pt x="845349" y="5497115"/>
+                </a:cubicBezTo>
+                <a:cubicBezTo>
+                  <a:pt x="838243" y="5429250"/>
+                  <a:pt x="792049" y="5407819"/>
+                  <a:pt x="745855" y="5375672"/>
+                </a:cubicBezTo>
+                <a:cubicBezTo>
+                  <a:pt x="589507" y="5264943"/>
+                  <a:pt x="422499" y="5164931"/>
+                  <a:pt x="291024" y="5014913"/>
+                </a:cubicBezTo>
+                <a:cubicBezTo>
+                  <a:pt x="443819" y="5032771"/>
+                  <a:pt x="564633" y="5132784"/>
+                  <a:pt x="724535" y="5175647"/>
+                </a:cubicBezTo>
+                <a:cubicBezTo>
+                  <a:pt x="596614" y="5011340"/>
+                  <a:pt x="429605" y="4925615"/>
+                  <a:pt x="276811" y="4825603"/>
+                </a:cubicBezTo>
+                <a:cubicBezTo>
+                  <a:pt x="205743" y="4779169"/>
+                  <a:pt x="141783" y="4722018"/>
+                  <a:pt x="60055" y="4697016"/>
+                </a:cubicBezTo>
+                <a:cubicBezTo>
+                  <a:pt x="31628" y="4689872"/>
+                  <a:pt x="-18119" y="4672013"/>
+                  <a:pt x="6755" y="4622006"/>
+                </a:cubicBezTo>
+                <a:cubicBezTo>
+                  <a:pt x="28075" y="4579144"/>
+                  <a:pt x="67162" y="4593432"/>
+                  <a:pt x="102696" y="4604146"/>
+                </a:cubicBezTo>
+                <a:cubicBezTo>
+                  <a:pt x="187976" y="4632722"/>
+                  <a:pt x="280364" y="4632722"/>
+                  <a:pt x="397625" y="4632722"/>
+                </a:cubicBezTo>
+                <a:cubicBezTo>
+                  <a:pt x="298131" y="4496990"/>
+                  <a:pt x="116909" y="4539853"/>
+                  <a:pt x="31628" y="4396978"/>
+                </a:cubicBezTo>
+                <a:cubicBezTo>
+                  <a:pt x="138229" y="4371976"/>
+                  <a:pt x="219957" y="4421982"/>
+                  <a:pt x="305237" y="4432697"/>
+                </a:cubicBezTo>
+                <a:cubicBezTo>
+                  <a:pt x="383412" y="4443413"/>
+                  <a:pt x="401178" y="4418409"/>
+                  <a:pt x="383412" y="4339828"/>
+                </a:cubicBezTo>
+                <a:cubicBezTo>
+                  <a:pt x="354985" y="4218385"/>
+                  <a:pt x="397625" y="4157662"/>
+                  <a:pt x="511333" y="4189810"/>
+                </a:cubicBezTo>
+                <a:cubicBezTo>
+                  <a:pt x="617934" y="4221956"/>
+                  <a:pt x="628594" y="4175522"/>
+                  <a:pt x="600167" y="4107656"/>
+                </a:cubicBezTo>
+                <a:cubicBezTo>
+                  <a:pt x="557527" y="4007644"/>
+                  <a:pt x="603720" y="3929063"/>
+                  <a:pt x="635701" y="3843337"/>
+                </a:cubicBezTo>
+                <a:cubicBezTo>
+                  <a:pt x="685448" y="3714750"/>
+                  <a:pt x="664128" y="3650456"/>
+                  <a:pt x="561080" y="3554015"/>
+                </a:cubicBezTo>
+                <a:cubicBezTo>
+                  <a:pt x="500673" y="3500438"/>
+                  <a:pt x="440265" y="3454003"/>
+                  <a:pt x="354985" y="3407569"/>
+                </a:cubicBezTo>
+                <a:cubicBezTo>
+                  <a:pt x="550420" y="3382565"/>
+                  <a:pt x="347878" y="3296841"/>
+                  <a:pt x="415392" y="3243263"/>
+                </a:cubicBezTo>
+                <a:cubicBezTo>
+                  <a:pt x="553973" y="3221831"/>
+                  <a:pt x="664128" y="3393282"/>
+                  <a:pt x="852456" y="3343275"/>
+                </a:cubicBezTo>
+                <a:cubicBezTo>
+                  <a:pt x="625041" y="3196828"/>
+                  <a:pt x="369198" y="3150393"/>
+                  <a:pt x="202190" y="2953940"/>
+                </a:cubicBezTo>
+                <a:cubicBezTo>
+                  <a:pt x="241277" y="2911078"/>
+                  <a:pt x="280364" y="2953940"/>
+                  <a:pt x="312344" y="2936081"/>
+                </a:cubicBezTo>
+                <a:cubicBezTo>
+                  <a:pt x="312344" y="2925365"/>
+                  <a:pt x="685448" y="2993232"/>
+                  <a:pt x="706768" y="2714625"/>
+                </a:cubicBezTo>
+                <a:cubicBezTo>
+                  <a:pt x="713875" y="2714625"/>
+                  <a:pt x="720982" y="2714625"/>
+                  <a:pt x="728088" y="2703909"/>
+                </a:cubicBezTo>
+                <a:cubicBezTo>
+                  <a:pt x="767175" y="2664619"/>
+                  <a:pt x="731642" y="2571750"/>
+                  <a:pt x="795602" y="2564606"/>
+                </a:cubicBezTo>
+                <a:cubicBezTo>
+                  <a:pt x="866670" y="2557462"/>
+                  <a:pt x="934184" y="2525315"/>
+                  <a:pt x="1008804" y="2543175"/>
+                </a:cubicBezTo>
+                <a:cubicBezTo>
+                  <a:pt x="1065658" y="2557462"/>
+                  <a:pt x="1126065" y="2575322"/>
+                  <a:pt x="1186473" y="2575322"/>
+                </a:cubicBezTo>
+                <a:cubicBezTo>
+                  <a:pt x="1250433" y="2575322"/>
+                  <a:pt x="1339267" y="2696766"/>
+                  <a:pt x="1378355" y="2536031"/>
+                </a:cubicBezTo>
+                <a:cubicBezTo>
+                  <a:pt x="1378355" y="2528888"/>
+                  <a:pt x="1488509" y="2546747"/>
+                  <a:pt x="1548916" y="2553891"/>
+                </a:cubicBezTo>
+                <a:cubicBezTo>
+                  <a:pt x="1598663" y="2561035"/>
+                  <a:pt x="1659071" y="2593181"/>
+                  <a:pt x="1694604" y="2528888"/>
+                </a:cubicBezTo>
+                <a:cubicBezTo>
+                  <a:pt x="1712371" y="2489596"/>
+                  <a:pt x="1627090" y="2418159"/>
+                  <a:pt x="1552469" y="2411015"/>
+                </a:cubicBezTo>
+                <a:cubicBezTo>
+                  <a:pt x="1484956" y="2403872"/>
+                  <a:pt x="1417442" y="2396728"/>
+                  <a:pt x="1353481" y="2411015"/>
+                </a:cubicBezTo>
+                <a:cubicBezTo>
+                  <a:pt x="1275307" y="2428875"/>
+                  <a:pt x="1232666" y="2400300"/>
+                  <a:pt x="1211346" y="2336007"/>
+                </a:cubicBezTo>
+                <a:cubicBezTo>
+                  <a:pt x="1186473" y="2268141"/>
+                  <a:pt x="1140279" y="2232422"/>
+                  <a:pt x="1076318" y="2200275"/>
+                </a:cubicBezTo>
+                <a:cubicBezTo>
+                  <a:pt x="919970" y="2121694"/>
+                  <a:pt x="770729" y="2028825"/>
+                  <a:pt x="600167" y="1982390"/>
+                </a:cubicBezTo>
+                <a:cubicBezTo>
+                  <a:pt x="568187" y="1975246"/>
+                  <a:pt x="529100" y="1960959"/>
+                  <a:pt x="514886" y="1900238"/>
+                </a:cubicBezTo>
+                <a:cubicBezTo>
+                  <a:pt x="976824" y="1993106"/>
+                  <a:pt x="1396121" y="2232422"/>
+                  <a:pt x="1872273" y="2218135"/>
+                </a:cubicBezTo>
+                <a:cubicBezTo>
+                  <a:pt x="1744351" y="2143125"/>
+                  <a:pt x="1591557" y="2139554"/>
+                  <a:pt x="1452975" y="2085975"/>
+                </a:cubicBezTo>
+                <a:cubicBezTo>
+                  <a:pt x="1552469" y="2046685"/>
+                  <a:pt x="1644857" y="2089547"/>
+                  <a:pt x="1737245" y="2110978"/>
+                </a:cubicBezTo>
+                <a:cubicBezTo>
+                  <a:pt x="1815419" y="2128837"/>
+                  <a:pt x="1886486" y="2132410"/>
+                  <a:pt x="1893593" y="2021681"/>
+                </a:cubicBezTo>
+                <a:cubicBezTo>
+                  <a:pt x="1893593" y="2010965"/>
+                  <a:pt x="1893593" y="2003821"/>
+                  <a:pt x="1893593" y="1993106"/>
+                </a:cubicBezTo>
+                <a:cubicBezTo>
+                  <a:pt x="1865166" y="1946672"/>
+                  <a:pt x="1826079" y="1925240"/>
+                  <a:pt x="1776332" y="1910953"/>
+                </a:cubicBezTo>
+                <a:cubicBezTo>
+                  <a:pt x="1747905" y="1903809"/>
+                  <a:pt x="1708818" y="1889522"/>
+                  <a:pt x="1708818" y="1857375"/>
+                </a:cubicBezTo>
+                <a:cubicBezTo>
+                  <a:pt x="1712371" y="1735931"/>
+                  <a:pt x="1616430" y="1700212"/>
+                  <a:pt x="1524043" y="1664493"/>
+                </a:cubicBezTo>
+                <a:cubicBezTo>
+                  <a:pt x="1573790" y="1603772"/>
+                  <a:pt x="1616430" y="1646635"/>
+                  <a:pt x="1655517" y="1643062"/>
+                </a:cubicBezTo>
+                <a:cubicBezTo>
+                  <a:pt x="1680391" y="1639491"/>
+                  <a:pt x="1705264" y="1635919"/>
+                  <a:pt x="1705264" y="1603772"/>
+                </a:cubicBezTo>
+                <a:cubicBezTo>
+                  <a:pt x="1705264" y="1578769"/>
+                  <a:pt x="1694604" y="1546622"/>
+                  <a:pt x="1669731" y="1546622"/>
+                </a:cubicBezTo>
+                <a:cubicBezTo>
+                  <a:pt x="1513383" y="1543050"/>
+                  <a:pt x="1424548" y="1371600"/>
+                  <a:pt x="1261093" y="1371600"/>
+                </a:cubicBezTo>
+                <a:cubicBezTo>
+                  <a:pt x="1161599" y="1371600"/>
+                  <a:pt x="1310841" y="1275159"/>
+                  <a:pt x="1229113" y="1235869"/>
+                </a:cubicBezTo>
+                <a:cubicBezTo>
+                  <a:pt x="1211346" y="1225153"/>
+                  <a:pt x="1278860" y="1210866"/>
+                  <a:pt x="1307287" y="1214437"/>
+                </a:cubicBezTo>
+                <a:cubicBezTo>
+                  <a:pt x="1335714" y="1218009"/>
+                  <a:pt x="1360588" y="1243013"/>
+                  <a:pt x="1396121" y="1225153"/>
+                </a:cubicBezTo>
+                <a:cubicBezTo>
+                  <a:pt x="1413888" y="1160860"/>
+                  <a:pt x="1367694" y="1135856"/>
+                  <a:pt x="1325054" y="1117997"/>
+                </a:cubicBezTo>
+                <a:cubicBezTo>
+                  <a:pt x="1232666" y="1075135"/>
+                  <a:pt x="1140279" y="1025129"/>
+                  <a:pt x="1037231" y="1010841"/>
+                </a:cubicBezTo>
+                <a:cubicBezTo>
+                  <a:pt x="1001698" y="1007269"/>
+                  <a:pt x="980377" y="989409"/>
+                  <a:pt x="983931" y="953690"/>
+                </a:cubicBezTo>
+                <a:cubicBezTo>
+                  <a:pt x="991037" y="907256"/>
+                  <a:pt x="1026571" y="921544"/>
+                  <a:pt x="1054998" y="925115"/>
+                </a:cubicBezTo>
+                <a:cubicBezTo>
+                  <a:pt x="1072765" y="928688"/>
+                  <a:pt x="1090532" y="939403"/>
+                  <a:pt x="1108299" y="914400"/>
+                </a:cubicBezTo>
+                <a:cubicBezTo>
+                  <a:pt x="692555" y="660797"/>
+                  <a:pt x="472246" y="675085"/>
+                  <a:pt x="6755" y="467915"/>
+                </a:cubicBezTo>
+                <a:cubicBezTo>
+                  <a:pt x="109802" y="428625"/>
+                  <a:pt x="184423" y="457200"/>
+                  <a:pt x="255490" y="464344"/>
+                </a:cubicBezTo>
+                <a:cubicBezTo>
+                  <a:pt x="433159" y="482203"/>
+                  <a:pt x="323004" y="514350"/>
+                  <a:pt x="500673" y="535781"/>
+                </a:cubicBezTo>
+                <a:cubicBezTo>
+                  <a:pt x="585954" y="546497"/>
+                  <a:pt x="664128" y="582216"/>
+                  <a:pt x="760069" y="525066"/>
+                </a:cubicBezTo>
+                <a:cubicBezTo>
+                  <a:pt x="824029" y="485775"/>
+                  <a:pt x="927077" y="528637"/>
+                  <a:pt x="1005251" y="560785"/>
+                </a:cubicBezTo>
+                <a:cubicBezTo>
+                  <a:pt x="1069212" y="589360"/>
+                  <a:pt x="1133172" y="596503"/>
+                  <a:pt x="1218453" y="560785"/>
+                </a:cubicBezTo>
+                <a:cubicBezTo>
+                  <a:pt x="1140279" y="539354"/>
+                  <a:pt x="1079872" y="521494"/>
+                  <a:pt x="1019464" y="507206"/>
+                </a:cubicBezTo>
+                <a:cubicBezTo>
+                  <a:pt x="969717" y="496491"/>
+                  <a:pt x="941290" y="471488"/>
+                  <a:pt x="944844" y="417909"/>
+                </a:cubicBezTo>
+                <a:cubicBezTo>
+                  <a:pt x="944844" y="389334"/>
+                  <a:pt x="934184" y="350044"/>
+                  <a:pt x="969717" y="335757"/>
+                </a:cubicBezTo>
+                <a:cubicBezTo>
+                  <a:pt x="998144" y="321469"/>
+                  <a:pt x="1037231" y="335757"/>
+                  <a:pt x="1051445" y="360759"/>
+                </a:cubicBezTo>
+                <a:cubicBezTo>
+                  <a:pt x="1069212" y="407194"/>
+                  <a:pt x="1086978" y="450056"/>
+                  <a:pt x="1147386" y="453629"/>
+                </a:cubicBezTo>
+                <a:cubicBezTo>
+                  <a:pt x="1229113" y="460771"/>
+                  <a:pt x="1182919" y="432197"/>
+                  <a:pt x="1168706" y="396478"/>
+                </a:cubicBezTo>
+                <a:cubicBezTo>
+                  <a:pt x="1154492" y="357188"/>
+                  <a:pt x="1197133" y="346472"/>
+                  <a:pt x="1225560" y="353615"/>
+                </a:cubicBezTo>
+                <a:cubicBezTo>
+                  <a:pt x="1332161" y="385763"/>
+                  <a:pt x="1442315" y="328613"/>
+                  <a:pt x="1552469" y="375047"/>
+                </a:cubicBezTo>
+                <a:cubicBezTo>
+                  <a:pt x="1524043" y="260747"/>
+                  <a:pt x="1463635" y="210741"/>
+                  <a:pt x="1335714" y="192881"/>
+                </a:cubicBezTo>
+                <a:cubicBezTo>
+                  <a:pt x="1289520" y="189310"/>
+                  <a:pt x="1239773" y="196453"/>
+                  <a:pt x="1197133" y="164306"/>
+                </a:cubicBezTo>
+                <a:cubicBezTo>
+                  <a:pt x="1172259" y="146447"/>
+                  <a:pt x="1147386" y="125016"/>
+                  <a:pt x="1165153" y="89297"/>
+                </a:cubicBezTo>
+                <a:cubicBezTo>
+                  <a:pt x="1175813" y="64294"/>
+                  <a:pt x="1204239" y="64294"/>
+                  <a:pt x="1229113" y="71437"/>
+                </a:cubicBezTo>
+                <a:cubicBezTo>
+                  <a:pt x="1332161" y="110728"/>
+                  <a:pt x="1442315" y="121444"/>
+                  <a:pt x="1548916" y="135731"/>
+                </a:cubicBezTo>
+                <a:cubicBezTo>
+                  <a:pt x="1566683" y="139303"/>
+                  <a:pt x="1584450" y="146447"/>
+                  <a:pt x="1602217" y="110728"/>
+                </a:cubicBezTo>
+                <a:cubicBezTo>
+                  <a:pt x="1477849" y="78581"/>
+                  <a:pt x="1357034" y="35719"/>
+                  <a:pt x="1232666" y="0"/>
+                </a:cubicBezTo>
+                <a:close/>
+              </a:path>
+            </a:pathLst>
+          </a:custGeom>
+          <a:solidFill>
+            <a:schemeClr val="bg2">
+              <a:alpha val="50000"/>
+            </a:schemeClr>
+          </a:solidFill>
+          <a:ln w="32707" cap="flat">
+            <a:noFill/>
+            <a:prstDash val="solid"/>
+            <a:miter/>
+          </a:ln>
+        </p:spPr>
+        <p:txBody>
+          <a:bodyPr wrap="square" rtlCol="0" anchor="ctr">
+            <a:noAutofit/>
+          </a:bodyPr>
+          <a:lstStyle/>
+          <a:p>
+            <a:endParaRPr lang="en-US">
+              <a:solidFill>
+                <a:schemeClr val="tx1"/>
+              </a:solidFill>
+            </a:endParaRPr>
+          </a:p>
+        </p:txBody>
+      </p:sp>
+      <p:sp>
+        <p:nvSpPr>
+          <p:cNvPr id="4" name="Title 3">
+            <a:extLst>
+              <a:ext uri="{FF2B5EF4-FFF2-40B4-BE49-F238E27FC236}">
+                <a16:creationId xmlns:a16="http://schemas.microsoft.com/office/drawing/2014/main" id="{1463052F-A827-536C-3284-705BBEE1A123}"/>
+              </a:ext>
+            </a:extLst>
+          </p:cNvPr>
+          <p:cNvSpPr>
+            <a:spLocks noGrp="1"/>
+          </p:cNvSpPr>
+          <p:nvPr>
+            <p:ph type="title"/>
+          </p:nvPr>
+        </p:nvSpPr>
+        <p:spPr>
+          <a:xfrm>
+            <a:off x="1246824" y="643467"/>
+            <a:ext cx="4772975" cy="1800526"/>
+          </a:xfrm>
+        </p:spPr>
+        <p:txBody>
+          <a:bodyPr vert="horz" lIns="91440" tIns="45720" rIns="91440" bIns="45720" rtlCol="0" anchor="ctr">
+            <a:normAutofit/>
+          </a:bodyPr>
+          <a:lstStyle/>
+          <a:p>
+            <a:r>
+              <a:rPr lang="en-US"/>
+              <a:t>Overview	</a:t>
+            </a:r>
+          </a:p>
+        </p:txBody>
+      </p:sp>
+      <p:sp>
+        <p:nvSpPr>
+          <p:cNvPr id="5" name="Content Placeholder 4">
+            <a:extLst>
+              <a:ext uri="{FF2B5EF4-FFF2-40B4-BE49-F238E27FC236}">
+                <a16:creationId xmlns:a16="http://schemas.microsoft.com/office/drawing/2014/main" id="{71AA155A-BD93-C4DE-8454-76D67D061F50}"/>
+              </a:ext>
+            </a:extLst>
+          </p:cNvPr>
+          <p:cNvSpPr>
+            <a:spLocks noGrp="1"/>
+          </p:cNvSpPr>
+          <p:nvPr>
+            <p:ph sz="half" idx="1"/>
+          </p:nvPr>
+        </p:nvSpPr>
+        <p:spPr>
+          <a:xfrm>
+            <a:off x="1246824" y="2623381"/>
+            <a:ext cx="4772974" cy="3553581"/>
+          </a:xfrm>
+        </p:spPr>
+        <p:txBody>
+          <a:bodyPr vert="horz" lIns="91440" tIns="45720" rIns="91440" bIns="45720" rtlCol="0">
+            <a:normAutofit/>
+          </a:bodyPr>
+          <a:lstStyle/>
+          <a:p>
+            <a:r>
+              <a:rPr lang="en-US" sz="1700"/>
+              <a:t>Data collected from a 3x3 grid, using an Arduino Uno and HC-SR04 ultrasonic sensors</a:t>
+            </a:r>
+          </a:p>
+          <a:p>
+            <a:r>
+              <a:rPr lang="en-US" sz="1700"/>
+              <a:t>Two ultrasonic sensors were used, referenced as Channel 1 (Ch1) and Channel 2 (Ch2)</a:t>
+            </a:r>
+          </a:p>
+          <a:p>
+            <a:r>
+              <a:rPr lang="en-US" sz="1700"/>
+              <a:t>Each channel collects approx. 100,000 samples </a:t>
+            </a:r>
+          </a:p>
+          <a:p>
+            <a:r>
+              <a:rPr lang="en-US" sz="1700"/>
+              <a:t>Data is collected for Ch1, then Ch2</a:t>
+            </a:r>
+          </a:p>
+          <a:p>
+            <a:r>
+              <a:rPr lang="en-US" sz="1700"/>
+              <a:t>It takes approx. 20 to 25 minutes to collect the data for both channels (depending on time of flight)</a:t>
+            </a:r>
+          </a:p>
+          <a:p>
+            <a:endParaRPr lang="en-US" sz="1700"/>
+          </a:p>
+          <a:p>
+            <a:endParaRPr lang="en-US" sz="1700"/>
+          </a:p>
+        </p:txBody>
+      </p:sp>
+      <p:pic>
+        <p:nvPicPr>
+          <p:cNvPr id="12" name="Picture 11">
+            <a:extLst>
+              <a:ext uri="{FF2B5EF4-FFF2-40B4-BE49-F238E27FC236}">
+                <a16:creationId xmlns:a16="http://schemas.microsoft.com/office/drawing/2014/main" id="{0B8DC1EA-32EE-52B7-611A-9081F6A0ACD3}"/>
+              </a:ext>
+            </a:extLst>
+          </p:cNvPr>
+          <p:cNvPicPr>
+            <a:picLocks noChangeAspect="1"/>
+          </p:cNvPicPr>
+          <p:nvPr/>
+        </p:nvPicPr>
+        <p:blipFill>
+          <a:blip r:embed="rId2"/>
+          <a:stretch>
+            <a:fillRect/>
+          </a:stretch>
+        </p:blipFill>
+        <p:spPr>
+          <a:xfrm>
+            <a:off x="7472381" y="643467"/>
+            <a:ext cx="4481095" cy="3069550"/>
+          </a:xfrm>
+          <a:prstGeom prst="rect">
+            <a:avLst/>
+          </a:prstGeom>
+        </p:spPr>
+      </p:pic>
+      <p:pic>
+        <p:nvPicPr>
+          <p:cNvPr id="10" name="Picture 9">
+            <a:extLst>
+              <a:ext uri="{FF2B5EF4-FFF2-40B4-BE49-F238E27FC236}">
+                <a16:creationId xmlns:a16="http://schemas.microsoft.com/office/drawing/2014/main" id="{6E8B206B-D511-A63B-3E61-273A4FEAC381}"/>
+              </a:ext>
+            </a:extLst>
+          </p:cNvPr>
+          <p:cNvPicPr>
+            <a:picLocks noChangeAspect="1"/>
+          </p:cNvPicPr>
+          <p:nvPr/>
+        </p:nvPicPr>
+        <p:blipFill rotWithShape="1">
+          <a:blip r:embed="rId3"/>
+          <a:srcRect t="15251" r="3" b="13590"/>
+          <a:stretch/>
+        </p:blipFill>
+        <p:spPr>
+          <a:xfrm>
+            <a:off x="7700211" y="3933683"/>
+            <a:ext cx="3848322" cy="2033343"/>
+          </a:xfrm>
+          <a:prstGeom prst="rect">
+            <a:avLst/>
+          </a:prstGeom>
+        </p:spPr>
+      </p:pic>
+    </p:spTree>
+    <p:extLst>
+      <p:ext uri="{BB962C8B-B14F-4D97-AF65-F5344CB8AC3E}">
+        <p14:creationId xmlns:p14="http://schemas.microsoft.com/office/powerpoint/2010/main" val="1539327568"/>
+      </p:ext>
+    </p:extLst>
+  </p:cSld>
+  <p:clrMapOvr>
+    <a:masterClrMapping/>
+  </p:clrMapOvr>
+</p:sld>
+</file>
+
+<file path=ppt/slides/slide3.xml><?xml version="1.0" encoding="utf-8"?>
+<p:sld xmlns:a="http://schemas.openxmlformats.org/drawingml/2006/main" xmlns:r="http://schemas.openxmlformats.org/officeDocument/2006/relationships" xmlns:p="http://schemas.openxmlformats.org/presentationml/2006/main">
+  <p:cSld>
+    <p:bg>
+      <p:bgPr>
+        <a:solidFill>
+          <a:schemeClr val="bg1"/>
+        </a:solidFill>
+        <a:effectLst/>
+      </p:bgPr>
+    </p:bg>
+    <p:spTree>
+      <p:nvGrpSpPr>
+        <p:cNvPr id="1" name=""/>
+        <p:cNvGrpSpPr/>
+        <p:nvPr/>
+      </p:nvGrpSpPr>
+      <p:grpSpPr>
+        <a:xfrm>
+          <a:off x="0" y="0"/>
+          <a:ext cx="0" cy="0"/>
+          <a:chOff x="0" y="0"/>
+          <a:chExt cx="0" cy="0"/>
+        </a:xfrm>
+      </p:grpSpPr>
+      <p:sp useBgFill="1">
+        <p:nvSpPr>
+          <p:cNvPr id="46" name="Rectangle 31">
+            <a:extLst>
+              <a:ext uri="{FF2B5EF4-FFF2-40B4-BE49-F238E27FC236}">
+                <a16:creationId xmlns:a16="http://schemas.microsoft.com/office/drawing/2014/main" id="{B6FACB3C-9069-4791-BC5C-0DB7CD19B853}"/>
               </a:ext>
               <a:ext uri="{C183D7F6-B498-43B3-948B-1728B52AA6E4}">
                 <adec:decorative xmlns:adec="http://schemas.microsoft.com/office/drawing/2017/decorative" val="1"/>
@@ -4358,25 +6484,9 @@
           <a:prstGeom prst="rect">
             <a:avLst/>
           </a:prstGeom>
-          <a:ln w="12700" cap="flat" cmpd="sng" algn="ctr">
+          <a:ln>
             <a:noFill/>
-            <a:prstDash val="solid"/>
-            <a:miter lim="800000"/>
           </a:ln>
-          <a:effectLst/>
-          <a:extLst>
-            <a:ext uri="{91240B29-F687-4F45-9708-019B960494DF}">
-              <a14:hiddenLine xmlns:a14="http://schemas.microsoft.com/office/drawing/2010/main" w="12700" cap="flat" cmpd="sng" algn="ctr">
-                <a:solidFill>
-                  <a:schemeClr val="accent1">
-                    <a:shade val="50000"/>
-                  </a:schemeClr>
-                </a:solidFill>
-                <a:prstDash val="solid"/>
-                <a:miter lim="800000"/>
-              </a14:hiddenLine>
-            </a:ext>
-          </a:extLst>
         </p:spPr>
         <p:style>
           <a:lnRef idx="2">
@@ -4405,10 +6515,10 @@
       </p:sp>
       <p:sp>
         <p:nvSpPr>
-          <p:cNvPr id="39" name="Rectangle 28">
+          <p:cNvPr id="47" name="Rectangle 33">
             <a:extLst>
               <a:ext uri="{FF2B5EF4-FFF2-40B4-BE49-F238E27FC236}">
-                <a16:creationId xmlns:a16="http://schemas.microsoft.com/office/drawing/2014/main" id="{B8DDE571-E57F-4AB5-83C7-30EB5DDCCAC7}"/>
+                <a16:creationId xmlns:a16="http://schemas.microsoft.com/office/drawing/2014/main" id="{71F2038E-D777-4B76-81DD-DD13EE91B9DD}"/>
               </a:ext>
               <a:ext uri="{C183D7F6-B498-43B3-948B-1728B52AA6E4}">
                 <adec:decorative xmlns:adec="http://schemas.microsoft.com/office/drawing/2017/decorative" val="1"/>
@@ -4428,23 +6538,18 @@
         </p:nvSpPr>
         <p:spPr>
           <a:xfrm>
-            <a:off x="1" y="-2"/>
-            <a:ext cx="12191996" cy="6858000"/>
+            <a:off x="305" y="0"/>
+            <a:ext cx="12191695" cy="6858000"/>
           </a:xfrm>
           <a:prstGeom prst="rect">
             <a:avLst/>
           </a:prstGeom>
           <a:solidFill>
-            <a:srgbClr val="82766A">
-              <a:alpha val="15000"/>
-            </a:srgbClr>
+            <a:schemeClr val="bg1"/>
           </a:solidFill>
-          <a:ln w="12700" cap="flat" cmpd="sng" algn="ctr">
+          <a:ln>
             <a:noFill/>
-            <a:prstDash val="solid"/>
-            <a:miter lim="800000"/>
           </a:ln>
-          <a:effectLst/>
         </p:spPr>
         <p:style>
           <a:lnRef idx="2">
@@ -4473,10 +6578,10 @@
       </p:sp>
       <p:sp>
         <p:nvSpPr>
-          <p:cNvPr id="4" name="Title 3">
+          <p:cNvPr id="5" name="Title 4">
             <a:extLst>
               <a:ext uri="{FF2B5EF4-FFF2-40B4-BE49-F238E27FC236}">
-                <a16:creationId xmlns:a16="http://schemas.microsoft.com/office/drawing/2014/main" id="{1463052F-A827-536C-3284-705BBEE1A123}"/>
+                <a16:creationId xmlns:a16="http://schemas.microsoft.com/office/drawing/2014/main" id="{ABD5685E-FCF3-4212-0470-7D68B5219F40}"/>
               </a:ext>
             </a:extLst>
           </p:cNvPr>
@@ -4489,39 +6594,33 @@
         </p:nvSpPr>
         <p:spPr>
           <a:xfrm>
-            <a:off x="1137035" y="603622"/>
-            <a:ext cx="4282380" cy="1322944"/>
+            <a:off x="804672" y="802955"/>
+            <a:ext cx="4766330" cy="1454051"/>
           </a:xfrm>
         </p:spPr>
         <p:txBody>
-          <a:bodyPr vert="horz" lIns="91440" tIns="45720" rIns="91440" bIns="45720" rtlCol="0" anchor="ctr">
+          <a:bodyPr>
             <a:normAutofit/>
           </a:bodyPr>
           <a:lstStyle/>
           <a:p>
             <a:r>
-              <a:rPr lang="en-US" kern="1200" dirty="0">
+              <a:rPr lang="en-GB" sz="3600" dirty="0">
                 <a:solidFill>
-                  <a:schemeClr val="tx1">
-                    <a:lumMod val="85000"/>
-                    <a:lumOff val="15000"/>
-                  </a:schemeClr>
+                  <a:schemeClr val="tx2"/>
                 </a:solidFill>
-                <a:latin typeface="+mj-lt"/>
-                <a:ea typeface="+mj-ea"/>
-                <a:cs typeface="+mj-cs"/>
               </a:rPr>
-              <a:t>Overview	</a:t>
+              <a:t>Data Capture	</a:t>
             </a:r>
           </a:p>
         </p:txBody>
       </p:sp>
       <p:sp>
         <p:nvSpPr>
-          <p:cNvPr id="5" name="Content Placeholder 4">
+          <p:cNvPr id="6" name="Content Placeholder 5">
             <a:extLst>
               <a:ext uri="{FF2B5EF4-FFF2-40B4-BE49-F238E27FC236}">
-                <a16:creationId xmlns:a16="http://schemas.microsoft.com/office/drawing/2014/main" id="{71AA155A-BD93-C4DE-8454-76D67D061F50}"/>
+                <a16:creationId xmlns:a16="http://schemas.microsoft.com/office/drawing/2014/main" id="{A18D25AE-363A-1033-3D79-96FE5FA4D366}"/>
               </a:ext>
             </a:extLst>
           </p:cNvPr>
@@ -4529,100 +6628,3813 @@
             <a:spLocks noGrp="1"/>
           </p:cNvSpPr>
           <p:nvPr>
-            <p:ph sz="half" idx="1"/>
+            <p:ph idx="1"/>
           </p:nvPr>
         </p:nvSpPr>
         <p:spPr>
           <a:xfrm>
-            <a:off x="350982" y="2207977"/>
-            <a:ext cx="4754417" cy="4046401"/>
+            <a:off x="545880" y="2087593"/>
+            <a:ext cx="5816328" cy="3704819"/>
           </a:xfrm>
         </p:spPr>
         <p:txBody>
-          <a:bodyPr vert="horz" lIns="91440" tIns="45720" rIns="91440" bIns="45720" rtlCol="0">
+          <a:bodyPr anchor="t">
             <a:normAutofit/>
           </a:bodyPr>
           <a:lstStyle/>
           <a:p>
             <a:r>
-              <a:rPr lang="en-US" sz="2000" dirty="0">
-                <a:solidFill>
-                  <a:schemeClr val="tx1">
-                    <a:lumMod val="85000"/>
-                    <a:lumOff val="15000"/>
-                  </a:schemeClr>
-                </a:solidFill>
-              </a:rPr>
-              <a:t>Data collected from a 3x3 grid, using an Arduino Uno and HC-SR04 ultrasonic sensors</a:t>
+              <a:rPr lang="en-GB" sz="1600" dirty="0"/>
+              <a:t>Data has been gathered from the following areas:</a:t>
             </a:r>
           </a:p>
           <a:p>
+            <a:pPr lvl="1"/>
             <a:r>
-              <a:rPr lang="en-US" sz="2000" dirty="0">
-                <a:solidFill>
-                  <a:schemeClr val="tx1">
-                    <a:lumMod val="85000"/>
-                    <a:lumOff val="15000"/>
-                  </a:schemeClr>
-                </a:solidFill>
-              </a:rPr>
-              <a:t>Two ultrasonic sensors were used, referenced as Channel 1 (Ch1) and Channel 2 (Ch2)</a:t>
+              <a:rPr lang="en-GB" sz="1600" dirty="0"/>
+              <a:t>A hallway with a closed door to the left of the obstacle, and an open doorway behind the obstacle and wall a few metres behind the obstacle (referred to as Area A)</a:t>
             </a:r>
           </a:p>
           <a:p>
+            <a:pPr lvl="1"/>
             <a:r>
-              <a:rPr lang="en-US" sz="2000" dirty="0">
-                <a:solidFill>
-                  <a:schemeClr val="tx1">
-                    <a:lumMod val="85000"/>
-                    <a:lumOff val="15000"/>
-                  </a:schemeClr>
-                </a:solidFill>
-              </a:rPr>
-              <a:t>Each channel collects approx. 100,000 samples </a:t>
+              <a:rPr lang="en-GB" sz="1600" dirty="0"/>
+              <a:t>Same hallway as above, but away from any doors, with a wall and radiator a few metres behind the obstacle (referred to as Area B)</a:t>
             </a:r>
           </a:p>
           <a:p>
             <a:r>
-              <a:rPr lang="en-US" sz="2000" dirty="0">
-                <a:solidFill>
-                  <a:schemeClr val="tx1">
-                    <a:lumMod val="85000"/>
-                    <a:lumOff val="15000"/>
-                  </a:schemeClr>
-                </a:solidFill>
-              </a:rPr>
-              <a:t>It takes approx. 20 to 25 minutes to collect the data for both channels (depending on time of flight)</a:t>
+              <a:rPr lang="en-GB" sz="1600" dirty="0"/>
+              <a:t>Information gathered:</a:t>
             </a:r>
           </a:p>
           <a:p>
-            <a:endParaRPr lang="en-US" sz="2000" dirty="0">
+            <a:pPr lvl="1"/>
+            <a:r>
+              <a:rPr lang="en-GB" sz="1600" dirty="0"/>
+              <a:t>Approx. 100,000 samples per channel</a:t>
+            </a:r>
+          </a:p>
+          <a:p>
+            <a:pPr lvl="1"/>
+            <a:r>
+              <a:rPr lang="en-GB" sz="1600" dirty="0"/>
+              <a:t>Timestamp for each sample</a:t>
+            </a:r>
+          </a:p>
+          <a:p>
+            <a:pPr lvl="1"/>
+            <a:r>
+              <a:rPr lang="en-GB" sz="1600" dirty="0"/>
+              <a:t>References for the start and end of channel data capture (in place to allow index refencing when post processing the data into final dataset)</a:t>
+            </a:r>
+          </a:p>
+          <a:p>
+            <a:pPr lvl="1"/>
+            <a:r>
+              <a:rPr lang="en-GB" sz="1600" dirty="0"/>
+              <a:t>Total time for data capture (per channel) in milliseconds</a:t>
+            </a:r>
+          </a:p>
+          <a:p>
+            <a:pPr lvl="1"/>
+            <a:endParaRPr lang="en-GB" sz="1400" dirty="0">
               <a:solidFill>
-                <a:schemeClr val="tx1">
-                  <a:lumMod val="85000"/>
-                  <a:lumOff val="15000"/>
-                </a:schemeClr>
+                <a:schemeClr val="tx2"/>
               </a:solidFill>
             </a:endParaRPr>
           </a:p>
           <a:p>
-            <a:endParaRPr lang="en-US" sz="2000" dirty="0">
+            <a:pPr lvl="1"/>
+            <a:endParaRPr lang="en-GB" sz="1400" dirty="0">
               <a:solidFill>
-                <a:schemeClr val="tx1">
-                  <a:lumMod val="85000"/>
-                  <a:lumOff val="15000"/>
-                </a:schemeClr>
+                <a:schemeClr val="tx2"/>
               </a:solidFill>
             </a:endParaRPr>
+          </a:p>
+        </p:txBody>
+      </p:sp>
+      <p:grpSp>
+        <p:nvGrpSpPr>
+          <p:cNvPr id="48" name="Group 35">
+            <a:extLst>
+              <a:ext uri="{FF2B5EF4-FFF2-40B4-BE49-F238E27FC236}">
+                <a16:creationId xmlns:a16="http://schemas.microsoft.com/office/drawing/2014/main" id="{DD354807-230F-4402-B1B9-F733A8F1F190}"/>
+              </a:ext>
+              <a:ext uri="{C183D7F6-B498-43B3-948B-1728B52AA6E4}">
+                <adec:decorative xmlns:adec="http://schemas.microsoft.com/office/drawing/2017/decorative" val="1"/>
+              </a:ext>
+            </a:extLst>
+          </p:cNvPr>
+          <p:cNvGrpSpPr>
+            <a:grpSpLocks noGrp="1" noUngrp="1" noRot="1" noChangeAspect="1" noMove="1" noResize="1"/>
+          </p:cNvGrpSpPr>
+          <p:nvPr>
+            <p:extLst>
+              <p:ext uri="{386F3935-93C4-4BCD-93E2-E3B085C9AB24}">
+                <p16:designElem xmlns:p16="http://schemas.microsoft.com/office/powerpoint/2015/main" val="1"/>
+              </p:ext>
+            </p:extLst>
+          </p:nvPr>
+        </p:nvGrpSpPr>
+        <p:grpSpPr>
+          <a:xfrm>
+            <a:off x="5818240" y="-16714"/>
+            <a:ext cx="6373761" cy="6874714"/>
+            <a:chOff x="5818240" y="-1"/>
+            <a:chExt cx="6373761" cy="6874714"/>
+          </a:xfrm>
+        </p:grpSpPr>
+        <p:sp>
+          <p:nvSpPr>
+            <p:cNvPr id="37" name="Freeform: Shape 36">
+              <a:extLst>
+                <a:ext uri="{FF2B5EF4-FFF2-40B4-BE49-F238E27FC236}">
+                  <a16:creationId xmlns:a16="http://schemas.microsoft.com/office/drawing/2014/main" id="{BF5A6F4A-CE87-4D5C-9382-8167967CE813}"/>
+                </a:ext>
+                <a:ext uri="{C183D7F6-B498-43B3-948B-1728B52AA6E4}">
+                  <adec:decorative xmlns:adec="http://schemas.microsoft.com/office/drawing/2017/decorative" val="1"/>
+                </a:ext>
+              </a:extLst>
+            </p:cNvPr>
+            <p:cNvSpPr/>
+            <p:nvPr>
+              <p:extLst>
+                <p:ext uri="{386F3935-93C4-4BCD-93E2-E3B085C9AB24}">
+                  <p16:designElem xmlns:p16="http://schemas.microsoft.com/office/powerpoint/2015/main" val="1"/>
+                </p:ext>
+              </p:extLst>
+            </p:nvPr>
+          </p:nvSpPr>
+          <p:spPr>
+            <a:xfrm>
+              <a:off x="5818240" y="-1"/>
+              <a:ext cx="6373761" cy="6874714"/>
+            </a:xfrm>
+            <a:custGeom>
+              <a:avLst/>
+              <a:gdLst>
+                <a:gd name="connsiteX0" fmla="*/ 6373761 w 6373761"/>
+                <a:gd name="connsiteY0" fmla="*/ 5771297 h 6874714"/>
+                <a:gd name="connsiteX1" fmla="*/ 6373761 w 6373761"/>
+                <a:gd name="connsiteY1" fmla="*/ 6247960 h 6874714"/>
+                <a:gd name="connsiteX2" fmla="*/ 6235932 w 6373761"/>
+                <a:gd name="connsiteY2" fmla="*/ 6361930 h 6874714"/>
+                <a:gd name="connsiteX3" fmla="*/ 5960375 w 6373761"/>
+                <a:gd name="connsiteY3" fmla="*/ 6587489 h 6874714"/>
+                <a:gd name="connsiteX4" fmla="*/ 5822907 w 6373761"/>
+                <a:gd name="connsiteY4" fmla="*/ 6701871 h 6874714"/>
+                <a:gd name="connsiteX5" fmla="*/ 5681115 w 6373761"/>
+                <a:gd name="connsiteY5" fmla="*/ 6816896 h 6874714"/>
+                <a:gd name="connsiteX6" fmla="*/ 5604096 w 6373761"/>
+                <a:gd name="connsiteY6" fmla="*/ 6874714 h 6874714"/>
+                <a:gd name="connsiteX7" fmla="*/ 4878485 w 6373761"/>
+                <a:gd name="connsiteY7" fmla="*/ 6874714 h 6874714"/>
+                <a:gd name="connsiteX8" fmla="*/ 5006014 w 6373761"/>
+                <a:gd name="connsiteY8" fmla="*/ 6800200 h 6874714"/>
+                <a:gd name="connsiteX9" fmla="*/ 5149855 w 6373761"/>
+                <a:gd name="connsiteY9" fmla="*/ 6707667 h 6874714"/>
+                <a:gd name="connsiteX10" fmla="*/ 5431866 w 6373761"/>
+                <a:gd name="connsiteY10" fmla="*/ 6506210 h 6874714"/>
+                <a:gd name="connsiteX11" fmla="*/ 5571036 w 6373761"/>
+                <a:gd name="connsiteY11" fmla="*/ 6399557 h 6874714"/>
+                <a:gd name="connsiteX12" fmla="*/ 5711649 w 6373761"/>
+                <a:gd name="connsiteY12" fmla="*/ 6288912 h 6874714"/>
+                <a:gd name="connsiteX13" fmla="*/ 6276589 w 6373761"/>
+                <a:gd name="connsiteY13" fmla="*/ 5852379 h 6874714"/>
+                <a:gd name="connsiteX14" fmla="*/ 3975975 w 6373761"/>
+                <a:gd name="connsiteY14" fmla="*/ 263 h 6874714"/>
+                <a:gd name="connsiteX15" fmla="*/ 4350473 w 6373761"/>
+                <a:gd name="connsiteY15" fmla="*/ 24963 h 6874714"/>
+                <a:gd name="connsiteX16" fmla="*/ 5077909 w 6373761"/>
+                <a:gd name="connsiteY16" fmla="*/ 189450 h 6874714"/>
+                <a:gd name="connsiteX17" fmla="*/ 5746507 w 6373761"/>
+                <a:gd name="connsiteY17" fmla="*/ 505804 h 6874714"/>
+                <a:gd name="connsiteX18" fmla="*/ 6322456 w 6373761"/>
+                <a:gd name="connsiteY18" fmla="*/ 956633 h 6874714"/>
+                <a:gd name="connsiteX19" fmla="*/ 6373761 w 6373761"/>
+                <a:gd name="connsiteY19" fmla="*/ 1011863 h 6874714"/>
+                <a:gd name="connsiteX20" fmla="*/ 6373761 w 6373761"/>
+                <a:gd name="connsiteY20" fmla="*/ 1185075 h 6874714"/>
+                <a:gd name="connsiteX21" fmla="*/ 6359489 w 6373761"/>
+                <a:gd name="connsiteY21" fmla="*/ 1169497 h 6874714"/>
+                <a:gd name="connsiteX22" fmla="*/ 6233869 w 6373761"/>
+                <a:gd name="connsiteY22" fmla="*/ 1047442 h 6874714"/>
+                <a:gd name="connsiteX23" fmla="*/ 5961423 w 6373761"/>
+                <a:gd name="connsiteY23" fmla="*/ 827953 h 6874714"/>
+                <a:gd name="connsiteX24" fmla="*/ 5663555 w 6373761"/>
+                <a:gd name="connsiteY24" fmla="*/ 645304 h 6874714"/>
+                <a:gd name="connsiteX25" fmla="*/ 5013827 w 6373761"/>
+                <a:gd name="connsiteY25" fmla="*/ 397863 h 6874714"/>
+                <a:gd name="connsiteX26" fmla="*/ 4327409 w 6373761"/>
+                <a:gd name="connsiteY26" fmla="*/ 302545 h 6874714"/>
+                <a:gd name="connsiteX27" fmla="*/ 3639939 w 6373761"/>
+                <a:gd name="connsiteY27" fmla="*/ 338868 h 6874714"/>
+                <a:gd name="connsiteX28" fmla="*/ 3302495 w 6373761"/>
+                <a:gd name="connsiteY28" fmla="*/ 403659 h 6874714"/>
+                <a:gd name="connsiteX29" fmla="*/ 2971604 w 6373761"/>
+                <a:gd name="connsiteY29" fmla="*/ 496273 h 6874714"/>
+                <a:gd name="connsiteX30" fmla="*/ 2648706 w 6373761"/>
+                <a:gd name="connsiteY30" fmla="*/ 614389 h 6874714"/>
+                <a:gd name="connsiteX31" fmla="*/ 2335374 w 6373761"/>
+                <a:gd name="connsiteY31" fmla="*/ 757109 h 6874714"/>
+                <a:gd name="connsiteX32" fmla="*/ 1741342 w 6373761"/>
+                <a:gd name="connsiteY32" fmla="*/ 1107725 h 6874714"/>
+                <a:gd name="connsiteX33" fmla="*/ 1600861 w 6373761"/>
+                <a:gd name="connsiteY33" fmla="*/ 1208710 h 6874714"/>
+                <a:gd name="connsiteX34" fmla="*/ 1531799 w 6373761"/>
+                <a:gd name="connsiteY34" fmla="*/ 1260879 h 6874714"/>
+                <a:gd name="connsiteX35" fmla="*/ 1463655 w 6373761"/>
+                <a:gd name="connsiteY35" fmla="*/ 1314333 h 6874714"/>
+                <a:gd name="connsiteX36" fmla="*/ 1200777 w 6373761"/>
+                <a:gd name="connsiteY36" fmla="*/ 1541166 h 6874714"/>
+                <a:gd name="connsiteX37" fmla="*/ 731501 w 6373761"/>
+                <a:gd name="connsiteY37" fmla="*/ 2055754 h 6874714"/>
+                <a:gd name="connsiteX38" fmla="*/ 531393 w 6373761"/>
+                <a:gd name="connsiteY38" fmla="*/ 2342739 h 6874714"/>
+                <a:gd name="connsiteX39" fmla="*/ 361033 w 6373761"/>
+                <a:gd name="connsiteY39" fmla="*/ 2649046 h 6874714"/>
+                <a:gd name="connsiteX40" fmla="*/ 323292 w 6373761"/>
+                <a:gd name="connsiteY40" fmla="*/ 2728263 h 6874714"/>
+                <a:gd name="connsiteX41" fmla="*/ 304945 w 6373761"/>
+                <a:gd name="connsiteY41" fmla="*/ 2768193 h 6874714"/>
+                <a:gd name="connsiteX42" fmla="*/ 287516 w 6373761"/>
+                <a:gd name="connsiteY42" fmla="*/ 2808510 h 6874714"/>
+                <a:gd name="connsiteX43" fmla="*/ 254230 w 6373761"/>
+                <a:gd name="connsiteY43" fmla="*/ 2889788 h 6874714"/>
+                <a:gd name="connsiteX44" fmla="*/ 223042 w 6373761"/>
+                <a:gd name="connsiteY44" fmla="*/ 2971968 h 6874714"/>
+                <a:gd name="connsiteX45" fmla="*/ 121611 w 6373761"/>
+                <a:gd name="connsiteY45" fmla="*/ 3308544 h 6874714"/>
+                <a:gd name="connsiteX46" fmla="*/ 39314 w 6373761"/>
+                <a:gd name="connsiteY46" fmla="*/ 4005912 h 6874714"/>
+                <a:gd name="connsiteX47" fmla="*/ 73910 w 6373761"/>
+                <a:gd name="connsiteY47" fmla="*/ 4354081 h 6874714"/>
+                <a:gd name="connsiteX48" fmla="*/ 179534 w 6373761"/>
+                <a:gd name="connsiteY48" fmla="*/ 4687050 h 6874714"/>
+                <a:gd name="connsiteX49" fmla="*/ 215964 w 6373761"/>
+                <a:gd name="connsiteY49" fmla="*/ 4766654 h 6874714"/>
+                <a:gd name="connsiteX50" fmla="*/ 256457 w 6373761"/>
+                <a:gd name="connsiteY50" fmla="*/ 4844455 h 6874714"/>
+                <a:gd name="connsiteX51" fmla="*/ 346225 w 6373761"/>
+                <a:gd name="connsiteY51" fmla="*/ 4995290 h 6874714"/>
+                <a:gd name="connsiteX52" fmla="*/ 445296 w 6373761"/>
+                <a:gd name="connsiteY52" fmla="*/ 5140971 h 6874714"/>
+                <a:gd name="connsiteX53" fmla="*/ 551443 w 6373761"/>
+                <a:gd name="connsiteY53" fmla="*/ 5282531 h 6874714"/>
+                <a:gd name="connsiteX54" fmla="*/ 772387 w 6373761"/>
+                <a:gd name="connsiteY54" fmla="*/ 5562561 h 6874714"/>
+                <a:gd name="connsiteX55" fmla="*/ 882858 w 6373761"/>
+                <a:gd name="connsiteY55" fmla="*/ 5704507 h 6874714"/>
+                <a:gd name="connsiteX56" fmla="*/ 990316 w 6373761"/>
+                <a:gd name="connsiteY56" fmla="*/ 5848258 h 6874714"/>
+                <a:gd name="connsiteX57" fmla="*/ 1097774 w 6373761"/>
+                <a:gd name="connsiteY57" fmla="*/ 5987114 h 6874714"/>
+                <a:gd name="connsiteX58" fmla="*/ 1210080 w 6373761"/>
+                <a:gd name="connsiteY58" fmla="*/ 6121203 h 6874714"/>
+                <a:gd name="connsiteX59" fmla="*/ 1448192 w 6373761"/>
+                <a:gd name="connsiteY59" fmla="*/ 6374054 h 6874714"/>
+                <a:gd name="connsiteX60" fmla="*/ 1982991 w 6373761"/>
+                <a:gd name="connsiteY60" fmla="*/ 6796158 h 6874714"/>
+                <a:gd name="connsiteX61" fmla="*/ 2118475 w 6373761"/>
+                <a:gd name="connsiteY61" fmla="*/ 6874714 h 6874714"/>
+                <a:gd name="connsiteX62" fmla="*/ 1569874 w 6373761"/>
+                <a:gd name="connsiteY62" fmla="*/ 6874714 h 6874714"/>
+                <a:gd name="connsiteX63" fmla="*/ 1507802 w 6373761"/>
+                <a:gd name="connsiteY63" fmla="*/ 6817815 h 6874714"/>
+                <a:gd name="connsiteX64" fmla="*/ 1256865 w 6373761"/>
+                <a:gd name="connsiteY64" fmla="*/ 6543437 h 6874714"/>
+                <a:gd name="connsiteX65" fmla="*/ 1038410 w 6373761"/>
+                <a:gd name="connsiteY65" fmla="*/ 6248722 h 6874714"/>
+                <a:gd name="connsiteX66" fmla="*/ 845380 w 6373761"/>
+                <a:gd name="connsiteY66" fmla="*/ 5941386 h 6874714"/>
+                <a:gd name="connsiteX67" fmla="*/ 755351 w 6373761"/>
+                <a:gd name="connsiteY67" fmla="*/ 5788877 h 6874714"/>
+                <a:gd name="connsiteX68" fmla="*/ 661784 w 6373761"/>
+                <a:gd name="connsiteY68" fmla="*/ 5638944 h 6874714"/>
+                <a:gd name="connsiteX69" fmla="*/ 466525 w 6373761"/>
+                <a:gd name="connsiteY69" fmla="*/ 5340366 h 6874714"/>
+                <a:gd name="connsiteX70" fmla="*/ 370992 w 6373761"/>
+                <a:gd name="connsiteY70" fmla="*/ 5188502 h 6874714"/>
+                <a:gd name="connsiteX71" fmla="*/ 280046 w 6373761"/>
+                <a:gd name="connsiteY71" fmla="*/ 5033287 h 6874714"/>
+                <a:gd name="connsiteX72" fmla="*/ 126853 w 6373761"/>
+                <a:gd name="connsiteY72" fmla="*/ 4707660 h 6874714"/>
+                <a:gd name="connsiteX73" fmla="*/ 30272 w 6373761"/>
+                <a:gd name="connsiteY73" fmla="*/ 4362068 h 6874714"/>
+                <a:gd name="connsiteX74" fmla="*/ 0 w 6373761"/>
+                <a:gd name="connsiteY74" fmla="*/ 4005912 h 6874714"/>
+                <a:gd name="connsiteX75" fmla="*/ 270480 w 6373761"/>
+                <a:gd name="connsiteY75" fmla="*/ 2610532 h 6874714"/>
+                <a:gd name="connsiteX76" fmla="*/ 415942 w 6373761"/>
+                <a:gd name="connsiteY76" fmla="*/ 2280526 h 6874714"/>
+                <a:gd name="connsiteX77" fmla="*/ 590102 w 6373761"/>
+                <a:gd name="connsiteY77" fmla="*/ 1962626 h 6874714"/>
+                <a:gd name="connsiteX78" fmla="*/ 1020719 w 6373761"/>
+                <a:gd name="connsiteY78" fmla="*/ 1373070 h 6874714"/>
+                <a:gd name="connsiteX79" fmla="*/ 1275080 w 6373761"/>
+                <a:gd name="connsiteY79" fmla="*/ 1107081 h 6874714"/>
+                <a:gd name="connsiteX80" fmla="*/ 1342437 w 6373761"/>
+                <a:gd name="connsiteY80" fmla="*/ 1043965 h 6874714"/>
+                <a:gd name="connsiteX81" fmla="*/ 1411106 w 6373761"/>
+                <a:gd name="connsiteY81" fmla="*/ 982138 h 6874714"/>
+                <a:gd name="connsiteX82" fmla="*/ 1553029 w 6373761"/>
+                <a:gd name="connsiteY82" fmla="*/ 863376 h 6874714"/>
+                <a:gd name="connsiteX83" fmla="*/ 2173401 w 6373761"/>
+                <a:gd name="connsiteY83" fmla="*/ 454409 h 6874714"/>
+                <a:gd name="connsiteX84" fmla="*/ 3599708 w 6373761"/>
+                <a:gd name="connsiteY84" fmla="*/ 16332 h 6874714"/>
+                <a:gd name="connsiteX85" fmla="*/ 3975975 w 6373761"/>
+                <a:gd name="connsiteY85" fmla="*/ 263 h 6874714"/>
+              </a:gdLst>
+              <a:ahLst/>
+              <a:cxnLst>
+                <a:cxn ang="0">
+                  <a:pos x="connsiteX0" y="connsiteY0"/>
+                </a:cxn>
+                <a:cxn ang="0">
+                  <a:pos x="connsiteX1" y="connsiteY1"/>
+                </a:cxn>
+                <a:cxn ang="0">
+                  <a:pos x="connsiteX2" y="connsiteY2"/>
+                </a:cxn>
+                <a:cxn ang="0">
+                  <a:pos x="connsiteX3" y="connsiteY3"/>
+                </a:cxn>
+                <a:cxn ang="0">
+                  <a:pos x="connsiteX4" y="connsiteY4"/>
+                </a:cxn>
+                <a:cxn ang="0">
+                  <a:pos x="connsiteX5" y="connsiteY5"/>
+                </a:cxn>
+                <a:cxn ang="0">
+                  <a:pos x="connsiteX6" y="connsiteY6"/>
+                </a:cxn>
+                <a:cxn ang="0">
+                  <a:pos x="connsiteX7" y="connsiteY7"/>
+                </a:cxn>
+                <a:cxn ang="0">
+                  <a:pos x="connsiteX8" y="connsiteY8"/>
+                </a:cxn>
+                <a:cxn ang="0">
+                  <a:pos x="connsiteX9" y="connsiteY9"/>
+                </a:cxn>
+                <a:cxn ang="0">
+                  <a:pos x="connsiteX10" y="connsiteY10"/>
+                </a:cxn>
+                <a:cxn ang="0">
+                  <a:pos x="connsiteX11" y="connsiteY11"/>
+                </a:cxn>
+                <a:cxn ang="0">
+                  <a:pos x="connsiteX12" y="connsiteY12"/>
+                </a:cxn>
+                <a:cxn ang="0">
+                  <a:pos x="connsiteX13" y="connsiteY13"/>
+                </a:cxn>
+                <a:cxn ang="0">
+                  <a:pos x="connsiteX14" y="connsiteY14"/>
+                </a:cxn>
+                <a:cxn ang="0">
+                  <a:pos x="connsiteX15" y="connsiteY15"/>
+                </a:cxn>
+                <a:cxn ang="0">
+                  <a:pos x="connsiteX16" y="connsiteY16"/>
+                </a:cxn>
+                <a:cxn ang="0">
+                  <a:pos x="connsiteX17" y="connsiteY17"/>
+                </a:cxn>
+                <a:cxn ang="0">
+                  <a:pos x="connsiteX18" y="connsiteY18"/>
+                </a:cxn>
+                <a:cxn ang="0">
+                  <a:pos x="connsiteX19" y="connsiteY19"/>
+                </a:cxn>
+                <a:cxn ang="0">
+                  <a:pos x="connsiteX20" y="connsiteY20"/>
+                </a:cxn>
+                <a:cxn ang="0">
+                  <a:pos x="connsiteX21" y="connsiteY21"/>
+                </a:cxn>
+                <a:cxn ang="0">
+                  <a:pos x="connsiteX22" y="connsiteY22"/>
+                </a:cxn>
+                <a:cxn ang="0">
+                  <a:pos x="connsiteX23" y="connsiteY23"/>
+                </a:cxn>
+                <a:cxn ang="0">
+                  <a:pos x="connsiteX24" y="connsiteY24"/>
+                </a:cxn>
+                <a:cxn ang="0">
+                  <a:pos x="connsiteX25" y="connsiteY25"/>
+                </a:cxn>
+                <a:cxn ang="0">
+                  <a:pos x="connsiteX26" y="connsiteY26"/>
+                </a:cxn>
+                <a:cxn ang="0">
+                  <a:pos x="connsiteX27" y="connsiteY27"/>
+                </a:cxn>
+                <a:cxn ang="0">
+                  <a:pos x="connsiteX28" y="connsiteY28"/>
+                </a:cxn>
+                <a:cxn ang="0">
+                  <a:pos x="connsiteX29" y="connsiteY29"/>
+                </a:cxn>
+                <a:cxn ang="0">
+                  <a:pos x="connsiteX30" y="connsiteY30"/>
+                </a:cxn>
+                <a:cxn ang="0">
+                  <a:pos x="connsiteX31" y="connsiteY31"/>
+                </a:cxn>
+                <a:cxn ang="0">
+                  <a:pos x="connsiteX32" y="connsiteY32"/>
+                </a:cxn>
+                <a:cxn ang="0">
+                  <a:pos x="connsiteX33" y="connsiteY33"/>
+                </a:cxn>
+                <a:cxn ang="0">
+                  <a:pos x="connsiteX34" y="connsiteY34"/>
+                </a:cxn>
+                <a:cxn ang="0">
+                  <a:pos x="connsiteX35" y="connsiteY35"/>
+                </a:cxn>
+                <a:cxn ang="0">
+                  <a:pos x="connsiteX36" y="connsiteY36"/>
+                </a:cxn>
+                <a:cxn ang="0">
+                  <a:pos x="connsiteX37" y="connsiteY37"/>
+                </a:cxn>
+                <a:cxn ang="0">
+                  <a:pos x="connsiteX38" y="connsiteY38"/>
+                </a:cxn>
+                <a:cxn ang="0">
+                  <a:pos x="connsiteX39" y="connsiteY39"/>
+                </a:cxn>
+                <a:cxn ang="0">
+                  <a:pos x="connsiteX40" y="connsiteY40"/>
+                </a:cxn>
+                <a:cxn ang="0">
+                  <a:pos x="connsiteX41" y="connsiteY41"/>
+                </a:cxn>
+                <a:cxn ang="0">
+                  <a:pos x="connsiteX42" y="connsiteY42"/>
+                </a:cxn>
+                <a:cxn ang="0">
+                  <a:pos x="connsiteX43" y="connsiteY43"/>
+                </a:cxn>
+                <a:cxn ang="0">
+                  <a:pos x="connsiteX44" y="connsiteY44"/>
+                </a:cxn>
+                <a:cxn ang="0">
+                  <a:pos x="connsiteX45" y="connsiteY45"/>
+                </a:cxn>
+                <a:cxn ang="0">
+                  <a:pos x="connsiteX46" y="connsiteY46"/>
+                </a:cxn>
+                <a:cxn ang="0">
+                  <a:pos x="connsiteX47" y="connsiteY47"/>
+                </a:cxn>
+                <a:cxn ang="0">
+                  <a:pos x="connsiteX48" y="connsiteY48"/>
+                </a:cxn>
+                <a:cxn ang="0">
+                  <a:pos x="connsiteX49" y="connsiteY49"/>
+                </a:cxn>
+                <a:cxn ang="0">
+                  <a:pos x="connsiteX50" y="connsiteY50"/>
+                </a:cxn>
+                <a:cxn ang="0">
+                  <a:pos x="connsiteX51" y="connsiteY51"/>
+                </a:cxn>
+                <a:cxn ang="0">
+                  <a:pos x="connsiteX52" y="connsiteY52"/>
+                </a:cxn>
+                <a:cxn ang="0">
+                  <a:pos x="connsiteX53" y="connsiteY53"/>
+                </a:cxn>
+                <a:cxn ang="0">
+                  <a:pos x="connsiteX54" y="connsiteY54"/>
+                </a:cxn>
+                <a:cxn ang="0">
+                  <a:pos x="connsiteX55" y="connsiteY55"/>
+                </a:cxn>
+                <a:cxn ang="0">
+                  <a:pos x="connsiteX56" y="connsiteY56"/>
+                </a:cxn>
+                <a:cxn ang="0">
+                  <a:pos x="connsiteX57" y="connsiteY57"/>
+                </a:cxn>
+                <a:cxn ang="0">
+                  <a:pos x="connsiteX58" y="connsiteY58"/>
+                </a:cxn>
+                <a:cxn ang="0">
+                  <a:pos x="connsiteX59" y="connsiteY59"/>
+                </a:cxn>
+                <a:cxn ang="0">
+                  <a:pos x="connsiteX60" y="connsiteY60"/>
+                </a:cxn>
+                <a:cxn ang="0">
+                  <a:pos x="connsiteX61" y="connsiteY61"/>
+                </a:cxn>
+                <a:cxn ang="0">
+                  <a:pos x="connsiteX62" y="connsiteY62"/>
+                </a:cxn>
+                <a:cxn ang="0">
+                  <a:pos x="connsiteX63" y="connsiteY63"/>
+                </a:cxn>
+                <a:cxn ang="0">
+                  <a:pos x="connsiteX64" y="connsiteY64"/>
+                </a:cxn>
+                <a:cxn ang="0">
+                  <a:pos x="connsiteX65" y="connsiteY65"/>
+                </a:cxn>
+                <a:cxn ang="0">
+                  <a:pos x="connsiteX66" y="connsiteY66"/>
+                </a:cxn>
+                <a:cxn ang="0">
+                  <a:pos x="connsiteX67" y="connsiteY67"/>
+                </a:cxn>
+                <a:cxn ang="0">
+                  <a:pos x="connsiteX68" y="connsiteY68"/>
+                </a:cxn>
+                <a:cxn ang="0">
+                  <a:pos x="connsiteX69" y="connsiteY69"/>
+                </a:cxn>
+                <a:cxn ang="0">
+                  <a:pos x="connsiteX70" y="connsiteY70"/>
+                </a:cxn>
+                <a:cxn ang="0">
+                  <a:pos x="connsiteX71" y="connsiteY71"/>
+                </a:cxn>
+                <a:cxn ang="0">
+                  <a:pos x="connsiteX72" y="connsiteY72"/>
+                </a:cxn>
+                <a:cxn ang="0">
+                  <a:pos x="connsiteX73" y="connsiteY73"/>
+                </a:cxn>
+                <a:cxn ang="0">
+                  <a:pos x="connsiteX74" y="connsiteY74"/>
+                </a:cxn>
+                <a:cxn ang="0">
+                  <a:pos x="connsiteX75" y="connsiteY75"/>
+                </a:cxn>
+                <a:cxn ang="0">
+                  <a:pos x="connsiteX76" y="connsiteY76"/>
+                </a:cxn>
+                <a:cxn ang="0">
+                  <a:pos x="connsiteX77" y="connsiteY77"/>
+                </a:cxn>
+                <a:cxn ang="0">
+                  <a:pos x="connsiteX78" y="connsiteY78"/>
+                </a:cxn>
+                <a:cxn ang="0">
+                  <a:pos x="connsiteX79" y="connsiteY79"/>
+                </a:cxn>
+                <a:cxn ang="0">
+                  <a:pos x="connsiteX80" y="connsiteY80"/>
+                </a:cxn>
+                <a:cxn ang="0">
+                  <a:pos x="connsiteX81" y="connsiteY81"/>
+                </a:cxn>
+                <a:cxn ang="0">
+                  <a:pos x="connsiteX82" y="connsiteY82"/>
+                </a:cxn>
+                <a:cxn ang="0">
+                  <a:pos x="connsiteX83" y="connsiteY83"/>
+                </a:cxn>
+                <a:cxn ang="0">
+                  <a:pos x="connsiteX84" y="connsiteY84"/>
+                </a:cxn>
+                <a:cxn ang="0">
+                  <a:pos x="connsiteX85" y="connsiteY85"/>
+                </a:cxn>
+              </a:cxnLst>
+              <a:rect l="l" t="t" r="r" b="b"/>
+              <a:pathLst>
+                <a:path w="6373761" h="6874714">
+                  <a:moveTo>
+                    <a:pt x="6373761" y="5771297"/>
+                  </a:moveTo>
+                  <a:lnTo>
+                    <a:pt x="6373761" y="6247960"/>
+                  </a:lnTo>
+                  <a:lnTo>
+                    <a:pt x="6235932" y="6361930"/>
+                  </a:lnTo>
+                  <a:cubicBezTo>
+                    <a:pt x="6143250" y="6437460"/>
+                    <a:pt x="6051059" y="6512200"/>
+                    <a:pt x="5960375" y="6587489"/>
+                  </a:cubicBezTo>
+                  <a:lnTo>
+                    <a:pt x="5822907" y="6701871"/>
+                  </a:lnTo>
+                  <a:cubicBezTo>
+                    <a:pt x="5776123" y="6740385"/>
+                    <a:pt x="5729079" y="6778899"/>
+                    <a:pt x="5681115" y="6816896"/>
+                  </a:cubicBezTo>
+                  <a:lnTo>
+                    <a:pt x="5604096" y="6874714"/>
+                  </a:lnTo>
+                  <a:lnTo>
+                    <a:pt x="4878485" y="6874714"/>
+                  </a:lnTo>
+                  <a:lnTo>
+                    <a:pt x="5006014" y="6800200"/>
+                  </a:lnTo>
+                  <a:cubicBezTo>
+                    <a:pt x="5054354" y="6770429"/>
+                    <a:pt x="5102285" y="6739483"/>
+                    <a:pt x="5149855" y="6707667"/>
+                  </a:cubicBezTo>
+                  <a:cubicBezTo>
+                    <a:pt x="5244993" y="6643906"/>
+                    <a:pt x="5338561" y="6576025"/>
+                    <a:pt x="5431866" y="6506210"/>
+                  </a:cubicBezTo>
+                  <a:cubicBezTo>
+                    <a:pt x="5478386" y="6471304"/>
+                    <a:pt x="5524777" y="6435495"/>
+                    <a:pt x="5571036" y="6399557"/>
+                  </a:cubicBezTo>
+                  <a:lnTo>
+                    <a:pt x="5711649" y="6288912"/>
+                  </a:lnTo>
+                  <a:cubicBezTo>
+                    <a:pt x="5902059" y="6140395"/>
+                    <a:pt x="6093257" y="5998320"/>
+                    <a:pt x="6276589" y="5852379"/>
+                  </a:cubicBezTo>
+                  <a:close/>
+                  <a:moveTo>
+                    <a:pt x="3975975" y="263"/>
+                  </a:moveTo>
+                  <a:cubicBezTo>
+                    <a:pt x="4101550" y="1809"/>
+                    <a:pt x="4226830" y="10149"/>
+                    <a:pt x="4350473" y="24963"/>
+                  </a:cubicBezTo>
+                  <a:cubicBezTo>
+                    <a:pt x="4598149" y="54846"/>
+                    <a:pt x="4842943" y="108687"/>
+                    <a:pt x="5077909" y="189450"/>
+                  </a:cubicBezTo>
+                  <a:cubicBezTo>
+                    <a:pt x="5312876" y="269955"/>
+                    <a:pt x="5537357" y="376867"/>
+                    <a:pt x="5746507" y="505804"/>
+                  </a:cubicBezTo>
+                  <a:cubicBezTo>
+                    <a:pt x="5955527" y="634999"/>
+                    <a:pt x="6148688" y="786864"/>
+                    <a:pt x="6322456" y="956633"/>
+                  </a:cubicBezTo>
+                  <a:lnTo>
+                    <a:pt x="6373761" y="1011863"/>
+                  </a:lnTo>
+                  <a:lnTo>
+                    <a:pt x="6373761" y="1185075"/>
+                  </a:lnTo>
+                  <a:lnTo>
+                    <a:pt x="6359489" y="1169497"/>
+                  </a:lnTo>
+                  <a:cubicBezTo>
+                    <a:pt x="6318811" y="1127602"/>
+                    <a:pt x="6276917" y="1086890"/>
+                    <a:pt x="6233869" y="1047442"/>
+                  </a:cubicBezTo>
+                  <a:cubicBezTo>
+                    <a:pt x="6147509" y="968870"/>
+                    <a:pt x="6056431" y="895448"/>
+                    <a:pt x="5961423" y="827953"/>
+                  </a:cubicBezTo>
+                  <a:cubicBezTo>
+                    <a:pt x="5865891" y="761102"/>
+                    <a:pt x="5766688" y="699403"/>
+                    <a:pt x="5663555" y="645304"/>
+                  </a:cubicBezTo>
+                  <a:cubicBezTo>
+                    <a:pt x="5457943" y="535816"/>
+                    <a:pt x="5238703" y="453894"/>
+                    <a:pt x="5013827" y="397863"/>
+                  </a:cubicBezTo>
+                  <a:cubicBezTo>
+                    <a:pt x="4788953" y="341703"/>
+                    <a:pt x="4558442" y="310917"/>
+                    <a:pt x="4327409" y="302545"/>
+                  </a:cubicBezTo>
+                  <a:cubicBezTo>
+                    <a:pt x="4096111" y="293012"/>
+                    <a:pt x="3867174" y="305893"/>
+                    <a:pt x="3639939" y="338868"/>
+                  </a:cubicBezTo>
+                  <a:cubicBezTo>
+                    <a:pt x="3526585" y="355999"/>
+                    <a:pt x="3413885" y="377254"/>
+                    <a:pt x="3302495" y="403659"/>
+                  </a:cubicBezTo>
+                  <a:cubicBezTo>
+                    <a:pt x="3191107" y="430451"/>
+                    <a:pt x="3080634" y="460978"/>
+                    <a:pt x="2971604" y="496273"/>
+                  </a:cubicBezTo>
+                  <a:cubicBezTo>
+                    <a:pt x="2862573" y="531437"/>
+                    <a:pt x="2754854" y="570852"/>
+                    <a:pt x="2648706" y="614389"/>
+                  </a:cubicBezTo>
+                  <a:cubicBezTo>
+                    <a:pt x="2542690" y="658056"/>
+                    <a:pt x="2438114" y="705714"/>
+                    <a:pt x="2335374" y="757109"/>
+                  </a:cubicBezTo>
+                  <a:cubicBezTo>
+                    <a:pt x="2129894" y="859769"/>
+                    <a:pt x="1931228" y="976855"/>
+                    <a:pt x="1741342" y="1107725"/>
+                  </a:cubicBezTo>
+                  <a:cubicBezTo>
+                    <a:pt x="1694035" y="1140571"/>
+                    <a:pt x="1646858" y="1173933"/>
+                    <a:pt x="1600861" y="1208710"/>
+                  </a:cubicBezTo>
+                  <a:cubicBezTo>
+                    <a:pt x="1577535" y="1225713"/>
+                    <a:pt x="1554732" y="1243361"/>
+                    <a:pt x="1531799" y="1260879"/>
+                  </a:cubicBezTo>
+                  <a:cubicBezTo>
+                    <a:pt x="1508735" y="1278267"/>
+                    <a:pt x="1486064" y="1296171"/>
+                    <a:pt x="1463655" y="1314333"/>
+                  </a:cubicBezTo>
+                  <a:cubicBezTo>
+                    <a:pt x="1373627" y="1386853"/>
+                    <a:pt x="1285564" y="1462077"/>
+                    <a:pt x="1200777" y="1541166"/>
+                  </a:cubicBezTo>
+                  <a:cubicBezTo>
+                    <a:pt x="1030810" y="1698827"/>
+                    <a:pt x="873161" y="1870785"/>
+                    <a:pt x="731501" y="2055754"/>
+                  </a:cubicBezTo>
+                  <a:cubicBezTo>
+                    <a:pt x="660734" y="2148239"/>
+                    <a:pt x="593771" y="2243944"/>
+                    <a:pt x="531393" y="2342739"/>
+                  </a:cubicBezTo>
+                  <a:cubicBezTo>
+                    <a:pt x="470063" y="2442050"/>
+                    <a:pt x="412140" y="2543810"/>
+                    <a:pt x="361033" y="2649046"/>
+                  </a:cubicBezTo>
+                  <a:cubicBezTo>
+                    <a:pt x="347798" y="2675194"/>
+                    <a:pt x="335479" y="2701728"/>
+                    <a:pt x="323292" y="2728263"/>
+                  </a:cubicBezTo>
+                  <a:lnTo>
+                    <a:pt x="304945" y="2768193"/>
+                  </a:lnTo>
+                  <a:lnTo>
+                    <a:pt x="287516" y="2808510"/>
+                  </a:lnTo>
+                  <a:cubicBezTo>
+                    <a:pt x="276115" y="2835432"/>
+                    <a:pt x="264583" y="2862352"/>
+                    <a:pt x="254230" y="2889788"/>
+                  </a:cubicBezTo>
+                  <a:cubicBezTo>
+                    <a:pt x="243877" y="2917224"/>
+                    <a:pt x="232477" y="2944274"/>
+                    <a:pt x="223042" y="2971968"/>
+                  </a:cubicBezTo>
+                  <a:cubicBezTo>
+                    <a:pt x="182679" y="3081970"/>
+                    <a:pt x="148475" y="3194291"/>
+                    <a:pt x="121611" y="3308544"/>
+                  </a:cubicBezTo>
+                  <a:cubicBezTo>
+                    <a:pt x="67096" y="3536534"/>
+                    <a:pt x="39183" y="3771224"/>
+                    <a:pt x="39314" y="4005912"/>
+                  </a:cubicBezTo>
+                  <a:cubicBezTo>
+                    <a:pt x="39969" y="4122871"/>
+                    <a:pt x="51109" y="4239571"/>
+                    <a:pt x="73910" y="4354081"/>
+                  </a:cubicBezTo>
+                  <a:cubicBezTo>
+                    <a:pt x="97892" y="4468334"/>
+                    <a:pt x="132619" y="4580140"/>
+                    <a:pt x="179534" y="4687050"/>
+                  </a:cubicBezTo>
+                  <a:cubicBezTo>
+                    <a:pt x="190673" y="4713972"/>
+                    <a:pt x="203647" y="4740249"/>
+                    <a:pt x="215964" y="4766654"/>
+                  </a:cubicBezTo>
+                  <a:cubicBezTo>
+                    <a:pt x="229332" y="4792674"/>
+                    <a:pt x="242043" y="4818950"/>
+                    <a:pt x="256457" y="4844455"/>
+                  </a:cubicBezTo>
+                  <a:cubicBezTo>
+                    <a:pt x="283978" y="4895978"/>
+                    <a:pt x="314642" y="4945956"/>
+                    <a:pt x="346225" y="4995290"/>
+                  </a:cubicBezTo>
+                  <a:cubicBezTo>
+                    <a:pt x="377676" y="5044752"/>
+                    <a:pt x="411355" y="5092926"/>
+                    <a:pt x="445296" y="5140971"/>
+                  </a:cubicBezTo>
+                  <a:cubicBezTo>
+                    <a:pt x="479760" y="5188630"/>
+                    <a:pt x="515537" y="5235645"/>
+                    <a:pt x="551443" y="5282531"/>
+                  </a:cubicBezTo>
+                  <a:cubicBezTo>
+                    <a:pt x="623387" y="5376434"/>
+                    <a:pt x="698608" y="5468402"/>
+                    <a:pt x="772387" y="5562561"/>
+                  </a:cubicBezTo>
+                  <a:cubicBezTo>
+                    <a:pt x="809472" y="5609448"/>
+                    <a:pt x="846428" y="5656719"/>
+                    <a:pt x="882858" y="5704507"/>
+                  </a:cubicBezTo>
+                  <a:cubicBezTo>
+                    <a:pt x="919159" y="5751909"/>
+                    <a:pt x="955196" y="5802273"/>
+                    <a:pt x="990316" y="5848258"/>
+                  </a:cubicBezTo>
+                  <a:cubicBezTo>
+                    <a:pt x="1025175" y="5895402"/>
+                    <a:pt x="1061736" y="5941129"/>
+                    <a:pt x="1097774" y="5987114"/>
+                  </a:cubicBezTo>
+                  <a:cubicBezTo>
+                    <a:pt x="1134860" y="6032326"/>
+                    <a:pt x="1171684" y="6077536"/>
+                    <a:pt x="1210080" y="6121203"/>
+                  </a:cubicBezTo>
+                  <a:cubicBezTo>
+                    <a:pt x="1286350" y="6209051"/>
+                    <a:pt x="1365632" y="6293677"/>
+                    <a:pt x="1448192" y="6374054"/>
+                  </a:cubicBezTo>
+                  <a:cubicBezTo>
+                    <a:pt x="1613572" y="6534420"/>
+                    <a:pt x="1792057" y="6677526"/>
+                    <a:pt x="1982991" y="6796158"/>
+                  </a:cubicBezTo>
+                  <a:lnTo>
+                    <a:pt x="2118475" y="6874714"/>
+                  </a:lnTo>
+                  <a:lnTo>
+                    <a:pt x="1569874" y="6874714"/>
+                  </a:lnTo>
+                  <a:lnTo>
+                    <a:pt x="1507802" y="6817815"/>
+                  </a:lnTo>
+                  <a:cubicBezTo>
+                    <a:pt x="1418412" y="6730595"/>
+                    <a:pt x="1334903" y="6638562"/>
+                    <a:pt x="1256865" y="6543437"/>
+                  </a:cubicBezTo>
+                  <a:cubicBezTo>
+                    <a:pt x="1179155" y="6447861"/>
+                    <a:pt x="1106817" y="6349194"/>
+                    <a:pt x="1038410" y="6248722"/>
+                  </a:cubicBezTo>
+                  <a:cubicBezTo>
+                    <a:pt x="969873" y="6148253"/>
+                    <a:pt x="905922" y="6045592"/>
+                    <a:pt x="845380" y="5941386"/>
+                  </a:cubicBezTo>
+                  <a:cubicBezTo>
+                    <a:pt x="814453" y="5888704"/>
+                    <a:pt x="786147" y="5839370"/>
+                    <a:pt x="755351" y="5788877"/>
+                  </a:cubicBezTo>
+                  <a:cubicBezTo>
+                    <a:pt x="724817" y="5738771"/>
+                    <a:pt x="693760" y="5688665"/>
+                    <a:pt x="661784" y="5638944"/>
+                  </a:cubicBezTo>
+                  <a:lnTo>
+                    <a:pt x="466525" y="5340366"/>
+                  </a:lnTo>
+                  <a:cubicBezTo>
+                    <a:pt x="434156" y="5290131"/>
+                    <a:pt x="402181" y="5239639"/>
+                    <a:pt x="370992" y="5188502"/>
+                  </a:cubicBezTo>
+                  <a:cubicBezTo>
+                    <a:pt x="339803" y="5137364"/>
+                    <a:pt x="308876" y="5086099"/>
+                    <a:pt x="280046" y="5033287"/>
+                  </a:cubicBezTo>
+                  <a:cubicBezTo>
+                    <a:pt x="222255" y="4928179"/>
+                    <a:pt x="169181" y="4819982"/>
+                    <a:pt x="126853" y="4707660"/>
+                  </a:cubicBezTo>
+                  <a:cubicBezTo>
+                    <a:pt x="83739" y="4595725"/>
+                    <a:pt x="51764" y="4479670"/>
+                    <a:pt x="30272" y="4362068"/>
+                  </a:cubicBezTo>
+                  <a:cubicBezTo>
+                    <a:pt x="9698" y="4244466"/>
+                    <a:pt x="0" y="4125060"/>
+                    <a:pt x="0" y="4005912"/>
+                  </a:cubicBezTo>
+                  <a:cubicBezTo>
+                    <a:pt x="1704" y="3530867"/>
+                    <a:pt x="95140" y="3057110"/>
+                    <a:pt x="270480" y="2610532"/>
+                  </a:cubicBezTo>
+                  <a:cubicBezTo>
+                    <a:pt x="314511" y="2498984"/>
+                    <a:pt x="362212" y="2388466"/>
+                    <a:pt x="415942" y="2280526"/>
+                  </a:cubicBezTo>
+                  <a:cubicBezTo>
+                    <a:pt x="468884" y="2172197"/>
+                    <a:pt x="527199" y="2066188"/>
+                    <a:pt x="590102" y="1962626"/>
+                  </a:cubicBezTo>
+                  <a:cubicBezTo>
+                    <a:pt x="716037" y="1755631"/>
+                    <a:pt x="859794" y="1557653"/>
+                    <a:pt x="1020719" y="1373070"/>
+                  </a:cubicBezTo>
+                  <a:cubicBezTo>
+                    <a:pt x="1101575" y="1281101"/>
+                    <a:pt x="1185969" y="1191838"/>
+                    <a:pt x="1275080" y="1107081"/>
+                  </a:cubicBezTo>
+                  <a:cubicBezTo>
+                    <a:pt x="1297227" y="1085699"/>
+                    <a:pt x="1319504" y="1064575"/>
+                    <a:pt x="1342437" y="1043965"/>
+                  </a:cubicBezTo>
+                  <a:cubicBezTo>
+                    <a:pt x="1365240" y="1023226"/>
+                    <a:pt x="1387648" y="1002102"/>
+                    <a:pt x="1411106" y="982138"/>
+                  </a:cubicBezTo>
+                  <a:cubicBezTo>
+                    <a:pt x="1457497" y="941563"/>
+                    <a:pt x="1505065" y="902276"/>
+                    <a:pt x="1553029" y="863376"/>
+                  </a:cubicBezTo>
+                  <a:cubicBezTo>
+                    <a:pt x="1745798" y="708806"/>
+                    <a:pt x="1954030" y="571882"/>
+                    <a:pt x="2173401" y="454409"/>
+                  </a:cubicBezTo>
+                  <a:cubicBezTo>
+                    <a:pt x="2612013" y="219334"/>
+                    <a:pt x="3099505" y="65666"/>
+                    <a:pt x="3599708" y="16332"/>
+                  </a:cubicBezTo>
+                  <a:cubicBezTo>
+                    <a:pt x="3724530" y="3966"/>
+                    <a:pt x="3850400" y="-1283"/>
+                    <a:pt x="3975975" y="263"/>
+                  </a:cubicBezTo>
+                  <a:close/>
+                </a:path>
+              </a:pathLst>
+            </a:custGeom>
+            <a:gradFill>
+              <a:gsLst>
+                <a:gs pos="2000">
+                  <a:schemeClr val="bg1">
+                    <a:alpha val="10000"/>
+                  </a:schemeClr>
+                </a:gs>
+                <a:gs pos="16000">
+                  <a:schemeClr val="accent6">
+                    <a:alpha val="10000"/>
+                  </a:schemeClr>
+                </a:gs>
+                <a:gs pos="100000">
+                  <a:schemeClr val="bg1">
+                    <a:alpha val="10000"/>
+                  </a:schemeClr>
+                </a:gs>
+                <a:gs pos="85000">
+                  <a:schemeClr val="accent1">
+                    <a:alpha val="10000"/>
+                  </a:schemeClr>
+                </a:gs>
+              </a:gsLst>
+              <a:lin ang="12000000" scaled="0"/>
+            </a:gradFill>
+            <a:ln>
+              <a:noFill/>
+            </a:ln>
+          </p:spPr>
+          <p:style>
+            <a:lnRef idx="2">
+              <a:schemeClr val="accent1">
+                <a:shade val="50000"/>
+              </a:schemeClr>
+            </a:lnRef>
+            <a:fillRef idx="1">
+              <a:schemeClr val="accent1"/>
+            </a:fillRef>
+            <a:effectRef idx="0">
+              <a:schemeClr val="accent1"/>
+            </a:effectRef>
+            <a:fontRef idx="minor">
+              <a:schemeClr val="lt1"/>
+            </a:fontRef>
+          </p:style>
+          <p:txBody>
+            <a:bodyPr rtlCol="0" anchor="ctr"/>
+            <a:lstStyle/>
+            <a:p>
+              <a:pPr algn="ctr"/>
+              <a:endParaRPr lang="en-US"/>
+            </a:p>
+          </p:txBody>
+        </p:sp>
+        <p:sp>
+          <p:nvSpPr>
+            <p:cNvPr id="38" name="Freeform: Shape 37">
+              <a:extLst>
+                <a:ext uri="{FF2B5EF4-FFF2-40B4-BE49-F238E27FC236}">
+                  <a16:creationId xmlns:a16="http://schemas.microsoft.com/office/drawing/2014/main" id="{61023DD2-2E6F-4419-B404-80F08460BEA5}"/>
+                </a:ext>
+                <a:ext uri="{C183D7F6-B498-43B3-948B-1728B52AA6E4}">
+                  <adec:decorative xmlns:adec="http://schemas.microsoft.com/office/drawing/2017/decorative" val="1"/>
+                </a:ext>
+              </a:extLst>
+            </p:cNvPr>
+            <p:cNvSpPr/>
+            <p:nvPr>
+              <p:extLst>
+                <p:ext uri="{386F3935-93C4-4BCD-93E2-E3B085C9AB24}">
+                  <p16:designElem xmlns:p16="http://schemas.microsoft.com/office/powerpoint/2015/main" val="1"/>
+                </p:ext>
+              </p:extLst>
+            </p:nvPr>
+          </p:nvSpPr>
+          <p:spPr>
+            <a:xfrm>
+              <a:off x="5865276" y="313387"/>
+              <a:ext cx="6326724" cy="6561326"/>
+            </a:xfrm>
+            <a:custGeom>
+              <a:avLst/>
+              <a:gdLst>
+                <a:gd name="connsiteX0" fmla="*/ 6326724 w 6326724"/>
+                <a:gd name="connsiteY0" fmla="*/ 5020808 h 6561326"/>
+                <a:gd name="connsiteX1" fmla="*/ 6326724 w 6326724"/>
+                <a:gd name="connsiteY1" fmla="*/ 5698632 h 6561326"/>
+                <a:gd name="connsiteX2" fmla="*/ 6067438 w 6326724"/>
+                <a:gd name="connsiteY2" fmla="*/ 5902509 h 6561326"/>
+                <a:gd name="connsiteX3" fmla="*/ 5799974 w 6326724"/>
+                <a:gd name="connsiteY3" fmla="*/ 6102017 h 6561326"/>
+                <a:gd name="connsiteX4" fmla="*/ 5665258 w 6326724"/>
+                <a:gd name="connsiteY4" fmla="*/ 6202100 h 6561326"/>
+                <a:gd name="connsiteX5" fmla="*/ 5526873 w 6326724"/>
+                <a:gd name="connsiteY5" fmla="*/ 6302828 h 6561326"/>
+                <a:gd name="connsiteX6" fmla="*/ 5385080 w 6326724"/>
+                <a:gd name="connsiteY6" fmla="*/ 6402268 h 6561326"/>
+                <a:gd name="connsiteX7" fmla="*/ 5238833 w 6326724"/>
+                <a:gd name="connsiteY7" fmla="*/ 6498875 h 6561326"/>
+                <a:gd name="connsiteX8" fmla="*/ 5138040 w 6326724"/>
+                <a:gd name="connsiteY8" fmla="*/ 6561326 h 6561326"/>
+                <a:gd name="connsiteX9" fmla="*/ 3946072 w 6326724"/>
+                <a:gd name="connsiteY9" fmla="*/ 6561326 h 6561326"/>
+                <a:gd name="connsiteX10" fmla="*/ 3976009 w 6326724"/>
+                <a:gd name="connsiteY10" fmla="*/ 6555242 h 6561326"/>
+                <a:gd name="connsiteX11" fmla="*/ 4404855 w 6326724"/>
+                <a:gd name="connsiteY11" fmla="*/ 6399048 h 6561326"/>
+                <a:gd name="connsiteX12" fmla="*/ 4938868 w 6326724"/>
+                <a:gd name="connsiteY12" fmla="*/ 6072132 h 6561326"/>
+                <a:gd name="connsiteX13" fmla="*/ 5068342 w 6326724"/>
+                <a:gd name="connsiteY13" fmla="*/ 5976042 h 6561326"/>
+                <a:gd name="connsiteX14" fmla="*/ 5197816 w 6326724"/>
+                <a:gd name="connsiteY14" fmla="*/ 5876730 h 6561326"/>
+                <a:gd name="connsiteX15" fmla="*/ 5460039 w 6326724"/>
+                <a:gd name="connsiteY15" fmla="*/ 5670637 h 6561326"/>
+                <a:gd name="connsiteX16" fmla="*/ 5999033 w 6326724"/>
+                <a:gd name="connsiteY16" fmla="*/ 5271718 h 6561326"/>
+                <a:gd name="connsiteX17" fmla="*/ 6258766 w 6326724"/>
+                <a:gd name="connsiteY17" fmla="*/ 5077603 h 6561326"/>
+                <a:gd name="connsiteX18" fmla="*/ 4139342 w 6326724"/>
+                <a:gd name="connsiteY18" fmla="*/ 440 h 6561326"/>
+                <a:gd name="connsiteX19" fmla="*/ 4315744 w 6326724"/>
+                <a:gd name="connsiteY19" fmla="*/ 6808 h 6561326"/>
+                <a:gd name="connsiteX20" fmla="*/ 5015400 w 6326724"/>
+                <a:gd name="connsiteY20" fmla="*/ 113591 h 6561326"/>
+                <a:gd name="connsiteX21" fmla="*/ 5681114 w 6326724"/>
+                <a:gd name="connsiteY21" fmla="*/ 361418 h 6561326"/>
+                <a:gd name="connsiteX22" fmla="*/ 6270952 w 6326724"/>
+                <a:gd name="connsiteY22" fmla="*/ 755441 h 6561326"/>
+                <a:gd name="connsiteX23" fmla="*/ 6326724 w 6326724"/>
+                <a:gd name="connsiteY23" fmla="*/ 807432 h 6561326"/>
+                <a:gd name="connsiteX24" fmla="*/ 6326724 w 6326724"/>
+                <a:gd name="connsiteY24" fmla="*/ 1231565 h 6561326"/>
+                <a:gd name="connsiteX25" fmla="*/ 6302093 w 6326724"/>
+                <a:gd name="connsiteY25" fmla="*/ 1203002 h 6561326"/>
+                <a:gd name="connsiteX26" fmla="*/ 6066914 w 6326724"/>
+                <a:gd name="connsiteY26" fmla="*/ 989616 h 6561326"/>
+                <a:gd name="connsiteX27" fmla="*/ 5533688 w 6326724"/>
+                <a:gd name="connsiteY27" fmla="*/ 647242 h 6561326"/>
+                <a:gd name="connsiteX28" fmla="*/ 4933626 w 6326724"/>
+                <a:gd name="connsiteY28" fmla="*/ 432262 h 6561326"/>
+                <a:gd name="connsiteX29" fmla="*/ 4296873 w 6326724"/>
+                <a:gd name="connsiteY29" fmla="*/ 343126 h 6561326"/>
+                <a:gd name="connsiteX30" fmla="*/ 3651602 w 6326724"/>
+                <a:gd name="connsiteY30" fmla="*/ 365797 h 6561326"/>
+                <a:gd name="connsiteX31" fmla="*/ 3018256 w 6326724"/>
+                <a:gd name="connsiteY31" fmla="*/ 496666 h 6561326"/>
+                <a:gd name="connsiteX32" fmla="*/ 2412429 w 6326724"/>
+                <a:gd name="connsiteY32" fmla="*/ 724399 h 6561326"/>
+                <a:gd name="connsiteX33" fmla="*/ 1329857 w 6326724"/>
+                <a:gd name="connsiteY33" fmla="*/ 1424086 h 6561326"/>
+                <a:gd name="connsiteX34" fmla="*/ 887314 w 6326724"/>
+                <a:gd name="connsiteY34" fmla="*/ 1891015 h 6561326"/>
+                <a:gd name="connsiteX35" fmla="*/ 537420 w 6326724"/>
+                <a:gd name="connsiteY35" fmla="*/ 2427245 h 6561326"/>
+                <a:gd name="connsiteX36" fmla="*/ 299965 w 6326724"/>
+                <a:gd name="connsiteY36" fmla="*/ 3020021 h 6561326"/>
+                <a:gd name="connsiteX37" fmla="*/ 213606 w 6326724"/>
+                <a:gd name="connsiteY37" fmla="*/ 3651953 h 6561326"/>
+                <a:gd name="connsiteX38" fmla="*/ 250036 w 6326724"/>
+                <a:gd name="connsiteY38" fmla="*/ 3961352 h 6561326"/>
+                <a:gd name="connsiteX39" fmla="*/ 357625 w 6326724"/>
+                <a:gd name="connsiteY39" fmla="*/ 4250783 h 6561326"/>
+                <a:gd name="connsiteX40" fmla="*/ 432715 w 6326724"/>
+                <a:gd name="connsiteY40" fmla="*/ 4387063 h 6561326"/>
+                <a:gd name="connsiteX41" fmla="*/ 518943 w 6326724"/>
+                <a:gd name="connsiteY41" fmla="*/ 4518962 h 6561326"/>
+                <a:gd name="connsiteX42" fmla="*/ 718133 w 6326724"/>
+                <a:gd name="connsiteY42" fmla="*/ 4773874 h 6561326"/>
+                <a:gd name="connsiteX43" fmla="*/ 933704 w 6326724"/>
+                <a:gd name="connsiteY43" fmla="*/ 5030717 h 6561326"/>
+                <a:gd name="connsiteX44" fmla="*/ 1040900 w 6326724"/>
+                <a:gd name="connsiteY44" fmla="*/ 5164806 h 6561326"/>
+                <a:gd name="connsiteX45" fmla="*/ 1092401 w 6326724"/>
+                <a:gd name="connsiteY45" fmla="*/ 5230628 h 6561326"/>
+                <a:gd name="connsiteX46" fmla="*/ 1142854 w 6326724"/>
+                <a:gd name="connsiteY46" fmla="*/ 5293615 h 6561326"/>
+                <a:gd name="connsiteX47" fmla="*/ 1576354 w 6326724"/>
+                <a:gd name="connsiteY47" fmla="*/ 5759128 h 6561326"/>
+                <a:gd name="connsiteX48" fmla="*/ 1806865 w 6326724"/>
+                <a:gd name="connsiteY48" fmla="*/ 5968571 h 6561326"/>
+                <a:gd name="connsiteX49" fmla="*/ 2048253 w 6326724"/>
+                <a:gd name="connsiteY49" fmla="*/ 6161654 h 6561326"/>
+                <a:gd name="connsiteX50" fmla="*/ 2587506 w 6326724"/>
+                <a:gd name="connsiteY50" fmla="*/ 6467059 h 6561326"/>
+                <a:gd name="connsiteX51" fmla="*/ 2889176 w 6326724"/>
+                <a:gd name="connsiteY51" fmla="*/ 6553360 h 6561326"/>
+                <a:gd name="connsiteX52" fmla="*/ 2929698 w 6326724"/>
+                <a:gd name="connsiteY52" fmla="*/ 6561326 h 6561326"/>
+                <a:gd name="connsiteX53" fmla="*/ 1816374 w 6326724"/>
+                <a:gd name="connsiteY53" fmla="*/ 6561326 h 6561326"/>
+                <a:gd name="connsiteX54" fmla="*/ 1787601 w 6326724"/>
+                <a:gd name="connsiteY54" fmla="*/ 6545761 h 6561326"/>
+                <a:gd name="connsiteX55" fmla="*/ 1225544 w 6326724"/>
+                <a:gd name="connsiteY55" fmla="*/ 6094158 h 6561326"/>
+                <a:gd name="connsiteX56" fmla="*/ 997654 w 6326724"/>
+                <a:gd name="connsiteY56" fmla="*/ 5822374 h 6561326"/>
+                <a:gd name="connsiteX57" fmla="*/ 798596 w 6326724"/>
+                <a:gd name="connsiteY57" fmla="*/ 5534615 h 6561326"/>
+                <a:gd name="connsiteX58" fmla="*/ 752075 w 6326724"/>
+                <a:gd name="connsiteY58" fmla="*/ 5461324 h 6561326"/>
+                <a:gd name="connsiteX59" fmla="*/ 707650 w 6326724"/>
+                <a:gd name="connsiteY59" fmla="*/ 5390221 h 6561326"/>
+                <a:gd name="connsiteX60" fmla="*/ 619980 w 6326724"/>
+                <a:gd name="connsiteY60" fmla="*/ 5252396 h 6561326"/>
+                <a:gd name="connsiteX61" fmla="*/ 438349 w 6326724"/>
+                <a:gd name="connsiteY61" fmla="*/ 4970822 h 6561326"/>
+                <a:gd name="connsiteX62" fmla="*/ 261044 w 6326724"/>
+                <a:gd name="connsiteY62" fmla="*/ 4673145 h 6561326"/>
+                <a:gd name="connsiteX63" fmla="*/ 181107 w 6326724"/>
+                <a:gd name="connsiteY63" fmla="*/ 4515356 h 6561326"/>
+                <a:gd name="connsiteX64" fmla="*/ 113224 w 6326724"/>
+                <a:gd name="connsiteY64" fmla="*/ 4350223 h 6561326"/>
+                <a:gd name="connsiteX65" fmla="*/ 61199 w 6326724"/>
+                <a:gd name="connsiteY65" fmla="*/ 4178908 h 6561326"/>
+                <a:gd name="connsiteX66" fmla="*/ 41804 w 6326724"/>
+                <a:gd name="connsiteY66" fmla="*/ 4091577 h 6561326"/>
+                <a:gd name="connsiteX67" fmla="*/ 33287 w 6326724"/>
+                <a:gd name="connsiteY67" fmla="*/ 4047781 h 6561326"/>
+                <a:gd name="connsiteX68" fmla="*/ 26209 w 6326724"/>
+                <a:gd name="connsiteY68" fmla="*/ 4003858 h 6561326"/>
+                <a:gd name="connsiteX69" fmla="*/ 0 w 6326724"/>
+                <a:gd name="connsiteY69" fmla="*/ 3651953 h 6561326"/>
+                <a:gd name="connsiteX70" fmla="*/ 72731 w 6326724"/>
+                <a:gd name="connsiteY70" fmla="*/ 2966307 h 6561326"/>
+                <a:gd name="connsiteX71" fmla="*/ 291316 w 6326724"/>
+                <a:gd name="connsiteY71" fmla="*/ 2309385 h 6561326"/>
+                <a:gd name="connsiteX72" fmla="*/ 1110878 w 6326724"/>
+                <a:gd name="connsiteY72" fmla="*/ 1193776 h 6561326"/>
+                <a:gd name="connsiteX73" fmla="*/ 1654327 w 6326724"/>
+                <a:gd name="connsiteY73" fmla="*/ 756730 h 6561326"/>
+                <a:gd name="connsiteX74" fmla="*/ 2261727 w 6326724"/>
+                <a:gd name="connsiteY74" fmla="*/ 409720 h 6561326"/>
+                <a:gd name="connsiteX75" fmla="*/ 3610060 w 6326724"/>
+                <a:gd name="connsiteY75" fmla="*/ 27032 h 6561326"/>
+                <a:gd name="connsiteX76" fmla="*/ 4139342 w 6326724"/>
+                <a:gd name="connsiteY76" fmla="*/ 440 h 6561326"/>
+              </a:gdLst>
+              <a:ahLst/>
+              <a:cxnLst>
+                <a:cxn ang="0">
+                  <a:pos x="connsiteX0" y="connsiteY0"/>
+                </a:cxn>
+                <a:cxn ang="0">
+                  <a:pos x="connsiteX1" y="connsiteY1"/>
+                </a:cxn>
+                <a:cxn ang="0">
+                  <a:pos x="connsiteX2" y="connsiteY2"/>
+                </a:cxn>
+                <a:cxn ang="0">
+                  <a:pos x="connsiteX3" y="connsiteY3"/>
+                </a:cxn>
+                <a:cxn ang="0">
+                  <a:pos x="connsiteX4" y="connsiteY4"/>
+                </a:cxn>
+                <a:cxn ang="0">
+                  <a:pos x="connsiteX5" y="connsiteY5"/>
+                </a:cxn>
+                <a:cxn ang="0">
+                  <a:pos x="connsiteX6" y="connsiteY6"/>
+                </a:cxn>
+                <a:cxn ang="0">
+                  <a:pos x="connsiteX7" y="connsiteY7"/>
+                </a:cxn>
+                <a:cxn ang="0">
+                  <a:pos x="connsiteX8" y="connsiteY8"/>
+                </a:cxn>
+                <a:cxn ang="0">
+                  <a:pos x="connsiteX9" y="connsiteY9"/>
+                </a:cxn>
+                <a:cxn ang="0">
+                  <a:pos x="connsiteX10" y="connsiteY10"/>
+                </a:cxn>
+                <a:cxn ang="0">
+                  <a:pos x="connsiteX11" y="connsiteY11"/>
+                </a:cxn>
+                <a:cxn ang="0">
+                  <a:pos x="connsiteX12" y="connsiteY12"/>
+                </a:cxn>
+                <a:cxn ang="0">
+                  <a:pos x="connsiteX13" y="connsiteY13"/>
+                </a:cxn>
+                <a:cxn ang="0">
+                  <a:pos x="connsiteX14" y="connsiteY14"/>
+                </a:cxn>
+                <a:cxn ang="0">
+                  <a:pos x="connsiteX15" y="connsiteY15"/>
+                </a:cxn>
+                <a:cxn ang="0">
+                  <a:pos x="connsiteX16" y="connsiteY16"/>
+                </a:cxn>
+                <a:cxn ang="0">
+                  <a:pos x="connsiteX17" y="connsiteY17"/>
+                </a:cxn>
+                <a:cxn ang="0">
+                  <a:pos x="connsiteX18" y="connsiteY18"/>
+                </a:cxn>
+                <a:cxn ang="0">
+                  <a:pos x="connsiteX19" y="connsiteY19"/>
+                </a:cxn>
+                <a:cxn ang="0">
+                  <a:pos x="connsiteX20" y="connsiteY20"/>
+                </a:cxn>
+                <a:cxn ang="0">
+                  <a:pos x="connsiteX21" y="connsiteY21"/>
+                </a:cxn>
+                <a:cxn ang="0">
+                  <a:pos x="connsiteX22" y="connsiteY22"/>
+                </a:cxn>
+                <a:cxn ang="0">
+                  <a:pos x="connsiteX23" y="connsiteY23"/>
+                </a:cxn>
+                <a:cxn ang="0">
+                  <a:pos x="connsiteX24" y="connsiteY24"/>
+                </a:cxn>
+                <a:cxn ang="0">
+                  <a:pos x="connsiteX25" y="connsiteY25"/>
+                </a:cxn>
+                <a:cxn ang="0">
+                  <a:pos x="connsiteX26" y="connsiteY26"/>
+                </a:cxn>
+                <a:cxn ang="0">
+                  <a:pos x="connsiteX27" y="connsiteY27"/>
+                </a:cxn>
+                <a:cxn ang="0">
+                  <a:pos x="connsiteX28" y="connsiteY28"/>
+                </a:cxn>
+                <a:cxn ang="0">
+                  <a:pos x="connsiteX29" y="connsiteY29"/>
+                </a:cxn>
+                <a:cxn ang="0">
+                  <a:pos x="connsiteX30" y="connsiteY30"/>
+                </a:cxn>
+                <a:cxn ang="0">
+                  <a:pos x="connsiteX31" y="connsiteY31"/>
+                </a:cxn>
+                <a:cxn ang="0">
+                  <a:pos x="connsiteX32" y="connsiteY32"/>
+                </a:cxn>
+                <a:cxn ang="0">
+                  <a:pos x="connsiteX33" y="connsiteY33"/>
+                </a:cxn>
+                <a:cxn ang="0">
+                  <a:pos x="connsiteX34" y="connsiteY34"/>
+                </a:cxn>
+                <a:cxn ang="0">
+                  <a:pos x="connsiteX35" y="connsiteY35"/>
+                </a:cxn>
+                <a:cxn ang="0">
+                  <a:pos x="connsiteX36" y="connsiteY36"/>
+                </a:cxn>
+                <a:cxn ang="0">
+                  <a:pos x="connsiteX37" y="connsiteY37"/>
+                </a:cxn>
+                <a:cxn ang="0">
+                  <a:pos x="connsiteX38" y="connsiteY38"/>
+                </a:cxn>
+                <a:cxn ang="0">
+                  <a:pos x="connsiteX39" y="connsiteY39"/>
+                </a:cxn>
+                <a:cxn ang="0">
+                  <a:pos x="connsiteX40" y="connsiteY40"/>
+                </a:cxn>
+                <a:cxn ang="0">
+                  <a:pos x="connsiteX41" y="connsiteY41"/>
+                </a:cxn>
+                <a:cxn ang="0">
+                  <a:pos x="connsiteX42" y="connsiteY42"/>
+                </a:cxn>
+                <a:cxn ang="0">
+                  <a:pos x="connsiteX43" y="connsiteY43"/>
+                </a:cxn>
+                <a:cxn ang="0">
+                  <a:pos x="connsiteX44" y="connsiteY44"/>
+                </a:cxn>
+                <a:cxn ang="0">
+                  <a:pos x="connsiteX45" y="connsiteY45"/>
+                </a:cxn>
+                <a:cxn ang="0">
+                  <a:pos x="connsiteX46" y="connsiteY46"/>
+                </a:cxn>
+                <a:cxn ang="0">
+                  <a:pos x="connsiteX47" y="connsiteY47"/>
+                </a:cxn>
+                <a:cxn ang="0">
+                  <a:pos x="connsiteX48" y="connsiteY48"/>
+                </a:cxn>
+                <a:cxn ang="0">
+                  <a:pos x="connsiteX49" y="connsiteY49"/>
+                </a:cxn>
+                <a:cxn ang="0">
+                  <a:pos x="connsiteX50" y="connsiteY50"/>
+                </a:cxn>
+                <a:cxn ang="0">
+                  <a:pos x="connsiteX51" y="connsiteY51"/>
+                </a:cxn>
+                <a:cxn ang="0">
+                  <a:pos x="connsiteX52" y="connsiteY52"/>
+                </a:cxn>
+                <a:cxn ang="0">
+                  <a:pos x="connsiteX53" y="connsiteY53"/>
+                </a:cxn>
+                <a:cxn ang="0">
+                  <a:pos x="connsiteX54" y="connsiteY54"/>
+                </a:cxn>
+                <a:cxn ang="0">
+                  <a:pos x="connsiteX55" y="connsiteY55"/>
+                </a:cxn>
+                <a:cxn ang="0">
+                  <a:pos x="connsiteX56" y="connsiteY56"/>
+                </a:cxn>
+                <a:cxn ang="0">
+                  <a:pos x="connsiteX57" y="connsiteY57"/>
+                </a:cxn>
+                <a:cxn ang="0">
+                  <a:pos x="connsiteX58" y="connsiteY58"/>
+                </a:cxn>
+                <a:cxn ang="0">
+                  <a:pos x="connsiteX59" y="connsiteY59"/>
+                </a:cxn>
+                <a:cxn ang="0">
+                  <a:pos x="connsiteX60" y="connsiteY60"/>
+                </a:cxn>
+                <a:cxn ang="0">
+                  <a:pos x="connsiteX61" y="connsiteY61"/>
+                </a:cxn>
+                <a:cxn ang="0">
+                  <a:pos x="connsiteX62" y="connsiteY62"/>
+                </a:cxn>
+                <a:cxn ang="0">
+                  <a:pos x="connsiteX63" y="connsiteY63"/>
+                </a:cxn>
+                <a:cxn ang="0">
+                  <a:pos x="connsiteX64" y="connsiteY64"/>
+                </a:cxn>
+                <a:cxn ang="0">
+                  <a:pos x="connsiteX65" y="connsiteY65"/>
+                </a:cxn>
+                <a:cxn ang="0">
+                  <a:pos x="connsiteX66" y="connsiteY66"/>
+                </a:cxn>
+                <a:cxn ang="0">
+                  <a:pos x="connsiteX67" y="connsiteY67"/>
+                </a:cxn>
+                <a:cxn ang="0">
+                  <a:pos x="connsiteX68" y="connsiteY68"/>
+                </a:cxn>
+                <a:cxn ang="0">
+                  <a:pos x="connsiteX69" y="connsiteY69"/>
+                </a:cxn>
+                <a:cxn ang="0">
+                  <a:pos x="connsiteX70" y="connsiteY70"/>
+                </a:cxn>
+                <a:cxn ang="0">
+                  <a:pos x="connsiteX71" y="connsiteY71"/>
+                </a:cxn>
+                <a:cxn ang="0">
+                  <a:pos x="connsiteX72" y="connsiteY72"/>
+                </a:cxn>
+                <a:cxn ang="0">
+                  <a:pos x="connsiteX73" y="connsiteY73"/>
+                </a:cxn>
+                <a:cxn ang="0">
+                  <a:pos x="connsiteX74" y="connsiteY74"/>
+                </a:cxn>
+                <a:cxn ang="0">
+                  <a:pos x="connsiteX75" y="connsiteY75"/>
+                </a:cxn>
+                <a:cxn ang="0">
+                  <a:pos x="connsiteX76" y="connsiteY76"/>
+                </a:cxn>
+              </a:cxnLst>
+              <a:rect l="l" t="t" r="r" b="b"/>
+              <a:pathLst>
+                <a:path w="6326724" h="6561326">
+                  <a:moveTo>
+                    <a:pt x="6326724" y="5020808"/>
+                  </a:moveTo>
+                  <a:lnTo>
+                    <a:pt x="6326724" y="5698632"/>
+                  </a:lnTo>
+                  <a:lnTo>
+                    <a:pt x="6067438" y="5902509"/>
+                  </a:lnTo>
+                  <a:cubicBezTo>
+                    <a:pt x="5977868" y="5970407"/>
+                    <a:pt x="5888364" y="6036453"/>
+                    <a:pt x="5799974" y="6102017"/>
+                  </a:cubicBezTo>
+                  <a:lnTo>
+                    <a:pt x="5665258" y="6202100"/>
+                  </a:lnTo>
+                  <a:cubicBezTo>
+                    <a:pt x="5619654" y="6235719"/>
+                    <a:pt x="5573656" y="6269596"/>
+                    <a:pt x="5526873" y="6302828"/>
+                  </a:cubicBezTo>
+                  <a:cubicBezTo>
+                    <a:pt x="5480220" y="6336189"/>
+                    <a:pt x="5433044" y="6369423"/>
+                    <a:pt x="5385080" y="6402268"/>
+                  </a:cubicBezTo>
+                  <a:cubicBezTo>
+                    <a:pt x="5336988" y="6434857"/>
+                    <a:pt x="5288500" y="6467187"/>
+                    <a:pt x="5238833" y="6498875"/>
+                  </a:cubicBezTo>
+                  <a:lnTo>
+                    <a:pt x="5138040" y="6561326"/>
+                  </a:lnTo>
+                  <a:lnTo>
+                    <a:pt x="3946072" y="6561326"/>
+                  </a:lnTo>
+                  <a:lnTo>
+                    <a:pt x="3976009" y="6555242"/>
+                  </a:lnTo>
+                  <a:cubicBezTo>
+                    <a:pt x="4123712" y="6519227"/>
+                    <a:pt x="4266863" y="6466383"/>
+                    <a:pt x="4404855" y="6399048"/>
+                  </a:cubicBezTo>
+                  <a:cubicBezTo>
+                    <a:pt x="4589500" y="6310299"/>
+                    <a:pt x="4765232" y="6196690"/>
+                    <a:pt x="4938868" y="6072132"/>
+                  </a:cubicBezTo>
+                  <a:cubicBezTo>
+                    <a:pt x="4982245" y="6041089"/>
+                    <a:pt x="5025359" y="6008630"/>
+                    <a:pt x="5068342" y="5976042"/>
+                  </a:cubicBezTo>
+                  <a:cubicBezTo>
+                    <a:pt x="5111588" y="5943453"/>
+                    <a:pt x="5154702" y="5910349"/>
+                    <a:pt x="5197816" y="5876730"/>
+                  </a:cubicBezTo>
+                  <a:lnTo>
+                    <a:pt x="5460039" y="5670637"/>
+                  </a:lnTo>
+                  <a:cubicBezTo>
+                    <a:pt x="5639966" y="5530365"/>
+                    <a:pt x="5821596" y="5399753"/>
+                    <a:pt x="5999033" y="5271718"/>
+                  </a:cubicBezTo>
+                  <a:cubicBezTo>
+                    <a:pt x="6087686" y="5207700"/>
+                    <a:pt x="6174667" y="5143360"/>
+                    <a:pt x="6258766" y="5077603"/>
+                  </a:cubicBezTo>
+                  <a:close/>
+                  <a:moveTo>
+                    <a:pt x="4139342" y="440"/>
+                  </a:moveTo>
+                  <a:cubicBezTo>
+                    <a:pt x="4198237" y="1301"/>
+                    <a:pt x="4257068" y="3427"/>
+                    <a:pt x="4315744" y="6808"/>
+                  </a:cubicBezTo>
+                  <a:cubicBezTo>
+                    <a:pt x="4550841" y="20849"/>
+                    <a:pt x="4785806" y="55240"/>
+                    <a:pt x="5015400" y="113591"/>
+                  </a:cubicBezTo>
+                  <a:cubicBezTo>
+                    <a:pt x="5244992" y="171812"/>
+                    <a:pt x="5469212" y="254249"/>
+                    <a:pt x="5681114" y="361418"/>
+                  </a:cubicBezTo>
+                  <a:cubicBezTo>
+                    <a:pt x="5892754" y="468586"/>
+                    <a:pt x="6093124" y="599584"/>
+                    <a:pt x="6270952" y="755441"/>
+                  </a:cubicBezTo>
+                  <a:lnTo>
+                    <a:pt x="6326724" y="807432"/>
+                  </a:lnTo>
+                  <a:lnTo>
+                    <a:pt x="6326724" y="1231565"/>
+                  </a:lnTo>
+                  <a:lnTo>
+                    <a:pt x="6302093" y="1203002"/>
+                  </a:lnTo>
+                  <a:cubicBezTo>
+                    <a:pt x="6227937" y="1127247"/>
+                    <a:pt x="6149211" y="1056081"/>
+                    <a:pt x="6066914" y="989616"/>
+                  </a:cubicBezTo>
+                  <a:cubicBezTo>
+                    <a:pt x="5902714" y="856299"/>
+                    <a:pt x="5724360" y="740371"/>
+                    <a:pt x="5533688" y="647242"/>
+                  </a:cubicBezTo>
+                  <a:cubicBezTo>
+                    <a:pt x="5343146" y="553857"/>
+                    <a:pt x="5141466" y="482239"/>
+                    <a:pt x="4933626" y="432262"/>
+                  </a:cubicBezTo>
+                  <a:cubicBezTo>
+                    <a:pt x="4725788" y="382156"/>
+                    <a:pt x="4512182" y="353303"/>
+                    <a:pt x="4296873" y="343126"/>
+                  </a:cubicBezTo>
+                  <a:cubicBezTo>
+                    <a:pt x="4081172" y="332435"/>
+                    <a:pt x="3865732" y="339520"/>
+                    <a:pt x="3651602" y="365797"/>
+                  </a:cubicBezTo>
+                  <a:cubicBezTo>
+                    <a:pt x="3437604" y="392202"/>
+                    <a:pt x="3225572" y="436384"/>
+                    <a:pt x="3018256" y="496666"/>
+                  </a:cubicBezTo>
+                  <a:cubicBezTo>
+                    <a:pt x="2810809" y="556691"/>
+                    <a:pt x="2608474" y="634362"/>
+                    <a:pt x="2412429" y="724399"/>
+                  </a:cubicBezTo>
+                  <a:cubicBezTo>
+                    <a:pt x="2019160" y="902541"/>
+                    <a:pt x="1651969" y="1138775"/>
+                    <a:pt x="1329857" y="1424086"/>
+                  </a:cubicBezTo>
+                  <a:cubicBezTo>
+                    <a:pt x="1169326" y="1567192"/>
+                    <a:pt x="1020588" y="1723307"/>
+                    <a:pt x="887314" y="1891015"/>
+                  </a:cubicBezTo>
+                  <a:cubicBezTo>
+                    <a:pt x="753778" y="2058466"/>
+                    <a:pt x="635967" y="2238026"/>
+                    <a:pt x="537420" y="2427245"/>
+                  </a:cubicBezTo>
+                  <a:cubicBezTo>
+                    <a:pt x="438874" y="2616335"/>
+                    <a:pt x="356839" y="2814313"/>
+                    <a:pt x="299965" y="3020021"/>
+                  </a:cubicBezTo>
+                  <a:cubicBezTo>
+                    <a:pt x="242961" y="3225212"/>
+                    <a:pt x="213474" y="3438518"/>
+                    <a:pt x="213606" y="3651953"/>
+                  </a:cubicBezTo>
+                  <a:cubicBezTo>
+                    <a:pt x="214785" y="3756804"/>
+                    <a:pt x="225269" y="3860881"/>
+                    <a:pt x="250036" y="3961352"/>
+                  </a:cubicBezTo>
+                  <a:cubicBezTo>
+                    <a:pt x="274412" y="4061950"/>
+                    <a:pt x="312284" y="4158171"/>
+                    <a:pt x="357625" y="4250783"/>
+                  </a:cubicBezTo>
+                  <a:cubicBezTo>
+                    <a:pt x="380558" y="4297025"/>
+                    <a:pt x="405982" y="4342366"/>
+                    <a:pt x="432715" y="4387063"/>
+                  </a:cubicBezTo>
+                  <a:cubicBezTo>
+                    <a:pt x="459841" y="4431630"/>
+                    <a:pt x="488803" y="4475554"/>
+                    <a:pt x="518943" y="4518962"/>
+                  </a:cubicBezTo>
+                  <a:cubicBezTo>
+                    <a:pt x="580011" y="4605521"/>
+                    <a:pt x="647893" y="4689504"/>
+                    <a:pt x="718133" y="4773874"/>
+                  </a:cubicBezTo>
+                  <a:cubicBezTo>
+                    <a:pt x="788374" y="4858372"/>
+                    <a:pt x="861760" y="4942871"/>
+                    <a:pt x="933704" y="5030717"/>
+                  </a:cubicBezTo>
+                  <a:cubicBezTo>
+                    <a:pt x="969742" y="5074512"/>
+                    <a:pt x="1005387" y="5119337"/>
+                    <a:pt x="1040900" y="5164806"/>
+                  </a:cubicBezTo>
+                  <a:lnTo>
+                    <a:pt x="1092401" y="5230628"/>
+                  </a:lnTo>
+                  <a:cubicBezTo>
+                    <a:pt x="1109306" y="5251624"/>
+                    <a:pt x="1125425" y="5273135"/>
+                    <a:pt x="1142854" y="5293615"/>
+                  </a:cubicBezTo>
+                  <a:cubicBezTo>
+                    <a:pt x="1278880" y="5460293"/>
+                    <a:pt x="1426438" y="5613704"/>
+                    <a:pt x="1576354" y="5759128"/>
+                  </a:cubicBezTo>
+                  <a:cubicBezTo>
+                    <a:pt x="1651706" y="5831519"/>
+                    <a:pt x="1728368" y="5901461"/>
+                    <a:pt x="1806865" y="5968571"/>
+                  </a:cubicBezTo>
+                  <a:cubicBezTo>
+                    <a:pt x="1885362" y="6035680"/>
+                    <a:pt x="1965299" y="6100599"/>
+                    <a:pt x="2048253" y="6161654"/>
+                  </a:cubicBezTo>
+                  <a:cubicBezTo>
+                    <a:pt x="2213502" y="6284022"/>
+                    <a:pt x="2391724" y="6393380"/>
+                    <a:pt x="2587506" y="6467059"/>
+                  </a:cubicBezTo>
+                  <a:cubicBezTo>
+                    <a:pt x="2685137" y="6503898"/>
+                    <a:pt x="2786304" y="6532106"/>
+                    <a:pt x="2889176" y="6553360"/>
+                  </a:cubicBezTo>
+                  <a:lnTo>
+                    <a:pt x="2929698" y="6561326"/>
+                  </a:lnTo>
+                  <a:lnTo>
+                    <a:pt x="1816374" y="6561326"/>
+                  </a:lnTo>
+                  <a:lnTo>
+                    <a:pt x="1787601" y="6545761"/>
+                  </a:lnTo>
+                  <a:cubicBezTo>
+                    <a:pt x="1577272" y="6422749"/>
+                    <a:pt x="1389483" y="6266761"/>
+                    <a:pt x="1225544" y="6094158"/>
+                  </a:cubicBezTo>
+                  <a:cubicBezTo>
+                    <a:pt x="1143116" y="6007986"/>
+                    <a:pt x="1068158" y="5916274"/>
+                    <a:pt x="997654" y="5822374"/>
+                  </a:cubicBezTo>
+                  <a:cubicBezTo>
+                    <a:pt x="927546" y="5728086"/>
+                    <a:pt x="860842" y="5632381"/>
+                    <a:pt x="798596" y="5534615"/>
+                  </a:cubicBezTo>
+                  <a:cubicBezTo>
+                    <a:pt x="782608" y="5510399"/>
+                    <a:pt x="767537" y="5485797"/>
+                    <a:pt x="752075" y="5461324"/>
+                  </a:cubicBezTo>
+                  <a:lnTo>
+                    <a:pt x="707650" y="5390221"/>
+                  </a:lnTo>
+                  <a:cubicBezTo>
+                    <a:pt x="679213" y="5344237"/>
+                    <a:pt x="649728" y="5298638"/>
+                    <a:pt x="619980" y="5252396"/>
+                  </a:cubicBezTo>
+                  <a:lnTo>
+                    <a:pt x="438349" y="4970822"/>
+                  </a:lnTo>
+                  <a:cubicBezTo>
+                    <a:pt x="377413" y="4874860"/>
+                    <a:pt x="317263" y="4776064"/>
+                    <a:pt x="261044" y="4673145"/>
+                  </a:cubicBezTo>
+                  <a:cubicBezTo>
+                    <a:pt x="233000" y="4621622"/>
+                    <a:pt x="205874" y="4569197"/>
+                    <a:pt x="181107" y="4515356"/>
+                  </a:cubicBezTo>
+                  <a:cubicBezTo>
+                    <a:pt x="156470" y="4461385"/>
+                    <a:pt x="133537" y="4406385"/>
+                    <a:pt x="113224" y="4350223"/>
+                  </a:cubicBezTo>
+                  <a:cubicBezTo>
+                    <a:pt x="93305" y="4293934"/>
+                    <a:pt x="75614" y="4236872"/>
+                    <a:pt x="61199" y="4178908"/>
+                  </a:cubicBezTo>
+                  <a:cubicBezTo>
+                    <a:pt x="54385" y="4149927"/>
+                    <a:pt x="47440" y="4120815"/>
+                    <a:pt x="41804" y="4091577"/>
+                  </a:cubicBezTo>
+                  <a:lnTo>
+                    <a:pt x="33287" y="4047781"/>
+                  </a:lnTo>
+                  <a:lnTo>
+                    <a:pt x="26209" y="4003858"/>
+                  </a:lnTo>
+                  <a:cubicBezTo>
+                    <a:pt x="7732" y="3886643"/>
+                    <a:pt x="0" y="3768783"/>
+                    <a:pt x="0" y="3651953"/>
+                  </a:cubicBezTo>
+                  <a:cubicBezTo>
+                    <a:pt x="524" y="3422031"/>
+                    <a:pt x="25030" y="3192109"/>
+                    <a:pt x="72731" y="2966307"/>
+                  </a:cubicBezTo>
+                  <a:cubicBezTo>
+                    <a:pt x="120301" y="2740634"/>
+                    <a:pt x="193163" y="2519343"/>
+                    <a:pt x="291316" y="2309385"/>
+                  </a:cubicBezTo>
+                  <a:cubicBezTo>
+                    <a:pt x="488540" y="1889469"/>
+                    <a:pt x="774352" y="1513736"/>
+                    <a:pt x="1110878" y="1193776"/>
+                  </a:cubicBezTo>
+                  <a:cubicBezTo>
+                    <a:pt x="1279535" y="1033797"/>
+                    <a:pt x="1461821" y="887856"/>
+                    <a:pt x="1654327" y="756730"/>
+                  </a:cubicBezTo>
+                  <a:cubicBezTo>
+                    <a:pt x="1847096" y="625732"/>
+                    <a:pt x="2049956" y="509031"/>
+                    <a:pt x="2261727" y="409720"/>
+                  </a:cubicBezTo>
+                  <a:cubicBezTo>
+                    <a:pt x="2685792" y="212515"/>
+                    <a:pt x="3142357" y="82162"/>
+                    <a:pt x="3610060" y="27032"/>
+                  </a:cubicBezTo>
+                  <a:cubicBezTo>
+                    <a:pt x="3785399" y="6647"/>
+                    <a:pt x="3962657" y="-2144"/>
+                    <a:pt x="4139342" y="440"/>
+                  </a:cubicBezTo>
+                  <a:close/>
+                </a:path>
+              </a:pathLst>
+            </a:custGeom>
+            <a:gradFill>
+              <a:gsLst>
+                <a:gs pos="2000">
+                  <a:schemeClr val="bg1">
+                    <a:alpha val="10000"/>
+                  </a:schemeClr>
+                </a:gs>
+                <a:gs pos="16000">
+                  <a:schemeClr val="accent6">
+                    <a:alpha val="10000"/>
+                  </a:schemeClr>
+                </a:gs>
+                <a:gs pos="100000">
+                  <a:schemeClr val="bg1">
+                    <a:alpha val="10000"/>
+                  </a:schemeClr>
+                </a:gs>
+                <a:gs pos="85000">
+                  <a:schemeClr val="accent1">
+                    <a:alpha val="10000"/>
+                  </a:schemeClr>
+                </a:gs>
+              </a:gsLst>
+              <a:lin ang="12000000" scaled="0"/>
+            </a:gradFill>
+            <a:ln>
+              <a:noFill/>
+            </a:ln>
+          </p:spPr>
+          <p:style>
+            <a:lnRef idx="2">
+              <a:schemeClr val="accent1">
+                <a:shade val="50000"/>
+              </a:schemeClr>
+            </a:lnRef>
+            <a:fillRef idx="1">
+              <a:schemeClr val="accent1"/>
+            </a:fillRef>
+            <a:effectRef idx="0">
+              <a:schemeClr val="accent1"/>
+            </a:effectRef>
+            <a:fontRef idx="minor">
+              <a:schemeClr val="lt1"/>
+            </a:fontRef>
+          </p:style>
+          <p:txBody>
+            <a:bodyPr rtlCol="0" anchor="ctr"/>
+            <a:lstStyle/>
+            <a:p>
+              <a:pPr algn="ctr"/>
+              <a:endParaRPr lang="en-US"/>
+            </a:p>
+          </p:txBody>
+        </p:sp>
+        <p:sp>
+          <p:nvSpPr>
+            <p:cNvPr id="39" name="Freeform: Shape 38">
+              <a:extLst>
+                <a:ext uri="{FF2B5EF4-FFF2-40B4-BE49-F238E27FC236}">
+                  <a16:creationId xmlns:a16="http://schemas.microsoft.com/office/drawing/2014/main" id="{BC4A6C98-F96E-4587-B01F-A9B01BBFAD01}"/>
+                </a:ext>
+                <a:ext uri="{C183D7F6-B498-43B3-948B-1728B52AA6E4}">
+                  <adec:decorative xmlns:adec="http://schemas.microsoft.com/office/drawing/2017/decorative" val="1"/>
+                </a:ext>
+              </a:extLst>
+            </p:cNvPr>
+            <p:cNvSpPr/>
+            <p:nvPr>
+              <p:extLst>
+                <p:ext uri="{386F3935-93C4-4BCD-93E2-E3B085C9AB24}">
+                  <p16:designElem xmlns:p16="http://schemas.microsoft.com/office/powerpoint/2015/main" val="1"/>
+                </p:ext>
+              </p:extLst>
+            </p:nvPr>
+          </p:nvSpPr>
+          <p:spPr>
+            <a:xfrm>
+              <a:off x="5870322" y="353119"/>
+              <a:ext cx="6321679" cy="6521594"/>
+            </a:xfrm>
+            <a:custGeom>
+              <a:avLst/>
+              <a:gdLst>
+                <a:gd name="connsiteX0" fmla="*/ 4150102 w 6321679"/>
+                <a:gd name="connsiteY0" fmla="*/ 0 h 6521594"/>
+                <a:gd name="connsiteX1" fmla="*/ 6083891 w 6321679"/>
+                <a:gd name="connsiteY1" fmla="*/ 619943 h 6521594"/>
+                <a:gd name="connsiteX2" fmla="*/ 6321679 w 6321679"/>
+                <a:gd name="connsiteY2" fmla="*/ 822247 h 6521594"/>
+                <a:gd name="connsiteX3" fmla="*/ 6321679 w 6321679"/>
+                <a:gd name="connsiteY3" fmla="*/ 1866928 h 6521594"/>
+                <a:gd name="connsiteX4" fmla="*/ 6212358 w 6321679"/>
+                <a:gd name="connsiteY4" fmla="*/ 1689281 h 6521594"/>
+                <a:gd name="connsiteX5" fmla="*/ 6049880 w 6321679"/>
+                <a:gd name="connsiteY5" fmla="*/ 1477173 h 6521594"/>
+                <a:gd name="connsiteX6" fmla="*/ 5248663 w 6321679"/>
+                <a:gd name="connsiteY6" fmla="*/ 869327 h 6521594"/>
+                <a:gd name="connsiteX7" fmla="*/ 4150102 w 6321679"/>
+                <a:gd name="connsiteY7" fmla="*/ 644042 h 6521594"/>
+                <a:gd name="connsiteX8" fmla="*/ 2867946 w 6321679"/>
+                <a:gd name="connsiteY8" fmla="*/ 886459 h 6521594"/>
+                <a:gd name="connsiteX9" fmla="*/ 1728892 w 6321679"/>
+                <a:gd name="connsiteY9" fmla="*/ 1552397 h 6521594"/>
+                <a:gd name="connsiteX10" fmla="*/ 941043 w 6321679"/>
+                <a:gd name="connsiteY10" fmla="*/ 2512664 h 6521594"/>
+                <a:gd name="connsiteX11" fmla="*/ 655362 w 6321679"/>
+                <a:gd name="connsiteY11" fmla="*/ 3630204 h 6521594"/>
+                <a:gd name="connsiteX12" fmla="*/ 1128177 w 6321679"/>
+                <a:gd name="connsiteY12" fmla="*/ 4667883 h 6521594"/>
+                <a:gd name="connsiteX13" fmla="*/ 1366419 w 6321679"/>
+                <a:gd name="connsiteY13" fmla="*/ 4997246 h 6521594"/>
+                <a:gd name="connsiteX14" fmla="*/ 3601937 w 6321679"/>
+                <a:gd name="connsiteY14" fmla="*/ 6284685 h 6521594"/>
+                <a:gd name="connsiteX15" fmla="*/ 5298985 w 6321679"/>
+                <a:gd name="connsiteY15" fmla="*/ 5492643 h 6521594"/>
+                <a:gd name="connsiteX16" fmla="*/ 5505513 w 6321679"/>
+                <a:gd name="connsiteY16" fmla="*/ 5335367 h 6521594"/>
+                <a:gd name="connsiteX17" fmla="*/ 6252618 w 6321679"/>
+                <a:gd name="connsiteY17" fmla="*/ 4722492 h 6521594"/>
+                <a:gd name="connsiteX18" fmla="*/ 6321679 w 6321679"/>
+                <a:gd name="connsiteY18" fmla="*/ 4651477 h 6521594"/>
+                <a:gd name="connsiteX19" fmla="*/ 6321679 w 6321679"/>
+                <a:gd name="connsiteY19" fmla="*/ 5523097 h 6521594"/>
+                <a:gd name="connsiteX20" fmla="*/ 6024428 w 6321679"/>
+                <a:gd name="connsiteY20" fmla="*/ 5754969 h 6521594"/>
+                <a:gd name="connsiteX21" fmla="*/ 5702345 w 6321679"/>
+                <a:gd name="connsiteY21" fmla="*/ 6000018 h 6521594"/>
+                <a:gd name="connsiteX22" fmla="*/ 4988380 w 6321679"/>
+                <a:gd name="connsiteY22" fmla="*/ 6506549 h 6521594"/>
+                <a:gd name="connsiteX23" fmla="*/ 4961490 w 6321679"/>
+                <a:gd name="connsiteY23" fmla="*/ 6521594 h 6521594"/>
+                <a:gd name="connsiteX24" fmla="*/ 2011326 w 6321679"/>
+                <a:gd name="connsiteY24" fmla="*/ 6521594 h 6521594"/>
+                <a:gd name="connsiteX25" fmla="*/ 1982893 w 6321679"/>
+                <a:gd name="connsiteY25" fmla="*/ 6505768 h 6521594"/>
+                <a:gd name="connsiteX26" fmla="*/ 824149 w 6321679"/>
+                <a:gd name="connsiteY26" fmla="*/ 5358682 h 6521594"/>
+                <a:gd name="connsiteX27" fmla="*/ 0 w 6321679"/>
+                <a:gd name="connsiteY27" fmla="*/ 3630075 h 6521594"/>
+                <a:gd name="connsiteX28" fmla="*/ 4150102 w 6321679"/>
+                <a:gd name="connsiteY28" fmla="*/ 0 h 6521594"/>
+              </a:gdLst>
+              <a:ahLst/>
+              <a:cxnLst>
+                <a:cxn ang="0">
+                  <a:pos x="connsiteX0" y="connsiteY0"/>
+                </a:cxn>
+                <a:cxn ang="0">
+                  <a:pos x="connsiteX1" y="connsiteY1"/>
+                </a:cxn>
+                <a:cxn ang="0">
+                  <a:pos x="connsiteX2" y="connsiteY2"/>
+                </a:cxn>
+                <a:cxn ang="0">
+                  <a:pos x="connsiteX3" y="connsiteY3"/>
+                </a:cxn>
+                <a:cxn ang="0">
+                  <a:pos x="connsiteX4" y="connsiteY4"/>
+                </a:cxn>
+                <a:cxn ang="0">
+                  <a:pos x="connsiteX5" y="connsiteY5"/>
+                </a:cxn>
+                <a:cxn ang="0">
+                  <a:pos x="connsiteX6" y="connsiteY6"/>
+                </a:cxn>
+                <a:cxn ang="0">
+                  <a:pos x="connsiteX7" y="connsiteY7"/>
+                </a:cxn>
+                <a:cxn ang="0">
+                  <a:pos x="connsiteX8" y="connsiteY8"/>
+                </a:cxn>
+                <a:cxn ang="0">
+                  <a:pos x="connsiteX9" y="connsiteY9"/>
+                </a:cxn>
+                <a:cxn ang="0">
+                  <a:pos x="connsiteX10" y="connsiteY10"/>
+                </a:cxn>
+                <a:cxn ang="0">
+                  <a:pos x="connsiteX11" y="connsiteY11"/>
+                </a:cxn>
+                <a:cxn ang="0">
+                  <a:pos x="connsiteX12" y="connsiteY12"/>
+                </a:cxn>
+                <a:cxn ang="0">
+                  <a:pos x="connsiteX13" y="connsiteY13"/>
+                </a:cxn>
+                <a:cxn ang="0">
+                  <a:pos x="connsiteX14" y="connsiteY14"/>
+                </a:cxn>
+                <a:cxn ang="0">
+                  <a:pos x="connsiteX15" y="connsiteY15"/>
+                </a:cxn>
+                <a:cxn ang="0">
+                  <a:pos x="connsiteX16" y="connsiteY16"/>
+                </a:cxn>
+                <a:cxn ang="0">
+                  <a:pos x="connsiteX17" y="connsiteY17"/>
+                </a:cxn>
+                <a:cxn ang="0">
+                  <a:pos x="connsiteX18" y="connsiteY18"/>
+                </a:cxn>
+                <a:cxn ang="0">
+                  <a:pos x="connsiteX19" y="connsiteY19"/>
+                </a:cxn>
+                <a:cxn ang="0">
+                  <a:pos x="connsiteX20" y="connsiteY20"/>
+                </a:cxn>
+                <a:cxn ang="0">
+                  <a:pos x="connsiteX21" y="connsiteY21"/>
+                </a:cxn>
+                <a:cxn ang="0">
+                  <a:pos x="connsiteX22" y="connsiteY22"/>
+                </a:cxn>
+                <a:cxn ang="0">
+                  <a:pos x="connsiteX23" y="connsiteY23"/>
+                </a:cxn>
+                <a:cxn ang="0">
+                  <a:pos x="connsiteX24" y="connsiteY24"/>
+                </a:cxn>
+                <a:cxn ang="0">
+                  <a:pos x="connsiteX25" y="connsiteY25"/>
+                </a:cxn>
+                <a:cxn ang="0">
+                  <a:pos x="connsiteX26" y="connsiteY26"/>
+                </a:cxn>
+                <a:cxn ang="0">
+                  <a:pos x="connsiteX27" y="connsiteY27"/>
+                </a:cxn>
+                <a:cxn ang="0">
+                  <a:pos x="connsiteX28" y="connsiteY28"/>
+                </a:cxn>
+              </a:cxnLst>
+              <a:rect l="l" t="t" r="r" b="b"/>
+              <a:pathLst>
+                <a:path w="6321679" h="6521594">
+                  <a:moveTo>
+                    <a:pt x="4150102" y="0"/>
+                  </a:moveTo>
+                  <a:cubicBezTo>
+                    <a:pt x="4918148" y="0"/>
+                    <a:pt x="5569597" y="228540"/>
+                    <a:pt x="6083891" y="619943"/>
+                  </a:cubicBezTo>
+                  <a:lnTo>
+                    <a:pt x="6321679" y="822247"/>
+                  </a:lnTo>
+                  <a:lnTo>
+                    <a:pt x="6321679" y="1866928"/>
+                  </a:lnTo>
+                  <a:lnTo>
+                    <a:pt x="6212358" y="1689281"/>
+                  </a:lnTo>
+                  <a:cubicBezTo>
+                    <a:pt x="6161484" y="1615222"/>
+                    <a:pt x="6107295" y="1544427"/>
+                    <a:pt x="6049880" y="1477173"/>
+                  </a:cubicBezTo>
+                  <a:cubicBezTo>
+                    <a:pt x="5825135" y="1214018"/>
+                    <a:pt x="5555573" y="1009470"/>
+                    <a:pt x="5248663" y="869327"/>
+                  </a:cubicBezTo>
+                  <a:cubicBezTo>
+                    <a:pt x="4921178" y="719909"/>
+                    <a:pt x="4551627" y="644042"/>
+                    <a:pt x="4150102" y="644042"/>
+                  </a:cubicBezTo>
+                  <a:cubicBezTo>
+                    <a:pt x="3724203" y="644042"/>
+                    <a:pt x="3292799" y="725448"/>
+                    <a:pt x="2867946" y="886459"/>
+                  </a:cubicBezTo>
+                  <a:cubicBezTo>
+                    <a:pt x="2454234" y="1042832"/>
+                    <a:pt x="2060440" y="1273141"/>
+                    <a:pt x="1728892" y="1552397"/>
+                  </a:cubicBezTo>
+                  <a:cubicBezTo>
+                    <a:pt x="1391580" y="1836419"/>
+                    <a:pt x="1126473" y="2159600"/>
+                    <a:pt x="941043" y="2512664"/>
+                  </a:cubicBezTo>
+                  <a:cubicBezTo>
+                    <a:pt x="751551" y="2873583"/>
+                    <a:pt x="655362" y="3249575"/>
+                    <a:pt x="655362" y="3630204"/>
+                  </a:cubicBezTo>
+                  <a:cubicBezTo>
+                    <a:pt x="655362" y="4013537"/>
+                    <a:pt x="808817" y="4237405"/>
+                    <a:pt x="1128177" y="4667883"/>
+                  </a:cubicBezTo>
+                  <a:cubicBezTo>
+                    <a:pt x="1205232" y="4771702"/>
+                    <a:pt x="1284908" y="4879129"/>
+                    <a:pt x="1366419" y="4997246"/>
+                  </a:cubicBezTo>
+                  <a:cubicBezTo>
+                    <a:pt x="1989282" y="5899677"/>
+                    <a:pt x="2657880" y="6284685"/>
+                    <a:pt x="3601937" y="6284685"/>
+                  </a:cubicBezTo>
+                  <a:cubicBezTo>
+                    <a:pt x="4221523" y="6284685"/>
+                    <a:pt x="4676122" y="5971036"/>
+                    <a:pt x="5298985" y="5492643"/>
+                  </a:cubicBezTo>
+                  <a:cubicBezTo>
+                    <a:pt x="5368571" y="5439187"/>
+                    <a:pt x="5438156" y="5386375"/>
+                    <a:pt x="5505513" y="5335367"/>
+                  </a:cubicBezTo>
+                  <a:cubicBezTo>
+                    <a:pt x="5779335" y="5127761"/>
+                    <a:pt x="6041730" y="4928776"/>
+                    <a:pt x="6252618" y="4722492"/>
+                  </a:cubicBezTo>
+                  <a:lnTo>
+                    <a:pt x="6321679" y="4651477"/>
+                  </a:lnTo>
+                  <a:lnTo>
+                    <a:pt x="6321679" y="5523097"/>
+                  </a:lnTo>
+                  <a:lnTo>
+                    <a:pt x="6024428" y="5754969"/>
+                  </a:lnTo>
+                  <a:cubicBezTo>
+                    <a:pt x="5918395" y="5835747"/>
+                    <a:pt x="5810491" y="5916953"/>
+                    <a:pt x="5702345" y="6000018"/>
+                  </a:cubicBezTo>
+                  <a:cubicBezTo>
+                    <a:pt x="5466020" y="6181541"/>
+                    <a:pt x="5232938" y="6357503"/>
+                    <a:pt x="4988380" y="6506549"/>
+                  </a:cubicBezTo>
+                  <a:lnTo>
+                    <a:pt x="4961490" y="6521594"/>
+                  </a:lnTo>
+                  <a:lnTo>
+                    <a:pt x="2011326" y="6521594"/>
+                  </a:lnTo>
+                  <a:lnTo>
+                    <a:pt x="1982893" y="6505768"/>
+                  </a:lnTo>
+                  <a:cubicBezTo>
+                    <a:pt x="1531799" y="6233999"/>
+                    <a:pt x="1157400" y="5841520"/>
+                    <a:pt x="824149" y="5358682"/>
+                  </a:cubicBezTo>
+                  <a:cubicBezTo>
+                    <a:pt x="424196" y="4779302"/>
+                    <a:pt x="0" y="4381929"/>
+                    <a:pt x="0" y="3630075"/>
+                  </a:cubicBezTo>
+                  <a:cubicBezTo>
+                    <a:pt x="0" y="1625174"/>
+                    <a:pt x="2089794" y="0"/>
+                    <a:pt x="4150102" y="0"/>
+                  </a:cubicBezTo>
+                  <a:close/>
+                </a:path>
+              </a:pathLst>
+            </a:custGeom>
+            <a:gradFill>
+              <a:gsLst>
+                <a:gs pos="2000">
+                  <a:schemeClr val="bg1">
+                    <a:alpha val="10000"/>
+                  </a:schemeClr>
+                </a:gs>
+                <a:gs pos="16000">
+                  <a:schemeClr val="accent6">
+                    <a:alpha val="10000"/>
+                  </a:schemeClr>
+                </a:gs>
+                <a:gs pos="100000">
+                  <a:schemeClr val="bg1">
+                    <a:alpha val="10000"/>
+                  </a:schemeClr>
+                </a:gs>
+                <a:gs pos="85000">
+                  <a:schemeClr val="accent1">
+                    <a:alpha val="10000"/>
+                  </a:schemeClr>
+                </a:gs>
+              </a:gsLst>
+              <a:lin ang="12000000" scaled="0"/>
+            </a:gradFill>
+            <a:ln>
+              <a:noFill/>
+            </a:ln>
+          </p:spPr>
+          <p:style>
+            <a:lnRef idx="2">
+              <a:schemeClr val="accent1">
+                <a:shade val="50000"/>
+              </a:schemeClr>
+            </a:lnRef>
+            <a:fillRef idx="1">
+              <a:schemeClr val="accent1"/>
+            </a:fillRef>
+            <a:effectRef idx="0">
+              <a:schemeClr val="accent1"/>
+            </a:effectRef>
+            <a:fontRef idx="minor">
+              <a:schemeClr val="lt1"/>
+            </a:fontRef>
+          </p:style>
+          <p:txBody>
+            <a:bodyPr rtlCol="0" anchor="ctr"/>
+            <a:lstStyle/>
+            <a:p>
+              <a:pPr algn="ctr"/>
+              <a:endParaRPr lang="en-US"/>
+            </a:p>
+          </p:txBody>
+        </p:sp>
+        <p:sp>
+          <p:nvSpPr>
+            <p:cNvPr id="40" name="Freeform: Shape 39">
+              <a:extLst>
+                <a:ext uri="{FF2B5EF4-FFF2-40B4-BE49-F238E27FC236}">
+                  <a16:creationId xmlns:a16="http://schemas.microsoft.com/office/drawing/2014/main" id="{A66409EC-9CC3-482A-A4A5-54ED092B3F22}"/>
+                </a:ext>
+                <a:ext uri="{C183D7F6-B498-43B3-948B-1728B52AA6E4}">
+                  <adec:decorative xmlns:adec="http://schemas.microsoft.com/office/drawing/2017/decorative" val="1"/>
+                </a:ext>
+              </a:extLst>
+            </p:cNvPr>
+            <p:cNvSpPr/>
+            <p:nvPr>
+              <p:extLst>
+                <p:ext uri="{386F3935-93C4-4BCD-93E2-E3B085C9AB24}">
+                  <p16:designElem xmlns:p16="http://schemas.microsoft.com/office/powerpoint/2015/main" val="1"/>
+                </p:ext>
+              </p:extLst>
+            </p:nvPr>
+          </p:nvSpPr>
+          <p:spPr>
+            <a:xfrm>
+              <a:off x="5870322" y="353119"/>
+              <a:ext cx="6321679" cy="6521594"/>
+            </a:xfrm>
+            <a:custGeom>
+              <a:avLst/>
+              <a:gdLst>
+                <a:gd name="connsiteX0" fmla="*/ 4150102 w 6321679"/>
+                <a:gd name="connsiteY0" fmla="*/ 0 h 6521594"/>
+                <a:gd name="connsiteX1" fmla="*/ 6083891 w 6321679"/>
+                <a:gd name="connsiteY1" fmla="*/ 619943 h 6521594"/>
+                <a:gd name="connsiteX2" fmla="*/ 6321679 w 6321679"/>
+                <a:gd name="connsiteY2" fmla="*/ 822247 h 6521594"/>
+                <a:gd name="connsiteX3" fmla="*/ 6321679 w 6321679"/>
+                <a:gd name="connsiteY3" fmla="*/ 2150195 h 6521594"/>
+                <a:gd name="connsiteX4" fmla="*/ 6241288 w 6321679"/>
+                <a:gd name="connsiteY4" fmla="*/ 1985338 h 6521594"/>
+                <a:gd name="connsiteX5" fmla="*/ 5949367 w 6321679"/>
+                <a:gd name="connsiteY5" fmla="*/ 1559997 h 6521594"/>
+                <a:gd name="connsiteX6" fmla="*/ 5193362 w 6321679"/>
+                <a:gd name="connsiteY6" fmla="*/ 986156 h 6521594"/>
+                <a:gd name="connsiteX7" fmla="*/ 4150102 w 6321679"/>
+                <a:gd name="connsiteY7" fmla="*/ 772850 h 6521594"/>
+                <a:gd name="connsiteX8" fmla="*/ 2914861 w 6321679"/>
+                <a:gd name="connsiteY8" fmla="*/ 1006637 h 6521594"/>
+                <a:gd name="connsiteX9" fmla="*/ 1814073 w 6321679"/>
+                <a:gd name="connsiteY9" fmla="*/ 1650163 h 6521594"/>
+                <a:gd name="connsiteX10" fmla="*/ 1057412 w 6321679"/>
+                <a:gd name="connsiteY10" fmla="*/ 2571657 h 6521594"/>
+                <a:gd name="connsiteX11" fmla="*/ 786277 w 6321679"/>
+                <a:gd name="connsiteY11" fmla="*/ 3630204 h 6521594"/>
+                <a:gd name="connsiteX12" fmla="*/ 1233931 w 6321679"/>
+                <a:gd name="connsiteY12" fmla="*/ 4592016 h 6521594"/>
+                <a:gd name="connsiteX13" fmla="*/ 1474795 w 6321679"/>
+                <a:gd name="connsiteY13" fmla="*/ 4924985 h 6521594"/>
+                <a:gd name="connsiteX14" fmla="*/ 2393691 w 6321679"/>
+                <a:gd name="connsiteY14" fmla="*/ 5846995 h 6521594"/>
+                <a:gd name="connsiteX15" fmla="*/ 3601805 w 6321679"/>
+                <a:gd name="connsiteY15" fmla="*/ 6155876 h 6521594"/>
+                <a:gd name="connsiteX16" fmla="*/ 4378909 w 6321679"/>
+                <a:gd name="connsiteY16" fmla="*/ 5959186 h 6521594"/>
+                <a:gd name="connsiteX17" fmla="*/ 5218129 w 6321679"/>
+                <a:gd name="connsiteY17" fmla="*/ 5391271 h 6521594"/>
+                <a:gd name="connsiteX18" fmla="*/ 5425313 w 6321679"/>
+                <a:gd name="connsiteY18" fmla="*/ 5233481 h 6521594"/>
+                <a:gd name="connsiteX19" fmla="*/ 6254366 w 6321679"/>
+                <a:gd name="connsiteY19" fmla="*/ 4534301 h 6521594"/>
+                <a:gd name="connsiteX20" fmla="*/ 6321679 w 6321679"/>
+                <a:gd name="connsiteY20" fmla="*/ 4456641 h 6521594"/>
+                <a:gd name="connsiteX21" fmla="*/ 6321679 w 6321679"/>
+                <a:gd name="connsiteY21" fmla="*/ 5523097 h 6521594"/>
+                <a:gd name="connsiteX22" fmla="*/ 6024428 w 6321679"/>
+                <a:gd name="connsiteY22" fmla="*/ 5754969 h 6521594"/>
+                <a:gd name="connsiteX23" fmla="*/ 5702345 w 6321679"/>
+                <a:gd name="connsiteY23" fmla="*/ 6000018 h 6521594"/>
+                <a:gd name="connsiteX24" fmla="*/ 4988380 w 6321679"/>
+                <a:gd name="connsiteY24" fmla="*/ 6506549 h 6521594"/>
+                <a:gd name="connsiteX25" fmla="*/ 4961490 w 6321679"/>
+                <a:gd name="connsiteY25" fmla="*/ 6521594 h 6521594"/>
+                <a:gd name="connsiteX26" fmla="*/ 2011326 w 6321679"/>
+                <a:gd name="connsiteY26" fmla="*/ 6521594 h 6521594"/>
+                <a:gd name="connsiteX27" fmla="*/ 1982893 w 6321679"/>
+                <a:gd name="connsiteY27" fmla="*/ 6505768 h 6521594"/>
+                <a:gd name="connsiteX28" fmla="*/ 824149 w 6321679"/>
+                <a:gd name="connsiteY28" fmla="*/ 5358682 h 6521594"/>
+                <a:gd name="connsiteX29" fmla="*/ 0 w 6321679"/>
+                <a:gd name="connsiteY29" fmla="*/ 3630075 h 6521594"/>
+                <a:gd name="connsiteX30" fmla="*/ 4150102 w 6321679"/>
+                <a:gd name="connsiteY30" fmla="*/ 0 h 6521594"/>
+              </a:gdLst>
+              <a:ahLst/>
+              <a:cxnLst>
+                <a:cxn ang="0">
+                  <a:pos x="connsiteX0" y="connsiteY0"/>
+                </a:cxn>
+                <a:cxn ang="0">
+                  <a:pos x="connsiteX1" y="connsiteY1"/>
+                </a:cxn>
+                <a:cxn ang="0">
+                  <a:pos x="connsiteX2" y="connsiteY2"/>
+                </a:cxn>
+                <a:cxn ang="0">
+                  <a:pos x="connsiteX3" y="connsiteY3"/>
+                </a:cxn>
+                <a:cxn ang="0">
+                  <a:pos x="connsiteX4" y="connsiteY4"/>
+                </a:cxn>
+                <a:cxn ang="0">
+                  <a:pos x="connsiteX5" y="connsiteY5"/>
+                </a:cxn>
+                <a:cxn ang="0">
+                  <a:pos x="connsiteX6" y="connsiteY6"/>
+                </a:cxn>
+                <a:cxn ang="0">
+                  <a:pos x="connsiteX7" y="connsiteY7"/>
+                </a:cxn>
+                <a:cxn ang="0">
+                  <a:pos x="connsiteX8" y="connsiteY8"/>
+                </a:cxn>
+                <a:cxn ang="0">
+                  <a:pos x="connsiteX9" y="connsiteY9"/>
+                </a:cxn>
+                <a:cxn ang="0">
+                  <a:pos x="connsiteX10" y="connsiteY10"/>
+                </a:cxn>
+                <a:cxn ang="0">
+                  <a:pos x="connsiteX11" y="connsiteY11"/>
+                </a:cxn>
+                <a:cxn ang="0">
+                  <a:pos x="connsiteX12" y="connsiteY12"/>
+                </a:cxn>
+                <a:cxn ang="0">
+                  <a:pos x="connsiteX13" y="connsiteY13"/>
+                </a:cxn>
+                <a:cxn ang="0">
+                  <a:pos x="connsiteX14" y="connsiteY14"/>
+                </a:cxn>
+                <a:cxn ang="0">
+                  <a:pos x="connsiteX15" y="connsiteY15"/>
+                </a:cxn>
+                <a:cxn ang="0">
+                  <a:pos x="connsiteX16" y="connsiteY16"/>
+                </a:cxn>
+                <a:cxn ang="0">
+                  <a:pos x="connsiteX17" y="connsiteY17"/>
+                </a:cxn>
+                <a:cxn ang="0">
+                  <a:pos x="connsiteX18" y="connsiteY18"/>
+                </a:cxn>
+                <a:cxn ang="0">
+                  <a:pos x="connsiteX19" y="connsiteY19"/>
+                </a:cxn>
+                <a:cxn ang="0">
+                  <a:pos x="connsiteX20" y="connsiteY20"/>
+                </a:cxn>
+                <a:cxn ang="0">
+                  <a:pos x="connsiteX21" y="connsiteY21"/>
+                </a:cxn>
+                <a:cxn ang="0">
+                  <a:pos x="connsiteX22" y="connsiteY22"/>
+                </a:cxn>
+                <a:cxn ang="0">
+                  <a:pos x="connsiteX23" y="connsiteY23"/>
+                </a:cxn>
+                <a:cxn ang="0">
+                  <a:pos x="connsiteX24" y="connsiteY24"/>
+                </a:cxn>
+                <a:cxn ang="0">
+                  <a:pos x="connsiteX25" y="connsiteY25"/>
+                </a:cxn>
+                <a:cxn ang="0">
+                  <a:pos x="connsiteX26" y="connsiteY26"/>
+                </a:cxn>
+                <a:cxn ang="0">
+                  <a:pos x="connsiteX27" y="connsiteY27"/>
+                </a:cxn>
+                <a:cxn ang="0">
+                  <a:pos x="connsiteX28" y="connsiteY28"/>
+                </a:cxn>
+                <a:cxn ang="0">
+                  <a:pos x="connsiteX29" y="connsiteY29"/>
+                </a:cxn>
+                <a:cxn ang="0">
+                  <a:pos x="connsiteX30" y="connsiteY30"/>
+                </a:cxn>
+              </a:cxnLst>
+              <a:rect l="l" t="t" r="r" b="b"/>
+              <a:pathLst>
+                <a:path w="6321679" h="6521594">
+                  <a:moveTo>
+                    <a:pt x="4150102" y="0"/>
+                  </a:moveTo>
+                  <a:cubicBezTo>
+                    <a:pt x="4918148" y="0"/>
+                    <a:pt x="5569597" y="228540"/>
+                    <a:pt x="6083891" y="619943"/>
+                  </a:cubicBezTo>
+                  <a:lnTo>
+                    <a:pt x="6321679" y="822247"/>
+                  </a:lnTo>
+                  <a:lnTo>
+                    <a:pt x="6321679" y="2150195"/>
+                  </a:lnTo>
+                  <a:lnTo>
+                    <a:pt x="6241288" y="1985338"/>
+                  </a:lnTo>
+                  <a:cubicBezTo>
+                    <a:pt x="6156788" y="1831195"/>
+                    <a:pt x="6059249" y="1688709"/>
+                    <a:pt x="5949367" y="1559997"/>
+                  </a:cubicBezTo>
+                  <a:cubicBezTo>
+                    <a:pt x="5737073" y="1311397"/>
+                    <a:pt x="5482843" y="1118314"/>
+                    <a:pt x="5193362" y="986156"/>
+                  </a:cubicBezTo>
+                  <a:cubicBezTo>
+                    <a:pt x="4883437" y="844596"/>
+                    <a:pt x="4532365" y="772850"/>
+                    <a:pt x="4150102" y="772850"/>
+                  </a:cubicBezTo>
+                  <a:cubicBezTo>
+                    <a:pt x="3746218" y="772850"/>
+                    <a:pt x="3319008" y="853613"/>
+                    <a:pt x="2914861" y="1006637"/>
+                  </a:cubicBezTo>
+                  <a:cubicBezTo>
+                    <a:pt x="2515039" y="1157857"/>
+                    <a:pt x="2134350" y="1380438"/>
+                    <a:pt x="1814073" y="1650163"/>
+                  </a:cubicBezTo>
+                  <a:cubicBezTo>
+                    <a:pt x="1494190" y="1919502"/>
+                    <a:pt x="1232622" y="2238173"/>
+                    <a:pt x="1057412" y="2571657"/>
+                  </a:cubicBezTo>
+                  <a:cubicBezTo>
+                    <a:pt x="877486" y="2914158"/>
+                    <a:pt x="786277" y="3270313"/>
+                    <a:pt x="786277" y="3630204"/>
+                  </a:cubicBezTo>
+                  <a:cubicBezTo>
+                    <a:pt x="786277" y="3974121"/>
+                    <a:pt x="923483" y="4173646"/>
+                    <a:pt x="1233931" y="4592016"/>
+                  </a:cubicBezTo>
+                  <a:cubicBezTo>
+                    <a:pt x="1311641" y="4696736"/>
+                    <a:pt x="1391972" y="4805064"/>
+                    <a:pt x="1474795" y="4924985"/>
+                  </a:cubicBezTo>
+                  <a:cubicBezTo>
+                    <a:pt x="1767682" y="5349278"/>
+                    <a:pt x="2068172" y="5650948"/>
+                    <a:pt x="2393691" y="5846995"/>
+                  </a:cubicBezTo>
+                  <a:cubicBezTo>
+                    <a:pt x="2738735" y="6054891"/>
+                    <a:pt x="3133971" y="6155876"/>
+                    <a:pt x="3601805" y="6155876"/>
+                  </a:cubicBezTo>
+                  <a:cubicBezTo>
+                    <a:pt x="3867305" y="6155876"/>
+                    <a:pt x="4114196" y="6093405"/>
+                    <a:pt x="4378909" y="5959186"/>
+                  </a:cubicBezTo>
+                  <a:cubicBezTo>
+                    <a:pt x="4650699" y="5821362"/>
+                    <a:pt x="4919737" y="5620421"/>
+                    <a:pt x="5218129" y="5391271"/>
+                  </a:cubicBezTo>
+                  <a:cubicBezTo>
+                    <a:pt x="5288107" y="5337558"/>
+                    <a:pt x="5357824" y="5284617"/>
+                    <a:pt x="5425313" y="5233481"/>
+                  </a:cubicBezTo>
+                  <a:cubicBezTo>
+                    <a:pt x="5739037" y="4995556"/>
+                    <a:pt x="6037512" y="4769168"/>
+                    <a:pt x="6254366" y="4534301"/>
+                  </a:cubicBezTo>
+                  <a:lnTo>
+                    <a:pt x="6321679" y="4456641"/>
+                  </a:lnTo>
+                  <a:lnTo>
+                    <a:pt x="6321679" y="5523097"/>
+                  </a:lnTo>
+                  <a:lnTo>
+                    <a:pt x="6024428" y="5754969"/>
+                  </a:lnTo>
+                  <a:cubicBezTo>
+                    <a:pt x="5918395" y="5835747"/>
+                    <a:pt x="5810491" y="5916953"/>
+                    <a:pt x="5702345" y="6000018"/>
+                  </a:cubicBezTo>
+                  <a:cubicBezTo>
+                    <a:pt x="5466020" y="6181541"/>
+                    <a:pt x="5232938" y="6357503"/>
+                    <a:pt x="4988380" y="6506549"/>
+                  </a:cubicBezTo>
+                  <a:lnTo>
+                    <a:pt x="4961490" y="6521594"/>
+                  </a:lnTo>
+                  <a:lnTo>
+                    <a:pt x="2011326" y="6521594"/>
+                  </a:lnTo>
+                  <a:lnTo>
+                    <a:pt x="1982893" y="6505768"/>
+                  </a:lnTo>
+                  <a:cubicBezTo>
+                    <a:pt x="1531799" y="6233999"/>
+                    <a:pt x="1157400" y="5841520"/>
+                    <a:pt x="824149" y="5358682"/>
+                  </a:cubicBezTo>
+                  <a:cubicBezTo>
+                    <a:pt x="424196" y="4779302"/>
+                    <a:pt x="0" y="4381929"/>
+                    <a:pt x="0" y="3630075"/>
+                  </a:cubicBezTo>
+                  <a:cubicBezTo>
+                    <a:pt x="0" y="1625174"/>
+                    <a:pt x="2089794" y="0"/>
+                    <a:pt x="4150102" y="0"/>
+                  </a:cubicBezTo>
+                  <a:close/>
+                </a:path>
+              </a:pathLst>
+            </a:custGeom>
+            <a:gradFill>
+              <a:gsLst>
+                <a:gs pos="2000">
+                  <a:schemeClr val="bg1">
+                    <a:alpha val="10000"/>
+                  </a:schemeClr>
+                </a:gs>
+                <a:gs pos="16000">
+                  <a:schemeClr val="accent6">
+                    <a:alpha val="10000"/>
+                  </a:schemeClr>
+                </a:gs>
+                <a:gs pos="100000">
+                  <a:schemeClr val="bg1">
+                    <a:alpha val="10000"/>
+                  </a:schemeClr>
+                </a:gs>
+                <a:gs pos="85000">
+                  <a:schemeClr val="accent1">
+                    <a:alpha val="10000"/>
+                  </a:schemeClr>
+                </a:gs>
+              </a:gsLst>
+              <a:lin ang="12000000" scaled="0"/>
+            </a:gradFill>
+            <a:ln>
+              <a:noFill/>
+            </a:ln>
+          </p:spPr>
+          <p:style>
+            <a:lnRef idx="2">
+              <a:schemeClr val="accent1">
+                <a:shade val="50000"/>
+              </a:schemeClr>
+            </a:lnRef>
+            <a:fillRef idx="1">
+              <a:schemeClr val="accent1"/>
+            </a:fillRef>
+            <a:effectRef idx="0">
+              <a:schemeClr val="accent1"/>
+            </a:effectRef>
+            <a:fontRef idx="minor">
+              <a:schemeClr val="lt1"/>
+            </a:fontRef>
+          </p:style>
+          <p:txBody>
+            <a:bodyPr rtlCol="0" anchor="ctr"/>
+            <a:lstStyle/>
+            <a:p>
+              <a:pPr algn="ctr"/>
+              <a:endParaRPr lang="en-US"/>
+            </a:p>
+          </p:txBody>
+        </p:sp>
+      </p:grpSp>
+    </p:spTree>
+    <p:extLst>
+      <p:ext uri="{BB962C8B-B14F-4D97-AF65-F5344CB8AC3E}">
+        <p14:creationId xmlns:p14="http://schemas.microsoft.com/office/powerpoint/2010/main" val="1461862155"/>
+      </p:ext>
+    </p:extLst>
+  </p:cSld>
+  <p:clrMapOvr>
+    <a:masterClrMapping/>
+  </p:clrMapOvr>
+</p:sld>
+</file>
+
+<file path=ppt/slides/slide4.xml><?xml version="1.0" encoding="utf-8"?>
+<p:sld xmlns:a="http://schemas.openxmlformats.org/drawingml/2006/main" xmlns:r="http://schemas.openxmlformats.org/officeDocument/2006/relationships" xmlns:p="http://schemas.openxmlformats.org/presentationml/2006/main">
+  <p:cSld>
+    <p:bg>
+      <p:bgPr>
+        <a:solidFill>
+          <a:schemeClr val="bg1"/>
+        </a:solidFill>
+        <a:effectLst/>
+      </p:bgPr>
+    </p:bg>
+    <p:spTree>
+      <p:nvGrpSpPr>
+        <p:cNvPr id="1" name=""/>
+        <p:cNvGrpSpPr/>
+        <p:nvPr/>
+      </p:nvGrpSpPr>
+      <p:grpSpPr>
+        <a:xfrm>
+          <a:off x="0" y="0"/>
+          <a:ext cx="0" cy="0"/>
+          <a:chOff x="0" y="0"/>
+          <a:chExt cx="0" cy="0"/>
+        </a:xfrm>
+      </p:grpSpPr>
+      <p:sp useBgFill="1">
+        <p:nvSpPr>
+          <p:cNvPr id="46" name="Rectangle 45">
+            <a:extLst>
+              <a:ext uri="{FF2B5EF4-FFF2-40B4-BE49-F238E27FC236}">
+                <a16:creationId xmlns:a16="http://schemas.microsoft.com/office/drawing/2014/main" id="{0E3596DD-156A-473E-9BB3-C6A29F7574E9}"/>
+              </a:ext>
+              <a:ext uri="{C183D7F6-B498-43B3-948B-1728B52AA6E4}">
+                <adec:decorative xmlns:adec="http://schemas.microsoft.com/office/drawing/2017/decorative" val="1"/>
+              </a:ext>
+            </a:extLst>
+          </p:cNvPr>
+          <p:cNvSpPr>
+            <a:spLocks noGrp="1" noRot="1" noChangeAspect="1" noMove="1" noResize="1" noEditPoints="1" noAdjustHandles="1" noChangeArrowheads="1" noChangeShapeType="1" noTextEdit="1"/>
+          </p:cNvSpPr>
+          <p:nvPr>
+            <p:extLst>
+              <p:ext uri="{386F3935-93C4-4BCD-93E2-E3B085C9AB24}">
+                <p16:designElem xmlns:p16="http://schemas.microsoft.com/office/powerpoint/2015/main" val="1"/>
+              </p:ext>
+            </p:extLst>
+          </p:nvPr>
+        </p:nvSpPr>
+        <p:spPr>
+          <a:xfrm>
+            <a:off x="0" y="0"/>
+            <a:ext cx="12188952" cy="6858000"/>
+          </a:xfrm>
+          <a:prstGeom prst="rect">
+            <a:avLst/>
+          </a:prstGeom>
+          <a:ln>
+            <a:noFill/>
+          </a:ln>
+        </p:spPr>
+        <p:style>
+          <a:lnRef idx="2">
+            <a:schemeClr val="accent1">
+              <a:shade val="50000"/>
+            </a:schemeClr>
+          </a:lnRef>
+          <a:fillRef idx="1">
+            <a:schemeClr val="accent1"/>
+          </a:fillRef>
+          <a:effectRef idx="0">
+            <a:schemeClr val="accent1"/>
+          </a:effectRef>
+          <a:fontRef idx="minor">
+            <a:schemeClr val="lt1"/>
+          </a:fontRef>
+        </p:style>
+        <p:txBody>
+          <a:bodyPr rtlCol="0" anchor="ctr"/>
+          <a:lstStyle/>
+          <a:p>
+            <a:pPr algn="ctr"/>
+            <a:endParaRPr lang="en-US"/>
+          </a:p>
+        </p:txBody>
+      </p:sp>
+      <p:sp>
+        <p:nvSpPr>
+          <p:cNvPr id="48" name="Freeform: Shape 47">
+            <a:extLst>
+              <a:ext uri="{FF2B5EF4-FFF2-40B4-BE49-F238E27FC236}">
+                <a16:creationId xmlns:a16="http://schemas.microsoft.com/office/drawing/2014/main" id="{2C46C4D6-C474-4E92-B52E-944C1118F7B6}"/>
+              </a:ext>
+              <a:ext uri="{C183D7F6-B498-43B3-948B-1728B52AA6E4}">
+                <adec:decorative xmlns:adec="http://schemas.microsoft.com/office/drawing/2017/decorative" val="1"/>
+              </a:ext>
+            </a:extLst>
+          </p:cNvPr>
+          <p:cNvSpPr>
+            <a:spLocks noGrp="1" noRot="1" noChangeAspect="1" noMove="1" noResize="1" noEditPoints="1" noAdjustHandles="1" noChangeArrowheads="1" noChangeShapeType="1" noTextEdit="1"/>
+          </p:cNvSpPr>
+          <p:nvPr>
+            <p:extLst>
+              <p:ext uri="{386F3935-93C4-4BCD-93E2-E3B085C9AB24}">
+                <p16:designElem xmlns:p16="http://schemas.microsoft.com/office/powerpoint/2015/main" val="1"/>
+              </p:ext>
+            </p:extLst>
+          </p:nvPr>
+        </p:nvSpPr>
+        <p:spPr>
+          <a:xfrm flipH="1">
+            <a:off x="0" y="0"/>
+            <a:ext cx="5962785" cy="6858000"/>
+          </a:xfrm>
+          <a:custGeom>
+            <a:avLst/>
+            <a:gdLst>
+              <a:gd name="connsiteX0" fmla="*/ 1044839 w 5962785"/>
+              <a:gd name="connsiteY0" fmla="*/ 0 h 6858000"/>
+              <a:gd name="connsiteX1" fmla="*/ 5962785 w 5962785"/>
+              <a:gd name="connsiteY1" fmla="*/ 0 h 6858000"/>
+              <a:gd name="connsiteX2" fmla="*/ 5962785 w 5962785"/>
+              <a:gd name="connsiteY2" fmla="*/ 6858000 h 6858000"/>
+              <a:gd name="connsiteX3" fmla="*/ 1469886 w 5962785"/>
+              <a:gd name="connsiteY3" fmla="*/ 6858000 h 6858000"/>
+              <a:gd name="connsiteX4" fmla="*/ 1416006 w 5962785"/>
+              <a:gd name="connsiteY4" fmla="*/ 6823984 h 6858000"/>
+              <a:gd name="connsiteX5" fmla="*/ 1232473 w 5962785"/>
+              <a:gd name="connsiteY5" fmla="*/ 6733873 h 6858000"/>
+              <a:gd name="connsiteX6" fmla="*/ 1075471 w 5962785"/>
+              <a:gd name="connsiteY6" fmla="*/ 6503186 h 6858000"/>
+              <a:gd name="connsiteX7" fmla="*/ 1020229 w 5962785"/>
+              <a:gd name="connsiteY7" fmla="*/ 6438306 h 6858000"/>
+              <a:gd name="connsiteX8" fmla="*/ 883579 w 5962785"/>
+              <a:gd name="connsiteY8" fmla="*/ 6351798 h 6858000"/>
+              <a:gd name="connsiteX9" fmla="*/ 645167 w 5962785"/>
+              <a:gd name="connsiteY9" fmla="*/ 6167969 h 6858000"/>
+              <a:gd name="connsiteX10" fmla="*/ 732391 w 5962785"/>
+              <a:gd name="connsiteY10" fmla="*/ 6124716 h 6858000"/>
+              <a:gd name="connsiteX11" fmla="*/ 985339 w 5962785"/>
+              <a:gd name="connsiteY11" fmla="*/ 6236455 h 6858000"/>
+              <a:gd name="connsiteX12" fmla="*/ 1168509 w 5962785"/>
+              <a:gd name="connsiteY12" fmla="*/ 6265291 h 6858000"/>
+              <a:gd name="connsiteX13" fmla="*/ 909746 w 5962785"/>
+              <a:gd name="connsiteY13" fmla="*/ 6070649 h 6858000"/>
+              <a:gd name="connsiteX14" fmla="*/ 659704 w 5962785"/>
+              <a:gd name="connsiteY14" fmla="*/ 5818335 h 6858000"/>
+              <a:gd name="connsiteX15" fmla="*/ 851597 w 5962785"/>
+              <a:gd name="connsiteY15" fmla="*/ 5865193 h 6858000"/>
+              <a:gd name="connsiteX16" fmla="*/ 860319 w 5962785"/>
+              <a:gd name="connsiteY16" fmla="*/ 5832753 h 6858000"/>
+              <a:gd name="connsiteX17" fmla="*/ 691686 w 5962785"/>
+              <a:gd name="connsiteY17" fmla="*/ 5533581 h 6858000"/>
+              <a:gd name="connsiteX18" fmla="*/ 610278 w 5962785"/>
+              <a:gd name="connsiteY18" fmla="*/ 5411029 h 6858000"/>
+              <a:gd name="connsiteX19" fmla="*/ 238123 w 5962785"/>
+              <a:gd name="connsiteY19" fmla="*/ 5046976 h 6858000"/>
+              <a:gd name="connsiteX20" fmla="*/ 592833 w 5962785"/>
+              <a:gd name="connsiteY20" fmla="*/ 5209177 h 6858000"/>
+              <a:gd name="connsiteX21" fmla="*/ 226494 w 5962785"/>
+              <a:gd name="connsiteY21" fmla="*/ 4855939 h 6858000"/>
+              <a:gd name="connsiteX22" fmla="*/ 49139 w 5962785"/>
+              <a:gd name="connsiteY22" fmla="*/ 4726177 h 6858000"/>
+              <a:gd name="connsiteX23" fmla="*/ 5527 w 5962785"/>
+              <a:gd name="connsiteY23" fmla="*/ 4650483 h 6858000"/>
+              <a:gd name="connsiteX24" fmla="*/ 84029 w 5962785"/>
+              <a:gd name="connsiteY24" fmla="*/ 4632460 h 6858000"/>
+              <a:gd name="connsiteX25" fmla="*/ 325347 w 5962785"/>
+              <a:gd name="connsiteY25" fmla="*/ 4661296 h 6858000"/>
+              <a:gd name="connsiteX26" fmla="*/ 25879 w 5962785"/>
+              <a:gd name="connsiteY26" fmla="*/ 4423401 h 6858000"/>
+              <a:gd name="connsiteX27" fmla="*/ 249753 w 5962785"/>
+              <a:gd name="connsiteY27" fmla="*/ 4459446 h 6858000"/>
+              <a:gd name="connsiteX28" fmla="*/ 313718 w 5962785"/>
+              <a:gd name="connsiteY28" fmla="*/ 4365729 h 6858000"/>
+              <a:gd name="connsiteX29" fmla="*/ 418386 w 5962785"/>
+              <a:gd name="connsiteY29" fmla="*/ 4214341 h 6858000"/>
+              <a:gd name="connsiteX30" fmla="*/ 491072 w 5962785"/>
+              <a:gd name="connsiteY30" fmla="*/ 4131438 h 6858000"/>
+              <a:gd name="connsiteX31" fmla="*/ 520147 w 5962785"/>
+              <a:gd name="connsiteY31" fmla="*/ 3864706 h 6858000"/>
+              <a:gd name="connsiteX32" fmla="*/ 459090 w 5962785"/>
+              <a:gd name="connsiteY32" fmla="*/ 3572743 h 6858000"/>
+              <a:gd name="connsiteX33" fmla="*/ 290458 w 5962785"/>
+              <a:gd name="connsiteY33" fmla="*/ 3424959 h 6858000"/>
+              <a:gd name="connsiteX34" fmla="*/ 339884 w 5962785"/>
+              <a:gd name="connsiteY34" fmla="*/ 3259153 h 6858000"/>
+              <a:gd name="connsiteX35" fmla="*/ 697501 w 5962785"/>
+              <a:gd name="connsiteY35" fmla="*/ 3360078 h 6858000"/>
+              <a:gd name="connsiteX36" fmla="*/ 165437 w 5962785"/>
+              <a:gd name="connsiteY36" fmla="*/ 2967190 h 6858000"/>
+              <a:gd name="connsiteX37" fmla="*/ 255568 w 5962785"/>
+              <a:gd name="connsiteY37" fmla="*/ 2949167 h 6858000"/>
+              <a:gd name="connsiteX38" fmla="*/ 578296 w 5962785"/>
+              <a:gd name="connsiteY38" fmla="*/ 2725691 h 6858000"/>
+              <a:gd name="connsiteX39" fmla="*/ 595740 w 5962785"/>
+              <a:gd name="connsiteY39" fmla="*/ 2714876 h 6858000"/>
+              <a:gd name="connsiteX40" fmla="*/ 650982 w 5962785"/>
+              <a:gd name="connsiteY40" fmla="*/ 2574301 h 6858000"/>
+              <a:gd name="connsiteX41" fmla="*/ 825429 w 5962785"/>
+              <a:gd name="connsiteY41" fmla="*/ 2552674 h 6858000"/>
+              <a:gd name="connsiteX42" fmla="*/ 970802 w 5962785"/>
+              <a:gd name="connsiteY42" fmla="*/ 2585115 h 6858000"/>
+              <a:gd name="connsiteX43" fmla="*/ 1127805 w 5962785"/>
+              <a:gd name="connsiteY43" fmla="*/ 2545465 h 6858000"/>
+              <a:gd name="connsiteX44" fmla="*/ 1267362 w 5962785"/>
+              <a:gd name="connsiteY44" fmla="*/ 2563488 h 6858000"/>
+              <a:gd name="connsiteX45" fmla="*/ 1386568 w 5962785"/>
+              <a:gd name="connsiteY45" fmla="*/ 2538257 h 6858000"/>
+              <a:gd name="connsiteX46" fmla="*/ 1270270 w 5962785"/>
+              <a:gd name="connsiteY46" fmla="*/ 2419309 h 6858000"/>
+              <a:gd name="connsiteX47" fmla="*/ 1107453 w 5962785"/>
+              <a:gd name="connsiteY47" fmla="*/ 2419309 h 6858000"/>
+              <a:gd name="connsiteX48" fmla="*/ 991154 w 5962785"/>
+              <a:gd name="connsiteY48" fmla="*/ 2343615 h 6858000"/>
+              <a:gd name="connsiteX49" fmla="*/ 880671 w 5962785"/>
+              <a:gd name="connsiteY49" fmla="*/ 2206645 h 6858000"/>
+              <a:gd name="connsiteX50" fmla="*/ 491072 w 5962785"/>
+              <a:gd name="connsiteY50" fmla="*/ 1986771 h 6858000"/>
+              <a:gd name="connsiteX51" fmla="*/ 421293 w 5962785"/>
+              <a:gd name="connsiteY51" fmla="*/ 1903868 h 6858000"/>
+              <a:gd name="connsiteX52" fmla="*/ 1531941 w 5962785"/>
+              <a:gd name="connsiteY52" fmla="*/ 2224667 h 6858000"/>
+              <a:gd name="connsiteX53" fmla="*/ 1188861 w 5962785"/>
+              <a:gd name="connsiteY53" fmla="*/ 2091301 h 6858000"/>
+              <a:gd name="connsiteX54" fmla="*/ 1421458 w 5962785"/>
+              <a:gd name="connsiteY54" fmla="*/ 2116532 h 6858000"/>
+              <a:gd name="connsiteX55" fmla="*/ 1549386 w 5962785"/>
+              <a:gd name="connsiteY55" fmla="*/ 2026420 h 6858000"/>
+              <a:gd name="connsiteX56" fmla="*/ 1549386 w 5962785"/>
+              <a:gd name="connsiteY56" fmla="*/ 1997584 h 6858000"/>
+              <a:gd name="connsiteX57" fmla="*/ 1453440 w 5962785"/>
+              <a:gd name="connsiteY57" fmla="*/ 1914682 h 6858000"/>
+              <a:gd name="connsiteX58" fmla="*/ 1398198 w 5962785"/>
+              <a:gd name="connsiteY58" fmla="*/ 1860614 h 6858000"/>
+              <a:gd name="connsiteX59" fmla="*/ 1247011 w 5962785"/>
+              <a:gd name="connsiteY59" fmla="*/ 1665972 h 6858000"/>
+              <a:gd name="connsiteX60" fmla="*/ 1354586 w 5962785"/>
+              <a:gd name="connsiteY60" fmla="*/ 1644345 h 6858000"/>
+              <a:gd name="connsiteX61" fmla="*/ 1395290 w 5962785"/>
+              <a:gd name="connsiteY61" fmla="*/ 1604696 h 6858000"/>
+              <a:gd name="connsiteX62" fmla="*/ 1366216 w 5962785"/>
+              <a:gd name="connsiteY62" fmla="*/ 1547025 h 6858000"/>
+              <a:gd name="connsiteX63" fmla="*/ 1031858 w 5962785"/>
+              <a:gd name="connsiteY63" fmla="*/ 1370405 h 6858000"/>
+              <a:gd name="connsiteX64" fmla="*/ 1005692 w 5962785"/>
+              <a:gd name="connsiteY64" fmla="*/ 1233435 h 6858000"/>
+              <a:gd name="connsiteX65" fmla="*/ 1069655 w 5962785"/>
+              <a:gd name="connsiteY65" fmla="*/ 1211808 h 6858000"/>
+              <a:gd name="connsiteX66" fmla="*/ 1142342 w 5962785"/>
+              <a:gd name="connsiteY66" fmla="*/ 1222621 h 6858000"/>
+              <a:gd name="connsiteX67" fmla="*/ 1084193 w 5962785"/>
+              <a:gd name="connsiteY67" fmla="*/ 1114487 h 6858000"/>
+              <a:gd name="connsiteX68" fmla="*/ 848689 w 5962785"/>
+              <a:gd name="connsiteY68" fmla="*/ 1006353 h 6858000"/>
+              <a:gd name="connsiteX69" fmla="*/ 805077 w 5962785"/>
+              <a:gd name="connsiteY69" fmla="*/ 948681 h 6858000"/>
+              <a:gd name="connsiteX70" fmla="*/ 863226 w 5962785"/>
+              <a:gd name="connsiteY70" fmla="*/ 919844 h 6858000"/>
+              <a:gd name="connsiteX71" fmla="*/ 906838 w 5962785"/>
+              <a:gd name="connsiteY71" fmla="*/ 909031 h 6858000"/>
+              <a:gd name="connsiteX72" fmla="*/ 5527 w 5962785"/>
+              <a:gd name="connsiteY72" fmla="*/ 458471 h 6858000"/>
+              <a:gd name="connsiteX73" fmla="*/ 209049 w 5962785"/>
+              <a:gd name="connsiteY73" fmla="*/ 454867 h 6858000"/>
+              <a:gd name="connsiteX74" fmla="*/ 409664 w 5962785"/>
+              <a:gd name="connsiteY74" fmla="*/ 526956 h 6858000"/>
+              <a:gd name="connsiteX75" fmla="*/ 621908 w 5962785"/>
+              <a:gd name="connsiteY75" fmla="*/ 516143 h 6858000"/>
+              <a:gd name="connsiteX76" fmla="*/ 822522 w 5962785"/>
+              <a:gd name="connsiteY76" fmla="*/ 552188 h 6858000"/>
+              <a:gd name="connsiteX77" fmla="*/ 996969 w 5962785"/>
+              <a:gd name="connsiteY77" fmla="*/ 552188 h 6858000"/>
+              <a:gd name="connsiteX78" fmla="*/ 834151 w 5962785"/>
+              <a:gd name="connsiteY78" fmla="*/ 498120 h 6858000"/>
+              <a:gd name="connsiteX79" fmla="*/ 773095 w 5962785"/>
+              <a:gd name="connsiteY79" fmla="*/ 408008 h 6858000"/>
+              <a:gd name="connsiteX80" fmla="*/ 793447 w 5962785"/>
+              <a:gd name="connsiteY80" fmla="*/ 325106 h 6858000"/>
+              <a:gd name="connsiteX81" fmla="*/ 860319 w 5962785"/>
+              <a:gd name="connsiteY81" fmla="*/ 350336 h 6858000"/>
+              <a:gd name="connsiteX82" fmla="*/ 938820 w 5962785"/>
+              <a:gd name="connsiteY82" fmla="*/ 444054 h 6858000"/>
+              <a:gd name="connsiteX83" fmla="*/ 956265 w 5962785"/>
+              <a:gd name="connsiteY83" fmla="*/ 386381 h 6858000"/>
+              <a:gd name="connsiteX84" fmla="*/ 1002784 w 5962785"/>
+              <a:gd name="connsiteY84" fmla="*/ 343127 h 6858000"/>
+              <a:gd name="connsiteX85" fmla="*/ 1270270 w 5962785"/>
+              <a:gd name="connsiteY85" fmla="*/ 364755 h 6858000"/>
+              <a:gd name="connsiteX86" fmla="*/ 1092915 w 5962785"/>
+              <a:gd name="connsiteY86" fmla="*/ 180926 h 6858000"/>
+              <a:gd name="connsiteX87" fmla="*/ 979525 w 5962785"/>
+              <a:gd name="connsiteY87" fmla="*/ 152090 h 6858000"/>
+              <a:gd name="connsiteX88" fmla="*/ 953358 w 5962785"/>
+              <a:gd name="connsiteY88" fmla="*/ 76396 h 6858000"/>
+              <a:gd name="connsiteX89" fmla="*/ 1005692 w 5962785"/>
+              <a:gd name="connsiteY89" fmla="*/ 58373 h 6858000"/>
+              <a:gd name="connsiteX90" fmla="*/ 1267362 w 5962785"/>
+              <a:gd name="connsiteY90" fmla="*/ 123254 h 6858000"/>
+              <a:gd name="connsiteX91" fmla="*/ 1310975 w 5962785"/>
+              <a:gd name="connsiteY91" fmla="*/ 98023 h 6858000"/>
+              <a:gd name="connsiteX92" fmla="*/ 1159787 w 5962785"/>
+              <a:gd name="connsiteY92" fmla="*/ 43505 h 6858000"/>
+            </a:gdLst>
+            <a:ahLst/>
+            <a:cxnLst>
+              <a:cxn ang="0">
+                <a:pos x="connsiteX0" y="connsiteY0"/>
+              </a:cxn>
+              <a:cxn ang="0">
+                <a:pos x="connsiteX1" y="connsiteY1"/>
+              </a:cxn>
+              <a:cxn ang="0">
+                <a:pos x="connsiteX2" y="connsiteY2"/>
+              </a:cxn>
+              <a:cxn ang="0">
+                <a:pos x="connsiteX3" y="connsiteY3"/>
+              </a:cxn>
+              <a:cxn ang="0">
+                <a:pos x="connsiteX4" y="connsiteY4"/>
+              </a:cxn>
+              <a:cxn ang="0">
+                <a:pos x="connsiteX5" y="connsiteY5"/>
+              </a:cxn>
+              <a:cxn ang="0">
+                <a:pos x="connsiteX6" y="connsiteY6"/>
+              </a:cxn>
+              <a:cxn ang="0">
+                <a:pos x="connsiteX7" y="connsiteY7"/>
+              </a:cxn>
+              <a:cxn ang="0">
+                <a:pos x="connsiteX8" y="connsiteY8"/>
+              </a:cxn>
+              <a:cxn ang="0">
+                <a:pos x="connsiteX9" y="connsiteY9"/>
+              </a:cxn>
+              <a:cxn ang="0">
+                <a:pos x="connsiteX10" y="connsiteY10"/>
+              </a:cxn>
+              <a:cxn ang="0">
+                <a:pos x="connsiteX11" y="connsiteY11"/>
+              </a:cxn>
+              <a:cxn ang="0">
+                <a:pos x="connsiteX12" y="connsiteY12"/>
+              </a:cxn>
+              <a:cxn ang="0">
+                <a:pos x="connsiteX13" y="connsiteY13"/>
+              </a:cxn>
+              <a:cxn ang="0">
+                <a:pos x="connsiteX14" y="connsiteY14"/>
+              </a:cxn>
+              <a:cxn ang="0">
+                <a:pos x="connsiteX15" y="connsiteY15"/>
+              </a:cxn>
+              <a:cxn ang="0">
+                <a:pos x="connsiteX16" y="connsiteY16"/>
+              </a:cxn>
+              <a:cxn ang="0">
+                <a:pos x="connsiteX17" y="connsiteY17"/>
+              </a:cxn>
+              <a:cxn ang="0">
+                <a:pos x="connsiteX18" y="connsiteY18"/>
+              </a:cxn>
+              <a:cxn ang="0">
+                <a:pos x="connsiteX19" y="connsiteY19"/>
+              </a:cxn>
+              <a:cxn ang="0">
+                <a:pos x="connsiteX20" y="connsiteY20"/>
+              </a:cxn>
+              <a:cxn ang="0">
+                <a:pos x="connsiteX21" y="connsiteY21"/>
+              </a:cxn>
+              <a:cxn ang="0">
+                <a:pos x="connsiteX22" y="connsiteY22"/>
+              </a:cxn>
+              <a:cxn ang="0">
+                <a:pos x="connsiteX23" y="connsiteY23"/>
+              </a:cxn>
+              <a:cxn ang="0">
+                <a:pos x="connsiteX24" y="connsiteY24"/>
+              </a:cxn>
+              <a:cxn ang="0">
+                <a:pos x="connsiteX25" y="connsiteY25"/>
+              </a:cxn>
+              <a:cxn ang="0">
+                <a:pos x="connsiteX26" y="connsiteY26"/>
+              </a:cxn>
+              <a:cxn ang="0">
+                <a:pos x="connsiteX27" y="connsiteY27"/>
+              </a:cxn>
+              <a:cxn ang="0">
+                <a:pos x="connsiteX28" y="connsiteY28"/>
+              </a:cxn>
+              <a:cxn ang="0">
+                <a:pos x="connsiteX29" y="connsiteY29"/>
+              </a:cxn>
+              <a:cxn ang="0">
+                <a:pos x="connsiteX30" y="connsiteY30"/>
+              </a:cxn>
+              <a:cxn ang="0">
+                <a:pos x="connsiteX31" y="connsiteY31"/>
+              </a:cxn>
+              <a:cxn ang="0">
+                <a:pos x="connsiteX32" y="connsiteY32"/>
+              </a:cxn>
+              <a:cxn ang="0">
+                <a:pos x="connsiteX33" y="connsiteY33"/>
+              </a:cxn>
+              <a:cxn ang="0">
+                <a:pos x="connsiteX34" y="connsiteY34"/>
+              </a:cxn>
+              <a:cxn ang="0">
+                <a:pos x="connsiteX35" y="connsiteY35"/>
+              </a:cxn>
+              <a:cxn ang="0">
+                <a:pos x="connsiteX36" y="connsiteY36"/>
+              </a:cxn>
+              <a:cxn ang="0">
+                <a:pos x="connsiteX37" y="connsiteY37"/>
+              </a:cxn>
+              <a:cxn ang="0">
+                <a:pos x="connsiteX38" y="connsiteY38"/>
+              </a:cxn>
+              <a:cxn ang="0">
+                <a:pos x="connsiteX39" y="connsiteY39"/>
+              </a:cxn>
+              <a:cxn ang="0">
+                <a:pos x="connsiteX40" y="connsiteY40"/>
+              </a:cxn>
+              <a:cxn ang="0">
+                <a:pos x="connsiteX41" y="connsiteY41"/>
+              </a:cxn>
+              <a:cxn ang="0">
+                <a:pos x="connsiteX42" y="connsiteY42"/>
+              </a:cxn>
+              <a:cxn ang="0">
+                <a:pos x="connsiteX43" y="connsiteY43"/>
+              </a:cxn>
+              <a:cxn ang="0">
+                <a:pos x="connsiteX44" y="connsiteY44"/>
+              </a:cxn>
+              <a:cxn ang="0">
+                <a:pos x="connsiteX45" y="connsiteY45"/>
+              </a:cxn>
+              <a:cxn ang="0">
+                <a:pos x="connsiteX46" y="connsiteY46"/>
+              </a:cxn>
+              <a:cxn ang="0">
+                <a:pos x="connsiteX47" y="connsiteY47"/>
+              </a:cxn>
+              <a:cxn ang="0">
+                <a:pos x="connsiteX48" y="connsiteY48"/>
+              </a:cxn>
+              <a:cxn ang="0">
+                <a:pos x="connsiteX49" y="connsiteY49"/>
+              </a:cxn>
+              <a:cxn ang="0">
+                <a:pos x="connsiteX50" y="connsiteY50"/>
+              </a:cxn>
+              <a:cxn ang="0">
+                <a:pos x="connsiteX51" y="connsiteY51"/>
+              </a:cxn>
+              <a:cxn ang="0">
+                <a:pos x="connsiteX52" y="connsiteY52"/>
+              </a:cxn>
+              <a:cxn ang="0">
+                <a:pos x="connsiteX53" y="connsiteY53"/>
+              </a:cxn>
+              <a:cxn ang="0">
+                <a:pos x="connsiteX54" y="connsiteY54"/>
+              </a:cxn>
+              <a:cxn ang="0">
+                <a:pos x="connsiteX55" y="connsiteY55"/>
+              </a:cxn>
+              <a:cxn ang="0">
+                <a:pos x="connsiteX56" y="connsiteY56"/>
+              </a:cxn>
+              <a:cxn ang="0">
+                <a:pos x="connsiteX57" y="connsiteY57"/>
+              </a:cxn>
+              <a:cxn ang="0">
+                <a:pos x="connsiteX58" y="connsiteY58"/>
+              </a:cxn>
+              <a:cxn ang="0">
+                <a:pos x="connsiteX59" y="connsiteY59"/>
+              </a:cxn>
+              <a:cxn ang="0">
+                <a:pos x="connsiteX60" y="connsiteY60"/>
+              </a:cxn>
+              <a:cxn ang="0">
+                <a:pos x="connsiteX61" y="connsiteY61"/>
+              </a:cxn>
+              <a:cxn ang="0">
+                <a:pos x="connsiteX62" y="connsiteY62"/>
+              </a:cxn>
+              <a:cxn ang="0">
+                <a:pos x="connsiteX63" y="connsiteY63"/>
+              </a:cxn>
+              <a:cxn ang="0">
+                <a:pos x="connsiteX64" y="connsiteY64"/>
+              </a:cxn>
+              <a:cxn ang="0">
+                <a:pos x="connsiteX65" y="connsiteY65"/>
+              </a:cxn>
+              <a:cxn ang="0">
+                <a:pos x="connsiteX66" y="connsiteY66"/>
+              </a:cxn>
+              <a:cxn ang="0">
+                <a:pos x="connsiteX67" y="connsiteY67"/>
+              </a:cxn>
+              <a:cxn ang="0">
+                <a:pos x="connsiteX68" y="connsiteY68"/>
+              </a:cxn>
+              <a:cxn ang="0">
+                <a:pos x="connsiteX69" y="connsiteY69"/>
+              </a:cxn>
+              <a:cxn ang="0">
+                <a:pos x="connsiteX70" y="connsiteY70"/>
+              </a:cxn>
+              <a:cxn ang="0">
+                <a:pos x="connsiteX71" y="connsiteY71"/>
+              </a:cxn>
+              <a:cxn ang="0">
+                <a:pos x="connsiteX72" y="connsiteY72"/>
+              </a:cxn>
+              <a:cxn ang="0">
+                <a:pos x="connsiteX73" y="connsiteY73"/>
+              </a:cxn>
+              <a:cxn ang="0">
+                <a:pos x="connsiteX74" y="connsiteY74"/>
+              </a:cxn>
+              <a:cxn ang="0">
+                <a:pos x="connsiteX75" y="connsiteY75"/>
+              </a:cxn>
+              <a:cxn ang="0">
+                <a:pos x="connsiteX76" y="connsiteY76"/>
+              </a:cxn>
+              <a:cxn ang="0">
+                <a:pos x="connsiteX77" y="connsiteY77"/>
+              </a:cxn>
+              <a:cxn ang="0">
+                <a:pos x="connsiteX78" y="connsiteY78"/>
+              </a:cxn>
+              <a:cxn ang="0">
+                <a:pos x="connsiteX79" y="connsiteY79"/>
+              </a:cxn>
+              <a:cxn ang="0">
+                <a:pos x="connsiteX80" y="connsiteY80"/>
+              </a:cxn>
+              <a:cxn ang="0">
+                <a:pos x="connsiteX81" y="connsiteY81"/>
+              </a:cxn>
+              <a:cxn ang="0">
+                <a:pos x="connsiteX82" y="connsiteY82"/>
+              </a:cxn>
+              <a:cxn ang="0">
+                <a:pos x="connsiteX83" y="connsiteY83"/>
+              </a:cxn>
+              <a:cxn ang="0">
+                <a:pos x="connsiteX84" y="connsiteY84"/>
+              </a:cxn>
+              <a:cxn ang="0">
+                <a:pos x="connsiteX85" y="connsiteY85"/>
+              </a:cxn>
+              <a:cxn ang="0">
+                <a:pos x="connsiteX86" y="connsiteY86"/>
+              </a:cxn>
+              <a:cxn ang="0">
+                <a:pos x="connsiteX87" y="connsiteY87"/>
+              </a:cxn>
+              <a:cxn ang="0">
+                <a:pos x="connsiteX88" y="connsiteY88"/>
+              </a:cxn>
+              <a:cxn ang="0">
+                <a:pos x="connsiteX89" y="connsiteY89"/>
+              </a:cxn>
+              <a:cxn ang="0">
+                <a:pos x="connsiteX90" y="connsiteY90"/>
+              </a:cxn>
+              <a:cxn ang="0">
+                <a:pos x="connsiteX91" y="connsiteY91"/>
+              </a:cxn>
+              <a:cxn ang="0">
+                <a:pos x="connsiteX92" y="connsiteY92"/>
+              </a:cxn>
+            </a:cxnLst>
+            <a:rect l="l" t="t" r="r" b="b"/>
+            <a:pathLst>
+              <a:path w="5962785" h="6858000">
+                <a:moveTo>
+                  <a:pt x="1044839" y="0"/>
+                </a:moveTo>
+                <a:lnTo>
+                  <a:pt x="5962785" y="0"/>
+                </a:lnTo>
+                <a:lnTo>
+                  <a:pt x="5962785" y="6858000"/>
+                </a:lnTo>
+                <a:lnTo>
+                  <a:pt x="1469886" y="6858000"/>
+                </a:lnTo>
+                <a:lnTo>
+                  <a:pt x="1416006" y="6823984"/>
+                </a:lnTo>
+                <a:cubicBezTo>
+                  <a:pt x="1356767" y="6787940"/>
+                  <a:pt x="1296437" y="6755500"/>
+                  <a:pt x="1232473" y="6733873"/>
+                </a:cubicBezTo>
+                <a:cubicBezTo>
+                  <a:pt x="1145250" y="6705037"/>
+                  <a:pt x="1060933" y="6654575"/>
+                  <a:pt x="1075471" y="6503186"/>
+                </a:cubicBezTo>
+                <a:cubicBezTo>
+                  <a:pt x="1078378" y="6459932"/>
+                  <a:pt x="1055118" y="6427493"/>
+                  <a:pt x="1020229" y="6438306"/>
+                </a:cubicBezTo>
+                <a:cubicBezTo>
+                  <a:pt x="953358" y="6459932"/>
+                  <a:pt x="921375" y="6398656"/>
+                  <a:pt x="883579" y="6351798"/>
+                </a:cubicBezTo>
+                <a:cubicBezTo>
+                  <a:pt x="816707" y="6268895"/>
+                  <a:pt x="752743" y="6182387"/>
+                  <a:pt x="645167" y="6167969"/>
+                </a:cubicBezTo>
+                <a:cubicBezTo>
+                  <a:pt x="665519" y="6103088"/>
+                  <a:pt x="700408" y="6110298"/>
+                  <a:pt x="732391" y="6124716"/>
+                </a:cubicBezTo>
+                <a:cubicBezTo>
+                  <a:pt x="816707" y="6160761"/>
+                  <a:pt x="901023" y="6200410"/>
+                  <a:pt x="985339" y="6236455"/>
+                </a:cubicBezTo>
+                <a:cubicBezTo>
+                  <a:pt x="1040581" y="6258081"/>
+                  <a:pt x="1095822" y="6290522"/>
+                  <a:pt x="1168509" y="6265291"/>
+                </a:cubicBezTo>
+                <a:cubicBezTo>
+                  <a:pt x="1104545" y="6135530"/>
+                  <a:pt x="996969" y="6110298"/>
+                  <a:pt x="909746" y="6070649"/>
+                </a:cubicBezTo>
+                <a:cubicBezTo>
+                  <a:pt x="802169" y="6020185"/>
+                  <a:pt x="738206" y="5926470"/>
+                  <a:pt x="659704" y="5818335"/>
+                </a:cubicBezTo>
+                <a:cubicBezTo>
+                  <a:pt x="738206" y="5789500"/>
+                  <a:pt x="787632" y="5868798"/>
+                  <a:pt x="851597" y="5865193"/>
+                </a:cubicBezTo>
+                <a:cubicBezTo>
+                  <a:pt x="854504" y="5854380"/>
+                  <a:pt x="860319" y="5832753"/>
+                  <a:pt x="860319" y="5832753"/>
+                </a:cubicBezTo>
+                <a:cubicBezTo>
+                  <a:pt x="755650" y="5775081"/>
+                  <a:pt x="709132" y="5666947"/>
+                  <a:pt x="691686" y="5533581"/>
+                </a:cubicBezTo>
+                <a:cubicBezTo>
+                  <a:pt x="685872" y="5465095"/>
+                  <a:pt x="648075" y="5443468"/>
+                  <a:pt x="610278" y="5411029"/>
+                </a:cubicBezTo>
+                <a:cubicBezTo>
+                  <a:pt x="482350" y="5299289"/>
+                  <a:pt x="345700" y="5198364"/>
+                  <a:pt x="238123" y="5046976"/>
+                </a:cubicBezTo>
+                <a:cubicBezTo>
+                  <a:pt x="363144" y="5064998"/>
+                  <a:pt x="461997" y="5165924"/>
+                  <a:pt x="592833" y="5209177"/>
+                </a:cubicBezTo>
+                <a:cubicBezTo>
+                  <a:pt x="488165" y="5043371"/>
+                  <a:pt x="351514" y="4956864"/>
+                  <a:pt x="226494" y="4855939"/>
+                </a:cubicBezTo>
+                <a:cubicBezTo>
+                  <a:pt x="168344" y="4809081"/>
+                  <a:pt x="116011" y="4751408"/>
+                  <a:pt x="49139" y="4726177"/>
+                </a:cubicBezTo>
+                <a:cubicBezTo>
+                  <a:pt x="25879" y="4718968"/>
+                  <a:pt x="-14825" y="4700947"/>
+                  <a:pt x="5527" y="4650483"/>
+                </a:cubicBezTo>
+                <a:cubicBezTo>
+                  <a:pt x="22972" y="4607230"/>
+                  <a:pt x="54954" y="4621648"/>
+                  <a:pt x="84029" y="4632460"/>
+                </a:cubicBezTo>
+                <a:cubicBezTo>
+                  <a:pt x="153807" y="4661296"/>
+                  <a:pt x="229401" y="4661296"/>
+                  <a:pt x="325347" y="4661296"/>
+                </a:cubicBezTo>
+                <a:cubicBezTo>
+                  <a:pt x="243939" y="4524326"/>
+                  <a:pt x="95658" y="4567580"/>
+                  <a:pt x="25879" y="4423401"/>
+                </a:cubicBezTo>
+                <a:cubicBezTo>
+                  <a:pt x="113103" y="4398170"/>
+                  <a:pt x="179975" y="4448632"/>
+                  <a:pt x="249753" y="4459446"/>
+                </a:cubicBezTo>
+                <a:cubicBezTo>
+                  <a:pt x="313718" y="4470259"/>
+                  <a:pt x="328254" y="4445028"/>
+                  <a:pt x="313718" y="4365729"/>
+                </a:cubicBezTo>
+                <a:cubicBezTo>
+                  <a:pt x="290458" y="4243177"/>
+                  <a:pt x="325347" y="4181900"/>
+                  <a:pt x="418386" y="4214341"/>
+                </a:cubicBezTo>
+                <a:cubicBezTo>
+                  <a:pt x="505609" y="4246781"/>
+                  <a:pt x="514332" y="4199922"/>
+                  <a:pt x="491072" y="4131438"/>
+                </a:cubicBezTo>
+                <a:cubicBezTo>
+                  <a:pt x="456183" y="4030512"/>
+                  <a:pt x="493979" y="3951214"/>
+                  <a:pt x="520147" y="3864706"/>
+                </a:cubicBezTo>
+                <a:cubicBezTo>
+                  <a:pt x="560851" y="3734945"/>
+                  <a:pt x="543407" y="3670064"/>
+                  <a:pt x="459090" y="3572743"/>
+                </a:cubicBezTo>
+                <a:cubicBezTo>
+                  <a:pt x="409664" y="3518676"/>
+                  <a:pt x="360236" y="3471818"/>
+                  <a:pt x="290458" y="3424959"/>
+                </a:cubicBezTo>
+                <a:cubicBezTo>
+                  <a:pt x="450368" y="3399728"/>
+                  <a:pt x="284643" y="3313221"/>
+                  <a:pt x="339884" y="3259153"/>
+                </a:cubicBezTo>
+                <a:cubicBezTo>
+                  <a:pt x="453275" y="3237527"/>
+                  <a:pt x="543407" y="3410542"/>
+                  <a:pt x="697501" y="3360078"/>
+                </a:cubicBezTo>
+                <a:cubicBezTo>
+                  <a:pt x="511425" y="3212294"/>
+                  <a:pt x="302087" y="3165436"/>
+                  <a:pt x="165437" y="2967190"/>
+                </a:cubicBezTo>
+                <a:cubicBezTo>
+                  <a:pt x="197419" y="2923937"/>
+                  <a:pt x="229401" y="2967190"/>
+                  <a:pt x="255568" y="2949167"/>
+                </a:cubicBezTo>
+                <a:cubicBezTo>
+                  <a:pt x="255568" y="2938354"/>
+                  <a:pt x="560851" y="3006840"/>
+                  <a:pt x="578296" y="2725691"/>
+                </a:cubicBezTo>
+                <a:cubicBezTo>
+                  <a:pt x="584111" y="2725691"/>
+                  <a:pt x="589926" y="2725691"/>
+                  <a:pt x="595740" y="2714876"/>
+                </a:cubicBezTo>
+                <a:cubicBezTo>
+                  <a:pt x="627722" y="2675228"/>
+                  <a:pt x="598648" y="2581510"/>
+                  <a:pt x="650982" y="2574301"/>
+                </a:cubicBezTo>
+                <a:cubicBezTo>
+                  <a:pt x="709132" y="2567092"/>
+                  <a:pt x="764373" y="2534653"/>
+                  <a:pt x="825429" y="2552674"/>
+                </a:cubicBezTo>
+                <a:cubicBezTo>
+                  <a:pt x="871949" y="2567092"/>
+                  <a:pt x="921375" y="2585115"/>
+                  <a:pt x="970802" y="2585115"/>
+                </a:cubicBezTo>
+                <a:cubicBezTo>
+                  <a:pt x="1023136" y="2585115"/>
+                  <a:pt x="1095822" y="2707668"/>
+                  <a:pt x="1127805" y="2545465"/>
+                </a:cubicBezTo>
+                <a:cubicBezTo>
+                  <a:pt x="1127805" y="2538257"/>
+                  <a:pt x="1217936" y="2556280"/>
+                  <a:pt x="1267362" y="2563488"/>
+                </a:cubicBezTo>
+                <a:cubicBezTo>
+                  <a:pt x="1308067" y="2570698"/>
+                  <a:pt x="1357494" y="2603137"/>
+                  <a:pt x="1386568" y="2538257"/>
+                </a:cubicBezTo>
+                <a:cubicBezTo>
+                  <a:pt x="1401105" y="2498607"/>
+                  <a:pt x="1331326" y="2426518"/>
+                  <a:pt x="1270270" y="2419309"/>
+                </a:cubicBezTo>
+                <a:cubicBezTo>
+                  <a:pt x="1215029" y="2412101"/>
+                  <a:pt x="1159787" y="2404892"/>
+                  <a:pt x="1107453" y="2419309"/>
+                </a:cubicBezTo>
+                <a:cubicBezTo>
+                  <a:pt x="1043489" y="2437331"/>
+                  <a:pt x="1008599" y="2408495"/>
+                  <a:pt x="991154" y="2343615"/>
+                </a:cubicBezTo>
+                <a:cubicBezTo>
+                  <a:pt x="970802" y="2275131"/>
+                  <a:pt x="933005" y="2239085"/>
+                  <a:pt x="880671" y="2206645"/>
+                </a:cubicBezTo>
+                <a:cubicBezTo>
+                  <a:pt x="752743" y="2127346"/>
+                  <a:pt x="630630" y="2033629"/>
+                  <a:pt x="491072" y="1986771"/>
+                </a:cubicBezTo>
+                <a:cubicBezTo>
+                  <a:pt x="464905" y="1979562"/>
+                  <a:pt x="432923" y="1965145"/>
+                  <a:pt x="421293" y="1903868"/>
+                </a:cubicBezTo>
+                <a:cubicBezTo>
+                  <a:pt x="799262" y="1997584"/>
+                  <a:pt x="1142342" y="2239085"/>
+                  <a:pt x="1531941" y="2224667"/>
+                </a:cubicBezTo>
+                <a:cubicBezTo>
+                  <a:pt x="1427272" y="2148974"/>
+                  <a:pt x="1302252" y="2145369"/>
+                  <a:pt x="1188861" y="2091301"/>
+                </a:cubicBezTo>
+                <a:cubicBezTo>
+                  <a:pt x="1270270" y="2051652"/>
+                  <a:pt x="1345864" y="2094906"/>
+                  <a:pt x="1421458" y="2116532"/>
+                </a:cubicBezTo>
+                <a:cubicBezTo>
+                  <a:pt x="1485422" y="2134554"/>
+                  <a:pt x="1543571" y="2138160"/>
+                  <a:pt x="1549386" y="2026420"/>
+                </a:cubicBezTo>
+                <a:cubicBezTo>
+                  <a:pt x="1549386" y="2015607"/>
+                  <a:pt x="1549386" y="2008398"/>
+                  <a:pt x="1549386" y="1997584"/>
+                </a:cubicBezTo>
+                <a:cubicBezTo>
+                  <a:pt x="1526126" y="1950727"/>
+                  <a:pt x="1494144" y="1929099"/>
+                  <a:pt x="1453440" y="1914682"/>
+                </a:cubicBezTo>
+                <a:cubicBezTo>
+                  <a:pt x="1430180" y="1907473"/>
+                  <a:pt x="1398198" y="1893056"/>
+                  <a:pt x="1398198" y="1860614"/>
+                </a:cubicBezTo>
+                <a:cubicBezTo>
+                  <a:pt x="1401105" y="1738063"/>
+                  <a:pt x="1322604" y="1702018"/>
+                  <a:pt x="1247011" y="1665972"/>
+                </a:cubicBezTo>
+                <a:cubicBezTo>
+                  <a:pt x="1287715" y="1604696"/>
+                  <a:pt x="1322604" y="1647950"/>
+                  <a:pt x="1354586" y="1644345"/>
+                </a:cubicBezTo>
+                <a:cubicBezTo>
+                  <a:pt x="1374939" y="1640741"/>
+                  <a:pt x="1395290" y="1637138"/>
+                  <a:pt x="1395290" y="1604696"/>
+                </a:cubicBezTo>
+                <a:cubicBezTo>
+                  <a:pt x="1395290" y="1579465"/>
+                  <a:pt x="1386568" y="1547025"/>
+                  <a:pt x="1366216" y="1547025"/>
+                </a:cubicBezTo>
+                <a:cubicBezTo>
+                  <a:pt x="1238288" y="1543420"/>
+                  <a:pt x="1165601" y="1370405"/>
+                  <a:pt x="1031858" y="1370405"/>
+                </a:cubicBezTo>
+                <a:cubicBezTo>
+                  <a:pt x="950450" y="1370405"/>
+                  <a:pt x="1072563" y="1273083"/>
+                  <a:pt x="1005692" y="1233435"/>
+                </a:cubicBezTo>
+                <a:cubicBezTo>
+                  <a:pt x="991154" y="1222621"/>
+                  <a:pt x="1046396" y="1208203"/>
+                  <a:pt x="1069655" y="1211808"/>
+                </a:cubicBezTo>
+                <a:cubicBezTo>
+                  <a:pt x="1092915" y="1215412"/>
+                  <a:pt x="1113268" y="1240644"/>
+                  <a:pt x="1142342" y="1222621"/>
+                </a:cubicBezTo>
+                <a:cubicBezTo>
+                  <a:pt x="1156879" y="1157741"/>
+                  <a:pt x="1119082" y="1132510"/>
+                  <a:pt x="1084193" y="1114487"/>
+                </a:cubicBezTo>
+                <a:cubicBezTo>
+                  <a:pt x="1008599" y="1071234"/>
+                  <a:pt x="933005" y="1020771"/>
+                  <a:pt x="848689" y="1006353"/>
+                </a:cubicBezTo>
+                <a:cubicBezTo>
+                  <a:pt x="819615" y="1002748"/>
+                  <a:pt x="802169" y="984726"/>
+                  <a:pt x="805077" y="948681"/>
+                </a:cubicBezTo>
+                <a:cubicBezTo>
+                  <a:pt x="810892" y="901822"/>
+                  <a:pt x="839967" y="916240"/>
+                  <a:pt x="863226" y="919844"/>
+                </a:cubicBezTo>
+                <a:cubicBezTo>
+                  <a:pt x="877764" y="923450"/>
+                  <a:pt x="892301" y="934263"/>
+                  <a:pt x="906838" y="909031"/>
+                </a:cubicBezTo>
+                <a:cubicBezTo>
+                  <a:pt x="566666" y="653113"/>
+                  <a:pt x="386404" y="667532"/>
+                  <a:pt x="5527" y="458471"/>
+                </a:cubicBezTo>
+                <a:cubicBezTo>
+                  <a:pt x="89843" y="418822"/>
+                  <a:pt x="150900" y="447658"/>
+                  <a:pt x="209049" y="454867"/>
+                </a:cubicBezTo>
+                <a:cubicBezTo>
+                  <a:pt x="354422" y="472890"/>
+                  <a:pt x="264290" y="505329"/>
+                  <a:pt x="409664" y="526956"/>
+                </a:cubicBezTo>
+                <a:cubicBezTo>
+                  <a:pt x="479443" y="537770"/>
+                  <a:pt x="543407" y="573815"/>
+                  <a:pt x="621908" y="516143"/>
+                </a:cubicBezTo>
+                <a:cubicBezTo>
+                  <a:pt x="674242" y="476494"/>
+                  <a:pt x="758558" y="519747"/>
+                  <a:pt x="822522" y="552188"/>
+                </a:cubicBezTo>
+                <a:cubicBezTo>
+                  <a:pt x="874856" y="581024"/>
+                  <a:pt x="927190" y="588232"/>
+                  <a:pt x="996969" y="552188"/>
+                </a:cubicBezTo>
+                <a:cubicBezTo>
+                  <a:pt x="933005" y="530562"/>
+                  <a:pt x="883579" y="512539"/>
+                  <a:pt x="834151" y="498120"/>
+                </a:cubicBezTo>
+                <a:cubicBezTo>
+                  <a:pt x="793447" y="487307"/>
+                  <a:pt x="770187" y="462076"/>
+                  <a:pt x="773095" y="408008"/>
+                </a:cubicBezTo>
+                <a:cubicBezTo>
+                  <a:pt x="773095" y="379172"/>
+                  <a:pt x="764373" y="339523"/>
+                  <a:pt x="793447" y="325106"/>
+                </a:cubicBezTo>
+                <a:cubicBezTo>
+                  <a:pt x="816707" y="310688"/>
+                  <a:pt x="848689" y="325106"/>
+                  <a:pt x="860319" y="350336"/>
+                </a:cubicBezTo>
+                <a:cubicBezTo>
+                  <a:pt x="874856" y="397195"/>
+                  <a:pt x="889393" y="440449"/>
+                  <a:pt x="938820" y="444054"/>
+                </a:cubicBezTo>
+                <a:cubicBezTo>
+                  <a:pt x="1005692" y="451262"/>
+                  <a:pt x="967894" y="422426"/>
+                  <a:pt x="956265" y="386381"/>
+                </a:cubicBezTo>
+                <a:cubicBezTo>
+                  <a:pt x="944635" y="346733"/>
+                  <a:pt x="979525" y="335919"/>
+                  <a:pt x="1002784" y="343127"/>
+                </a:cubicBezTo>
+                <a:cubicBezTo>
+                  <a:pt x="1090008" y="375569"/>
+                  <a:pt x="1180139" y="317897"/>
+                  <a:pt x="1270270" y="364755"/>
+                </a:cubicBezTo>
+                <a:cubicBezTo>
+                  <a:pt x="1247011" y="249411"/>
+                  <a:pt x="1197583" y="198949"/>
+                  <a:pt x="1092915" y="180926"/>
+                </a:cubicBezTo>
+                <a:cubicBezTo>
+                  <a:pt x="1055118" y="177322"/>
+                  <a:pt x="1014414" y="184530"/>
+                  <a:pt x="979525" y="152090"/>
+                </a:cubicBezTo>
+                <a:cubicBezTo>
+                  <a:pt x="959172" y="134068"/>
+                  <a:pt x="938820" y="112441"/>
+                  <a:pt x="953358" y="76396"/>
+                </a:cubicBezTo>
+                <a:cubicBezTo>
+                  <a:pt x="962080" y="51165"/>
+                  <a:pt x="985339" y="51165"/>
+                  <a:pt x="1005692" y="58373"/>
+                </a:cubicBezTo>
+                <a:cubicBezTo>
+                  <a:pt x="1090008" y="98023"/>
+                  <a:pt x="1180139" y="108837"/>
+                  <a:pt x="1267362" y="123254"/>
+                </a:cubicBezTo>
+                <a:cubicBezTo>
+                  <a:pt x="1281900" y="126859"/>
+                  <a:pt x="1296437" y="134068"/>
+                  <a:pt x="1310975" y="98023"/>
+                </a:cubicBezTo>
+                <a:cubicBezTo>
+                  <a:pt x="1260095" y="81803"/>
+                  <a:pt x="1209941" y="62879"/>
+                  <a:pt x="1159787" y="43505"/>
+                </a:cubicBezTo>
+                <a:close/>
+              </a:path>
+            </a:pathLst>
+          </a:custGeom>
+          <a:solidFill>
+            <a:schemeClr val="bg2">
+              <a:alpha val="50000"/>
+            </a:schemeClr>
+          </a:solidFill>
+          <a:ln w="32707" cap="flat">
+            <a:noFill/>
+            <a:prstDash val="solid"/>
+            <a:miter/>
+          </a:ln>
+        </p:spPr>
+        <p:txBody>
+          <a:bodyPr wrap="square" rtlCol="0" anchor="ctr">
+            <a:noAutofit/>
+          </a:bodyPr>
+          <a:lstStyle/>
+          <a:p>
+            <a:pPr algn="ctr"/>
+            <a:endParaRPr lang="en-US"/>
+          </a:p>
+        </p:txBody>
+      </p:sp>
+      <p:sp>
+        <p:nvSpPr>
+          <p:cNvPr id="2" name="Title 1">
+            <a:extLst>
+              <a:ext uri="{FF2B5EF4-FFF2-40B4-BE49-F238E27FC236}">
+                <a16:creationId xmlns:a16="http://schemas.microsoft.com/office/drawing/2014/main" id="{8FC14BC8-4F1F-7AA8-FBC5-206CC6B4EA7D}"/>
+              </a:ext>
+            </a:extLst>
+          </p:cNvPr>
+          <p:cNvSpPr>
+            <a:spLocks noGrp="1"/>
+          </p:cNvSpPr>
+          <p:nvPr>
+            <p:ph type="title"/>
+          </p:nvPr>
+        </p:nvSpPr>
+        <p:spPr>
+          <a:xfrm>
+            <a:off x="838201" y="643467"/>
+            <a:ext cx="3888526" cy="1800526"/>
+          </a:xfrm>
+        </p:spPr>
+        <p:txBody>
+          <a:bodyPr>
+            <a:normAutofit/>
+          </a:bodyPr>
+          <a:lstStyle/>
+          <a:p>
+            <a:r>
+              <a:rPr lang="en-GB"/>
+              <a:t>Obstacles	</a:t>
+            </a:r>
+          </a:p>
+        </p:txBody>
+      </p:sp>
+      <p:sp>
+        <p:nvSpPr>
+          <p:cNvPr id="3" name="Content Placeholder 2">
+            <a:extLst>
+              <a:ext uri="{FF2B5EF4-FFF2-40B4-BE49-F238E27FC236}">
+                <a16:creationId xmlns:a16="http://schemas.microsoft.com/office/drawing/2014/main" id="{079FA990-F3D7-85EA-EED1-3CDC242AF310}"/>
+              </a:ext>
+            </a:extLst>
+          </p:cNvPr>
+          <p:cNvSpPr>
+            <a:spLocks noGrp="1"/>
+          </p:cNvSpPr>
+          <p:nvPr>
+            <p:ph idx="1"/>
+          </p:nvPr>
+        </p:nvSpPr>
+        <p:spPr>
+          <a:xfrm>
+            <a:off x="838201" y="2623381"/>
+            <a:ext cx="3888528" cy="3553581"/>
+          </a:xfrm>
+        </p:spPr>
+        <p:txBody>
+          <a:bodyPr>
+            <a:normAutofit/>
+          </a:bodyPr>
+          <a:lstStyle/>
+          <a:p>
+            <a:r>
+              <a:rPr lang="en-GB" sz="2000" dirty="0"/>
+              <a:t>Data was for the following situations:</a:t>
+            </a:r>
+          </a:p>
+          <a:p>
+            <a:pPr lvl="1"/>
+            <a:r>
+              <a:rPr lang="en-GB" sz="2000" dirty="0"/>
+              <a:t>No obstacle in place</a:t>
+            </a:r>
+          </a:p>
+          <a:p>
+            <a:pPr lvl="1"/>
+            <a:r>
+              <a:rPr lang="en-GB" sz="2000" dirty="0"/>
+              <a:t>Closed door</a:t>
+            </a:r>
+          </a:p>
+          <a:p>
+            <a:pPr lvl="1"/>
+            <a:r>
+              <a:rPr lang="en-GB" sz="2000" dirty="0"/>
+              <a:t>Tall narrow bin (width: 30cm, height: 75cm approx.)</a:t>
+            </a:r>
+          </a:p>
+          <a:p>
+            <a:pPr lvl="1"/>
+            <a:r>
+              <a:rPr lang="en-GB" sz="2000" dirty="0"/>
+              <a:t>Storage box/cabinet (width: 40cm, height: 95cm)</a:t>
+            </a:r>
+          </a:p>
+          <a:p>
+            <a:pPr lvl="1"/>
+            <a:r>
+              <a:rPr lang="en-GB" sz="2000" dirty="0"/>
+              <a:t>Narrow, round display stand (width: 20cm, height: 70cm)</a:t>
+            </a:r>
+          </a:p>
+          <a:p>
+            <a:pPr lvl="1"/>
+            <a:endParaRPr lang="en-GB" sz="2000" dirty="0"/>
           </a:p>
         </p:txBody>
       </p:sp>
       <p:pic>
         <p:nvPicPr>
-          <p:cNvPr id="10" name="Picture 9">
+          <p:cNvPr id="5" name="Picture 4">
             <a:extLst>
               <a:ext uri="{FF2B5EF4-FFF2-40B4-BE49-F238E27FC236}">
-                <a16:creationId xmlns:a16="http://schemas.microsoft.com/office/drawing/2014/main" id="{6E8B206B-D511-A63B-3E61-273A4FEAC381}"/>
+                <a16:creationId xmlns:a16="http://schemas.microsoft.com/office/drawing/2014/main" id="{2ADE34E4-E9C1-E582-7141-769B5E09BDAF}"/>
               </a:ext>
             </a:extLst>
           </p:cNvPr>
@@ -4633,350 +10445,683 @@
         </p:nvPicPr>
         <p:blipFill rotWithShape="1">
           <a:blip r:embed="rId2"/>
-          <a:srcRect t="15251" r="3" b="13590"/>
+          <a:srcRect l="11694" r="15122" b="-2"/>
           <a:stretch/>
         </p:blipFill>
         <p:spPr>
           <a:xfrm>
-            <a:off x="5702185" y="1"/>
-            <a:ext cx="6489823" cy="3429002"/>
+            <a:off x="7665902" y="643234"/>
+            <a:ext cx="3017715" cy="5599876"/>
           </a:xfrm>
-          <a:custGeom>
+          <a:prstGeom prst="rect">
             <a:avLst/>
-            <a:gdLst/>
-            <a:ahLst/>
-            <a:cxnLst/>
-            <a:rect l="l" t="t" r="r" b="b"/>
-            <a:pathLst>
-              <a:path w="6489823" h="3421047">
-                <a:moveTo>
-                  <a:pt x="383239" y="0"/>
-                </a:moveTo>
-                <a:lnTo>
-                  <a:pt x="6489823" y="0"/>
-                </a:lnTo>
-                <a:lnTo>
-                  <a:pt x="6489823" y="3421047"/>
-                </a:lnTo>
-                <a:lnTo>
-                  <a:pt x="0" y="3421047"/>
-                </a:lnTo>
-                <a:lnTo>
-                  <a:pt x="10162" y="3368785"/>
-                </a:lnTo>
-                <a:cubicBezTo>
-                  <a:pt x="15448" y="3346584"/>
-                  <a:pt x="22094" y="3323293"/>
-                  <a:pt x="30699" y="3298569"/>
-                </a:cubicBezTo>
-                <a:cubicBezTo>
-                  <a:pt x="41150" y="3275988"/>
-                  <a:pt x="42443" y="3246652"/>
-                  <a:pt x="33589" y="3233050"/>
-                </a:cubicBezTo>
-                <a:cubicBezTo>
-                  <a:pt x="32065" y="3230708"/>
-                  <a:pt x="30291" y="3228932"/>
-                  <a:pt x="28325" y="3227777"/>
-                </a:cubicBezTo>
-                <a:cubicBezTo>
-                  <a:pt x="30678" y="3188484"/>
-                  <a:pt x="72205" y="3103624"/>
-                  <a:pt x="73382" y="3050568"/>
-                </a:cubicBezTo>
-                <a:cubicBezTo>
-                  <a:pt x="69165" y="3022639"/>
-                  <a:pt x="68605" y="2960322"/>
-                  <a:pt x="84953" y="2920501"/>
-                </a:cubicBezTo>
-                <a:cubicBezTo>
-                  <a:pt x="69327" y="2932298"/>
-                  <a:pt x="121103" y="2664904"/>
-                  <a:pt x="109217" y="2657859"/>
-                </a:cubicBezTo>
-                <a:cubicBezTo>
-                  <a:pt x="110075" y="2597031"/>
-                  <a:pt x="138136" y="2522558"/>
-                  <a:pt x="139777" y="2464312"/>
-                </a:cubicBezTo>
-                <a:cubicBezTo>
-                  <a:pt x="141801" y="2450201"/>
-                  <a:pt x="199861" y="2246813"/>
-                  <a:pt x="198683" y="2236608"/>
-                </a:cubicBezTo>
-                <a:lnTo>
-                  <a:pt x="283684" y="1924542"/>
-                </a:lnTo>
-                <a:cubicBezTo>
-                  <a:pt x="313071" y="1811100"/>
-                  <a:pt x="307196" y="1868801"/>
-                  <a:pt x="336583" y="1755359"/>
-                </a:cubicBezTo>
-                <a:cubicBezTo>
-                  <a:pt x="383246" y="1573239"/>
-                  <a:pt x="363875" y="1577802"/>
-                  <a:pt x="409119" y="1401207"/>
-                </a:cubicBezTo>
-                <a:cubicBezTo>
-                  <a:pt x="428998" y="1329345"/>
-                  <a:pt x="403240" y="1279669"/>
-                  <a:pt x="421957" y="1175450"/>
-                </a:cubicBezTo>
-                <a:cubicBezTo>
-                  <a:pt x="442602" y="1107577"/>
-                  <a:pt x="340683" y="794854"/>
-                  <a:pt x="369233" y="688836"/>
-                </a:cubicBezTo>
-                <a:cubicBezTo>
-                  <a:pt x="378440" y="610640"/>
-                  <a:pt x="331945" y="587322"/>
-                  <a:pt x="346155" y="513896"/>
-                </a:cubicBezTo>
-                <a:cubicBezTo>
-                  <a:pt x="351974" y="496939"/>
-                  <a:pt x="362179" y="406394"/>
-                  <a:pt x="344911" y="393010"/>
-                </a:cubicBezTo>
-                <a:cubicBezTo>
-                  <a:pt x="389436" y="301493"/>
-                  <a:pt x="356186" y="264408"/>
-                  <a:pt x="369960" y="232042"/>
-                </a:cubicBezTo>
-                <a:cubicBezTo>
-                  <a:pt x="394611" y="153791"/>
-                  <a:pt x="372056" y="165633"/>
-                  <a:pt x="392742" y="72037"/>
-                </a:cubicBezTo>
-                <a:cubicBezTo>
-                  <a:pt x="398537" y="53819"/>
-                  <a:pt x="397997" y="38693"/>
-                  <a:pt x="394525" y="25405"/>
-                </a:cubicBezTo>
-                <a:close/>
-              </a:path>
-            </a:pathLst>
-          </a:custGeom>
-        </p:spPr>
-      </p:pic>
-      <p:pic>
-        <p:nvPicPr>
-          <p:cNvPr id="7" name="Picture 6">
-            <a:extLst>
-              <a:ext uri="{FF2B5EF4-FFF2-40B4-BE49-F238E27FC236}">
-                <a16:creationId xmlns:a16="http://schemas.microsoft.com/office/drawing/2014/main" id="{0709735F-5522-4370-64BE-879B87E10B45}"/>
-              </a:ext>
-            </a:extLst>
-          </p:cNvPr>
-          <p:cNvPicPr>
-            <a:picLocks noChangeAspect="1"/>
-          </p:cNvPicPr>
-          <p:nvPr/>
-        </p:nvPicPr>
-        <p:blipFill rotWithShape="1">
-          <a:blip r:embed="rId3"/>
-          <a:srcRect r="-3" b="18663"/>
-          <a:stretch/>
-        </p:blipFill>
-        <p:spPr>
-          <a:xfrm>
-            <a:off x="5419420" y="3429000"/>
-            <a:ext cx="6772580" cy="3429000"/>
-          </a:xfrm>
-          <a:custGeom>
-            <a:avLst/>
-            <a:gdLst/>
-            <a:ahLst/>
-            <a:cxnLst/>
-            <a:rect l="l" t="t" r="r" b="b"/>
-            <a:pathLst>
-              <a:path w="6772580" h="3429000">
-                <a:moveTo>
-                  <a:pt x="271594" y="0"/>
-                </a:moveTo>
-                <a:lnTo>
-                  <a:pt x="6772580" y="0"/>
-                </a:lnTo>
-                <a:lnTo>
-                  <a:pt x="6772580" y="3429000"/>
-                </a:lnTo>
-                <a:lnTo>
-                  <a:pt x="8976" y="3429000"/>
-                </a:lnTo>
-                <a:lnTo>
-                  <a:pt x="7894" y="3419403"/>
-                </a:lnTo>
-                <a:cubicBezTo>
-                  <a:pt x="2772" y="3402540"/>
-                  <a:pt x="-7409" y="3393117"/>
-                  <a:pt x="8790" y="3369074"/>
-                </a:cubicBezTo>
-                <a:cubicBezTo>
-                  <a:pt x="18674" y="3308209"/>
-                  <a:pt x="52540" y="3147708"/>
-                  <a:pt x="69466" y="3074368"/>
-                </a:cubicBezTo>
-                <a:cubicBezTo>
-                  <a:pt x="86170" y="2985158"/>
-                  <a:pt x="141939" y="2988106"/>
-                  <a:pt x="138108" y="2937087"/>
-                </a:cubicBezTo>
-                <a:lnTo>
-                  <a:pt x="159153" y="2788751"/>
-                </a:lnTo>
-                <a:cubicBezTo>
-                  <a:pt x="164508" y="2771521"/>
-                  <a:pt x="169861" y="2754291"/>
-                  <a:pt x="175215" y="2737061"/>
-                </a:cubicBezTo>
-                <a:lnTo>
-                  <a:pt x="178713" y="2662493"/>
-                </a:lnTo>
-                <a:cubicBezTo>
-                  <a:pt x="182744" y="2662176"/>
-                  <a:pt x="175495" y="2610710"/>
-                  <a:pt x="177952" y="2608178"/>
-                </a:cubicBezTo>
-                <a:lnTo>
-                  <a:pt x="200637" y="2557490"/>
-                </a:lnTo>
-                <a:lnTo>
-                  <a:pt x="210272" y="2500823"/>
-                </a:lnTo>
-                <a:cubicBezTo>
-                  <a:pt x="210821" y="2477149"/>
-                  <a:pt x="233533" y="2498323"/>
-                  <a:pt x="235189" y="2456370"/>
-                </a:cubicBezTo>
-                <a:cubicBezTo>
-                  <a:pt x="241238" y="2390087"/>
-                  <a:pt x="270663" y="2342381"/>
-                  <a:pt x="270108" y="2307778"/>
-                </a:cubicBezTo>
-                <a:cubicBezTo>
-                  <a:pt x="279775" y="2252634"/>
-                  <a:pt x="274008" y="2281735"/>
-                  <a:pt x="270232" y="2227103"/>
-                </a:cubicBezTo>
-                <a:cubicBezTo>
-                  <a:pt x="277898" y="2187203"/>
-                  <a:pt x="273018" y="2179895"/>
-                  <a:pt x="278972" y="2138456"/>
-                </a:cubicBezTo>
-                <a:cubicBezTo>
-                  <a:pt x="286874" y="2113373"/>
-                  <a:pt x="293454" y="2098825"/>
-                  <a:pt x="284204" y="2092747"/>
-                </a:cubicBezTo>
-                <a:cubicBezTo>
-                  <a:pt x="285267" y="2080110"/>
-                  <a:pt x="308510" y="2021121"/>
-                  <a:pt x="306856" y="2003128"/>
-                </a:cubicBezTo>
-                <a:lnTo>
-                  <a:pt x="296216" y="1944367"/>
-                </a:lnTo>
-                <a:lnTo>
-                  <a:pt x="316030" y="1836128"/>
-                </a:lnTo>
-                <a:cubicBezTo>
-                  <a:pt x="300726" y="1810623"/>
-                  <a:pt x="342411" y="1768654"/>
-                  <a:pt x="329496" y="1735241"/>
-                </a:cubicBezTo>
-                <a:cubicBezTo>
-                  <a:pt x="331336" y="1711720"/>
-                  <a:pt x="339485" y="1722162"/>
-                  <a:pt x="343347" y="1679383"/>
-                </a:cubicBezTo>
-                <a:cubicBezTo>
-                  <a:pt x="349669" y="1616089"/>
-                  <a:pt x="356013" y="1614119"/>
-                  <a:pt x="360800" y="1554542"/>
-                </a:cubicBezTo>
-                <a:cubicBezTo>
-                  <a:pt x="361799" y="1491472"/>
-                  <a:pt x="380405" y="1496141"/>
-                  <a:pt x="377978" y="1470595"/>
-                </a:cubicBezTo>
-                <a:cubicBezTo>
-                  <a:pt x="371480" y="1445071"/>
-                  <a:pt x="407310" y="1366942"/>
-                  <a:pt x="396801" y="1354553"/>
-                </a:cubicBezTo>
-                <a:cubicBezTo>
-                  <a:pt x="387984" y="1324635"/>
-                  <a:pt x="389939" y="1306198"/>
-                  <a:pt x="378799" y="1292983"/>
-                </a:cubicBezTo>
-                <a:cubicBezTo>
-                  <a:pt x="368230" y="1254082"/>
-                  <a:pt x="380918" y="1242866"/>
-                  <a:pt x="362697" y="1241293"/>
-                </a:cubicBezTo>
-                <a:lnTo>
-                  <a:pt x="339388" y="1147085"/>
-                </a:lnTo>
-                <a:cubicBezTo>
-                  <a:pt x="350485" y="1118433"/>
-                  <a:pt x="353159" y="1072754"/>
-                  <a:pt x="339952" y="1071934"/>
-                </a:cubicBezTo>
-                <a:cubicBezTo>
-                  <a:pt x="327895" y="1004911"/>
-                  <a:pt x="358371" y="924985"/>
-                  <a:pt x="347188" y="889800"/>
-                </a:cubicBezTo>
-                <a:cubicBezTo>
-                  <a:pt x="334220" y="804597"/>
-                  <a:pt x="342717" y="786582"/>
-                  <a:pt x="338803" y="749936"/>
-                </a:cubicBezTo>
-                <a:cubicBezTo>
-                  <a:pt x="334890" y="713292"/>
-                  <a:pt x="337271" y="707557"/>
-                  <a:pt x="323706" y="669931"/>
-                </a:cubicBezTo>
-                <a:lnTo>
-                  <a:pt x="313326" y="559992"/>
-                </a:lnTo>
-                <a:cubicBezTo>
-                  <a:pt x="314747" y="543769"/>
-                  <a:pt x="268004" y="450294"/>
-                  <a:pt x="272650" y="451529"/>
-                </a:cubicBezTo>
-                <a:lnTo>
-                  <a:pt x="256593" y="392499"/>
-                </a:lnTo>
-                <a:cubicBezTo>
-                  <a:pt x="276778" y="343341"/>
-                  <a:pt x="246535" y="361906"/>
-                  <a:pt x="249583" y="321981"/>
-                </a:cubicBezTo>
-                <a:cubicBezTo>
-                  <a:pt x="256450" y="297359"/>
-                  <a:pt x="256557" y="284789"/>
-                  <a:pt x="245172" y="280016"/>
-                </a:cubicBezTo>
-                <a:cubicBezTo>
-                  <a:pt x="279102" y="164139"/>
-                  <a:pt x="241674" y="235649"/>
-                  <a:pt x="249784" y="152538"/>
-                </a:cubicBezTo>
-                <a:cubicBezTo>
-                  <a:pt x="254846" y="115053"/>
-                  <a:pt x="258144" y="77317"/>
-                  <a:pt x="264479" y="36591"/>
-                </a:cubicBezTo>
-                <a:close/>
-              </a:path>
-            </a:pathLst>
-          </a:custGeom>
+          </a:prstGeom>
         </p:spPr>
       </p:pic>
     </p:spTree>
     <p:extLst>
       <p:ext uri="{BB962C8B-B14F-4D97-AF65-F5344CB8AC3E}">
-        <p14:creationId xmlns:p14="http://schemas.microsoft.com/office/powerpoint/2010/main" val="1539327568"/>
+        <p14:creationId xmlns:p14="http://schemas.microsoft.com/office/powerpoint/2010/main" val="473856088"/>
+      </p:ext>
+    </p:extLst>
+  </p:cSld>
+  <p:clrMapOvr>
+    <a:masterClrMapping/>
+  </p:clrMapOvr>
+</p:sld>
+</file>
+
+<file path=ppt/slides/slide5.xml><?xml version="1.0" encoding="utf-8"?>
+<p:sld xmlns:a="http://schemas.openxmlformats.org/drawingml/2006/main" xmlns:r="http://schemas.openxmlformats.org/officeDocument/2006/relationships" xmlns:p="http://schemas.openxmlformats.org/presentationml/2006/main">
+  <p:cSld>
+    <p:spTree>
+      <p:nvGrpSpPr>
+        <p:cNvPr id="1" name=""/>
+        <p:cNvGrpSpPr/>
+        <p:nvPr/>
+      </p:nvGrpSpPr>
+      <p:grpSpPr>
+        <a:xfrm>
+          <a:off x="0" y="0"/>
+          <a:ext cx="0" cy="0"/>
+          <a:chOff x="0" y="0"/>
+          <a:chExt cx="0" cy="0"/>
+        </a:xfrm>
+      </p:grpSpPr>
+      <p:sp>
+        <p:nvSpPr>
+          <p:cNvPr id="2" name="Title 1">
+            <a:extLst>
+              <a:ext uri="{FF2B5EF4-FFF2-40B4-BE49-F238E27FC236}">
+                <a16:creationId xmlns:a16="http://schemas.microsoft.com/office/drawing/2014/main" id="{96A282CB-AA3E-53D1-6F6E-D75F26AF7C39}"/>
+              </a:ext>
+            </a:extLst>
+          </p:cNvPr>
+          <p:cNvSpPr>
+            <a:spLocks noGrp="1"/>
+          </p:cNvSpPr>
+          <p:nvPr>
+            <p:ph type="title"/>
+          </p:nvPr>
+        </p:nvSpPr>
+        <p:spPr/>
+        <p:txBody>
+          <a:bodyPr/>
+          <a:lstStyle/>
+          <a:p>
+            <a:r>
+              <a:rPr lang="en-GB" dirty="0"/>
+              <a:t>Empty Hallway (Area A)</a:t>
+            </a:r>
+          </a:p>
+        </p:txBody>
+      </p:sp>
+      <p:pic>
+        <p:nvPicPr>
+          <p:cNvPr id="5" name="Content Placeholder 4" descr="Graphical user interface, application, PowerPoint&#10;&#10;Description automatically generated">
+            <a:extLst>
+              <a:ext uri="{FF2B5EF4-FFF2-40B4-BE49-F238E27FC236}">
+                <a16:creationId xmlns:a16="http://schemas.microsoft.com/office/drawing/2014/main" id="{5E1ADCE3-1053-414F-AEDB-7CD776B6F5E0}"/>
+              </a:ext>
+            </a:extLst>
+          </p:cNvPr>
+          <p:cNvPicPr>
+            <a:picLocks noGrp="1" noChangeAspect="1"/>
+          </p:cNvPicPr>
+          <p:nvPr>
+            <p:ph idx="1"/>
+          </p:nvPr>
+        </p:nvPicPr>
+        <p:blipFill>
+          <a:blip r:embed="rId2">
+            <a:extLst>
+              <a:ext uri="{28A0092B-C50C-407E-A947-70E740481C1C}">
+                <a14:useLocalDpi xmlns:a14="http://schemas.microsoft.com/office/drawing/2010/main" val="0"/>
+              </a:ext>
+            </a:extLst>
+          </a:blip>
+          <a:stretch>
+            <a:fillRect/>
+          </a:stretch>
+        </p:blipFill>
+        <p:spPr>
+          <a:xfrm>
+            <a:off x="559647" y="1565564"/>
+            <a:ext cx="10640289" cy="5292436"/>
+          </a:xfrm>
+        </p:spPr>
+      </p:pic>
+      <p:sp>
+        <p:nvSpPr>
+          <p:cNvPr id="6" name="TextBox 5">
+            <a:extLst>
+              <a:ext uri="{FF2B5EF4-FFF2-40B4-BE49-F238E27FC236}">
+                <a16:creationId xmlns:a16="http://schemas.microsoft.com/office/drawing/2014/main" id="{A25B2BBF-B6C9-AC61-2B00-47EE6ABBA1EE}"/>
+              </a:ext>
+            </a:extLst>
+          </p:cNvPr>
+          <p:cNvSpPr txBox="1"/>
+          <p:nvPr/>
+        </p:nvSpPr>
+        <p:spPr>
+          <a:xfrm>
+            <a:off x="5871549" y="1273176"/>
+            <a:ext cx="448901" cy="584775"/>
+          </a:xfrm>
+          <a:prstGeom prst="rect">
+            <a:avLst/>
+          </a:prstGeom>
+          <a:noFill/>
+        </p:spPr>
+        <p:txBody>
+          <a:bodyPr wrap="square" rtlCol="0">
+            <a:spAutoFit/>
+          </a:bodyPr>
+          <a:lstStyle/>
+          <a:p>
+            <a:r>
+              <a:rPr lang="en-GB" sz="3200" dirty="0">
+                <a:solidFill>
+                  <a:srgbClr val="FF0000"/>
+                </a:solidFill>
+              </a:rPr>
+              <a:t>X</a:t>
+            </a:r>
+          </a:p>
+        </p:txBody>
+      </p:sp>
+    </p:spTree>
+    <p:extLst>
+      <p:ext uri="{BB962C8B-B14F-4D97-AF65-F5344CB8AC3E}">
+        <p14:creationId xmlns:p14="http://schemas.microsoft.com/office/powerpoint/2010/main" val="3065303301"/>
+      </p:ext>
+    </p:extLst>
+  </p:cSld>
+  <p:clrMapOvr>
+    <a:masterClrMapping/>
+  </p:clrMapOvr>
+</p:sld>
+</file>
+
+<file path=ppt/slides/slide6.xml><?xml version="1.0" encoding="utf-8"?>
+<p:sld xmlns:a="http://schemas.openxmlformats.org/drawingml/2006/main" xmlns:r="http://schemas.openxmlformats.org/officeDocument/2006/relationships" xmlns:p="http://schemas.openxmlformats.org/presentationml/2006/main">
+  <p:cSld>
+    <p:spTree>
+      <p:nvGrpSpPr>
+        <p:cNvPr id="1" name=""/>
+        <p:cNvGrpSpPr/>
+        <p:nvPr/>
+      </p:nvGrpSpPr>
+      <p:grpSpPr>
+        <a:xfrm>
+          <a:off x="0" y="0"/>
+          <a:ext cx="0" cy="0"/>
+          <a:chOff x="0" y="0"/>
+          <a:chExt cx="0" cy="0"/>
+        </a:xfrm>
+      </p:grpSpPr>
+      <p:pic>
+        <p:nvPicPr>
+          <p:cNvPr id="8" name="Content Placeholder 7" descr="Diagram, engineering drawing&#10;&#10;Description automatically generated">
+            <a:extLst>
+              <a:ext uri="{FF2B5EF4-FFF2-40B4-BE49-F238E27FC236}">
+                <a16:creationId xmlns:a16="http://schemas.microsoft.com/office/drawing/2014/main" id="{9BC8ED27-A506-14A2-33E5-4FE996D76AF1}"/>
+              </a:ext>
+            </a:extLst>
+          </p:cNvPr>
+          <p:cNvPicPr>
+            <a:picLocks noGrp="1" noChangeAspect="1"/>
+          </p:cNvPicPr>
+          <p:nvPr>
+            <p:ph idx="1"/>
+          </p:nvPr>
+        </p:nvPicPr>
+        <p:blipFill>
+          <a:blip r:embed="rId2">
+            <a:extLst>
+              <a:ext uri="{28A0092B-C50C-407E-A947-70E740481C1C}">
+                <a14:useLocalDpi xmlns:a14="http://schemas.microsoft.com/office/drawing/2010/main" val="0"/>
+              </a:ext>
+            </a:extLst>
+          </a:blip>
+          <a:stretch>
+            <a:fillRect/>
+          </a:stretch>
+        </p:blipFill>
+        <p:spPr>
+          <a:xfrm>
+            <a:off x="601043" y="1508712"/>
+            <a:ext cx="10752757" cy="5348377"/>
+          </a:xfrm>
+        </p:spPr>
+      </p:pic>
+      <p:sp>
+        <p:nvSpPr>
+          <p:cNvPr id="2" name="Title 1">
+            <a:extLst>
+              <a:ext uri="{FF2B5EF4-FFF2-40B4-BE49-F238E27FC236}">
+                <a16:creationId xmlns:a16="http://schemas.microsoft.com/office/drawing/2014/main" id="{A91CC00A-EB51-41A1-0806-2A003ECD0A05}"/>
+              </a:ext>
+            </a:extLst>
+          </p:cNvPr>
+          <p:cNvSpPr>
+            <a:spLocks noGrp="1"/>
+          </p:cNvSpPr>
+          <p:nvPr>
+            <p:ph type="title"/>
+          </p:nvPr>
+        </p:nvSpPr>
+        <p:spPr/>
+        <p:txBody>
+          <a:bodyPr/>
+          <a:lstStyle/>
+          <a:p>
+            <a:r>
+              <a:rPr lang="en-GB" dirty="0"/>
+              <a:t>Closed Door (Area A)</a:t>
+            </a:r>
+          </a:p>
+        </p:txBody>
+      </p:sp>
+      <p:sp>
+        <p:nvSpPr>
+          <p:cNvPr id="6" name="TextBox 5">
+            <a:extLst>
+              <a:ext uri="{FF2B5EF4-FFF2-40B4-BE49-F238E27FC236}">
+                <a16:creationId xmlns:a16="http://schemas.microsoft.com/office/drawing/2014/main" id="{A689C3F4-C918-EB26-FF3B-EFDFEA6D94CE}"/>
+              </a:ext>
+            </a:extLst>
+          </p:cNvPr>
+          <p:cNvSpPr txBox="1"/>
+          <p:nvPr/>
+        </p:nvSpPr>
+        <p:spPr>
+          <a:xfrm>
+            <a:off x="5871549" y="1273176"/>
+            <a:ext cx="448901" cy="584775"/>
+          </a:xfrm>
+          <a:prstGeom prst="rect">
+            <a:avLst/>
+          </a:prstGeom>
+          <a:noFill/>
+        </p:spPr>
+        <p:txBody>
+          <a:bodyPr wrap="square" rtlCol="0">
+            <a:spAutoFit/>
+          </a:bodyPr>
+          <a:lstStyle/>
+          <a:p>
+            <a:r>
+              <a:rPr lang="en-GB" sz="3200" dirty="0">
+                <a:solidFill>
+                  <a:srgbClr val="FF0000"/>
+                </a:solidFill>
+              </a:rPr>
+              <a:t>X</a:t>
+            </a:r>
+          </a:p>
+        </p:txBody>
+      </p:sp>
+    </p:spTree>
+    <p:extLst>
+      <p:ext uri="{BB962C8B-B14F-4D97-AF65-F5344CB8AC3E}">
+        <p14:creationId xmlns:p14="http://schemas.microsoft.com/office/powerpoint/2010/main" val="3661194161"/>
+      </p:ext>
+    </p:extLst>
+  </p:cSld>
+  <p:clrMapOvr>
+    <a:masterClrMapping/>
+  </p:clrMapOvr>
+</p:sld>
+</file>
+
+<file path=ppt/slides/slide7.xml><?xml version="1.0" encoding="utf-8"?>
+<p:sld xmlns:a="http://schemas.openxmlformats.org/drawingml/2006/main" xmlns:r="http://schemas.openxmlformats.org/officeDocument/2006/relationships" xmlns:p="http://schemas.openxmlformats.org/presentationml/2006/main">
+  <p:cSld>
+    <p:spTree>
+      <p:nvGrpSpPr>
+        <p:cNvPr id="1" name=""/>
+        <p:cNvGrpSpPr/>
+        <p:nvPr/>
+      </p:nvGrpSpPr>
+      <p:grpSpPr>
+        <a:xfrm>
+          <a:off x="0" y="0"/>
+          <a:ext cx="0" cy="0"/>
+          <a:chOff x="0" y="0"/>
+          <a:chExt cx="0" cy="0"/>
+        </a:xfrm>
+      </p:grpSpPr>
+      <p:sp>
+        <p:nvSpPr>
+          <p:cNvPr id="2" name="Title 1">
+            <a:extLst>
+              <a:ext uri="{FF2B5EF4-FFF2-40B4-BE49-F238E27FC236}">
+                <a16:creationId xmlns:a16="http://schemas.microsoft.com/office/drawing/2014/main" id="{A91CC00A-EB51-41A1-0806-2A003ECD0A05}"/>
+              </a:ext>
+            </a:extLst>
+          </p:cNvPr>
+          <p:cNvSpPr>
+            <a:spLocks noGrp="1"/>
+          </p:cNvSpPr>
+          <p:nvPr>
+            <p:ph type="title"/>
+          </p:nvPr>
+        </p:nvSpPr>
+        <p:spPr/>
+        <p:txBody>
+          <a:bodyPr/>
+          <a:lstStyle/>
+          <a:p>
+            <a:r>
+              <a:rPr lang="en-GB" dirty="0"/>
+              <a:t>Large Narrow Bin (Area A)</a:t>
+            </a:r>
+          </a:p>
+        </p:txBody>
+      </p:sp>
+      <p:pic>
+        <p:nvPicPr>
+          <p:cNvPr id="5" name="Content Placeholder 4" descr="Graphical user interface, diagram&#10;&#10;Description automatically generated">
+            <a:extLst>
+              <a:ext uri="{FF2B5EF4-FFF2-40B4-BE49-F238E27FC236}">
+                <a16:creationId xmlns:a16="http://schemas.microsoft.com/office/drawing/2014/main" id="{213DBE5F-6F5C-CB7F-AFC0-E8095C4365D8}"/>
+              </a:ext>
+            </a:extLst>
+          </p:cNvPr>
+          <p:cNvPicPr>
+            <a:picLocks noGrp="1" noChangeAspect="1"/>
+          </p:cNvPicPr>
+          <p:nvPr>
+            <p:ph idx="1"/>
+          </p:nvPr>
+        </p:nvPicPr>
+        <p:blipFill>
+          <a:blip r:embed="rId2">
+            <a:extLst>
+              <a:ext uri="{28A0092B-C50C-407E-A947-70E740481C1C}">
+                <a14:useLocalDpi xmlns:a14="http://schemas.microsoft.com/office/drawing/2010/main" val="0"/>
+              </a:ext>
+            </a:extLst>
+          </a:blip>
+          <a:stretch>
+            <a:fillRect/>
+          </a:stretch>
+        </p:blipFill>
+        <p:spPr>
+          <a:xfrm>
+            <a:off x="838200" y="1565563"/>
+            <a:ext cx="10286891" cy="5116657"/>
+          </a:xfrm>
+        </p:spPr>
+      </p:pic>
+      <p:sp>
+        <p:nvSpPr>
+          <p:cNvPr id="6" name="TextBox 5">
+            <a:extLst>
+              <a:ext uri="{FF2B5EF4-FFF2-40B4-BE49-F238E27FC236}">
+                <a16:creationId xmlns:a16="http://schemas.microsoft.com/office/drawing/2014/main" id="{A689C3F4-C918-EB26-FF3B-EFDFEA6D94CE}"/>
+              </a:ext>
+            </a:extLst>
+          </p:cNvPr>
+          <p:cNvSpPr txBox="1"/>
+          <p:nvPr/>
+        </p:nvSpPr>
+        <p:spPr>
+          <a:xfrm>
+            <a:off x="5871549" y="1273176"/>
+            <a:ext cx="448901" cy="584775"/>
+          </a:xfrm>
+          <a:prstGeom prst="rect">
+            <a:avLst/>
+          </a:prstGeom>
+          <a:noFill/>
+        </p:spPr>
+        <p:txBody>
+          <a:bodyPr wrap="square" rtlCol="0">
+            <a:spAutoFit/>
+          </a:bodyPr>
+          <a:lstStyle/>
+          <a:p>
+            <a:r>
+              <a:rPr lang="en-GB" sz="3200" dirty="0">
+                <a:solidFill>
+                  <a:srgbClr val="FF0000"/>
+                </a:solidFill>
+              </a:rPr>
+              <a:t>X</a:t>
+            </a:r>
+          </a:p>
+        </p:txBody>
+      </p:sp>
+    </p:spTree>
+    <p:extLst>
+      <p:ext uri="{BB962C8B-B14F-4D97-AF65-F5344CB8AC3E}">
+        <p14:creationId xmlns:p14="http://schemas.microsoft.com/office/powerpoint/2010/main" val="4151331688"/>
+      </p:ext>
+    </p:extLst>
+  </p:cSld>
+  <p:clrMapOvr>
+    <a:masterClrMapping/>
+  </p:clrMapOvr>
+</p:sld>
+</file>
+
+<file path=ppt/slides/slide8.xml><?xml version="1.0" encoding="utf-8"?>
+<p:sld xmlns:a="http://schemas.openxmlformats.org/drawingml/2006/main" xmlns:r="http://schemas.openxmlformats.org/officeDocument/2006/relationships" xmlns:p="http://schemas.openxmlformats.org/presentationml/2006/main">
+  <p:cSld>
+    <p:spTree>
+      <p:nvGrpSpPr>
+        <p:cNvPr id="1" name=""/>
+        <p:cNvGrpSpPr/>
+        <p:nvPr/>
+      </p:nvGrpSpPr>
+      <p:grpSpPr>
+        <a:xfrm>
+          <a:off x="0" y="0"/>
+          <a:ext cx="0" cy="0"/>
+          <a:chOff x="0" y="0"/>
+          <a:chExt cx="0" cy="0"/>
+        </a:xfrm>
+      </p:grpSpPr>
+      <p:pic>
+        <p:nvPicPr>
+          <p:cNvPr id="8" name="Content Placeholder 7" descr="Graphical user interface, diagram&#10;&#10;Description automatically generated">
+            <a:extLst>
+              <a:ext uri="{FF2B5EF4-FFF2-40B4-BE49-F238E27FC236}">
+                <a16:creationId xmlns:a16="http://schemas.microsoft.com/office/drawing/2014/main" id="{BE71C694-1C48-8FCF-47E8-D49DB94D46B3}"/>
+              </a:ext>
+            </a:extLst>
+          </p:cNvPr>
+          <p:cNvPicPr>
+            <a:picLocks noGrp="1" noChangeAspect="1"/>
+          </p:cNvPicPr>
+          <p:nvPr>
+            <p:ph idx="1"/>
+          </p:nvPr>
+        </p:nvPicPr>
+        <p:blipFill>
+          <a:blip r:embed="rId2">
+            <a:extLst>
+              <a:ext uri="{28A0092B-C50C-407E-A947-70E740481C1C}">
+                <a14:useLocalDpi xmlns:a14="http://schemas.microsoft.com/office/drawing/2010/main" val="0"/>
+              </a:ext>
+            </a:extLst>
+          </a:blip>
+          <a:stretch>
+            <a:fillRect/>
+          </a:stretch>
+        </p:blipFill>
+        <p:spPr>
+          <a:xfrm>
+            <a:off x="619789" y="1565563"/>
+            <a:ext cx="10734011" cy="5339053"/>
+          </a:xfrm>
+        </p:spPr>
+      </p:pic>
+      <p:sp>
+        <p:nvSpPr>
+          <p:cNvPr id="2" name="Title 1">
+            <a:extLst>
+              <a:ext uri="{FF2B5EF4-FFF2-40B4-BE49-F238E27FC236}">
+                <a16:creationId xmlns:a16="http://schemas.microsoft.com/office/drawing/2014/main" id="{A91CC00A-EB51-41A1-0806-2A003ECD0A05}"/>
+              </a:ext>
+            </a:extLst>
+          </p:cNvPr>
+          <p:cNvSpPr>
+            <a:spLocks noGrp="1"/>
+          </p:cNvSpPr>
+          <p:nvPr>
+            <p:ph type="title"/>
+          </p:nvPr>
+        </p:nvSpPr>
+        <p:spPr/>
+        <p:txBody>
+          <a:bodyPr/>
+          <a:lstStyle/>
+          <a:p>
+            <a:r>
+              <a:rPr lang="en-GB" dirty="0"/>
+              <a:t>Storage Box (Area A)</a:t>
+            </a:r>
+          </a:p>
+        </p:txBody>
+      </p:sp>
+      <p:sp>
+        <p:nvSpPr>
+          <p:cNvPr id="6" name="TextBox 5">
+            <a:extLst>
+              <a:ext uri="{FF2B5EF4-FFF2-40B4-BE49-F238E27FC236}">
+                <a16:creationId xmlns:a16="http://schemas.microsoft.com/office/drawing/2014/main" id="{A689C3F4-C918-EB26-FF3B-EFDFEA6D94CE}"/>
+              </a:ext>
+            </a:extLst>
+          </p:cNvPr>
+          <p:cNvSpPr txBox="1"/>
+          <p:nvPr/>
+        </p:nvSpPr>
+        <p:spPr>
+          <a:xfrm>
+            <a:off x="5871549" y="1273176"/>
+            <a:ext cx="448901" cy="584775"/>
+          </a:xfrm>
+          <a:prstGeom prst="rect">
+            <a:avLst/>
+          </a:prstGeom>
+          <a:noFill/>
+        </p:spPr>
+        <p:txBody>
+          <a:bodyPr wrap="square" rtlCol="0">
+            <a:spAutoFit/>
+          </a:bodyPr>
+          <a:lstStyle/>
+          <a:p>
+            <a:r>
+              <a:rPr lang="en-GB" sz="3200" dirty="0">
+                <a:solidFill>
+                  <a:srgbClr val="FF0000"/>
+                </a:solidFill>
+              </a:rPr>
+              <a:t>X</a:t>
+            </a:r>
+          </a:p>
+        </p:txBody>
+      </p:sp>
+    </p:spTree>
+    <p:extLst>
+      <p:ext uri="{BB962C8B-B14F-4D97-AF65-F5344CB8AC3E}">
+        <p14:creationId xmlns:p14="http://schemas.microsoft.com/office/powerpoint/2010/main" val="2301548339"/>
+      </p:ext>
+    </p:extLst>
+  </p:cSld>
+  <p:clrMapOvr>
+    <a:masterClrMapping/>
+  </p:clrMapOvr>
+</p:sld>
+</file>
+
+<file path=ppt/slides/slide9.xml><?xml version="1.0" encoding="utf-8"?>
+<p:sld xmlns:a="http://schemas.openxmlformats.org/drawingml/2006/main" xmlns:r="http://schemas.openxmlformats.org/officeDocument/2006/relationships" xmlns:p="http://schemas.openxmlformats.org/presentationml/2006/main">
+  <p:cSld>
+    <p:spTree>
+      <p:nvGrpSpPr>
+        <p:cNvPr id="1" name=""/>
+        <p:cNvGrpSpPr/>
+        <p:nvPr/>
+      </p:nvGrpSpPr>
+      <p:grpSpPr>
+        <a:xfrm>
+          <a:off x="0" y="0"/>
+          <a:ext cx="0" cy="0"/>
+          <a:chOff x="0" y="0"/>
+          <a:chExt cx="0" cy="0"/>
+        </a:xfrm>
+      </p:grpSpPr>
+      <p:pic>
+        <p:nvPicPr>
+          <p:cNvPr id="12" name="Content Placeholder 11" descr="Graphical user interface, application&#10;&#10;Description automatically generated">
+            <a:extLst>
+              <a:ext uri="{FF2B5EF4-FFF2-40B4-BE49-F238E27FC236}">
+                <a16:creationId xmlns:a16="http://schemas.microsoft.com/office/drawing/2014/main" id="{9E3608DC-091C-0A32-35C1-E0BF6A187E14}"/>
+              </a:ext>
+            </a:extLst>
+          </p:cNvPr>
+          <p:cNvPicPr>
+            <a:picLocks noGrp="1" noChangeAspect="1"/>
+          </p:cNvPicPr>
+          <p:nvPr>
+            <p:ph idx="1"/>
+          </p:nvPr>
+        </p:nvPicPr>
+        <p:blipFill>
+          <a:blip r:embed="rId2">
+            <a:extLst>
+              <a:ext uri="{28A0092B-C50C-407E-A947-70E740481C1C}">
+                <a14:useLocalDpi xmlns:a14="http://schemas.microsoft.com/office/drawing/2010/main" val="0"/>
+              </a:ext>
+            </a:extLst>
+          </a:blip>
+          <a:stretch>
+            <a:fillRect/>
+          </a:stretch>
+        </p:blipFill>
+        <p:spPr>
+          <a:xfrm>
+            <a:off x="724788" y="1514764"/>
+            <a:ext cx="10742421" cy="5343236"/>
+          </a:xfrm>
+        </p:spPr>
+      </p:pic>
+      <p:sp>
+        <p:nvSpPr>
+          <p:cNvPr id="2" name="Title 1">
+            <a:extLst>
+              <a:ext uri="{FF2B5EF4-FFF2-40B4-BE49-F238E27FC236}">
+                <a16:creationId xmlns:a16="http://schemas.microsoft.com/office/drawing/2014/main" id="{A91CC00A-EB51-41A1-0806-2A003ECD0A05}"/>
+              </a:ext>
+            </a:extLst>
+          </p:cNvPr>
+          <p:cNvSpPr>
+            <a:spLocks noGrp="1"/>
+          </p:cNvSpPr>
+          <p:nvPr>
+            <p:ph type="title"/>
+          </p:nvPr>
+        </p:nvSpPr>
+        <p:spPr/>
+        <p:txBody>
+          <a:bodyPr/>
+          <a:lstStyle/>
+          <a:p>
+            <a:r>
+              <a:rPr lang="en-GB" dirty="0"/>
+              <a:t>Display Stand (Area A)</a:t>
+            </a:r>
+          </a:p>
+        </p:txBody>
+      </p:sp>
+      <p:sp>
+        <p:nvSpPr>
+          <p:cNvPr id="6" name="TextBox 5">
+            <a:extLst>
+              <a:ext uri="{FF2B5EF4-FFF2-40B4-BE49-F238E27FC236}">
+                <a16:creationId xmlns:a16="http://schemas.microsoft.com/office/drawing/2014/main" id="{A689C3F4-C918-EB26-FF3B-EFDFEA6D94CE}"/>
+              </a:ext>
+            </a:extLst>
+          </p:cNvPr>
+          <p:cNvSpPr txBox="1"/>
+          <p:nvPr/>
+        </p:nvSpPr>
+        <p:spPr>
+          <a:xfrm>
+            <a:off x="5871549" y="1273176"/>
+            <a:ext cx="448901" cy="584775"/>
+          </a:xfrm>
+          <a:prstGeom prst="rect">
+            <a:avLst/>
+          </a:prstGeom>
+          <a:noFill/>
+        </p:spPr>
+        <p:txBody>
+          <a:bodyPr wrap="square" rtlCol="0">
+            <a:spAutoFit/>
+          </a:bodyPr>
+          <a:lstStyle/>
+          <a:p>
+            <a:r>
+              <a:rPr lang="en-GB" sz="3200" dirty="0">
+                <a:solidFill>
+                  <a:srgbClr val="FF0000"/>
+                </a:solidFill>
+              </a:rPr>
+              <a:t>X</a:t>
+            </a:r>
+          </a:p>
+        </p:txBody>
+      </p:sp>
+    </p:spTree>
+    <p:extLst>
+      <p:ext uri="{BB962C8B-B14F-4D97-AF65-F5344CB8AC3E}">
+        <p14:creationId xmlns:p14="http://schemas.microsoft.com/office/powerpoint/2010/main" val="210711101"/>
       </p:ext>
     </p:extLst>
   </p:cSld>

--- a/Documentation/Presentations/Supervisor Meetings/update_130123.pptx
+++ b/Documentation/Presentations/Supervisor Meetings/update_130123.pptx
@@ -859,7 +859,7 @@
           <a:p>
             <a:fld id="{29C34BBC-E187-4F71-AC09-E74AF8941967}" type="datetimeFigureOut">
               <a:rPr lang="en-GB" smtClean="0"/>
-              <a:t>12/01/2023</a:t>
+              <a:t>13/01/2023</a:t>
             </a:fld>
             <a:endParaRPr lang="en-GB"/>
           </a:p>
@@ -1059,7 +1059,7 @@
           <a:p>
             <a:fld id="{29C34BBC-E187-4F71-AC09-E74AF8941967}" type="datetimeFigureOut">
               <a:rPr lang="en-GB" smtClean="0"/>
-              <a:t>12/01/2023</a:t>
+              <a:t>13/01/2023</a:t>
             </a:fld>
             <a:endParaRPr lang="en-GB"/>
           </a:p>
@@ -1269,7 +1269,7 @@
           <a:p>
             <a:fld id="{29C34BBC-E187-4F71-AC09-E74AF8941967}" type="datetimeFigureOut">
               <a:rPr lang="en-GB" smtClean="0"/>
-              <a:t>12/01/2023</a:t>
+              <a:t>13/01/2023</a:t>
             </a:fld>
             <a:endParaRPr lang="en-GB"/>
           </a:p>
@@ -1469,7 +1469,7 @@
           <a:p>
             <a:fld id="{29C34BBC-E187-4F71-AC09-E74AF8941967}" type="datetimeFigureOut">
               <a:rPr lang="en-GB" smtClean="0"/>
-              <a:t>12/01/2023</a:t>
+              <a:t>13/01/2023</a:t>
             </a:fld>
             <a:endParaRPr lang="en-GB"/>
           </a:p>
@@ -1745,7 +1745,7 @@
           <a:p>
             <a:fld id="{29C34BBC-E187-4F71-AC09-E74AF8941967}" type="datetimeFigureOut">
               <a:rPr lang="en-GB" smtClean="0"/>
-              <a:t>12/01/2023</a:t>
+              <a:t>13/01/2023</a:t>
             </a:fld>
             <a:endParaRPr lang="en-GB"/>
           </a:p>
@@ -2013,7 +2013,7 @@
           <a:p>
             <a:fld id="{29C34BBC-E187-4F71-AC09-E74AF8941967}" type="datetimeFigureOut">
               <a:rPr lang="en-GB" smtClean="0"/>
-              <a:t>12/01/2023</a:t>
+              <a:t>13/01/2023</a:t>
             </a:fld>
             <a:endParaRPr lang="en-GB"/>
           </a:p>
@@ -2428,7 +2428,7 @@
           <a:p>
             <a:fld id="{29C34BBC-E187-4F71-AC09-E74AF8941967}" type="datetimeFigureOut">
               <a:rPr lang="en-GB" smtClean="0"/>
-              <a:t>12/01/2023</a:t>
+              <a:t>13/01/2023</a:t>
             </a:fld>
             <a:endParaRPr lang="en-GB"/>
           </a:p>
@@ -2570,7 +2570,7 @@
           <a:p>
             <a:fld id="{29C34BBC-E187-4F71-AC09-E74AF8941967}" type="datetimeFigureOut">
               <a:rPr lang="en-GB" smtClean="0"/>
-              <a:t>12/01/2023</a:t>
+              <a:t>13/01/2023</a:t>
             </a:fld>
             <a:endParaRPr lang="en-GB"/>
           </a:p>
@@ -2683,7 +2683,7 @@
           <a:p>
             <a:fld id="{29C34BBC-E187-4F71-AC09-E74AF8941967}" type="datetimeFigureOut">
               <a:rPr lang="en-GB" smtClean="0"/>
-              <a:t>12/01/2023</a:t>
+              <a:t>13/01/2023</a:t>
             </a:fld>
             <a:endParaRPr lang="en-GB"/>
           </a:p>
@@ -2996,7 +2996,7 @@
           <a:p>
             <a:fld id="{29C34BBC-E187-4F71-AC09-E74AF8941967}" type="datetimeFigureOut">
               <a:rPr lang="en-GB" smtClean="0"/>
-              <a:t>12/01/2023</a:t>
+              <a:t>13/01/2023</a:t>
             </a:fld>
             <a:endParaRPr lang="en-GB"/>
           </a:p>
@@ -3285,7 +3285,7 @@
           <a:p>
             <a:fld id="{29C34BBC-E187-4F71-AC09-E74AF8941967}" type="datetimeFigureOut">
               <a:rPr lang="en-GB" smtClean="0"/>
-              <a:t>12/01/2023</a:t>
+              <a:t>13/01/2023</a:t>
             </a:fld>
             <a:endParaRPr lang="en-GB"/>
           </a:p>
@@ -3528,7 +3528,7 @@
           <a:p>
             <a:fld id="{29C34BBC-E187-4F71-AC09-E74AF8941967}" type="datetimeFigureOut">
               <a:rPr lang="en-GB" smtClean="0"/>
-              <a:t>12/01/2023</a:t>
+              <a:t>13/01/2023</a:t>
             </a:fld>
             <a:endParaRPr lang="en-GB"/>
           </a:p>
@@ -6453,12 +6453,12 @@
           <a:chExt cx="0" cy="0"/>
         </a:xfrm>
       </p:grpSpPr>
-      <p:sp useBgFill="1">
-        <p:nvSpPr>
-          <p:cNvPr id="46" name="Rectangle 31">
-            <a:extLst>
-              <a:ext uri="{FF2B5EF4-FFF2-40B4-BE49-F238E27FC236}">
-                <a16:creationId xmlns:a16="http://schemas.microsoft.com/office/drawing/2014/main" id="{B6FACB3C-9069-4791-BC5C-0DB7CD19B853}"/>
+      <p:sp>
+        <p:nvSpPr>
+          <p:cNvPr id="53" name="Rectangle 52">
+            <a:extLst>
+              <a:ext uri="{FF2B5EF4-FFF2-40B4-BE49-F238E27FC236}">
+                <a16:creationId xmlns:a16="http://schemas.microsoft.com/office/drawing/2014/main" id="{87A57295-2710-4920-B99A-4D1FA03A62BD}"/>
               </a:ext>
               <a:ext uri="{C183D7F6-B498-43B3-948B-1728B52AA6E4}">
                 <adec:decorative xmlns:adec="http://schemas.microsoft.com/office/drawing/2017/decorative" val="1"/>
@@ -6479,7 +6479,73 @@
         <p:spPr>
           <a:xfrm>
             <a:off x="0" y="0"/>
-            <a:ext cx="12192000" cy="6858000"/>
+            <a:ext cx="12188952" cy="6858000"/>
+          </a:xfrm>
+          <a:prstGeom prst="rect">
+            <a:avLst/>
+          </a:prstGeom>
+          <a:solidFill>
+            <a:schemeClr val="tx1">
+              <a:lumMod val="75000"/>
+              <a:lumOff val="25000"/>
+            </a:schemeClr>
+          </a:solidFill>
+          <a:ln>
+            <a:noFill/>
+          </a:ln>
+        </p:spPr>
+        <p:style>
+          <a:lnRef idx="2">
+            <a:schemeClr val="accent1">
+              <a:shade val="50000"/>
+            </a:schemeClr>
+          </a:lnRef>
+          <a:fillRef idx="1">
+            <a:schemeClr val="accent1"/>
+          </a:fillRef>
+          <a:effectRef idx="0">
+            <a:schemeClr val="accent1"/>
+          </a:effectRef>
+          <a:fontRef idx="minor">
+            <a:schemeClr val="lt1"/>
+          </a:fontRef>
+        </p:style>
+        <p:txBody>
+          <a:bodyPr rtlCol="0" anchor="ctr"/>
+          <a:lstStyle/>
+          <a:p>
+            <a:pPr algn="ctr"/>
+            <a:endParaRPr lang="en-US"/>
+          </a:p>
+        </p:txBody>
+      </p:sp>
+      <p:sp useBgFill="1">
+        <p:nvSpPr>
+          <p:cNvPr id="55" name="Rectangle 54">
+            <a:extLst>
+              <a:ext uri="{FF2B5EF4-FFF2-40B4-BE49-F238E27FC236}">
+                <a16:creationId xmlns:a16="http://schemas.microsoft.com/office/drawing/2014/main" id="{78067929-4D33-4306-9E2F-67C49CDDB5DE}"/>
+              </a:ext>
+              <a:ext uri="{C183D7F6-B498-43B3-948B-1728B52AA6E4}">
+                <adec:decorative xmlns:adec="http://schemas.microsoft.com/office/drawing/2017/decorative" val="1"/>
+              </a:ext>
+            </a:extLst>
+          </p:cNvPr>
+          <p:cNvSpPr>
+            <a:spLocks noGrp="1" noRot="1" noChangeAspect="1" noMove="1" noResize="1" noEditPoints="1" noAdjustHandles="1" noChangeArrowheads="1" noChangeShapeType="1" noTextEdit="1"/>
+          </p:cNvSpPr>
+          <p:nvPr>
+            <p:extLst>
+              <p:ext uri="{386F3935-93C4-4BCD-93E2-E3B085C9AB24}">
+                <p16:designElem xmlns:p16="http://schemas.microsoft.com/office/powerpoint/2015/main" val="1"/>
+              </p:ext>
+            </p:extLst>
+          </p:nvPr>
+        </p:nvSpPr>
+        <p:spPr>
+          <a:xfrm>
+            <a:off x="533400" y="465745"/>
+            <a:ext cx="11125200" cy="5639435"/>
           </a:xfrm>
           <a:prstGeom prst="rect">
             <a:avLst/>
@@ -6515,19 +6581,55 @@
       </p:sp>
       <p:sp>
         <p:nvSpPr>
-          <p:cNvPr id="47" name="Rectangle 33">
-            <a:extLst>
-              <a:ext uri="{FF2B5EF4-FFF2-40B4-BE49-F238E27FC236}">
-                <a16:creationId xmlns:a16="http://schemas.microsoft.com/office/drawing/2014/main" id="{71F2038E-D777-4B76-81DD-DD13EE91B9DD}"/>
+          <p:cNvPr id="5" name="Title 4">
+            <a:extLst>
+              <a:ext uri="{FF2B5EF4-FFF2-40B4-BE49-F238E27FC236}">
+                <a16:creationId xmlns:a16="http://schemas.microsoft.com/office/drawing/2014/main" id="{ABD5685E-FCF3-4212-0470-7D68B5219F40}"/>
+              </a:ext>
+            </a:extLst>
+          </p:cNvPr>
+          <p:cNvSpPr>
+            <a:spLocks noGrp="1"/>
+          </p:cNvSpPr>
+          <p:nvPr>
+            <p:ph type="title"/>
+          </p:nvPr>
+        </p:nvSpPr>
+        <p:spPr>
+          <a:xfrm>
+            <a:off x="838200" y="894027"/>
+            <a:ext cx="3494362" cy="4782873"/>
+          </a:xfrm>
+        </p:spPr>
+        <p:txBody>
+          <a:bodyPr>
+            <a:normAutofit/>
+          </a:bodyPr>
+          <a:lstStyle/>
+          <a:p>
+            <a:pPr algn="r"/>
+            <a:r>
+              <a:rPr lang="en-GB"/>
+              <a:t>Data Capture	</a:t>
+            </a:r>
+          </a:p>
+        </p:txBody>
+      </p:sp>
+      <p:cxnSp>
+        <p:nvCxnSpPr>
+          <p:cNvPr id="57" name="Straight Connector 56">
+            <a:extLst>
+              <a:ext uri="{FF2B5EF4-FFF2-40B4-BE49-F238E27FC236}">
+                <a16:creationId xmlns:a16="http://schemas.microsoft.com/office/drawing/2014/main" id="{2D72A2C9-F3CA-4216-8BAD-FA4C970C3C4E}"/>
               </a:ext>
               <a:ext uri="{C183D7F6-B498-43B3-948B-1728B52AA6E4}">
                 <adec:decorative xmlns:adec="http://schemas.microsoft.com/office/drawing/2017/decorative" val="1"/>
               </a:ext>
             </a:extLst>
           </p:cNvPr>
-          <p:cNvSpPr>
-            <a:spLocks noGrp="1" noRot="1" noChangeAspect="1" noMove="1" noResize="1" noEditPoints="1" noAdjustHandles="1" noChangeArrowheads="1" noChangeShapeType="1" noTextEdit="1"/>
-          </p:cNvSpPr>
+          <p:cNvCxnSpPr>
+            <a:cxnSpLocks noGrp="1" noRot="1" noChangeAspect="1" noMove="1" noResize="1" noEditPoints="1" noAdjustHandles="1" noChangeArrowheads="1" noChangeShapeType="1"/>
+          </p:cNvCxnSpPr>
           <p:nvPr>
             <p:extLst>
               <p:ext uri="{386F3935-93C4-4BCD-93E2-E3B085C9AB24}">
@@ -6535,53 +6637,44 @@
               </p:ext>
             </p:extLst>
           </p:nvPr>
-        </p:nvSpPr>
+        </p:nvCxnSpPr>
         <p:spPr>
           <a:xfrm>
-            <a:off x="305" y="0"/>
-            <a:ext cx="12191695" cy="6858000"/>
+            <a:off x="4654296" y="2057400"/>
+            <a:ext cx="0" cy="2743200"/>
           </a:xfrm>
-          <a:prstGeom prst="rect">
+          <a:prstGeom prst="line">
             <a:avLst/>
           </a:prstGeom>
-          <a:solidFill>
-            <a:schemeClr val="bg1"/>
-          </a:solidFill>
-          <a:ln>
-            <a:noFill/>
+          <a:ln w="19050">
+            <a:solidFill>
+              <a:schemeClr val="tx1">
+                <a:alpha val="80000"/>
+              </a:schemeClr>
+            </a:solidFill>
           </a:ln>
         </p:spPr>
         <p:style>
-          <a:lnRef idx="2">
-            <a:schemeClr val="accent1">
-              <a:shade val="50000"/>
-            </a:schemeClr>
+          <a:lnRef idx="1">
+            <a:schemeClr val="accent1"/>
           </a:lnRef>
-          <a:fillRef idx="1">
+          <a:fillRef idx="0">
             <a:schemeClr val="accent1"/>
           </a:fillRef>
           <a:effectRef idx="0">
             <a:schemeClr val="accent1"/>
           </a:effectRef>
           <a:fontRef idx="minor">
-            <a:schemeClr val="lt1"/>
+            <a:schemeClr val="tx1"/>
           </a:fontRef>
         </p:style>
-        <p:txBody>
-          <a:bodyPr rtlCol="0" anchor="ctr"/>
-          <a:lstStyle/>
-          <a:p>
-            <a:pPr algn="ctr"/>
-            <a:endParaRPr lang="en-US"/>
-          </a:p>
-        </p:txBody>
-      </p:sp>
+      </p:cxnSp>
       <p:sp>
         <p:nvSpPr>
-          <p:cNvPr id="5" name="Title 4">
-            <a:extLst>
-              <a:ext uri="{FF2B5EF4-FFF2-40B4-BE49-F238E27FC236}">
-                <a16:creationId xmlns:a16="http://schemas.microsoft.com/office/drawing/2014/main" id="{ABD5685E-FCF3-4212-0470-7D68B5219F40}"/>
+          <p:cNvPr id="6" name="Content Placeholder 5">
+            <a:extLst>
+              <a:ext uri="{FF2B5EF4-FFF2-40B4-BE49-F238E27FC236}">
+                <a16:creationId xmlns:a16="http://schemas.microsoft.com/office/drawing/2014/main" id="{A18D25AE-363A-1033-3D79-96FE5FA4D366}"/>
               </a:ext>
             </a:extLst>
           </p:cNvPr>
@@ -6589,2655 +6682,84 @@
             <a:spLocks noGrp="1"/>
           </p:cNvSpPr>
           <p:nvPr>
-            <p:ph type="title"/>
+            <p:ph idx="1"/>
           </p:nvPr>
         </p:nvSpPr>
         <p:spPr>
           <a:xfrm>
-            <a:off x="804672" y="802955"/>
-            <a:ext cx="4766330" cy="1454051"/>
+            <a:off x="4976032" y="894027"/>
+            <a:ext cx="6377768" cy="4782873"/>
           </a:xfrm>
         </p:spPr>
         <p:txBody>
-          <a:bodyPr>
+          <a:bodyPr anchor="ctr">
             <a:normAutofit/>
           </a:bodyPr>
           <a:lstStyle/>
           <a:p>
             <a:r>
-              <a:rPr lang="en-GB" sz="3600" dirty="0">
-                <a:solidFill>
-                  <a:schemeClr val="tx2"/>
-                </a:solidFill>
-              </a:rPr>
-              <a:t>Data Capture	</a:t>
-            </a:r>
-          </a:p>
-        </p:txBody>
-      </p:sp>
-      <p:sp>
-        <p:nvSpPr>
-          <p:cNvPr id="6" name="Content Placeholder 5">
-            <a:extLst>
-              <a:ext uri="{FF2B5EF4-FFF2-40B4-BE49-F238E27FC236}">
-                <a16:creationId xmlns:a16="http://schemas.microsoft.com/office/drawing/2014/main" id="{A18D25AE-363A-1033-3D79-96FE5FA4D366}"/>
-              </a:ext>
-            </a:extLst>
-          </p:cNvPr>
-          <p:cNvSpPr>
-            <a:spLocks noGrp="1"/>
-          </p:cNvSpPr>
-          <p:nvPr>
-            <p:ph idx="1"/>
-          </p:nvPr>
-        </p:nvSpPr>
-        <p:spPr>
-          <a:xfrm>
-            <a:off x="545880" y="2087593"/>
-            <a:ext cx="5816328" cy="3704819"/>
-          </a:xfrm>
-        </p:spPr>
-        <p:txBody>
-          <a:bodyPr anchor="t">
-            <a:normAutofit/>
-          </a:bodyPr>
-          <a:lstStyle/>
-          <a:p>
-            <a:r>
-              <a:rPr lang="en-GB" sz="1600" dirty="0"/>
+              <a:rPr lang="en-GB" sz="1900"/>
               <a:t>Data has been gathered from the following areas:</a:t>
             </a:r>
           </a:p>
           <a:p>
             <a:pPr lvl="1"/>
             <a:r>
-              <a:rPr lang="en-GB" sz="1600" dirty="0"/>
+              <a:rPr lang="en-GB" sz="1900"/>
               <a:t>A hallway with a closed door to the left of the obstacle, and an open doorway behind the obstacle and wall a few metres behind the obstacle (referred to as Area A)</a:t>
             </a:r>
           </a:p>
           <a:p>
             <a:pPr lvl="1"/>
             <a:r>
-              <a:rPr lang="en-GB" sz="1600" dirty="0"/>
+              <a:rPr lang="en-GB" sz="1900"/>
               <a:t>Same hallway as above, but away from any doors, with a wall and radiator a few metres behind the obstacle (referred to as Area B)</a:t>
             </a:r>
           </a:p>
           <a:p>
             <a:r>
-              <a:rPr lang="en-GB" sz="1600" dirty="0"/>
+              <a:rPr lang="en-GB" sz="1900"/>
               <a:t>Information gathered:</a:t>
             </a:r>
           </a:p>
           <a:p>
             <a:pPr lvl="1"/>
             <a:r>
-              <a:rPr lang="en-GB" sz="1600" dirty="0"/>
+              <a:rPr lang="en-GB" sz="1900"/>
               <a:t>Approx. 100,000 samples per channel</a:t>
             </a:r>
           </a:p>
           <a:p>
             <a:pPr lvl="1"/>
             <a:r>
-              <a:rPr lang="en-GB" sz="1600" dirty="0"/>
+              <a:rPr lang="en-GB" sz="1900"/>
               <a:t>Timestamp for each sample</a:t>
             </a:r>
           </a:p>
           <a:p>
             <a:pPr lvl="1"/>
             <a:r>
-              <a:rPr lang="en-GB" sz="1600" dirty="0"/>
+              <a:rPr lang="en-GB" sz="1900"/>
               <a:t>References for the start and end of channel data capture (in place to allow index refencing when post processing the data into final dataset)</a:t>
             </a:r>
           </a:p>
           <a:p>
             <a:pPr lvl="1"/>
             <a:r>
-              <a:rPr lang="en-GB" sz="1600" dirty="0"/>
+              <a:rPr lang="en-GB" sz="1900"/>
               <a:t>Total time for data capture (per channel) in milliseconds</a:t>
             </a:r>
           </a:p>
           <a:p>
             <a:pPr lvl="1"/>
-            <a:endParaRPr lang="en-GB" sz="1400" dirty="0">
-              <a:solidFill>
-                <a:schemeClr val="tx2"/>
-              </a:solidFill>
-            </a:endParaRPr>
+            <a:endParaRPr lang="en-GB" sz="1900"/>
           </a:p>
           <a:p>
             <a:pPr lvl="1"/>
-            <a:endParaRPr lang="en-GB" sz="1400" dirty="0">
-              <a:solidFill>
-                <a:schemeClr val="tx2"/>
-              </a:solidFill>
-            </a:endParaRPr>
-          </a:p>
-        </p:txBody>
-      </p:sp>
-      <p:grpSp>
-        <p:nvGrpSpPr>
-          <p:cNvPr id="48" name="Group 35">
-            <a:extLst>
-              <a:ext uri="{FF2B5EF4-FFF2-40B4-BE49-F238E27FC236}">
-                <a16:creationId xmlns:a16="http://schemas.microsoft.com/office/drawing/2014/main" id="{DD354807-230F-4402-B1B9-F733A8F1F190}"/>
-              </a:ext>
-              <a:ext uri="{C183D7F6-B498-43B3-948B-1728B52AA6E4}">
-                <adec:decorative xmlns:adec="http://schemas.microsoft.com/office/drawing/2017/decorative" val="1"/>
-              </a:ext>
-            </a:extLst>
-          </p:cNvPr>
-          <p:cNvGrpSpPr>
-            <a:grpSpLocks noGrp="1" noUngrp="1" noRot="1" noChangeAspect="1" noMove="1" noResize="1"/>
-          </p:cNvGrpSpPr>
-          <p:nvPr>
-            <p:extLst>
-              <p:ext uri="{386F3935-93C4-4BCD-93E2-E3B085C9AB24}">
-                <p16:designElem xmlns:p16="http://schemas.microsoft.com/office/powerpoint/2015/main" val="1"/>
-              </p:ext>
-            </p:extLst>
-          </p:nvPr>
-        </p:nvGrpSpPr>
-        <p:grpSpPr>
-          <a:xfrm>
-            <a:off x="5818240" y="-16714"/>
-            <a:ext cx="6373761" cy="6874714"/>
-            <a:chOff x="5818240" y="-1"/>
-            <a:chExt cx="6373761" cy="6874714"/>
-          </a:xfrm>
-        </p:grpSpPr>
-        <p:sp>
-          <p:nvSpPr>
-            <p:cNvPr id="37" name="Freeform: Shape 36">
-              <a:extLst>
-                <a:ext uri="{FF2B5EF4-FFF2-40B4-BE49-F238E27FC236}">
-                  <a16:creationId xmlns:a16="http://schemas.microsoft.com/office/drawing/2014/main" id="{BF5A6F4A-CE87-4D5C-9382-8167967CE813}"/>
-                </a:ext>
-                <a:ext uri="{C183D7F6-B498-43B3-948B-1728B52AA6E4}">
-                  <adec:decorative xmlns:adec="http://schemas.microsoft.com/office/drawing/2017/decorative" val="1"/>
-                </a:ext>
-              </a:extLst>
-            </p:cNvPr>
-            <p:cNvSpPr/>
-            <p:nvPr>
-              <p:extLst>
-                <p:ext uri="{386F3935-93C4-4BCD-93E2-E3B085C9AB24}">
-                  <p16:designElem xmlns:p16="http://schemas.microsoft.com/office/powerpoint/2015/main" val="1"/>
-                </p:ext>
-              </p:extLst>
-            </p:nvPr>
-          </p:nvSpPr>
-          <p:spPr>
-            <a:xfrm>
-              <a:off x="5818240" y="-1"/>
-              <a:ext cx="6373761" cy="6874714"/>
-            </a:xfrm>
-            <a:custGeom>
-              <a:avLst/>
-              <a:gdLst>
-                <a:gd name="connsiteX0" fmla="*/ 6373761 w 6373761"/>
-                <a:gd name="connsiteY0" fmla="*/ 5771297 h 6874714"/>
-                <a:gd name="connsiteX1" fmla="*/ 6373761 w 6373761"/>
-                <a:gd name="connsiteY1" fmla="*/ 6247960 h 6874714"/>
-                <a:gd name="connsiteX2" fmla="*/ 6235932 w 6373761"/>
-                <a:gd name="connsiteY2" fmla="*/ 6361930 h 6874714"/>
-                <a:gd name="connsiteX3" fmla="*/ 5960375 w 6373761"/>
-                <a:gd name="connsiteY3" fmla="*/ 6587489 h 6874714"/>
-                <a:gd name="connsiteX4" fmla="*/ 5822907 w 6373761"/>
-                <a:gd name="connsiteY4" fmla="*/ 6701871 h 6874714"/>
-                <a:gd name="connsiteX5" fmla="*/ 5681115 w 6373761"/>
-                <a:gd name="connsiteY5" fmla="*/ 6816896 h 6874714"/>
-                <a:gd name="connsiteX6" fmla="*/ 5604096 w 6373761"/>
-                <a:gd name="connsiteY6" fmla="*/ 6874714 h 6874714"/>
-                <a:gd name="connsiteX7" fmla="*/ 4878485 w 6373761"/>
-                <a:gd name="connsiteY7" fmla="*/ 6874714 h 6874714"/>
-                <a:gd name="connsiteX8" fmla="*/ 5006014 w 6373761"/>
-                <a:gd name="connsiteY8" fmla="*/ 6800200 h 6874714"/>
-                <a:gd name="connsiteX9" fmla="*/ 5149855 w 6373761"/>
-                <a:gd name="connsiteY9" fmla="*/ 6707667 h 6874714"/>
-                <a:gd name="connsiteX10" fmla="*/ 5431866 w 6373761"/>
-                <a:gd name="connsiteY10" fmla="*/ 6506210 h 6874714"/>
-                <a:gd name="connsiteX11" fmla="*/ 5571036 w 6373761"/>
-                <a:gd name="connsiteY11" fmla="*/ 6399557 h 6874714"/>
-                <a:gd name="connsiteX12" fmla="*/ 5711649 w 6373761"/>
-                <a:gd name="connsiteY12" fmla="*/ 6288912 h 6874714"/>
-                <a:gd name="connsiteX13" fmla="*/ 6276589 w 6373761"/>
-                <a:gd name="connsiteY13" fmla="*/ 5852379 h 6874714"/>
-                <a:gd name="connsiteX14" fmla="*/ 3975975 w 6373761"/>
-                <a:gd name="connsiteY14" fmla="*/ 263 h 6874714"/>
-                <a:gd name="connsiteX15" fmla="*/ 4350473 w 6373761"/>
-                <a:gd name="connsiteY15" fmla="*/ 24963 h 6874714"/>
-                <a:gd name="connsiteX16" fmla="*/ 5077909 w 6373761"/>
-                <a:gd name="connsiteY16" fmla="*/ 189450 h 6874714"/>
-                <a:gd name="connsiteX17" fmla="*/ 5746507 w 6373761"/>
-                <a:gd name="connsiteY17" fmla="*/ 505804 h 6874714"/>
-                <a:gd name="connsiteX18" fmla="*/ 6322456 w 6373761"/>
-                <a:gd name="connsiteY18" fmla="*/ 956633 h 6874714"/>
-                <a:gd name="connsiteX19" fmla="*/ 6373761 w 6373761"/>
-                <a:gd name="connsiteY19" fmla="*/ 1011863 h 6874714"/>
-                <a:gd name="connsiteX20" fmla="*/ 6373761 w 6373761"/>
-                <a:gd name="connsiteY20" fmla="*/ 1185075 h 6874714"/>
-                <a:gd name="connsiteX21" fmla="*/ 6359489 w 6373761"/>
-                <a:gd name="connsiteY21" fmla="*/ 1169497 h 6874714"/>
-                <a:gd name="connsiteX22" fmla="*/ 6233869 w 6373761"/>
-                <a:gd name="connsiteY22" fmla="*/ 1047442 h 6874714"/>
-                <a:gd name="connsiteX23" fmla="*/ 5961423 w 6373761"/>
-                <a:gd name="connsiteY23" fmla="*/ 827953 h 6874714"/>
-                <a:gd name="connsiteX24" fmla="*/ 5663555 w 6373761"/>
-                <a:gd name="connsiteY24" fmla="*/ 645304 h 6874714"/>
-                <a:gd name="connsiteX25" fmla="*/ 5013827 w 6373761"/>
-                <a:gd name="connsiteY25" fmla="*/ 397863 h 6874714"/>
-                <a:gd name="connsiteX26" fmla="*/ 4327409 w 6373761"/>
-                <a:gd name="connsiteY26" fmla="*/ 302545 h 6874714"/>
-                <a:gd name="connsiteX27" fmla="*/ 3639939 w 6373761"/>
-                <a:gd name="connsiteY27" fmla="*/ 338868 h 6874714"/>
-                <a:gd name="connsiteX28" fmla="*/ 3302495 w 6373761"/>
-                <a:gd name="connsiteY28" fmla="*/ 403659 h 6874714"/>
-                <a:gd name="connsiteX29" fmla="*/ 2971604 w 6373761"/>
-                <a:gd name="connsiteY29" fmla="*/ 496273 h 6874714"/>
-                <a:gd name="connsiteX30" fmla="*/ 2648706 w 6373761"/>
-                <a:gd name="connsiteY30" fmla="*/ 614389 h 6874714"/>
-                <a:gd name="connsiteX31" fmla="*/ 2335374 w 6373761"/>
-                <a:gd name="connsiteY31" fmla="*/ 757109 h 6874714"/>
-                <a:gd name="connsiteX32" fmla="*/ 1741342 w 6373761"/>
-                <a:gd name="connsiteY32" fmla="*/ 1107725 h 6874714"/>
-                <a:gd name="connsiteX33" fmla="*/ 1600861 w 6373761"/>
-                <a:gd name="connsiteY33" fmla="*/ 1208710 h 6874714"/>
-                <a:gd name="connsiteX34" fmla="*/ 1531799 w 6373761"/>
-                <a:gd name="connsiteY34" fmla="*/ 1260879 h 6874714"/>
-                <a:gd name="connsiteX35" fmla="*/ 1463655 w 6373761"/>
-                <a:gd name="connsiteY35" fmla="*/ 1314333 h 6874714"/>
-                <a:gd name="connsiteX36" fmla="*/ 1200777 w 6373761"/>
-                <a:gd name="connsiteY36" fmla="*/ 1541166 h 6874714"/>
-                <a:gd name="connsiteX37" fmla="*/ 731501 w 6373761"/>
-                <a:gd name="connsiteY37" fmla="*/ 2055754 h 6874714"/>
-                <a:gd name="connsiteX38" fmla="*/ 531393 w 6373761"/>
-                <a:gd name="connsiteY38" fmla="*/ 2342739 h 6874714"/>
-                <a:gd name="connsiteX39" fmla="*/ 361033 w 6373761"/>
-                <a:gd name="connsiteY39" fmla="*/ 2649046 h 6874714"/>
-                <a:gd name="connsiteX40" fmla="*/ 323292 w 6373761"/>
-                <a:gd name="connsiteY40" fmla="*/ 2728263 h 6874714"/>
-                <a:gd name="connsiteX41" fmla="*/ 304945 w 6373761"/>
-                <a:gd name="connsiteY41" fmla="*/ 2768193 h 6874714"/>
-                <a:gd name="connsiteX42" fmla="*/ 287516 w 6373761"/>
-                <a:gd name="connsiteY42" fmla="*/ 2808510 h 6874714"/>
-                <a:gd name="connsiteX43" fmla="*/ 254230 w 6373761"/>
-                <a:gd name="connsiteY43" fmla="*/ 2889788 h 6874714"/>
-                <a:gd name="connsiteX44" fmla="*/ 223042 w 6373761"/>
-                <a:gd name="connsiteY44" fmla="*/ 2971968 h 6874714"/>
-                <a:gd name="connsiteX45" fmla="*/ 121611 w 6373761"/>
-                <a:gd name="connsiteY45" fmla="*/ 3308544 h 6874714"/>
-                <a:gd name="connsiteX46" fmla="*/ 39314 w 6373761"/>
-                <a:gd name="connsiteY46" fmla="*/ 4005912 h 6874714"/>
-                <a:gd name="connsiteX47" fmla="*/ 73910 w 6373761"/>
-                <a:gd name="connsiteY47" fmla="*/ 4354081 h 6874714"/>
-                <a:gd name="connsiteX48" fmla="*/ 179534 w 6373761"/>
-                <a:gd name="connsiteY48" fmla="*/ 4687050 h 6874714"/>
-                <a:gd name="connsiteX49" fmla="*/ 215964 w 6373761"/>
-                <a:gd name="connsiteY49" fmla="*/ 4766654 h 6874714"/>
-                <a:gd name="connsiteX50" fmla="*/ 256457 w 6373761"/>
-                <a:gd name="connsiteY50" fmla="*/ 4844455 h 6874714"/>
-                <a:gd name="connsiteX51" fmla="*/ 346225 w 6373761"/>
-                <a:gd name="connsiteY51" fmla="*/ 4995290 h 6874714"/>
-                <a:gd name="connsiteX52" fmla="*/ 445296 w 6373761"/>
-                <a:gd name="connsiteY52" fmla="*/ 5140971 h 6874714"/>
-                <a:gd name="connsiteX53" fmla="*/ 551443 w 6373761"/>
-                <a:gd name="connsiteY53" fmla="*/ 5282531 h 6874714"/>
-                <a:gd name="connsiteX54" fmla="*/ 772387 w 6373761"/>
-                <a:gd name="connsiteY54" fmla="*/ 5562561 h 6874714"/>
-                <a:gd name="connsiteX55" fmla="*/ 882858 w 6373761"/>
-                <a:gd name="connsiteY55" fmla="*/ 5704507 h 6874714"/>
-                <a:gd name="connsiteX56" fmla="*/ 990316 w 6373761"/>
-                <a:gd name="connsiteY56" fmla="*/ 5848258 h 6874714"/>
-                <a:gd name="connsiteX57" fmla="*/ 1097774 w 6373761"/>
-                <a:gd name="connsiteY57" fmla="*/ 5987114 h 6874714"/>
-                <a:gd name="connsiteX58" fmla="*/ 1210080 w 6373761"/>
-                <a:gd name="connsiteY58" fmla="*/ 6121203 h 6874714"/>
-                <a:gd name="connsiteX59" fmla="*/ 1448192 w 6373761"/>
-                <a:gd name="connsiteY59" fmla="*/ 6374054 h 6874714"/>
-                <a:gd name="connsiteX60" fmla="*/ 1982991 w 6373761"/>
-                <a:gd name="connsiteY60" fmla="*/ 6796158 h 6874714"/>
-                <a:gd name="connsiteX61" fmla="*/ 2118475 w 6373761"/>
-                <a:gd name="connsiteY61" fmla="*/ 6874714 h 6874714"/>
-                <a:gd name="connsiteX62" fmla="*/ 1569874 w 6373761"/>
-                <a:gd name="connsiteY62" fmla="*/ 6874714 h 6874714"/>
-                <a:gd name="connsiteX63" fmla="*/ 1507802 w 6373761"/>
-                <a:gd name="connsiteY63" fmla="*/ 6817815 h 6874714"/>
-                <a:gd name="connsiteX64" fmla="*/ 1256865 w 6373761"/>
-                <a:gd name="connsiteY64" fmla="*/ 6543437 h 6874714"/>
-                <a:gd name="connsiteX65" fmla="*/ 1038410 w 6373761"/>
-                <a:gd name="connsiteY65" fmla="*/ 6248722 h 6874714"/>
-                <a:gd name="connsiteX66" fmla="*/ 845380 w 6373761"/>
-                <a:gd name="connsiteY66" fmla="*/ 5941386 h 6874714"/>
-                <a:gd name="connsiteX67" fmla="*/ 755351 w 6373761"/>
-                <a:gd name="connsiteY67" fmla="*/ 5788877 h 6874714"/>
-                <a:gd name="connsiteX68" fmla="*/ 661784 w 6373761"/>
-                <a:gd name="connsiteY68" fmla="*/ 5638944 h 6874714"/>
-                <a:gd name="connsiteX69" fmla="*/ 466525 w 6373761"/>
-                <a:gd name="connsiteY69" fmla="*/ 5340366 h 6874714"/>
-                <a:gd name="connsiteX70" fmla="*/ 370992 w 6373761"/>
-                <a:gd name="connsiteY70" fmla="*/ 5188502 h 6874714"/>
-                <a:gd name="connsiteX71" fmla="*/ 280046 w 6373761"/>
-                <a:gd name="connsiteY71" fmla="*/ 5033287 h 6874714"/>
-                <a:gd name="connsiteX72" fmla="*/ 126853 w 6373761"/>
-                <a:gd name="connsiteY72" fmla="*/ 4707660 h 6874714"/>
-                <a:gd name="connsiteX73" fmla="*/ 30272 w 6373761"/>
-                <a:gd name="connsiteY73" fmla="*/ 4362068 h 6874714"/>
-                <a:gd name="connsiteX74" fmla="*/ 0 w 6373761"/>
-                <a:gd name="connsiteY74" fmla="*/ 4005912 h 6874714"/>
-                <a:gd name="connsiteX75" fmla="*/ 270480 w 6373761"/>
-                <a:gd name="connsiteY75" fmla="*/ 2610532 h 6874714"/>
-                <a:gd name="connsiteX76" fmla="*/ 415942 w 6373761"/>
-                <a:gd name="connsiteY76" fmla="*/ 2280526 h 6874714"/>
-                <a:gd name="connsiteX77" fmla="*/ 590102 w 6373761"/>
-                <a:gd name="connsiteY77" fmla="*/ 1962626 h 6874714"/>
-                <a:gd name="connsiteX78" fmla="*/ 1020719 w 6373761"/>
-                <a:gd name="connsiteY78" fmla="*/ 1373070 h 6874714"/>
-                <a:gd name="connsiteX79" fmla="*/ 1275080 w 6373761"/>
-                <a:gd name="connsiteY79" fmla="*/ 1107081 h 6874714"/>
-                <a:gd name="connsiteX80" fmla="*/ 1342437 w 6373761"/>
-                <a:gd name="connsiteY80" fmla="*/ 1043965 h 6874714"/>
-                <a:gd name="connsiteX81" fmla="*/ 1411106 w 6373761"/>
-                <a:gd name="connsiteY81" fmla="*/ 982138 h 6874714"/>
-                <a:gd name="connsiteX82" fmla="*/ 1553029 w 6373761"/>
-                <a:gd name="connsiteY82" fmla="*/ 863376 h 6874714"/>
-                <a:gd name="connsiteX83" fmla="*/ 2173401 w 6373761"/>
-                <a:gd name="connsiteY83" fmla="*/ 454409 h 6874714"/>
-                <a:gd name="connsiteX84" fmla="*/ 3599708 w 6373761"/>
-                <a:gd name="connsiteY84" fmla="*/ 16332 h 6874714"/>
-                <a:gd name="connsiteX85" fmla="*/ 3975975 w 6373761"/>
-                <a:gd name="connsiteY85" fmla="*/ 263 h 6874714"/>
-              </a:gdLst>
-              <a:ahLst/>
-              <a:cxnLst>
-                <a:cxn ang="0">
-                  <a:pos x="connsiteX0" y="connsiteY0"/>
-                </a:cxn>
-                <a:cxn ang="0">
-                  <a:pos x="connsiteX1" y="connsiteY1"/>
-                </a:cxn>
-                <a:cxn ang="0">
-                  <a:pos x="connsiteX2" y="connsiteY2"/>
-                </a:cxn>
-                <a:cxn ang="0">
-                  <a:pos x="connsiteX3" y="connsiteY3"/>
-                </a:cxn>
-                <a:cxn ang="0">
-                  <a:pos x="connsiteX4" y="connsiteY4"/>
-                </a:cxn>
-                <a:cxn ang="0">
-                  <a:pos x="connsiteX5" y="connsiteY5"/>
-                </a:cxn>
-                <a:cxn ang="0">
-                  <a:pos x="connsiteX6" y="connsiteY6"/>
-                </a:cxn>
-                <a:cxn ang="0">
-                  <a:pos x="connsiteX7" y="connsiteY7"/>
-                </a:cxn>
-                <a:cxn ang="0">
-                  <a:pos x="connsiteX8" y="connsiteY8"/>
-                </a:cxn>
-                <a:cxn ang="0">
-                  <a:pos x="connsiteX9" y="connsiteY9"/>
-                </a:cxn>
-                <a:cxn ang="0">
-                  <a:pos x="connsiteX10" y="connsiteY10"/>
-                </a:cxn>
-                <a:cxn ang="0">
-                  <a:pos x="connsiteX11" y="connsiteY11"/>
-                </a:cxn>
-                <a:cxn ang="0">
-                  <a:pos x="connsiteX12" y="connsiteY12"/>
-                </a:cxn>
-                <a:cxn ang="0">
-                  <a:pos x="connsiteX13" y="connsiteY13"/>
-                </a:cxn>
-                <a:cxn ang="0">
-                  <a:pos x="connsiteX14" y="connsiteY14"/>
-                </a:cxn>
-                <a:cxn ang="0">
-                  <a:pos x="connsiteX15" y="connsiteY15"/>
-                </a:cxn>
-                <a:cxn ang="0">
-                  <a:pos x="connsiteX16" y="connsiteY16"/>
-                </a:cxn>
-                <a:cxn ang="0">
-                  <a:pos x="connsiteX17" y="connsiteY17"/>
-                </a:cxn>
-                <a:cxn ang="0">
-                  <a:pos x="connsiteX18" y="connsiteY18"/>
-                </a:cxn>
-                <a:cxn ang="0">
-                  <a:pos x="connsiteX19" y="connsiteY19"/>
-                </a:cxn>
-                <a:cxn ang="0">
-                  <a:pos x="connsiteX20" y="connsiteY20"/>
-                </a:cxn>
-                <a:cxn ang="0">
-                  <a:pos x="connsiteX21" y="connsiteY21"/>
-                </a:cxn>
-                <a:cxn ang="0">
-                  <a:pos x="connsiteX22" y="connsiteY22"/>
-                </a:cxn>
-                <a:cxn ang="0">
-                  <a:pos x="connsiteX23" y="connsiteY23"/>
-                </a:cxn>
-                <a:cxn ang="0">
-                  <a:pos x="connsiteX24" y="connsiteY24"/>
-                </a:cxn>
-                <a:cxn ang="0">
-                  <a:pos x="connsiteX25" y="connsiteY25"/>
-                </a:cxn>
-                <a:cxn ang="0">
-                  <a:pos x="connsiteX26" y="connsiteY26"/>
-                </a:cxn>
-                <a:cxn ang="0">
-                  <a:pos x="connsiteX27" y="connsiteY27"/>
-                </a:cxn>
-                <a:cxn ang="0">
-                  <a:pos x="connsiteX28" y="connsiteY28"/>
-                </a:cxn>
-                <a:cxn ang="0">
-                  <a:pos x="connsiteX29" y="connsiteY29"/>
-                </a:cxn>
-                <a:cxn ang="0">
-                  <a:pos x="connsiteX30" y="connsiteY30"/>
-                </a:cxn>
-                <a:cxn ang="0">
-                  <a:pos x="connsiteX31" y="connsiteY31"/>
-                </a:cxn>
-                <a:cxn ang="0">
-                  <a:pos x="connsiteX32" y="connsiteY32"/>
-                </a:cxn>
-                <a:cxn ang="0">
-                  <a:pos x="connsiteX33" y="connsiteY33"/>
-                </a:cxn>
-                <a:cxn ang="0">
-                  <a:pos x="connsiteX34" y="connsiteY34"/>
-                </a:cxn>
-                <a:cxn ang="0">
-                  <a:pos x="connsiteX35" y="connsiteY35"/>
-                </a:cxn>
-                <a:cxn ang="0">
-                  <a:pos x="connsiteX36" y="connsiteY36"/>
-                </a:cxn>
-                <a:cxn ang="0">
-                  <a:pos x="connsiteX37" y="connsiteY37"/>
-                </a:cxn>
-                <a:cxn ang="0">
-                  <a:pos x="connsiteX38" y="connsiteY38"/>
-                </a:cxn>
-                <a:cxn ang="0">
-                  <a:pos x="connsiteX39" y="connsiteY39"/>
-                </a:cxn>
-                <a:cxn ang="0">
-                  <a:pos x="connsiteX40" y="connsiteY40"/>
-                </a:cxn>
-                <a:cxn ang="0">
-                  <a:pos x="connsiteX41" y="connsiteY41"/>
-                </a:cxn>
-                <a:cxn ang="0">
-                  <a:pos x="connsiteX42" y="connsiteY42"/>
-                </a:cxn>
-                <a:cxn ang="0">
-                  <a:pos x="connsiteX43" y="connsiteY43"/>
-                </a:cxn>
-                <a:cxn ang="0">
-                  <a:pos x="connsiteX44" y="connsiteY44"/>
-                </a:cxn>
-                <a:cxn ang="0">
-                  <a:pos x="connsiteX45" y="connsiteY45"/>
-                </a:cxn>
-                <a:cxn ang="0">
-                  <a:pos x="connsiteX46" y="connsiteY46"/>
-                </a:cxn>
-                <a:cxn ang="0">
-                  <a:pos x="connsiteX47" y="connsiteY47"/>
-                </a:cxn>
-                <a:cxn ang="0">
-                  <a:pos x="connsiteX48" y="connsiteY48"/>
-                </a:cxn>
-                <a:cxn ang="0">
-                  <a:pos x="connsiteX49" y="connsiteY49"/>
-                </a:cxn>
-                <a:cxn ang="0">
-                  <a:pos x="connsiteX50" y="connsiteY50"/>
-                </a:cxn>
-                <a:cxn ang="0">
-                  <a:pos x="connsiteX51" y="connsiteY51"/>
-                </a:cxn>
-                <a:cxn ang="0">
-                  <a:pos x="connsiteX52" y="connsiteY52"/>
-                </a:cxn>
-                <a:cxn ang="0">
-                  <a:pos x="connsiteX53" y="connsiteY53"/>
-                </a:cxn>
-                <a:cxn ang="0">
-                  <a:pos x="connsiteX54" y="connsiteY54"/>
-                </a:cxn>
-                <a:cxn ang="0">
-                  <a:pos x="connsiteX55" y="connsiteY55"/>
-                </a:cxn>
-                <a:cxn ang="0">
-                  <a:pos x="connsiteX56" y="connsiteY56"/>
-                </a:cxn>
-                <a:cxn ang="0">
-                  <a:pos x="connsiteX57" y="connsiteY57"/>
-                </a:cxn>
-                <a:cxn ang="0">
-                  <a:pos x="connsiteX58" y="connsiteY58"/>
-                </a:cxn>
-                <a:cxn ang="0">
-                  <a:pos x="connsiteX59" y="connsiteY59"/>
-                </a:cxn>
-                <a:cxn ang="0">
-                  <a:pos x="connsiteX60" y="connsiteY60"/>
-                </a:cxn>
-                <a:cxn ang="0">
-                  <a:pos x="connsiteX61" y="connsiteY61"/>
-                </a:cxn>
-                <a:cxn ang="0">
-                  <a:pos x="connsiteX62" y="connsiteY62"/>
-                </a:cxn>
-                <a:cxn ang="0">
-                  <a:pos x="connsiteX63" y="connsiteY63"/>
-                </a:cxn>
-                <a:cxn ang="0">
-                  <a:pos x="connsiteX64" y="connsiteY64"/>
-                </a:cxn>
-                <a:cxn ang="0">
-                  <a:pos x="connsiteX65" y="connsiteY65"/>
-                </a:cxn>
-                <a:cxn ang="0">
-                  <a:pos x="connsiteX66" y="connsiteY66"/>
-                </a:cxn>
-                <a:cxn ang="0">
-                  <a:pos x="connsiteX67" y="connsiteY67"/>
-                </a:cxn>
-                <a:cxn ang="0">
-                  <a:pos x="connsiteX68" y="connsiteY68"/>
-                </a:cxn>
-                <a:cxn ang="0">
-                  <a:pos x="connsiteX69" y="connsiteY69"/>
-                </a:cxn>
-                <a:cxn ang="0">
-                  <a:pos x="connsiteX70" y="connsiteY70"/>
-                </a:cxn>
-                <a:cxn ang="0">
-                  <a:pos x="connsiteX71" y="connsiteY71"/>
-                </a:cxn>
-                <a:cxn ang="0">
-                  <a:pos x="connsiteX72" y="connsiteY72"/>
-                </a:cxn>
-                <a:cxn ang="0">
-                  <a:pos x="connsiteX73" y="connsiteY73"/>
-                </a:cxn>
-                <a:cxn ang="0">
-                  <a:pos x="connsiteX74" y="connsiteY74"/>
-                </a:cxn>
-                <a:cxn ang="0">
-                  <a:pos x="connsiteX75" y="connsiteY75"/>
-                </a:cxn>
-                <a:cxn ang="0">
-                  <a:pos x="connsiteX76" y="connsiteY76"/>
-                </a:cxn>
-                <a:cxn ang="0">
-                  <a:pos x="connsiteX77" y="connsiteY77"/>
-                </a:cxn>
-                <a:cxn ang="0">
-                  <a:pos x="connsiteX78" y="connsiteY78"/>
-                </a:cxn>
-                <a:cxn ang="0">
-                  <a:pos x="connsiteX79" y="connsiteY79"/>
-                </a:cxn>
-                <a:cxn ang="0">
-                  <a:pos x="connsiteX80" y="connsiteY80"/>
-                </a:cxn>
-                <a:cxn ang="0">
-                  <a:pos x="connsiteX81" y="connsiteY81"/>
-                </a:cxn>
-                <a:cxn ang="0">
-                  <a:pos x="connsiteX82" y="connsiteY82"/>
-                </a:cxn>
-                <a:cxn ang="0">
-                  <a:pos x="connsiteX83" y="connsiteY83"/>
-                </a:cxn>
-                <a:cxn ang="0">
-                  <a:pos x="connsiteX84" y="connsiteY84"/>
-                </a:cxn>
-                <a:cxn ang="0">
-                  <a:pos x="connsiteX85" y="connsiteY85"/>
-                </a:cxn>
-              </a:cxnLst>
-              <a:rect l="l" t="t" r="r" b="b"/>
-              <a:pathLst>
-                <a:path w="6373761" h="6874714">
-                  <a:moveTo>
-                    <a:pt x="6373761" y="5771297"/>
-                  </a:moveTo>
-                  <a:lnTo>
-                    <a:pt x="6373761" y="6247960"/>
-                  </a:lnTo>
-                  <a:lnTo>
-                    <a:pt x="6235932" y="6361930"/>
-                  </a:lnTo>
-                  <a:cubicBezTo>
-                    <a:pt x="6143250" y="6437460"/>
-                    <a:pt x="6051059" y="6512200"/>
-                    <a:pt x="5960375" y="6587489"/>
-                  </a:cubicBezTo>
-                  <a:lnTo>
-                    <a:pt x="5822907" y="6701871"/>
-                  </a:lnTo>
-                  <a:cubicBezTo>
-                    <a:pt x="5776123" y="6740385"/>
-                    <a:pt x="5729079" y="6778899"/>
-                    <a:pt x="5681115" y="6816896"/>
-                  </a:cubicBezTo>
-                  <a:lnTo>
-                    <a:pt x="5604096" y="6874714"/>
-                  </a:lnTo>
-                  <a:lnTo>
-                    <a:pt x="4878485" y="6874714"/>
-                  </a:lnTo>
-                  <a:lnTo>
-                    <a:pt x="5006014" y="6800200"/>
-                  </a:lnTo>
-                  <a:cubicBezTo>
-                    <a:pt x="5054354" y="6770429"/>
-                    <a:pt x="5102285" y="6739483"/>
-                    <a:pt x="5149855" y="6707667"/>
-                  </a:cubicBezTo>
-                  <a:cubicBezTo>
-                    <a:pt x="5244993" y="6643906"/>
-                    <a:pt x="5338561" y="6576025"/>
-                    <a:pt x="5431866" y="6506210"/>
-                  </a:cubicBezTo>
-                  <a:cubicBezTo>
-                    <a:pt x="5478386" y="6471304"/>
-                    <a:pt x="5524777" y="6435495"/>
-                    <a:pt x="5571036" y="6399557"/>
-                  </a:cubicBezTo>
-                  <a:lnTo>
-                    <a:pt x="5711649" y="6288912"/>
-                  </a:lnTo>
-                  <a:cubicBezTo>
-                    <a:pt x="5902059" y="6140395"/>
-                    <a:pt x="6093257" y="5998320"/>
-                    <a:pt x="6276589" y="5852379"/>
-                  </a:cubicBezTo>
-                  <a:close/>
-                  <a:moveTo>
-                    <a:pt x="3975975" y="263"/>
-                  </a:moveTo>
-                  <a:cubicBezTo>
-                    <a:pt x="4101550" y="1809"/>
-                    <a:pt x="4226830" y="10149"/>
-                    <a:pt x="4350473" y="24963"/>
-                  </a:cubicBezTo>
-                  <a:cubicBezTo>
-                    <a:pt x="4598149" y="54846"/>
-                    <a:pt x="4842943" y="108687"/>
-                    <a:pt x="5077909" y="189450"/>
-                  </a:cubicBezTo>
-                  <a:cubicBezTo>
-                    <a:pt x="5312876" y="269955"/>
-                    <a:pt x="5537357" y="376867"/>
-                    <a:pt x="5746507" y="505804"/>
-                  </a:cubicBezTo>
-                  <a:cubicBezTo>
-                    <a:pt x="5955527" y="634999"/>
-                    <a:pt x="6148688" y="786864"/>
-                    <a:pt x="6322456" y="956633"/>
-                  </a:cubicBezTo>
-                  <a:lnTo>
-                    <a:pt x="6373761" y="1011863"/>
-                  </a:lnTo>
-                  <a:lnTo>
-                    <a:pt x="6373761" y="1185075"/>
-                  </a:lnTo>
-                  <a:lnTo>
-                    <a:pt x="6359489" y="1169497"/>
-                  </a:lnTo>
-                  <a:cubicBezTo>
-                    <a:pt x="6318811" y="1127602"/>
-                    <a:pt x="6276917" y="1086890"/>
-                    <a:pt x="6233869" y="1047442"/>
-                  </a:cubicBezTo>
-                  <a:cubicBezTo>
-                    <a:pt x="6147509" y="968870"/>
-                    <a:pt x="6056431" y="895448"/>
-                    <a:pt x="5961423" y="827953"/>
-                  </a:cubicBezTo>
-                  <a:cubicBezTo>
-                    <a:pt x="5865891" y="761102"/>
-                    <a:pt x="5766688" y="699403"/>
-                    <a:pt x="5663555" y="645304"/>
-                  </a:cubicBezTo>
-                  <a:cubicBezTo>
-                    <a:pt x="5457943" y="535816"/>
-                    <a:pt x="5238703" y="453894"/>
-                    <a:pt x="5013827" y="397863"/>
-                  </a:cubicBezTo>
-                  <a:cubicBezTo>
-                    <a:pt x="4788953" y="341703"/>
-                    <a:pt x="4558442" y="310917"/>
-                    <a:pt x="4327409" y="302545"/>
-                  </a:cubicBezTo>
-                  <a:cubicBezTo>
-                    <a:pt x="4096111" y="293012"/>
-                    <a:pt x="3867174" y="305893"/>
-                    <a:pt x="3639939" y="338868"/>
-                  </a:cubicBezTo>
-                  <a:cubicBezTo>
-                    <a:pt x="3526585" y="355999"/>
-                    <a:pt x="3413885" y="377254"/>
-                    <a:pt x="3302495" y="403659"/>
-                  </a:cubicBezTo>
-                  <a:cubicBezTo>
-                    <a:pt x="3191107" y="430451"/>
-                    <a:pt x="3080634" y="460978"/>
-                    <a:pt x="2971604" y="496273"/>
-                  </a:cubicBezTo>
-                  <a:cubicBezTo>
-                    <a:pt x="2862573" y="531437"/>
-                    <a:pt x="2754854" y="570852"/>
-                    <a:pt x="2648706" y="614389"/>
-                  </a:cubicBezTo>
-                  <a:cubicBezTo>
-                    <a:pt x="2542690" y="658056"/>
-                    <a:pt x="2438114" y="705714"/>
-                    <a:pt x="2335374" y="757109"/>
-                  </a:cubicBezTo>
-                  <a:cubicBezTo>
-                    <a:pt x="2129894" y="859769"/>
-                    <a:pt x="1931228" y="976855"/>
-                    <a:pt x="1741342" y="1107725"/>
-                  </a:cubicBezTo>
-                  <a:cubicBezTo>
-                    <a:pt x="1694035" y="1140571"/>
-                    <a:pt x="1646858" y="1173933"/>
-                    <a:pt x="1600861" y="1208710"/>
-                  </a:cubicBezTo>
-                  <a:cubicBezTo>
-                    <a:pt x="1577535" y="1225713"/>
-                    <a:pt x="1554732" y="1243361"/>
-                    <a:pt x="1531799" y="1260879"/>
-                  </a:cubicBezTo>
-                  <a:cubicBezTo>
-                    <a:pt x="1508735" y="1278267"/>
-                    <a:pt x="1486064" y="1296171"/>
-                    <a:pt x="1463655" y="1314333"/>
-                  </a:cubicBezTo>
-                  <a:cubicBezTo>
-                    <a:pt x="1373627" y="1386853"/>
-                    <a:pt x="1285564" y="1462077"/>
-                    <a:pt x="1200777" y="1541166"/>
-                  </a:cubicBezTo>
-                  <a:cubicBezTo>
-                    <a:pt x="1030810" y="1698827"/>
-                    <a:pt x="873161" y="1870785"/>
-                    <a:pt x="731501" y="2055754"/>
-                  </a:cubicBezTo>
-                  <a:cubicBezTo>
-                    <a:pt x="660734" y="2148239"/>
-                    <a:pt x="593771" y="2243944"/>
-                    <a:pt x="531393" y="2342739"/>
-                  </a:cubicBezTo>
-                  <a:cubicBezTo>
-                    <a:pt x="470063" y="2442050"/>
-                    <a:pt x="412140" y="2543810"/>
-                    <a:pt x="361033" y="2649046"/>
-                  </a:cubicBezTo>
-                  <a:cubicBezTo>
-                    <a:pt x="347798" y="2675194"/>
-                    <a:pt x="335479" y="2701728"/>
-                    <a:pt x="323292" y="2728263"/>
-                  </a:cubicBezTo>
-                  <a:lnTo>
-                    <a:pt x="304945" y="2768193"/>
-                  </a:lnTo>
-                  <a:lnTo>
-                    <a:pt x="287516" y="2808510"/>
-                  </a:lnTo>
-                  <a:cubicBezTo>
-                    <a:pt x="276115" y="2835432"/>
-                    <a:pt x="264583" y="2862352"/>
-                    <a:pt x="254230" y="2889788"/>
-                  </a:cubicBezTo>
-                  <a:cubicBezTo>
-                    <a:pt x="243877" y="2917224"/>
-                    <a:pt x="232477" y="2944274"/>
-                    <a:pt x="223042" y="2971968"/>
-                  </a:cubicBezTo>
-                  <a:cubicBezTo>
-                    <a:pt x="182679" y="3081970"/>
-                    <a:pt x="148475" y="3194291"/>
-                    <a:pt x="121611" y="3308544"/>
-                  </a:cubicBezTo>
-                  <a:cubicBezTo>
-                    <a:pt x="67096" y="3536534"/>
-                    <a:pt x="39183" y="3771224"/>
-                    <a:pt x="39314" y="4005912"/>
-                  </a:cubicBezTo>
-                  <a:cubicBezTo>
-                    <a:pt x="39969" y="4122871"/>
-                    <a:pt x="51109" y="4239571"/>
-                    <a:pt x="73910" y="4354081"/>
-                  </a:cubicBezTo>
-                  <a:cubicBezTo>
-                    <a:pt x="97892" y="4468334"/>
-                    <a:pt x="132619" y="4580140"/>
-                    <a:pt x="179534" y="4687050"/>
-                  </a:cubicBezTo>
-                  <a:cubicBezTo>
-                    <a:pt x="190673" y="4713972"/>
-                    <a:pt x="203647" y="4740249"/>
-                    <a:pt x="215964" y="4766654"/>
-                  </a:cubicBezTo>
-                  <a:cubicBezTo>
-                    <a:pt x="229332" y="4792674"/>
-                    <a:pt x="242043" y="4818950"/>
-                    <a:pt x="256457" y="4844455"/>
-                  </a:cubicBezTo>
-                  <a:cubicBezTo>
-                    <a:pt x="283978" y="4895978"/>
-                    <a:pt x="314642" y="4945956"/>
-                    <a:pt x="346225" y="4995290"/>
-                  </a:cubicBezTo>
-                  <a:cubicBezTo>
-                    <a:pt x="377676" y="5044752"/>
-                    <a:pt x="411355" y="5092926"/>
-                    <a:pt x="445296" y="5140971"/>
-                  </a:cubicBezTo>
-                  <a:cubicBezTo>
-                    <a:pt x="479760" y="5188630"/>
-                    <a:pt x="515537" y="5235645"/>
-                    <a:pt x="551443" y="5282531"/>
-                  </a:cubicBezTo>
-                  <a:cubicBezTo>
-                    <a:pt x="623387" y="5376434"/>
-                    <a:pt x="698608" y="5468402"/>
-                    <a:pt x="772387" y="5562561"/>
-                  </a:cubicBezTo>
-                  <a:cubicBezTo>
-                    <a:pt x="809472" y="5609448"/>
-                    <a:pt x="846428" y="5656719"/>
-                    <a:pt x="882858" y="5704507"/>
-                  </a:cubicBezTo>
-                  <a:cubicBezTo>
-                    <a:pt x="919159" y="5751909"/>
-                    <a:pt x="955196" y="5802273"/>
-                    <a:pt x="990316" y="5848258"/>
-                  </a:cubicBezTo>
-                  <a:cubicBezTo>
-                    <a:pt x="1025175" y="5895402"/>
-                    <a:pt x="1061736" y="5941129"/>
-                    <a:pt x="1097774" y="5987114"/>
-                  </a:cubicBezTo>
-                  <a:cubicBezTo>
-                    <a:pt x="1134860" y="6032326"/>
-                    <a:pt x="1171684" y="6077536"/>
-                    <a:pt x="1210080" y="6121203"/>
-                  </a:cubicBezTo>
-                  <a:cubicBezTo>
-                    <a:pt x="1286350" y="6209051"/>
-                    <a:pt x="1365632" y="6293677"/>
-                    <a:pt x="1448192" y="6374054"/>
-                  </a:cubicBezTo>
-                  <a:cubicBezTo>
-                    <a:pt x="1613572" y="6534420"/>
-                    <a:pt x="1792057" y="6677526"/>
-                    <a:pt x="1982991" y="6796158"/>
-                  </a:cubicBezTo>
-                  <a:lnTo>
-                    <a:pt x="2118475" y="6874714"/>
-                  </a:lnTo>
-                  <a:lnTo>
-                    <a:pt x="1569874" y="6874714"/>
-                  </a:lnTo>
-                  <a:lnTo>
-                    <a:pt x="1507802" y="6817815"/>
-                  </a:lnTo>
-                  <a:cubicBezTo>
-                    <a:pt x="1418412" y="6730595"/>
-                    <a:pt x="1334903" y="6638562"/>
-                    <a:pt x="1256865" y="6543437"/>
-                  </a:cubicBezTo>
-                  <a:cubicBezTo>
-                    <a:pt x="1179155" y="6447861"/>
-                    <a:pt x="1106817" y="6349194"/>
-                    <a:pt x="1038410" y="6248722"/>
-                  </a:cubicBezTo>
-                  <a:cubicBezTo>
-                    <a:pt x="969873" y="6148253"/>
-                    <a:pt x="905922" y="6045592"/>
-                    <a:pt x="845380" y="5941386"/>
-                  </a:cubicBezTo>
-                  <a:cubicBezTo>
-                    <a:pt x="814453" y="5888704"/>
-                    <a:pt x="786147" y="5839370"/>
-                    <a:pt x="755351" y="5788877"/>
-                  </a:cubicBezTo>
-                  <a:cubicBezTo>
-                    <a:pt x="724817" y="5738771"/>
-                    <a:pt x="693760" y="5688665"/>
-                    <a:pt x="661784" y="5638944"/>
-                  </a:cubicBezTo>
-                  <a:lnTo>
-                    <a:pt x="466525" y="5340366"/>
-                  </a:lnTo>
-                  <a:cubicBezTo>
-                    <a:pt x="434156" y="5290131"/>
-                    <a:pt x="402181" y="5239639"/>
-                    <a:pt x="370992" y="5188502"/>
-                  </a:cubicBezTo>
-                  <a:cubicBezTo>
-                    <a:pt x="339803" y="5137364"/>
-                    <a:pt x="308876" y="5086099"/>
-                    <a:pt x="280046" y="5033287"/>
-                  </a:cubicBezTo>
-                  <a:cubicBezTo>
-                    <a:pt x="222255" y="4928179"/>
-                    <a:pt x="169181" y="4819982"/>
-                    <a:pt x="126853" y="4707660"/>
-                  </a:cubicBezTo>
-                  <a:cubicBezTo>
-                    <a:pt x="83739" y="4595725"/>
-                    <a:pt x="51764" y="4479670"/>
-                    <a:pt x="30272" y="4362068"/>
-                  </a:cubicBezTo>
-                  <a:cubicBezTo>
-                    <a:pt x="9698" y="4244466"/>
-                    <a:pt x="0" y="4125060"/>
-                    <a:pt x="0" y="4005912"/>
-                  </a:cubicBezTo>
-                  <a:cubicBezTo>
-                    <a:pt x="1704" y="3530867"/>
-                    <a:pt x="95140" y="3057110"/>
-                    <a:pt x="270480" y="2610532"/>
-                  </a:cubicBezTo>
-                  <a:cubicBezTo>
-                    <a:pt x="314511" y="2498984"/>
-                    <a:pt x="362212" y="2388466"/>
-                    <a:pt x="415942" y="2280526"/>
-                  </a:cubicBezTo>
-                  <a:cubicBezTo>
-                    <a:pt x="468884" y="2172197"/>
-                    <a:pt x="527199" y="2066188"/>
-                    <a:pt x="590102" y="1962626"/>
-                  </a:cubicBezTo>
-                  <a:cubicBezTo>
-                    <a:pt x="716037" y="1755631"/>
-                    <a:pt x="859794" y="1557653"/>
-                    <a:pt x="1020719" y="1373070"/>
-                  </a:cubicBezTo>
-                  <a:cubicBezTo>
-                    <a:pt x="1101575" y="1281101"/>
-                    <a:pt x="1185969" y="1191838"/>
-                    <a:pt x="1275080" y="1107081"/>
-                  </a:cubicBezTo>
-                  <a:cubicBezTo>
-                    <a:pt x="1297227" y="1085699"/>
-                    <a:pt x="1319504" y="1064575"/>
-                    <a:pt x="1342437" y="1043965"/>
-                  </a:cubicBezTo>
-                  <a:cubicBezTo>
-                    <a:pt x="1365240" y="1023226"/>
-                    <a:pt x="1387648" y="1002102"/>
-                    <a:pt x="1411106" y="982138"/>
-                  </a:cubicBezTo>
-                  <a:cubicBezTo>
-                    <a:pt x="1457497" y="941563"/>
-                    <a:pt x="1505065" y="902276"/>
-                    <a:pt x="1553029" y="863376"/>
-                  </a:cubicBezTo>
-                  <a:cubicBezTo>
-                    <a:pt x="1745798" y="708806"/>
-                    <a:pt x="1954030" y="571882"/>
-                    <a:pt x="2173401" y="454409"/>
-                  </a:cubicBezTo>
-                  <a:cubicBezTo>
-                    <a:pt x="2612013" y="219334"/>
-                    <a:pt x="3099505" y="65666"/>
-                    <a:pt x="3599708" y="16332"/>
-                  </a:cubicBezTo>
-                  <a:cubicBezTo>
-                    <a:pt x="3724530" y="3966"/>
-                    <a:pt x="3850400" y="-1283"/>
-                    <a:pt x="3975975" y="263"/>
-                  </a:cubicBezTo>
-                  <a:close/>
-                </a:path>
-              </a:pathLst>
-            </a:custGeom>
-            <a:gradFill>
-              <a:gsLst>
-                <a:gs pos="2000">
-                  <a:schemeClr val="bg1">
-                    <a:alpha val="10000"/>
-                  </a:schemeClr>
-                </a:gs>
-                <a:gs pos="16000">
-                  <a:schemeClr val="accent6">
-                    <a:alpha val="10000"/>
-                  </a:schemeClr>
-                </a:gs>
-                <a:gs pos="100000">
-                  <a:schemeClr val="bg1">
-                    <a:alpha val="10000"/>
-                  </a:schemeClr>
-                </a:gs>
-                <a:gs pos="85000">
-                  <a:schemeClr val="accent1">
-                    <a:alpha val="10000"/>
-                  </a:schemeClr>
-                </a:gs>
-              </a:gsLst>
-              <a:lin ang="12000000" scaled="0"/>
-            </a:gradFill>
-            <a:ln>
-              <a:noFill/>
-            </a:ln>
-          </p:spPr>
-          <p:style>
-            <a:lnRef idx="2">
-              <a:schemeClr val="accent1">
-                <a:shade val="50000"/>
-              </a:schemeClr>
-            </a:lnRef>
-            <a:fillRef idx="1">
-              <a:schemeClr val="accent1"/>
-            </a:fillRef>
-            <a:effectRef idx="0">
-              <a:schemeClr val="accent1"/>
-            </a:effectRef>
-            <a:fontRef idx="minor">
-              <a:schemeClr val="lt1"/>
-            </a:fontRef>
-          </p:style>
-          <p:txBody>
-            <a:bodyPr rtlCol="0" anchor="ctr"/>
-            <a:lstStyle/>
-            <a:p>
-              <a:pPr algn="ctr"/>
-              <a:endParaRPr lang="en-US"/>
-            </a:p>
-          </p:txBody>
-        </p:sp>
-        <p:sp>
-          <p:nvSpPr>
-            <p:cNvPr id="38" name="Freeform: Shape 37">
-              <a:extLst>
-                <a:ext uri="{FF2B5EF4-FFF2-40B4-BE49-F238E27FC236}">
-                  <a16:creationId xmlns:a16="http://schemas.microsoft.com/office/drawing/2014/main" id="{61023DD2-2E6F-4419-B404-80F08460BEA5}"/>
-                </a:ext>
-                <a:ext uri="{C183D7F6-B498-43B3-948B-1728B52AA6E4}">
-                  <adec:decorative xmlns:adec="http://schemas.microsoft.com/office/drawing/2017/decorative" val="1"/>
-                </a:ext>
-              </a:extLst>
-            </p:cNvPr>
-            <p:cNvSpPr/>
-            <p:nvPr>
-              <p:extLst>
-                <p:ext uri="{386F3935-93C4-4BCD-93E2-E3B085C9AB24}">
-                  <p16:designElem xmlns:p16="http://schemas.microsoft.com/office/powerpoint/2015/main" val="1"/>
-                </p:ext>
-              </p:extLst>
-            </p:nvPr>
-          </p:nvSpPr>
-          <p:spPr>
-            <a:xfrm>
-              <a:off x="5865276" y="313387"/>
-              <a:ext cx="6326724" cy="6561326"/>
-            </a:xfrm>
-            <a:custGeom>
-              <a:avLst/>
-              <a:gdLst>
-                <a:gd name="connsiteX0" fmla="*/ 6326724 w 6326724"/>
-                <a:gd name="connsiteY0" fmla="*/ 5020808 h 6561326"/>
-                <a:gd name="connsiteX1" fmla="*/ 6326724 w 6326724"/>
-                <a:gd name="connsiteY1" fmla="*/ 5698632 h 6561326"/>
-                <a:gd name="connsiteX2" fmla="*/ 6067438 w 6326724"/>
-                <a:gd name="connsiteY2" fmla="*/ 5902509 h 6561326"/>
-                <a:gd name="connsiteX3" fmla="*/ 5799974 w 6326724"/>
-                <a:gd name="connsiteY3" fmla="*/ 6102017 h 6561326"/>
-                <a:gd name="connsiteX4" fmla="*/ 5665258 w 6326724"/>
-                <a:gd name="connsiteY4" fmla="*/ 6202100 h 6561326"/>
-                <a:gd name="connsiteX5" fmla="*/ 5526873 w 6326724"/>
-                <a:gd name="connsiteY5" fmla="*/ 6302828 h 6561326"/>
-                <a:gd name="connsiteX6" fmla="*/ 5385080 w 6326724"/>
-                <a:gd name="connsiteY6" fmla="*/ 6402268 h 6561326"/>
-                <a:gd name="connsiteX7" fmla="*/ 5238833 w 6326724"/>
-                <a:gd name="connsiteY7" fmla="*/ 6498875 h 6561326"/>
-                <a:gd name="connsiteX8" fmla="*/ 5138040 w 6326724"/>
-                <a:gd name="connsiteY8" fmla="*/ 6561326 h 6561326"/>
-                <a:gd name="connsiteX9" fmla="*/ 3946072 w 6326724"/>
-                <a:gd name="connsiteY9" fmla="*/ 6561326 h 6561326"/>
-                <a:gd name="connsiteX10" fmla="*/ 3976009 w 6326724"/>
-                <a:gd name="connsiteY10" fmla="*/ 6555242 h 6561326"/>
-                <a:gd name="connsiteX11" fmla="*/ 4404855 w 6326724"/>
-                <a:gd name="connsiteY11" fmla="*/ 6399048 h 6561326"/>
-                <a:gd name="connsiteX12" fmla="*/ 4938868 w 6326724"/>
-                <a:gd name="connsiteY12" fmla="*/ 6072132 h 6561326"/>
-                <a:gd name="connsiteX13" fmla="*/ 5068342 w 6326724"/>
-                <a:gd name="connsiteY13" fmla="*/ 5976042 h 6561326"/>
-                <a:gd name="connsiteX14" fmla="*/ 5197816 w 6326724"/>
-                <a:gd name="connsiteY14" fmla="*/ 5876730 h 6561326"/>
-                <a:gd name="connsiteX15" fmla="*/ 5460039 w 6326724"/>
-                <a:gd name="connsiteY15" fmla="*/ 5670637 h 6561326"/>
-                <a:gd name="connsiteX16" fmla="*/ 5999033 w 6326724"/>
-                <a:gd name="connsiteY16" fmla="*/ 5271718 h 6561326"/>
-                <a:gd name="connsiteX17" fmla="*/ 6258766 w 6326724"/>
-                <a:gd name="connsiteY17" fmla="*/ 5077603 h 6561326"/>
-                <a:gd name="connsiteX18" fmla="*/ 4139342 w 6326724"/>
-                <a:gd name="connsiteY18" fmla="*/ 440 h 6561326"/>
-                <a:gd name="connsiteX19" fmla="*/ 4315744 w 6326724"/>
-                <a:gd name="connsiteY19" fmla="*/ 6808 h 6561326"/>
-                <a:gd name="connsiteX20" fmla="*/ 5015400 w 6326724"/>
-                <a:gd name="connsiteY20" fmla="*/ 113591 h 6561326"/>
-                <a:gd name="connsiteX21" fmla="*/ 5681114 w 6326724"/>
-                <a:gd name="connsiteY21" fmla="*/ 361418 h 6561326"/>
-                <a:gd name="connsiteX22" fmla="*/ 6270952 w 6326724"/>
-                <a:gd name="connsiteY22" fmla="*/ 755441 h 6561326"/>
-                <a:gd name="connsiteX23" fmla="*/ 6326724 w 6326724"/>
-                <a:gd name="connsiteY23" fmla="*/ 807432 h 6561326"/>
-                <a:gd name="connsiteX24" fmla="*/ 6326724 w 6326724"/>
-                <a:gd name="connsiteY24" fmla="*/ 1231565 h 6561326"/>
-                <a:gd name="connsiteX25" fmla="*/ 6302093 w 6326724"/>
-                <a:gd name="connsiteY25" fmla="*/ 1203002 h 6561326"/>
-                <a:gd name="connsiteX26" fmla="*/ 6066914 w 6326724"/>
-                <a:gd name="connsiteY26" fmla="*/ 989616 h 6561326"/>
-                <a:gd name="connsiteX27" fmla="*/ 5533688 w 6326724"/>
-                <a:gd name="connsiteY27" fmla="*/ 647242 h 6561326"/>
-                <a:gd name="connsiteX28" fmla="*/ 4933626 w 6326724"/>
-                <a:gd name="connsiteY28" fmla="*/ 432262 h 6561326"/>
-                <a:gd name="connsiteX29" fmla="*/ 4296873 w 6326724"/>
-                <a:gd name="connsiteY29" fmla="*/ 343126 h 6561326"/>
-                <a:gd name="connsiteX30" fmla="*/ 3651602 w 6326724"/>
-                <a:gd name="connsiteY30" fmla="*/ 365797 h 6561326"/>
-                <a:gd name="connsiteX31" fmla="*/ 3018256 w 6326724"/>
-                <a:gd name="connsiteY31" fmla="*/ 496666 h 6561326"/>
-                <a:gd name="connsiteX32" fmla="*/ 2412429 w 6326724"/>
-                <a:gd name="connsiteY32" fmla="*/ 724399 h 6561326"/>
-                <a:gd name="connsiteX33" fmla="*/ 1329857 w 6326724"/>
-                <a:gd name="connsiteY33" fmla="*/ 1424086 h 6561326"/>
-                <a:gd name="connsiteX34" fmla="*/ 887314 w 6326724"/>
-                <a:gd name="connsiteY34" fmla="*/ 1891015 h 6561326"/>
-                <a:gd name="connsiteX35" fmla="*/ 537420 w 6326724"/>
-                <a:gd name="connsiteY35" fmla="*/ 2427245 h 6561326"/>
-                <a:gd name="connsiteX36" fmla="*/ 299965 w 6326724"/>
-                <a:gd name="connsiteY36" fmla="*/ 3020021 h 6561326"/>
-                <a:gd name="connsiteX37" fmla="*/ 213606 w 6326724"/>
-                <a:gd name="connsiteY37" fmla="*/ 3651953 h 6561326"/>
-                <a:gd name="connsiteX38" fmla="*/ 250036 w 6326724"/>
-                <a:gd name="connsiteY38" fmla="*/ 3961352 h 6561326"/>
-                <a:gd name="connsiteX39" fmla="*/ 357625 w 6326724"/>
-                <a:gd name="connsiteY39" fmla="*/ 4250783 h 6561326"/>
-                <a:gd name="connsiteX40" fmla="*/ 432715 w 6326724"/>
-                <a:gd name="connsiteY40" fmla="*/ 4387063 h 6561326"/>
-                <a:gd name="connsiteX41" fmla="*/ 518943 w 6326724"/>
-                <a:gd name="connsiteY41" fmla="*/ 4518962 h 6561326"/>
-                <a:gd name="connsiteX42" fmla="*/ 718133 w 6326724"/>
-                <a:gd name="connsiteY42" fmla="*/ 4773874 h 6561326"/>
-                <a:gd name="connsiteX43" fmla="*/ 933704 w 6326724"/>
-                <a:gd name="connsiteY43" fmla="*/ 5030717 h 6561326"/>
-                <a:gd name="connsiteX44" fmla="*/ 1040900 w 6326724"/>
-                <a:gd name="connsiteY44" fmla="*/ 5164806 h 6561326"/>
-                <a:gd name="connsiteX45" fmla="*/ 1092401 w 6326724"/>
-                <a:gd name="connsiteY45" fmla="*/ 5230628 h 6561326"/>
-                <a:gd name="connsiteX46" fmla="*/ 1142854 w 6326724"/>
-                <a:gd name="connsiteY46" fmla="*/ 5293615 h 6561326"/>
-                <a:gd name="connsiteX47" fmla="*/ 1576354 w 6326724"/>
-                <a:gd name="connsiteY47" fmla="*/ 5759128 h 6561326"/>
-                <a:gd name="connsiteX48" fmla="*/ 1806865 w 6326724"/>
-                <a:gd name="connsiteY48" fmla="*/ 5968571 h 6561326"/>
-                <a:gd name="connsiteX49" fmla="*/ 2048253 w 6326724"/>
-                <a:gd name="connsiteY49" fmla="*/ 6161654 h 6561326"/>
-                <a:gd name="connsiteX50" fmla="*/ 2587506 w 6326724"/>
-                <a:gd name="connsiteY50" fmla="*/ 6467059 h 6561326"/>
-                <a:gd name="connsiteX51" fmla="*/ 2889176 w 6326724"/>
-                <a:gd name="connsiteY51" fmla="*/ 6553360 h 6561326"/>
-                <a:gd name="connsiteX52" fmla="*/ 2929698 w 6326724"/>
-                <a:gd name="connsiteY52" fmla="*/ 6561326 h 6561326"/>
-                <a:gd name="connsiteX53" fmla="*/ 1816374 w 6326724"/>
-                <a:gd name="connsiteY53" fmla="*/ 6561326 h 6561326"/>
-                <a:gd name="connsiteX54" fmla="*/ 1787601 w 6326724"/>
-                <a:gd name="connsiteY54" fmla="*/ 6545761 h 6561326"/>
-                <a:gd name="connsiteX55" fmla="*/ 1225544 w 6326724"/>
-                <a:gd name="connsiteY55" fmla="*/ 6094158 h 6561326"/>
-                <a:gd name="connsiteX56" fmla="*/ 997654 w 6326724"/>
-                <a:gd name="connsiteY56" fmla="*/ 5822374 h 6561326"/>
-                <a:gd name="connsiteX57" fmla="*/ 798596 w 6326724"/>
-                <a:gd name="connsiteY57" fmla="*/ 5534615 h 6561326"/>
-                <a:gd name="connsiteX58" fmla="*/ 752075 w 6326724"/>
-                <a:gd name="connsiteY58" fmla="*/ 5461324 h 6561326"/>
-                <a:gd name="connsiteX59" fmla="*/ 707650 w 6326724"/>
-                <a:gd name="connsiteY59" fmla="*/ 5390221 h 6561326"/>
-                <a:gd name="connsiteX60" fmla="*/ 619980 w 6326724"/>
-                <a:gd name="connsiteY60" fmla="*/ 5252396 h 6561326"/>
-                <a:gd name="connsiteX61" fmla="*/ 438349 w 6326724"/>
-                <a:gd name="connsiteY61" fmla="*/ 4970822 h 6561326"/>
-                <a:gd name="connsiteX62" fmla="*/ 261044 w 6326724"/>
-                <a:gd name="connsiteY62" fmla="*/ 4673145 h 6561326"/>
-                <a:gd name="connsiteX63" fmla="*/ 181107 w 6326724"/>
-                <a:gd name="connsiteY63" fmla="*/ 4515356 h 6561326"/>
-                <a:gd name="connsiteX64" fmla="*/ 113224 w 6326724"/>
-                <a:gd name="connsiteY64" fmla="*/ 4350223 h 6561326"/>
-                <a:gd name="connsiteX65" fmla="*/ 61199 w 6326724"/>
-                <a:gd name="connsiteY65" fmla="*/ 4178908 h 6561326"/>
-                <a:gd name="connsiteX66" fmla="*/ 41804 w 6326724"/>
-                <a:gd name="connsiteY66" fmla="*/ 4091577 h 6561326"/>
-                <a:gd name="connsiteX67" fmla="*/ 33287 w 6326724"/>
-                <a:gd name="connsiteY67" fmla="*/ 4047781 h 6561326"/>
-                <a:gd name="connsiteX68" fmla="*/ 26209 w 6326724"/>
-                <a:gd name="connsiteY68" fmla="*/ 4003858 h 6561326"/>
-                <a:gd name="connsiteX69" fmla="*/ 0 w 6326724"/>
-                <a:gd name="connsiteY69" fmla="*/ 3651953 h 6561326"/>
-                <a:gd name="connsiteX70" fmla="*/ 72731 w 6326724"/>
-                <a:gd name="connsiteY70" fmla="*/ 2966307 h 6561326"/>
-                <a:gd name="connsiteX71" fmla="*/ 291316 w 6326724"/>
-                <a:gd name="connsiteY71" fmla="*/ 2309385 h 6561326"/>
-                <a:gd name="connsiteX72" fmla="*/ 1110878 w 6326724"/>
-                <a:gd name="connsiteY72" fmla="*/ 1193776 h 6561326"/>
-                <a:gd name="connsiteX73" fmla="*/ 1654327 w 6326724"/>
-                <a:gd name="connsiteY73" fmla="*/ 756730 h 6561326"/>
-                <a:gd name="connsiteX74" fmla="*/ 2261727 w 6326724"/>
-                <a:gd name="connsiteY74" fmla="*/ 409720 h 6561326"/>
-                <a:gd name="connsiteX75" fmla="*/ 3610060 w 6326724"/>
-                <a:gd name="connsiteY75" fmla="*/ 27032 h 6561326"/>
-                <a:gd name="connsiteX76" fmla="*/ 4139342 w 6326724"/>
-                <a:gd name="connsiteY76" fmla="*/ 440 h 6561326"/>
-              </a:gdLst>
-              <a:ahLst/>
-              <a:cxnLst>
-                <a:cxn ang="0">
-                  <a:pos x="connsiteX0" y="connsiteY0"/>
-                </a:cxn>
-                <a:cxn ang="0">
-                  <a:pos x="connsiteX1" y="connsiteY1"/>
-                </a:cxn>
-                <a:cxn ang="0">
-                  <a:pos x="connsiteX2" y="connsiteY2"/>
-                </a:cxn>
-                <a:cxn ang="0">
-                  <a:pos x="connsiteX3" y="connsiteY3"/>
-                </a:cxn>
-                <a:cxn ang="0">
-                  <a:pos x="connsiteX4" y="connsiteY4"/>
-                </a:cxn>
-                <a:cxn ang="0">
-                  <a:pos x="connsiteX5" y="connsiteY5"/>
-                </a:cxn>
-                <a:cxn ang="0">
-                  <a:pos x="connsiteX6" y="connsiteY6"/>
-                </a:cxn>
-                <a:cxn ang="0">
-                  <a:pos x="connsiteX7" y="connsiteY7"/>
-                </a:cxn>
-                <a:cxn ang="0">
-                  <a:pos x="connsiteX8" y="connsiteY8"/>
-                </a:cxn>
-                <a:cxn ang="0">
-                  <a:pos x="connsiteX9" y="connsiteY9"/>
-                </a:cxn>
-                <a:cxn ang="0">
-                  <a:pos x="connsiteX10" y="connsiteY10"/>
-                </a:cxn>
-                <a:cxn ang="0">
-                  <a:pos x="connsiteX11" y="connsiteY11"/>
-                </a:cxn>
-                <a:cxn ang="0">
-                  <a:pos x="connsiteX12" y="connsiteY12"/>
-                </a:cxn>
-                <a:cxn ang="0">
-                  <a:pos x="connsiteX13" y="connsiteY13"/>
-                </a:cxn>
-                <a:cxn ang="0">
-                  <a:pos x="connsiteX14" y="connsiteY14"/>
-                </a:cxn>
-                <a:cxn ang="0">
-                  <a:pos x="connsiteX15" y="connsiteY15"/>
-                </a:cxn>
-                <a:cxn ang="0">
-                  <a:pos x="connsiteX16" y="connsiteY16"/>
-                </a:cxn>
-                <a:cxn ang="0">
-                  <a:pos x="connsiteX17" y="connsiteY17"/>
-                </a:cxn>
-                <a:cxn ang="0">
-                  <a:pos x="connsiteX18" y="connsiteY18"/>
-                </a:cxn>
-                <a:cxn ang="0">
-                  <a:pos x="connsiteX19" y="connsiteY19"/>
-                </a:cxn>
-                <a:cxn ang="0">
-                  <a:pos x="connsiteX20" y="connsiteY20"/>
-                </a:cxn>
-                <a:cxn ang="0">
-                  <a:pos x="connsiteX21" y="connsiteY21"/>
-                </a:cxn>
-                <a:cxn ang="0">
-                  <a:pos x="connsiteX22" y="connsiteY22"/>
-                </a:cxn>
-                <a:cxn ang="0">
-                  <a:pos x="connsiteX23" y="connsiteY23"/>
-                </a:cxn>
-                <a:cxn ang="0">
-                  <a:pos x="connsiteX24" y="connsiteY24"/>
-                </a:cxn>
-                <a:cxn ang="0">
-                  <a:pos x="connsiteX25" y="connsiteY25"/>
-                </a:cxn>
-                <a:cxn ang="0">
-                  <a:pos x="connsiteX26" y="connsiteY26"/>
-                </a:cxn>
-                <a:cxn ang="0">
-                  <a:pos x="connsiteX27" y="connsiteY27"/>
-                </a:cxn>
-                <a:cxn ang="0">
-                  <a:pos x="connsiteX28" y="connsiteY28"/>
-                </a:cxn>
-                <a:cxn ang="0">
-                  <a:pos x="connsiteX29" y="connsiteY29"/>
-                </a:cxn>
-                <a:cxn ang="0">
-                  <a:pos x="connsiteX30" y="connsiteY30"/>
-                </a:cxn>
-                <a:cxn ang="0">
-                  <a:pos x="connsiteX31" y="connsiteY31"/>
-                </a:cxn>
-                <a:cxn ang="0">
-                  <a:pos x="connsiteX32" y="connsiteY32"/>
-                </a:cxn>
-                <a:cxn ang="0">
-                  <a:pos x="connsiteX33" y="connsiteY33"/>
-                </a:cxn>
-                <a:cxn ang="0">
-                  <a:pos x="connsiteX34" y="connsiteY34"/>
-                </a:cxn>
-                <a:cxn ang="0">
-                  <a:pos x="connsiteX35" y="connsiteY35"/>
-                </a:cxn>
-                <a:cxn ang="0">
-                  <a:pos x="connsiteX36" y="connsiteY36"/>
-                </a:cxn>
-                <a:cxn ang="0">
-                  <a:pos x="connsiteX37" y="connsiteY37"/>
-                </a:cxn>
-                <a:cxn ang="0">
-                  <a:pos x="connsiteX38" y="connsiteY38"/>
-                </a:cxn>
-                <a:cxn ang="0">
-                  <a:pos x="connsiteX39" y="connsiteY39"/>
-                </a:cxn>
-                <a:cxn ang="0">
-                  <a:pos x="connsiteX40" y="connsiteY40"/>
-                </a:cxn>
-                <a:cxn ang="0">
-                  <a:pos x="connsiteX41" y="connsiteY41"/>
-                </a:cxn>
-                <a:cxn ang="0">
-                  <a:pos x="connsiteX42" y="connsiteY42"/>
-                </a:cxn>
-                <a:cxn ang="0">
-                  <a:pos x="connsiteX43" y="connsiteY43"/>
-                </a:cxn>
-                <a:cxn ang="0">
-                  <a:pos x="connsiteX44" y="connsiteY44"/>
-                </a:cxn>
-                <a:cxn ang="0">
-                  <a:pos x="connsiteX45" y="connsiteY45"/>
-                </a:cxn>
-                <a:cxn ang="0">
-                  <a:pos x="connsiteX46" y="connsiteY46"/>
-                </a:cxn>
-                <a:cxn ang="0">
-                  <a:pos x="connsiteX47" y="connsiteY47"/>
-                </a:cxn>
-                <a:cxn ang="0">
-                  <a:pos x="connsiteX48" y="connsiteY48"/>
-                </a:cxn>
-                <a:cxn ang="0">
-                  <a:pos x="connsiteX49" y="connsiteY49"/>
-                </a:cxn>
-                <a:cxn ang="0">
-                  <a:pos x="connsiteX50" y="connsiteY50"/>
-                </a:cxn>
-                <a:cxn ang="0">
-                  <a:pos x="connsiteX51" y="connsiteY51"/>
-                </a:cxn>
-                <a:cxn ang="0">
-                  <a:pos x="connsiteX52" y="connsiteY52"/>
-                </a:cxn>
-                <a:cxn ang="0">
-                  <a:pos x="connsiteX53" y="connsiteY53"/>
-                </a:cxn>
-                <a:cxn ang="0">
-                  <a:pos x="connsiteX54" y="connsiteY54"/>
-                </a:cxn>
-                <a:cxn ang="0">
-                  <a:pos x="connsiteX55" y="connsiteY55"/>
-                </a:cxn>
-                <a:cxn ang="0">
-                  <a:pos x="connsiteX56" y="connsiteY56"/>
-                </a:cxn>
-                <a:cxn ang="0">
-                  <a:pos x="connsiteX57" y="connsiteY57"/>
-                </a:cxn>
-                <a:cxn ang="0">
-                  <a:pos x="connsiteX58" y="connsiteY58"/>
-                </a:cxn>
-                <a:cxn ang="0">
-                  <a:pos x="connsiteX59" y="connsiteY59"/>
-                </a:cxn>
-                <a:cxn ang="0">
-                  <a:pos x="connsiteX60" y="connsiteY60"/>
-                </a:cxn>
-                <a:cxn ang="0">
-                  <a:pos x="connsiteX61" y="connsiteY61"/>
-                </a:cxn>
-                <a:cxn ang="0">
-                  <a:pos x="connsiteX62" y="connsiteY62"/>
-                </a:cxn>
-                <a:cxn ang="0">
-                  <a:pos x="connsiteX63" y="connsiteY63"/>
-                </a:cxn>
-                <a:cxn ang="0">
-                  <a:pos x="connsiteX64" y="connsiteY64"/>
-                </a:cxn>
-                <a:cxn ang="0">
-                  <a:pos x="connsiteX65" y="connsiteY65"/>
-                </a:cxn>
-                <a:cxn ang="0">
-                  <a:pos x="connsiteX66" y="connsiteY66"/>
-                </a:cxn>
-                <a:cxn ang="0">
-                  <a:pos x="connsiteX67" y="connsiteY67"/>
-                </a:cxn>
-                <a:cxn ang="0">
-                  <a:pos x="connsiteX68" y="connsiteY68"/>
-                </a:cxn>
-                <a:cxn ang="0">
-                  <a:pos x="connsiteX69" y="connsiteY69"/>
-                </a:cxn>
-                <a:cxn ang="0">
-                  <a:pos x="connsiteX70" y="connsiteY70"/>
-                </a:cxn>
-                <a:cxn ang="0">
-                  <a:pos x="connsiteX71" y="connsiteY71"/>
-                </a:cxn>
-                <a:cxn ang="0">
-                  <a:pos x="connsiteX72" y="connsiteY72"/>
-                </a:cxn>
-                <a:cxn ang="0">
-                  <a:pos x="connsiteX73" y="connsiteY73"/>
-                </a:cxn>
-                <a:cxn ang="0">
-                  <a:pos x="connsiteX74" y="connsiteY74"/>
-                </a:cxn>
-                <a:cxn ang="0">
-                  <a:pos x="connsiteX75" y="connsiteY75"/>
-                </a:cxn>
-                <a:cxn ang="0">
-                  <a:pos x="connsiteX76" y="connsiteY76"/>
-                </a:cxn>
-              </a:cxnLst>
-              <a:rect l="l" t="t" r="r" b="b"/>
-              <a:pathLst>
-                <a:path w="6326724" h="6561326">
-                  <a:moveTo>
-                    <a:pt x="6326724" y="5020808"/>
-                  </a:moveTo>
-                  <a:lnTo>
-                    <a:pt x="6326724" y="5698632"/>
-                  </a:lnTo>
-                  <a:lnTo>
-                    <a:pt x="6067438" y="5902509"/>
-                  </a:lnTo>
-                  <a:cubicBezTo>
-                    <a:pt x="5977868" y="5970407"/>
-                    <a:pt x="5888364" y="6036453"/>
-                    <a:pt x="5799974" y="6102017"/>
-                  </a:cubicBezTo>
-                  <a:lnTo>
-                    <a:pt x="5665258" y="6202100"/>
-                  </a:lnTo>
-                  <a:cubicBezTo>
-                    <a:pt x="5619654" y="6235719"/>
-                    <a:pt x="5573656" y="6269596"/>
-                    <a:pt x="5526873" y="6302828"/>
-                  </a:cubicBezTo>
-                  <a:cubicBezTo>
-                    <a:pt x="5480220" y="6336189"/>
-                    <a:pt x="5433044" y="6369423"/>
-                    <a:pt x="5385080" y="6402268"/>
-                  </a:cubicBezTo>
-                  <a:cubicBezTo>
-                    <a:pt x="5336988" y="6434857"/>
-                    <a:pt x="5288500" y="6467187"/>
-                    <a:pt x="5238833" y="6498875"/>
-                  </a:cubicBezTo>
-                  <a:lnTo>
-                    <a:pt x="5138040" y="6561326"/>
-                  </a:lnTo>
-                  <a:lnTo>
-                    <a:pt x="3946072" y="6561326"/>
-                  </a:lnTo>
-                  <a:lnTo>
-                    <a:pt x="3976009" y="6555242"/>
-                  </a:lnTo>
-                  <a:cubicBezTo>
-                    <a:pt x="4123712" y="6519227"/>
-                    <a:pt x="4266863" y="6466383"/>
-                    <a:pt x="4404855" y="6399048"/>
-                  </a:cubicBezTo>
-                  <a:cubicBezTo>
-                    <a:pt x="4589500" y="6310299"/>
-                    <a:pt x="4765232" y="6196690"/>
-                    <a:pt x="4938868" y="6072132"/>
-                  </a:cubicBezTo>
-                  <a:cubicBezTo>
-                    <a:pt x="4982245" y="6041089"/>
-                    <a:pt x="5025359" y="6008630"/>
-                    <a:pt x="5068342" y="5976042"/>
-                  </a:cubicBezTo>
-                  <a:cubicBezTo>
-                    <a:pt x="5111588" y="5943453"/>
-                    <a:pt x="5154702" y="5910349"/>
-                    <a:pt x="5197816" y="5876730"/>
-                  </a:cubicBezTo>
-                  <a:lnTo>
-                    <a:pt x="5460039" y="5670637"/>
-                  </a:lnTo>
-                  <a:cubicBezTo>
-                    <a:pt x="5639966" y="5530365"/>
-                    <a:pt x="5821596" y="5399753"/>
-                    <a:pt x="5999033" y="5271718"/>
-                  </a:cubicBezTo>
-                  <a:cubicBezTo>
-                    <a:pt x="6087686" y="5207700"/>
-                    <a:pt x="6174667" y="5143360"/>
-                    <a:pt x="6258766" y="5077603"/>
-                  </a:cubicBezTo>
-                  <a:close/>
-                  <a:moveTo>
-                    <a:pt x="4139342" y="440"/>
-                  </a:moveTo>
-                  <a:cubicBezTo>
-                    <a:pt x="4198237" y="1301"/>
-                    <a:pt x="4257068" y="3427"/>
-                    <a:pt x="4315744" y="6808"/>
-                  </a:cubicBezTo>
-                  <a:cubicBezTo>
-                    <a:pt x="4550841" y="20849"/>
-                    <a:pt x="4785806" y="55240"/>
-                    <a:pt x="5015400" y="113591"/>
-                  </a:cubicBezTo>
-                  <a:cubicBezTo>
-                    <a:pt x="5244992" y="171812"/>
-                    <a:pt x="5469212" y="254249"/>
-                    <a:pt x="5681114" y="361418"/>
-                  </a:cubicBezTo>
-                  <a:cubicBezTo>
-                    <a:pt x="5892754" y="468586"/>
-                    <a:pt x="6093124" y="599584"/>
-                    <a:pt x="6270952" y="755441"/>
-                  </a:cubicBezTo>
-                  <a:lnTo>
-                    <a:pt x="6326724" y="807432"/>
-                  </a:lnTo>
-                  <a:lnTo>
-                    <a:pt x="6326724" y="1231565"/>
-                  </a:lnTo>
-                  <a:lnTo>
-                    <a:pt x="6302093" y="1203002"/>
-                  </a:lnTo>
-                  <a:cubicBezTo>
-                    <a:pt x="6227937" y="1127247"/>
-                    <a:pt x="6149211" y="1056081"/>
-                    <a:pt x="6066914" y="989616"/>
-                  </a:cubicBezTo>
-                  <a:cubicBezTo>
-                    <a:pt x="5902714" y="856299"/>
-                    <a:pt x="5724360" y="740371"/>
-                    <a:pt x="5533688" y="647242"/>
-                  </a:cubicBezTo>
-                  <a:cubicBezTo>
-                    <a:pt x="5343146" y="553857"/>
-                    <a:pt x="5141466" y="482239"/>
-                    <a:pt x="4933626" y="432262"/>
-                  </a:cubicBezTo>
-                  <a:cubicBezTo>
-                    <a:pt x="4725788" y="382156"/>
-                    <a:pt x="4512182" y="353303"/>
-                    <a:pt x="4296873" y="343126"/>
-                  </a:cubicBezTo>
-                  <a:cubicBezTo>
-                    <a:pt x="4081172" y="332435"/>
-                    <a:pt x="3865732" y="339520"/>
-                    <a:pt x="3651602" y="365797"/>
-                  </a:cubicBezTo>
-                  <a:cubicBezTo>
-                    <a:pt x="3437604" y="392202"/>
-                    <a:pt x="3225572" y="436384"/>
-                    <a:pt x="3018256" y="496666"/>
-                  </a:cubicBezTo>
-                  <a:cubicBezTo>
-                    <a:pt x="2810809" y="556691"/>
-                    <a:pt x="2608474" y="634362"/>
-                    <a:pt x="2412429" y="724399"/>
-                  </a:cubicBezTo>
-                  <a:cubicBezTo>
-                    <a:pt x="2019160" y="902541"/>
-                    <a:pt x="1651969" y="1138775"/>
-                    <a:pt x="1329857" y="1424086"/>
-                  </a:cubicBezTo>
-                  <a:cubicBezTo>
-                    <a:pt x="1169326" y="1567192"/>
-                    <a:pt x="1020588" y="1723307"/>
-                    <a:pt x="887314" y="1891015"/>
-                  </a:cubicBezTo>
-                  <a:cubicBezTo>
-                    <a:pt x="753778" y="2058466"/>
-                    <a:pt x="635967" y="2238026"/>
-                    <a:pt x="537420" y="2427245"/>
-                  </a:cubicBezTo>
-                  <a:cubicBezTo>
-                    <a:pt x="438874" y="2616335"/>
-                    <a:pt x="356839" y="2814313"/>
-                    <a:pt x="299965" y="3020021"/>
-                  </a:cubicBezTo>
-                  <a:cubicBezTo>
-                    <a:pt x="242961" y="3225212"/>
-                    <a:pt x="213474" y="3438518"/>
-                    <a:pt x="213606" y="3651953"/>
-                  </a:cubicBezTo>
-                  <a:cubicBezTo>
-                    <a:pt x="214785" y="3756804"/>
-                    <a:pt x="225269" y="3860881"/>
-                    <a:pt x="250036" y="3961352"/>
-                  </a:cubicBezTo>
-                  <a:cubicBezTo>
-                    <a:pt x="274412" y="4061950"/>
-                    <a:pt x="312284" y="4158171"/>
-                    <a:pt x="357625" y="4250783"/>
-                  </a:cubicBezTo>
-                  <a:cubicBezTo>
-                    <a:pt x="380558" y="4297025"/>
-                    <a:pt x="405982" y="4342366"/>
-                    <a:pt x="432715" y="4387063"/>
-                  </a:cubicBezTo>
-                  <a:cubicBezTo>
-                    <a:pt x="459841" y="4431630"/>
-                    <a:pt x="488803" y="4475554"/>
-                    <a:pt x="518943" y="4518962"/>
-                  </a:cubicBezTo>
-                  <a:cubicBezTo>
-                    <a:pt x="580011" y="4605521"/>
-                    <a:pt x="647893" y="4689504"/>
-                    <a:pt x="718133" y="4773874"/>
-                  </a:cubicBezTo>
-                  <a:cubicBezTo>
-                    <a:pt x="788374" y="4858372"/>
-                    <a:pt x="861760" y="4942871"/>
-                    <a:pt x="933704" y="5030717"/>
-                  </a:cubicBezTo>
-                  <a:cubicBezTo>
-                    <a:pt x="969742" y="5074512"/>
-                    <a:pt x="1005387" y="5119337"/>
-                    <a:pt x="1040900" y="5164806"/>
-                  </a:cubicBezTo>
-                  <a:lnTo>
-                    <a:pt x="1092401" y="5230628"/>
-                  </a:lnTo>
-                  <a:cubicBezTo>
-                    <a:pt x="1109306" y="5251624"/>
-                    <a:pt x="1125425" y="5273135"/>
-                    <a:pt x="1142854" y="5293615"/>
-                  </a:cubicBezTo>
-                  <a:cubicBezTo>
-                    <a:pt x="1278880" y="5460293"/>
-                    <a:pt x="1426438" y="5613704"/>
-                    <a:pt x="1576354" y="5759128"/>
-                  </a:cubicBezTo>
-                  <a:cubicBezTo>
-                    <a:pt x="1651706" y="5831519"/>
-                    <a:pt x="1728368" y="5901461"/>
-                    <a:pt x="1806865" y="5968571"/>
-                  </a:cubicBezTo>
-                  <a:cubicBezTo>
-                    <a:pt x="1885362" y="6035680"/>
-                    <a:pt x="1965299" y="6100599"/>
-                    <a:pt x="2048253" y="6161654"/>
-                  </a:cubicBezTo>
-                  <a:cubicBezTo>
-                    <a:pt x="2213502" y="6284022"/>
-                    <a:pt x="2391724" y="6393380"/>
-                    <a:pt x="2587506" y="6467059"/>
-                  </a:cubicBezTo>
-                  <a:cubicBezTo>
-                    <a:pt x="2685137" y="6503898"/>
-                    <a:pt x="2786304" y="6532106"/>
-                    <a:pt x="2889176" y="6553360"/>
-                  </a:cubicBezTo>
-                  <a:lnTo>
-                    <a:pt x="2929698" y="6561326"/>
-                  </a:lnTo>
-                  <a:lnTo>
-                    <a:pt x="1816374" y="6561326"/>
-                  </a:lnTo>
-                  <a:lnTo>
-                    <a:pt x="1787601" y="6545761"/>
-                  </a:lnTo>
-                  <a:cubicBezTo>
-                    <a:pt x="1577272" y="6422749"/>
-                    <a:pt x="1389483" y="6266761"/>
-                    <a:pt x="1225544" y="6094158"/>
-                  </a:cubicBezTo>
-                  <a:cubicBezTo>
-                    <a:pt x="1143116" y="6007986"/>
-                    <a:pt x="1068158" y="5916274"/>
-                    <a:pt x="997654" y="5822374"/>
-                  </a:cubicBezTo>
-                  <a:cubicBezTo>
-                    <a:pt x="927546" y="5728086"/>
-                    <a:pt x="860842" y="5632381"/>
-                    <a:pt x="798596" y="5534615"/>
-                  </a:cubicBezTo>
-                  <a:cubicBezTo>
-                    <a:pt x="782608" y="5510399"/>
-                    <a:pt x="767537" y="5485797"/>
-                    <a:pt x="752075" y="5461324"/>
-                  </a:cubicBezTo>
-                  <a:lnTo>
-                    <a:pt x="707650" y="5390221"/>
-                  </a:lnTo>
-                  <a:cubicBezTo>
-                    <a:pt x="679213" y="5344237"/>
-                    <a:pt x="649728" y="5298638"/>
-                    <a:pt x="619980" y="5252396"/>
-                  </a:cubicBezTo>
-                  <a:lnTo>
-                    <a:pt x="438349" y="4970822"/>
-                  </a:lnTo>
-                  <a:cubicBezTo>
-                    <a:pt x="377413" y="4874860"/>
-                    <a:pt x="317263" y="4776064"/>
-                    <a:pt x="261044" y="4673145"/>
-                  </a:cubicBezTo>
-                  <a:cubicBezTo>
-                    <a:pt x="233000" y="4621622"/>
-                    <a:pt x="205874" y="4569197"/>
-                    <a:pt x="181107" y="4515356"/>
-                  </a:cubicBezTo>
-                  <a:cubicBezTo>
-                    <a:pt x="156470" y="4461385"/>
-                    <a:pt x="133537" y="4406385"/>
-                    <a:pt x="113224" y="4350223"/>
-                  </a:cubicBezTo>
-                  <a:cubicBezTo>
-                    <a:pt x="93305" y="4293934"/>
-                    <a:pt x="75614" y="4236872"/>
-                    <a:pt x="61199" y="4178908"/>
-                  </a:cubicBezTo>
-                  <a:cubicBezTo>
-                    <a:pt x="54385" y="4149927"/>
-                    <a:pt x="47440" y="4120815"/>
-                    <a:pt x="41804" y="4091577"/>
-                  </a:cubicBezTo>
-                  <a:lnTo>
-                    <a:pt x="33287" y="4047781"/>
-                  </a:lnTo>
-                  <a:lnTo>
-                    <a:pt x="26209" y="4003858"/>
-                  </a:lnTo>
-                  <a:cubicBezTo>
-                    <a:pt x="7732" y="3886643"/>
-                    <a:pt x="0" y="3768783"/>
-                    <a:pt x="0" y="3651953"/>
-                  </a:cubicBezTo>
-                  <a:cubicBezTo>
-                    <a:pt x="524" y="3422031"/>
-                    <a:pt x="25030" y="3192109"/>
-                    <a:pt x="72731" y="2966307"/>
-                  </a:cubicBezTo>
-                  <a:cubicBezTo>
-                    <a:pt x="120301" y="2740634"/>
-                    <a:pt x="193163" y="2519343"/>
-                    <a:pt x="291316" y="2309385"/>
-                  </a:cubicBezTo>
-                  <a:cubicBezTo>
-                    <a:pt x="488540" y="1889469"/>
-                    <a:pt x="774352" y="1513736"/>
-                    <a:pt x="1110878" y="1193776"/>
-                  </a:cubicBezTo>
-                  <a:cubicBezTo>
-                    <a:pt x="1279535" y="1033797"/>
-                    <a:pt x="1461821" y="887856"/>
-                    <a:pt x="1654327" y="756730"/>
-                  </a:cubicBezTo>
-                  <a:cubicBezTo>
-                    <a:pt x="1847096" y="625732"/>
-                    <a:pt x="2049956" y="509031"/>
-                    <a:pt x="2261727" y="409720"/>
-                  </a:cubicBezTo>
-                  <a:cubicBezTo>
-                    <a:pt x="2685792" y="212515"/>
-                    <a:pt x="3142357" y="82162"/>
-                    <a:pt x="3610060" y="27032"/>
-                  </a:cubicBezTo>
-                  <a:cubicBezTo>
-                    <a:pt x="3785399" y="6647"/>
-                    <a:pt x="3962657" y="-2144"/>
-                    <a:pt x="4139342" y="440"/>
-                  </a:cubicBezTo>
-                  <a:close/>
-                </a:path>
-              </a:pathLst>
-            </a:custGeom>
-            <a:gradFill>
-              <a:gsLst>
-                <a:gs pos="2000">
-                  <a:schemeClr val="bg1">
-                    <a:alpha val="10000"/>
-                  </a:schemeClr>
-                </a:gs>
-                <a:gs pos="16000">
-                  <a:schemeClr val="accent6">
-                    <a:alpha val="10000"/>
-                  </a:schemeClr>
-                </a:gs>
-                <a:gs pos="100000">
-                  <a:schemeClr val="bg1">
-                    <a:alpha val="10000"/>
-                  </a:schemeClr>
-                </a:gs>
-                <a:gs pos="85000">
-                  <a:schemeClr val="accent1">
-                    <a:alpha val="10000"/>
-                  </a:schemeClr>
-                </a:gs>
-              </a:gsLst>
-              <a:lin ang="12000000" scaled="0"/>
-            </a:gradFill>
-            <a:ln>
-              <a:noFill/>
-            </a:ln>
-          </p:spPr>
-          <p:style>
-            <a:lnRef idx="2">
-              <a:schemeClr val="accent1">
-                <a:shade val="50000"/>
-              </a:schemeClr>
-            </a:lnRef>
-            <a:fillRef idx="1">
-              <a:schemeClr val="accent1"/>
-            </a:fillRef>
-            <a:effectRef idx="0">
-              <a:schemeClr val="accent1"/>
-            </a:effectRef>
-            <a:fontRef idx="minor">
-              <a:schemeClr val="lt1"/>
-            </a:fontRef>
-          </p:style>
-          <p:txBody>
-            <a:bodyPr rtlCol="0" anchor="ctr"/>
-            <a:lstStyle/>
-            <a:p>
-              <a:pPr algn="ctr"/>
-              <a:endParaRPr lang="en-US"/>
-            </a:p>
-          </p:txBody>
-        </p:sp>
-        <p:sp>
-          <p:nvSpPr>
-            <p:cNvPr id="39" name="Freeform: Shape 38">
-              <a:extLst>
-                <a:ext uri="{FF2B5EF4-FFF2-40B4-BE49-F238E27FC236}">
-                  <a16:creationId xmlns:a16="http://schemas.microsoft.com/office/drawing/2014/main" id="{BC4A6C98-F96E-4587-B01F-A9B01BBFAD01}"/>
-                </a:ext>
-                <a:ext uri="{C183D7F6-B498-43B3-948B-1728B52AA6E4}">
-                  <adec:decorative xmlns:adec="http://schemas.microsoft.com/office/drawing/2017/decorative" val="1"/>
-                </a:ext>
-              </a:extLst>
-            </p:cNvPr>
-            <p:cNvSpPr/>
-            <p:nvPr>
-              <p:extLst>
-                <p:ext uri="{386F3935-93C4-4BCD-93E2-E3B085C9AB24}">
-                  <p16:designElem xmlns:p16="http://schemas.microsoft.com/office/powerpoint/2015/main" val="1"/>
-                </p:ext>
-              </p:extLst>
-            </p:nvPr>
-          </p:nvSpPr>
-          <p:spPr>
-            <a:xfrm>
-              <a:off x="5870322" y="353119"/>
-              <a:ext cx="6321679" cy="6521594"/>
-            </a:xfrm>
-            <a:custGeom>
-              <a:avLst/>
-              <a:gdLst>
-                <a:gd name="connsiteX0" fmla="*/ 4150102 w 6321679"/>
-                <a:gd name="connsiteY0" fmla="*/ 0 h 6521594"/>
-                <a:gd name="connsiteX1" fmla="*/ 6083891 w 6321679"/>
-                <a:gd name="connsiteY1" fmla="*/ 619943 h 6521594"/>
-                <a:gd name="connsiteX2" fmla="*/ 6321679 w 6321679"/>
-                <a:gd name="connsiteY2" fmla="*/ 822247 h 6521594"/>
-                <a:gd name="connsiteX3" fmla="*/ 6321679 w 6321679"/>
-                <a:gd name="connsiteY3" fmla="*/ 1866928 h 6521594"/>
-                <a:gd name="connsiteX4" fmla="*/ 6212358 w 6321679"/>
-                <a:gd name="connsiteY4" fmla="*/ 1689281 h 6521594"/>
-                <a:gd name="connsiteX5" fmla="*/ 6049880 w 6321679"/>
-                <a:gd name="connsiteY5" fmla="*/ 1477173 h 6521594"/>
-                <a:gd name="connsiteX6" fmla="*/ 5248663 w 6321679"/>
-                <a:gd name="connsiteY6" fmla="*/ 869327 h 6521594"/>
-                <a:gd name="connsiteX7" fmla="*/ 4150102 w 6321679"/>
-                <a:gd name="connsiteY7" fmla="*/ 644042 h 6521594"/>
-                <a:gd name="connsiteX8" fmla="*/ 2867946 w 6321679"/>
-                <a:gd name="connsiteY8" fmla="*/ 886459 h 6521594"/>
-                <a:gd name="connsiteX9" fmla="*/ 1728892 w 6321679"/>
-                <a:gd name="connsiteY9" fmla="*/ 1552397 h 6521594"/>
-                <a:gd name="connsiteX10" fmla="*/ 941043 w 6321679"/>
-                <a:gd name="connsiteY10" fmla="*/ 2512664 h 6521594"/>
-                <a:gd name="connsiteX11" fmla="*/ 655362 w 6321679"/>
-                <a:gd name="connsiteY11" fmla="*/ 3630204 h 6521594"/>
-                <a:gd name="connsiteX12" fmla="*/ 1128177 w 6321679"/>
-                <a:gd name="connsiteY12" fmla="*/ 4667883 h 6521594"/>
-                <a:gd name="connsiteX13" fmla="*/ 1366419 w 6321679"/>
-                <a:gd name="connsiteY13" fmla="*/ 4997246 h 6521594"/>
-                <a:gd name="connsiteX14" fmla="*/ 3601937 w 6321679"/>
-                <a:gd name="connsiteY14" fmla="*/ 6284685 h 6521594"/>
-                <a:gd name="connsiteX15" fmla="*/ 5298985 w 6321679"/>
-                <a:gd name="connsiteY15" fmla="*/ 5492643 h 6521594"/>
-                <a:gd name="connsiteX16" fmla="*/ 5505513 w 6321679"/>
-                <a:gd name="connsiteY16" fmla="*/ 5335367 h 6521594"/>
-                <a:gd name="connsiteX17" fmla="*/ 6252618 w 6321679"/>
-                <a:gd name="connsiteY17" fmla="*/ 4722492 h 6521594"/>
-                <a:gd name="connsiteX18" fmla="*/ 6321679 w 6321679"/>
-                <a:gd name="connsiteY18" fmla="*/ 4651477 h 6521594"/>
-                <a:gd name="connsiteX19" fmla="*/ 6321679 w 6321679"/>
-                <a:gd name="connsiteY19" fmla="*/ 5523097 h 6521594"/>
-                <a:gd name="connsiteX20" fmla="*/ 6024428 w 6321679"/>
-                <a:gd name="connsiteY20" fmla="*/ 5754969 h 6521594"/>
-                <a:gd name="connsiteX21" fmla="*/ 5702345 w 6321679"/>
-                <a:gd name="connsiteY21" fmla="*/ 6000018 h 6521594"/>
-                <a:gd name="connsiteX22" fmla="*/ 4988380 w 6321679"/>
-                <a:gd name="connsiteY22" fmla="*/ 6506549 h 6521594"/>
-                <a:gd name="connsiteX23" fmla="*/ 4961490 w 6321679"/>
-                <a:gd name="connsiteY23" fmla="*/ 6521594 h 6521594"/>
-                <a:gd name="connsiteX24" fmla="*/ 2011326 w 6321679"/>
-                <a:gd name="connsiteY24" fmla="*/ 6521594 h 6521594"/>
-                <a:gd name="connsiteX25" fmla="*/ 1982893 w 6321679"/>
-                <a:gd name="connsiteY25" fmla="*/ 6505768 h 6521594"/>
-                <a:gd name="connsiteX26" fmla="*/ 824149 w 6321679"/>
-                <a:gd name="connsiteY26" fmla="*/ 5358682 h 6521594"/>
-                <a:gd name="connsiteX27" fmla="*/ 0 w 6321679"/>
-                <a:gd name="connsiteY27" fmla="*/ 3630075 h 6521594"/>
-                <a:gd name="connsiteX28" fmla="*/ 4150102 w 6321679"/>
-                <a:gd name="connsiteY28" fmla="*/ 0 h 6521594"/>
-              </a:gdLst>
-              <a:ahLst/>
-              <a:cxnLst>
-                <a:cxn ang="0">
-                  <a:pos x="connsiteX0" y="connsiteY0"/>
-                </a:cxn>
-                <a:cxn ang="0">
-                  <a:pos x="connsiteX1" y="connsiteY1"/>
-                </a:cxn>
-                <a:cxn ang="0">
-                  <a:pos x="connsiteX2" y="connsiteY2"/>
-                </a:cxn>
-                <a:cxn ang="0">
-                  <a:pos x="connsiteX3" y="connsiteY3"/>
-                </a:cxn>
-                <a:cxn ang="0">
-                  <a:pos x="connsiteX4" y="connsiteY4"/>
-                </a:cxn>
-                <a:cxn ang="0">
-                  <a:pos x="connsiteX5" y="connsiteY5"/>
-                </a:cxn>
-                <a:cxn ang="0">
-                  <a:pos x="connsiteX6" y="connsiteY6"/>
-                </a:cxn>
-                <a:cxn ang="0">
-                  <a:pos x="connsiteX7" y="connsiteY7"/>
-                </a:cxn>
-                <a:cxn ang="0">
-                  <a:pos x="connsiteX8" y="connsiteY8"/>
-                </a:cxn>
-                <a:cxn ang="0">
-                  <a:pos x="connsiteX9" y="connsiteY9"/>
-                </a:cxn>
-                <a:cxn ang="0">
-                  <a:pos x="connsiteX10" y="connsiteY10"/>
-                </a:cxn>
-                <a:cxn ang="0">
-                  <a:pos x="connsiteX11" y="connsiteY11"/>
-                </a:cxn>
-                <a:cxn ang="0">
-                  <a:pos x="connsiteX12" y="connsiteY12"/>
-                </a:cxn>
-                <a:cxn ang="0">
-                  <a:pos x="connsiteX13" y="connsiteY13"/>
-                </a:cxn>
-                <a:cxn ang="0">
-                  <a:pos x="connsiteX14" y="connsiteY14"/>
-                </a:cxn>
-                <a:cxn ang="0">
-                  <a:pos x="connsiteX15" y="connsiteY15"/>
-                </a:cxn>
-                <a:cxn ang="0">
-                  <a:pos x="connsiteX16" y="connsiteY16"/>
-                </a:cxn>
-                <a:cxn ang="0">
-                  <a:pos x="connsiteX17" y="connsiteY17"/>
-                </a:cxn>
-                <a:cxn ang="0">
-                  <a:pos x="connsiteX18" y="connsiteY18"/>
-                </a:cxn>
-                <a:cxn ang="0">
-                  <a:pos x="connsiteX19" y="connsiteY19"/>
-                </a:cxn>
-                <a:cxn ang="0">
-                  <a:pos x="connsiteX20" y="connsiteY20"/>
-                </a:cxn>
-                <a:cxn ang="0">
-                  <a:pos x="connsiteX21" y="connsiteY21"/>
-                </a:cxn>
-                <a:cxn ang="0">
-                  <a:pos x="connsiteX22" y="connsiteY22"/>
-                </a:cxn>
-                <a:cxn ang="0">
-                  <a:pos x="connsiteX23" y="connsiteY23"/>
-                </a:cxn>
-                <a:cxn ang="0">
-                  <a:pos x="connsiteX24" y="connsiteY24"/>
-                </a:cxn>
-                <a:cxn ang="0">
-                  <a:pos x="connsiteX25" y="connsiteY25"/>
-                </a:cxn>
-                <a:cxn ang="0">
-                  <a:pos x="connsiteX26" y="connsiteY26"/>
-                </a:cxn>
-                <a:cxn ang="0">
-                  <a:pos x="connsiteX27" y="connsiteY27"/>
-                </a:cxn>
-                <a:cxn ang="0">
-                  <a:pos x="connsiteX28" y="connsiteY28"/>
-                </a:cxn>
-              </a:cxnLst>
-              <a:rect l="l" t="t" r="r" b="b"/>
-              <a:pathLst>
-                <a:path w="6321679" h="6521594">
-                  <a:moveTo>
-                    <a:pt x="4150102" y="0"/>
-                  </a:moveTo>
-                  <a:cubicBezTo>
-                    <a:pt x="4918148" y="0"/>
-                    <a:pt x="5569597" y="228540"/>
-                    <a:pt x="6083891" y="619943"/>
-                  </a:cubicBezTo>
-                  <a:lnTo>
-                    <a:pt x="6321679" y="822247"/>
-                  </a:lnTo>
-                  <a:lnTo>
-                    <a:pt x="6321679" y="1866928"/>
-                  </a:lnTo>
-                  <a:lnTo>
-                    <a:pt x="6212358" y="1689281"/>
-                  </a:lnTo>
-                  <a:cubicBezTo>
-                    <a:pt x="6161484" y="1615222"/>
-                    <a:pt x="6107295" y="1544427"/>
-                    <a:pt x="6049880" y="1477173"/>
-                  </a:cubicBezTo>
-                  <a:cubicBezTo>
-                    <a:pt x="5825135" y="1214018"/>
-                    <a:pt x="5555573" y="1009470"/>
-                    <a:pt x="5248663" y="869327"/>
-                  </a:cubicBezTo>
-                  <a:cubicBezTo>
-                    <a:pt x="4921178" y="719909"/>
-                    <a:pt x="4551627" y="644042"/>
-                    <a:pt x="4150102" y="644042"/>
-                  </a:cubicBezTo>
-                  <a:cubicBezTo>
-                    <a:pt x="3724203" y="644042"/>
-                    <a:pt x="3292799" y="725448"/>
-                    <a:pt x="2867946" y="886459"/>
-                  </a:cubicBezTo>
-                  <a:cubicBezTo>
-                    <a:pt x="2454234" y="1042832"/>
-                    <a:pt x="2060440" y="1273141"/>
-                    <a:pt x="1728892" y="1552397"/>
-                  </a:cubicBezTo>
-                  <a:cubicBezTo>
-                    <a:pt x="1391580" y="1836419"/>
-                    <a:pt x="1126473" y="2159600"/>
-                    <a:pt x="941043" y="2512664"/>
-                  </a:cubicBezTo>
-                  <a:cubicBezTo>
-                    <a:pt x="751551" y="2873583"/>
-                    <a:pt x="655362" y="3249575"/>
-                    <a:pt x="655362" y="3630204"/>
-                  </a:cubicBezTo>
-                  <a:cubicBezTo>
-                    <a:pt x="655362" y="4013537"/>
-                    <a:pt x="808817" y="4237405"/>
-                    <a:pt x="1128177" y="4667883"/>
-                  </a:cubicBezTo>
-                  <a:cubicBezTo>
-                    <a:pt x="1205232" y="4771702"/>
-                    <a:pt x="1284908" y="4879129"/>
-                    <a:pt x="1366419" y="4997246"/>
-                  </a:cubicBezTo>
-                  <a:cubicBezTo>
-                    <a:pt x="1989282" y="5899677"/>
-                    <a:pt x="2657880" y="6284685"/>
-                    <a:pt x="3601937" y="6284685"/>
-                  </a:cubicBezTo>
-                  <a:cubicBezTo>
-                    <a:pt x="4221523" y="6284685"/>
-                    <a:pt x="4676122" y="5971036"/>
-                    <a:pt x="5298985" y="5492643"/>
-                  </a:cubicBezTo>
-                  <a:cubicBezTo>
-                    <a:pt x="5368571" y="5439187"/>
-                    <a:pt x="5438156" y="5386375"/>
-                    <a:pt x="5505513" y="5335367"/>
-                  </a:cubicBezTo>
-                  <a:cubicBezTo>
-                    <a:pt x="5779335" y="5127761"/>
-                    <a:pt x="6041730" y="4928776"/>
-                    <a:pt x="6252618" y="4722492"/>
-                  </a:cubicBezTo>
-                  <a:lnTo>
-                    <a:pt x="6321679" y="4651477"/>
-                  </a:lnTo>
-                  <a:lnTo>
-                    <a:pt x="6321679" y="5523097"/>
-                  </a:lnTo>
-                  <a:lnTo>
-                    <a:pt x="6024428" y="5754969"/>
-                  </a:lnTo>
-                  <a:cubicBezTo>
-                    <a:pt x="5918395" y="5835747"/>
-                    <a:pt x="5810491" y="5916953"/>
-                    <a:pt x="5702345" y="6000018"/>
-                  </a:cubicBezTo>
-                  <a:cubicBezTo>
-                    <a:pt x="5466020" y="6181541"/>
-                    <a:pt x="5232938" y="6357503"/>
-                    <a:pt x="4988380" y="6506549"/>
-                  </a:cubicBezTo>
-                  <a:lnTo>
-                    <a:pt x="4961490" y="6521594"/>
-                  </a:lnTo>
-                  <a:lnTo>
-                    <a:pt x="2011326" y="6521594"/>
-                  </a:lnTo>
-                  <a:lnTo>
-                    <a:pt x="1982893" y="6505768"/>
-                  </a:lnTo>
-                  <a:cubicBezTo>
-                    <a:pt x="1531799" y="6233999"/>
-                    <a:pt x="1157400" y="5841520"/>
-                    <a:pt x="824149" y="5358682"/>
-                  </a:cubicBezTo>
-                  <a:cubicBezTo>
-                    <a:pt x="424196" y="4779302"/>
-                    <a:pt x="0" y="4381929"/>
-                    <a:pt x="0" y="3630075"/>
-                  </a:cubicBezTo>
-                  <a:cubicBezTo>
-                    <a:pt x="0" y="1625174"/>
-                    <a:pt x="2089794" y="0"/>
-                    <a:pt x="4150102" y="0"/>
-                  </a:cubicBezTo>
-                  <a:close/>
-                </a:path>
-              </a:pathLst>
-            </a:custGeom>
-            <a:gradFill>
-              <a:gsLst>
-                <a:gs pos="2000">
-                  <a:schemeClr val="bg1">
-                    <a:alpha val="10000"/>
-                  </a:schemeClr>
-                </a:gs>
-                <a:gs pos="16000">
-                  <a:schemeClr val="accent6">
-                    <a:alpha val="10000"/>
-                  </a:schemeClr>
-                </a:gs>
-                <a:gs pos="100000">
-                  <a:schemeClr val="bg1">
-                    <a:alpha val="10000"/>
-                  </a:schemeClr>
-                </a:gs>
-                <a:gs pos="85000">
-                  <a:schemeClr val="accent1">
-                    <a:alpha val="10000"/>
-                  </a:schemeClr>
-                </a:gs>
-              </a:gsLst>
-              <a:lin ang="12000000" scaled="0"/>
-            </a:gradFill>
-            <a:ln>
-              <a:noFill/>
-            </a:ln>
-          </p:spPr>
-          <p:style>
-            <a:lnRef idx="2">
-              <a:schemeClr val="accent1">
-                <a:shade val="50000"/>
-              </a:schemeClr>
-            </a:lnRef>
-            <a:fillRef idx="1">
-              <a:schemeClr val="accent1"/>
-            </a:fillRef>
-            <a:effectRef idx="0">
-              <a:schemeClr val="accent1"/>
-            </a:effectRef>
-            <a:fontRef idx="minor">
-              <a:schemeClr val="lt1"/>
-            </a:fontRef>
-          </p:style>
-          <p:txBody>
-            <a:bodyPr rtlCol="0" anchor="ctr"/>
-            <a:lstStyle/>
-            <a:p>
-              <a:pPr algn="ctr"/>
-              <a:endParaRPr lang="en-US"/>
-            </a:p>
-          </p:txBody>
-        </p:sp>
-        <p:sp>
-          <p:nvSpPr>
-            <p:cNvPr id="40" name="Freeform: Shape 39">
-              <a:extLst>
-                <a:ext uri="{FF2B5EF4-FFF2-40B4-BE49-F238E27FC236}">
-                  <a16:creationId xmlns:a16="http://schemas.microsoft.com/office/drawing/2014/main" id="{A66409EC-9CC3-482A-A4A5-54ED092B3F22}"/>
-                </a:ext>
-                <a:ext uri="{C183D7F6-B498-43B3-948B-1728B52AA6E4}">
-                  <adec:decorative xmlns:adec="http://schemas.microsoft.com/office/drawing/2017/decorative" val="1"/>
-                </a:ext>
-              </a:extLst>
-            </p:cNvPr>
-            <p:cNvSpPr/>
-            <p:nvPr>
-              <p:extLst>
-                <p:ext uri="{386F3935-93C4-4BCD-93E2-E3B085C9AB24}">
-                  <p16:designElem xmlns:p16="http://schemas.microsoft.com/office/powerpoint/2015/main" val="1"/>
-                </p:ext>
-              </p:extLst>
-            </p:nvPr>
-          </p:nvSpPr>
-          <p:spPr>
-            <a:xfrm>
-              <a:off x="5870322" y="353119"/>
-              <a:ext cx="6321679" cy="6521594"/>
-            </a:xfrm>
-            <a:custGeom>
-              <a:avLst/>
-              <a:gdLst>
-                <a:gd name="connsiteX0" fmla="*/ 4150102 w 6321679"/>
-                <a:gd name="connsiteY0" fmla="*/ 0 h 6521594"/>
-                <a:gd name="connsiteX1" fmla="*/ 6083891 w 6321679"/>
-                <a:gd name="connsiteY1" fmla="*/ 619943 h 6521594"/>
-                <a:gd name="connsiteX2" fmla="*/ 6321679 w 6321679"/>
-                <a:gd name="connsiteY2" fmla="*/ 822247 h 6521594"/>
-                <a:gd name="connsiteX3" fmla="*/ 6321679 w 6321679"/>
-                <a:gd name="connsiteY3" fmla="*/ 2150195 h 6521594"/>
-                <a:gd name="connsiteX4" fmla="*/ 6241288 w 6321679"/>
-                <a:gd name="connsiteY4" fmla="*/ 1985338 h 6521594"/>
-                <a:gd name="connsiteX5" fmla="*/ 5949367 w 6321679"/>
-                <a:gd name="connsiteY5" fmla="*/ 1559997 h 6521594"/>
-                <a:gd name="connsiteX6" fmla="*/ 5193362 w 6321679"/>
-                <a:gd name="connsiteY6" fmla="*/ 986156 h 6521594"/>
-                <a:gd name="connsiteX7" fmla="*/ 4150102 w 6321679"/>
-                <a:gd name="connsiteY7" fmla="*/ 772850 h 6521594"/>
-                <a:gd name="connsiteX8" fmla="*/ 2914861 w 6321679"/>
-                <a:gd name="connsiteY8" fmla="*/ 1006637 h 6521594"/>
-                <a:gd name="connsiteX9" fmla="*/ 1814073 w 6321679"/>
-                <a:gd name="connsiteY9" fmla="*/ 1650163 h 6521594"/>
-                <a:gd name="connsiteX10" fmla="*/ 1057412 w 6321679"/>
-                <a:gd name="connsiteY10" fmla="*/ 2571657 h 6521594"/>
-                <a:gd name="connsiteX11" fmla="*/ 786277 w 6321679"/>
-                <a:gd name="connsiteY11" fmla="*/ 3630204 h 6521594"/>
-                <a:gd name="connsiteX12" fmla="*/ 1233931 w 6321679"/>
-                <a:gd name="connsiteY12" fmla="*/ 4592016 h 6521594"/>
-                <a:gd name="connsiteX13" fmla="*/ 1474795 w 6321679"/>
-                <a:gd name="connsiteY13" fmla="*/ 4924985 h 6521594"/>
-                <a:gd name="connsiteX14" fmla="*/ 2393691 w 6321679"/>
-                <a:gd name="connsiteY14" fmla="*/ 5846995 h 6521594"/>
-                <a:gd name="connsiteX15" fmla="*/ 3601805 w 6321679"/>
-                <a:gd name="connsiteY15" fmla="*/ 6155876 h 6521594"/>
-                <a:gd name="connsiteX16" fmla="*/ 4378909 w 6321679"/>
-                <a:gd name="connsiteY16" fmla="*/ 5959186 h 6521594"/>
-                <a:gd name="connsiteX17" fmla="*/ 5218129 w 6321679"/>
-                <a:gd name="connsiteY17" fmla="*/ 5391271 h 6521594"/>
-                <a:gd name="connsiteX18" fmla="*/ 5425313 w 6321679"/>
-                <a:gd name="connsiteY18" fmla="*/ 5233481 h 6521594"/>
-                <a:gd name="connsiteX19" fmla="*/ 6254366 w 6321679"/>
-                <a:gd name="connsiteY19" fmla="*/ 4534301 h 6521594"/>
-                <a:gd name="connsiteX20" fmla="*/ 6321679 w 6321679"/>
-                <a:gd name="connsiteY20" fmla="*/ 4456641 h 6521594"/>
-                <a:gd name="connsiteX21" fmla="*/ 6321679 w 6321679"/>
-                <a:gd name="connsiteY21" fmla="*/ 5523097 h 6521594"/>
-                <a:gd name="connsiteX22" fmla="*/ 6024428 w 6321679"/>
-                <a:gd name="connsiteY22" fmla="*/ 5754969 h 6521594"/>
-                <a:gd name="connsiteX23" fmla="*/ 5702345 w 6321679"/>
-                <a:gd name="connsiteY23" fmla="*/ 6000018 h 6521594"/>
-                <a:gd name="connsiteX24" fmla="*/ 4988380 w 6321679"/>
-                <a:gd name="connsiteY24" fmla="*/ 6506549 h 6521594"/>
-                <a:gd name="connsiteX25" fmla="*/ 4961490 w 6321679"/>
-                <a:gd name="connsiteY25" fmla="*/ 6521594 h 6521594"/>
-                <a:gd name="connsiteX26" fmla="*/ 2011326 w 6321679"/>
-                <a:gd name="connsiteY26" fmla="*/ 6521594 h 6521594"/>
-                <a:gd name="connsiteX27" fmla="*/ 1982893 w 6321679"/>
-                <a:gd name="connsiteY27" fmla="*/ 6505768 h 6521594"/>
-                <a:gd name="connsiteX28" fmla="*/ 824149 w 6321679"/>
-                <a:gd name="connsiteY28" fmla="*/ 5358682 h 6521594"/>
-                <a:gd name="connsiteX29" fmla="*/ 0 w 6321679"/>
-                <a:gd name="connsiteY29" fmla="*/ 3630075 h 6521594"/>
-                <a:gd name="connsiteX30" fmla="*/ 4150102 w 6321679"/>
-                <a:gd name="connsiteY30" fmla="*/ 0 h 6521594"/>
-              </a:gdLst>
-              <a:ahLst/>
-              <a:cxnLst>
-                <a:cxn ang="0">
-                  <a:pos x="connsiteX0" y="connsiteY0"/>
-                </a:cxn>
-                <a:cxn ang="0">
-                  <a:pos x="connsiteX1" y="connsiteY1"/>
-                </a:cxn>
-                <a:cxn ang="0">
-                  <a:pos x="connsiteX2" y="connsiteY2"/>
-                </a:cxn>
-                <a:cxn ang="0">
-                  <a:pos x="connsiteX3" y="connsiteY3"/>
-                </a:cxn>
-                <a:cxn ang="0">
-                  <a:pos x="connsiteX4" y="connsiteY4"/>
-                </a:cxn>
-                <a:cxn ang="0">
-                  <a:pos x="connsiteX5" y="connsiteY5"/>
-                </a:cxn>
-                <a:cxn ang="0">
-                  <a:pos x="connsiteX6" y="connsiteY6"/>
-                </a:cxn>
-                <a:cxn ang="0">
-                  <a:pos x="connsiteX7" y="connsiteY7"/>
-                </a:cxn>
-                <a:cxn ang="0">
-                  <a:pos x="connsiteX8" y="connsiteY8"/>
-                </a:cxn>
-                <a:cxn ang="0">
-                  <a:pos x="connsiteX9" y="connsiteY9"/>
-                </a:cxn>
-                <a:cxn ang="0">
-                  <a:pos x="connsiteX10" y="connsiteY10"/>
-                </a:cxn>
-                <a:cxn ang="0">
-                  <a:pos x="connsiteX11" y="connsiteY11"/>
-                </a:cxn>
-                <a:cxn ang="0">
-                  <a:pos x="connsiteX12" y="connsiteY12"/>
-                </a:cxn>
-                <a:cxn ang="0">
-                  <a:pos x="connsiteX13" y="connsiteY13"/>
-                </a:cxn>
-                <a:cxn ang="0">
-                  <a:pos x="connsiteX14" y="connsiteY14"/>
-                </a:cxn>
-                <a:cxn ang="0">
-                  <a:pos x="connsiteX15" y="connsiteY15"/>
-                </a:cxn>
-                <a:cxn ang="0">
-                  <a:pos x="connsiteX16" y="connsiteY16"/>
-                </a:cxn>
-                <a:cxn ang="0">
-                  <a:pos x="connsiteX17" y="connsiteY17"/>
-                </a:cxn>
-                <a:cxn ang="0">
-                  <a:pos x="connsiteX18" y="connsiteY18"/>
-                </a:cxn>
-                <a:cxn ang="0">
-                  <a:pos x="connsiteX19" y="connsiteY19"/>
-                </a:cxn>
-                <a:cxn ang="0">
-                  <a:pos x="connsiteX20" y="connsiteY20"/>
-                </a:cxn>
-                <a:cxn ang="0">
-                  <a:pos x="connsiteX21" y="connsiteY21"/>
-                </a:cxn>
-                <a:cxn ang="0">
-                  <a:pos x="connsiteX22" y="connsiteY22"/>
-                </a:cxn>
-                <a:cxn ang="0">
-                  <a:pos x="connsiteX23" y="connsiteY23"/>
-                </a:cxn>
-                <a:cxn ang="0">
-                  <a:pos x="connsiteX24" y="connsiteY24"/>
-                </a:cxn>
-                <a:cxn ang="0">
-                  <a:pos x="connsiteX25" y="connsiteY25"/>
-                </a:cxn>
-                <a:cxn ang="0">
-                  <a:pos x="connsiteX26" y="connsiteY26"/>
-                </a:cxn>
-                <a:cxn ang="0">
-                  <a:pos x="connsiteX27" y="connsiteY27"/>
-                </a:cxn>
-                <a:cxn ang="0">
-                  <a:pos x="connsiteX28" y="connsiteY28"/>
-                </a:cxn>
-                <a:cxn ang="0">
-                  <a:pos x="connsiteX29" y="connsiteY29"/>
-                </a:cxn>
-                <a:cxn ang="0">
-                  <a:pos x="connsiteX30" y="connsiteY30"/>
-                </a:cxn>
-              </a:cxnLst>
-              <a:rect l="l" t="t" r="r" b="b"/>
-              <a:pathLst>
-                <a:path w="6321679" h="6521594">
-                  <a:moveTo>
-                    <a:pt x="4150102" y="0"/>
-                  </a:moveTo>
-                  <a:cubicBezTo>
-                    <a:pt x="4918148" y="0"/>
-                    <a:pt x="5569597" y="228540"/>
-                    <a:pt x="6083891" y="619943"/>
-                  </a:cubicBezTo>
-                  <a:lnTo>
-                    <a:pt x="6321679" y="822247"/>
-                  </a:lnTo>
-                  <a:lnTo>
-                    <a:pt x="6321679" y="2150195"/>
-                  </a:lnTo>
-                  <a:lnTo>
-                    <a:pt x="6241288" y="1985338"/>
-                  </a:lnTo>
-                  <a:cubicBezTo>
-                    <a:pt x="6156788" y="1831195"/>
-                    <a:pt x="6059249" y="1688709"/>
-                    <a:pt x="5949367" y="1559997"/>
-                  </a:cubicBezTo>
-                  <a:cubicBezTo>
-                    <a:pt x="5737073" y="1311397"/>
-                    <a:pt x="5482843" y="1118314"/>
-                    <a:pt x="5193362" y="986156"/>
-                  </a:cubicBezTo>
-                  <a:cubicBezTo>
-                    <a:pt x="4883437" y="844596"/>
-                    <a:pt x="4532365" y="772850"/>
-                    <a:pt x="4150102" y="772850"/>
-                  </a:cubicBezTo>
-                  <a:cubicBezTo>
-                    <a:pt x="3746218" y="772850"/>
-                    <a:pt x="3319008" y="853613"/>
-                    <a:pt x="2914861" y="1006637"/>
-                  </a:cubicBezTo>
-                  <a:cubicBezTo>
-                    <a:pt x="2515039" y="1157857"/>
-                    <a:pt x="2134350" y="1380438"/>
-                    <a:pt x="1814073" y="1650163"/>
-                  </a:cubicBezTo>
-                  <a:cubicBezTo>
-                    <a:pt x="1494190" y="1919502"/>
-                    <a:pt x="1232622" y="2238173"/>
-                    <a:pt x="1057412" y="2571657"/>
-                  </a:cubicBezTo>
-                  <a:cubicBezTo>
-                    <a:pt x="877486" y="2914158"/>
-                    <a:pt x="786277" y="3270313"/>
-                    <a:pt x="786277" y="3630204"/>
-                  </a:cubicBezTo>
-                  <a:cubicBezTo>
-                    <a:pt x="786277" y="3974121"/>
-                    <a:pt x="923483" y="4173646"/>
-                    <a:pt x="1233931" y="4592016"/>
-                  </a:cubicBezTo>
-                  <a:cubicBezTo>
-                    <a:pt x="1311641" y="4696736"/>
-                    <a:pt x="1391972" y="4805064"/>
-                    <a:pt x="1474795" y="4924985"/>
-                  </a:cubicBezTo>
-                  <a:cubicBezTo>
-                    <a:pt x="1767682" y="5349278"/>
-                    <a:pt x="2068172" y="5650948"/>
-                    <a:pt x="2393691" y="5846995"/>
-                  </a:cubicBezTo>
-                  <a:cubicBezTo>
-                    <a:pt x="2738735" y="6054891"/>
-                    <a:pt x="3133971" y="6155876"/>
-                    <a:pt x="3601805" y="6155876"/>
-                  </a:cubicBezTo>
-                  <a:cubicBezTo>
-                    <a:pt x="3867305" y="6155876"/>
-                    <a:pt x="4114196" y="6093405"/>
-                    <a:pt x="4378909" y="5959186"/>
-                  </a:cubicBezTo>
-                  <a:cubicBezTo>
-                    <a:pt x="4650699" y="5821362"/>
-                    <a:pt x="4919737" y="5620421"/>
-                    <a:pt x="5218129" y="5391271"/>
-                  </a:cubicBezTo>
-                  <a:cubicBezTo>
-                    <a:pt x="5288107" y="5337558"/>
-                    <a:pt x="5357824" y="5284617"/>
-                    <a:pt x="5425313" y="5233481"/>
-                  </a:cubicBezTo>
-                  <a:cubicBezTo>
-                    <a:pt x="5739037" y="4995556"/>
-                    <a:pt x="6037512" y="4769168"/>
-                    <a:pt x="6254366" y="4534301"/>
-                  </a:cubicBezTo>
-                  <a:lnTo>
-                    <a:pt x="6321679" y="4456641"/>
-                  </a:lnTo>
-                  <a:lnTo>
-                    <a:pt x="6321679" y="5523097"/>
-                  </a:lnTo>
-                  <a:lnTo>
-                    <a:pt x="6024428" y="5754969"/>
-                  </a:lnTo>
-                  <a:cubicBezTo>
-                    <a:pt x="5918395" y="5835747"/>
-                    <a:pt x="5810491" y="5916953"/>
-                    <a:pt x="5702345" y="6000018"/>
-                  </a:cubicBezTo>
-                  <a:cubicBezTo>
-                    <a:pt x="5466020" y="6181541"/>
-                    <a:pt x="5232938" y="6357503"/>
-                    <a:pt x="4988380" y="6506549"/>
-                  </a:cubicBezTo>
-                  <a:lnTo>
-                    <a:pt x="4961490" y="6521594"/>
-                  </a:lnTo>
-                  <a:lnTo>
-                    <a:pt x="2011326" y="6521594"/>
-                  </a:lnTo>
-                  <a:lnTo>
-                    <a:pt x="1982893" y="6505768"/>
-                  </a:lnTo>
-                  <a:cubicBezTo>
-                    <a:pt x="1531799" y="6233999"/>
-                    <a:pt x="1157400" y="5841520"/>
-                    <a:pt x="824149" y="5358682"/>
-                  </a:cubicBezTo>
-                  <a:cubicBezTo>
-                    <a:pt x="424196" y="4779302"/>
-                    <a:pt x="0" y="4381929"/>
-                    <a:pt x="0" y="3630075"/>
-                  </a:cubicBezTo>
-                  <a:cubicBezTo>
-                    <a:pt x="0" y="1625174"/>
-                    <a:pt x="2089794" y="0"/>
-                    <a:pt x="4150102" y="0"/>
-                  </a:cubicBezTo>
-                  <a:close/>
-                </a:path>
-              </a:pathLst>
-            </a:custGeom>
-            <a:gradFill>
-              <a:gsLst>
-                <a:gs pos="2000">
-                  <a:schemeClr val="bg1">
-                    <a:alpha val="10000"/>
-                  </a:schemeClr>
-                </a:gs>
-                <a:gs pos="16000">
-                  <a:schemeClr val="accent6">
-                    <a:alpha val="10000"/>
-                  </a:schemeClr>
-                </a:gs>
-                <a:gs pos="100000">
-                  <a:schemeClr val="bg1">
-                    <a:alpha val="10000"/>
-                  </a:schemeClr>
-                </a:gs>
-                <a:gs pos="85000">
-                  <a:schemeClr val="accent1">
-                    <a:alpha val="10000"/>
-                  </a:schemeClr>
-                </a:gs>
-              </a:gsLst>
-              <a:lin ang="12000000" scaled="0"/>
-            </a:gradFill>
-            <a:ln>
-              <a:noFill/>
-            </a:ln>
-          </p:spPr>
-          <p:style>
-            <a:lnRef idx="2">
-              <a:schemeClr val="accent1">
-                <a:shade val="50000"/>
-              </a:schemeClr>
-            </a:lnRef>
-            <a:fillRef idx="1">
-              <a:schemeClr val="accent1"/>
-            </a:fillRef>
-            <a:effectRef idx="0">
-              <a:schemeClr val="accent1"/>
-            </a:effectRef>
-            <a:fontRef idx="minor">
-              <a:schemeClr val="lt1"/>
-            </a:fontRef>
-          </p:style>
-          <p:txBody>
-            <a:bodyPr rtlCol="0" anchor="ctr"/>
-            <a:lstStyle/>
-            <a:p>
-              <a:pPr algn="ctr"/>
-              <a:endParaRPr lang="en-US"/>
-            </a:p>
-          </p:txBody>
-        </p:sp>
-      </p:grpSp>
+            <a:endParaRPr lang="en-GB" sz="1900"/>
+          </a:p>
+        </p:txBody>
+      </p:sp>
     </p:spTree>
     <p:extLst>
       <p:ext uri="{BB962C8B-B14F-4D97-AF65-F5344CB8AC3E}">
